--- a/Lectures/M3-ArchitectureModeling.pptx
+++ b/Lectures/M3-ArchitectureModeling.pptx
@@ -267,14 +267,14 @@
               <ma14:placeholderFlag xmlns:ma14="http://schemas.microsoft.com/office/mac/drawingml/2011/main" val="1"/>
             </a:ext>
             <a:ext uri="{909E8E84-426E-40dd-AFC4-6F175D3DCCD1}">
-              <a14:hiddenFill xmlns="" xmlns:a14="http://schemas.microsoft.com/office/drawing/2010/main">
+              <a14:hiddenFill xmlns:a14="http://schemas.microsoft.com/office/drawing/2010/main" xmlns="">
                 <a:solidFill>
                   <a:schemeClr val="accent1"/>
                 </a:solidFill>
               </a14:hiddenFill>
             </a:ext>
             <a:ext uri="{91240B29-F687-4f45-9708-019B960494DF}">
-              <a14:hiddenLine xmlns="" xmlns:a14="http://schemas.microsoft.com/office/drawing/2010/main" w="9525">
+              <a14:hiddenLine xmlns:a14="http://schemas.microsoft.com/office/drawing/2010/main" xmlns="" w="9525">
                 <a:solidFill>
                   <a:schemeClr val="tx1"/>
                 </a:solidFill>
@@ -284,7 +284,7 @@
               </a14:hiddenLine>
             </a:ext>
             <a:ext uri="{AF507438-7753-43e0-B8FC-AC1667EBCBE1}">
-              <a14:hiddenEffects xmlns="" xmlns:a14="http://schemas.microsoft.com/office/drawing/2010/main">
+              <a14:hiddenEffects xmlns:a14="http://schemas.microsoft.com/office/drawing/2010/main" xmlns="">
                 <a:effectLst>
                   <a:outerShdw blurRad="63500" dist="38099" dir="2700000" algn="ctr" rotWithShape="0">
                     <a:schemeClr val="bg2">
@@ -340,14 +340,14 @@
               <ma14:placeholderFlag xmlns:ma14="http://schemas.microsoft.com/office/mac/drawingml/2011/main" val="1"/>
             </a:ext>
             <a:ext uri="{909E8E84-426E-40dd-AFC4-6F175D3DCCD1}">
-              <a14:hiddenFill xmlns="" xmlns:a14="http://schemas.microsoft.com/office/drawing/2010/main">
+              <a14:hiddenFill xmlns:a14="http://schemas.microsoft.com/office/drawing/2010/main" xmlns="">
                 <a:solidFill>
                   <a:schemeClr val="accent1"/>
                 </a:solidFill>
               </a14:hiddenFill>
             </a:ext>
             <a:ext uri="{91240B29-F687-4f45-9708-019B960494DF}">
-              <a14:hiddenLine xmlns="" xmlns:a14="http://schemas.microsoft.com/office/drawing/2010/main" w="9525">
+              <a14:hiddenLine xmlns:a14="http://schemas.microsoft.com/office/drawing/2010/main" xmlns="" w="9525">
                 <a:solidFill>
                   <a:schemeClr val="tx1"/>
                 </a:solidFill>
@@ -357,7 +357,7 @@
               </a14:hiddenLine>
             </a:ext>
             <a:ext uri="{AF507438-7753-43e0-B8FC-AC1667EBCBE1}">
-              <a14:hiddenEffects xmlns="" xmlns:a14="http://schemas.microsoft.com/office/drawing/2010/main">
+              <a14:hiddenEffects xmlns:a14="http://schemas.microsoft.com/office/drawing/2010/main" xmlns="">
                 <a:effectLst>
                   <a:outerShdw blurRad="63500" dist="38099" dir="2700000" algn="ctr" rotWithShape="0">
                     <a:schemeClr val="bg2">
@@ -413,14 +413,14 @@
               <ma14:placeholderFlag xmlns:ma14="http://schemas.microsoft.com/office/mac/drawingml/2011/main" val="1"/>
             </a:ext>
             <a:ext uri="{909E8E84-426E-40dd-AFC4-6F175D3DCCD1}">
-              <a14:hiddenFill xmlns="" xmlns:a14="http://schemas.microsoft.com/office/drawing/2010/main">
+              <a14:hiddenFill xmlns:a14="http://schemas.microsoft.com/office/drawing/2010/main" xmlns="">
                 <a:solidFill>
                   <a:schemeClr val="accent1"/>
                 </a:solidFill>
               </a14:hiddenFill>
             </a:ext>
             <a:ext uri="{91240B29-F687-4f45-9708-019B960494DF}">
-              <a14:hiddenLine xmlns="" xmlns:a14="http://schemas.microsoft.com/office/drawing/2010/main" w="9525">
+              <a14:hiddenLine xmlns:a14="http://schemas.microsoft.com/office/drawing/2010/main" xmlns="" w="9525">
                 <a:solidFill>
                   <a:schemeClr val="tx1"/>
                 </a:solidFill>
@@ -430,7 +430,7 @@
               </a14:hiddenLine>
             </a:ext>
             <a:ext uri="{AF507438-7753-43e0-B8FC-AC1667EBCBE1}">
-              <a14:hiddenEffects xmlns="" xmlns:a14="http://schemas.microsoft.com/office/drawing/2010/main">
+              <a14:hiddenEffects xmlns:a14="http://schemas.microsoft.com/office/drawing/2010/main" xmlns="">
                 <a:effectLst>
                   <a:outerShdw blurRad="63500" dist="38099" dir="2700000" algn="ctr" rotWithShape="0">
                     <a:schemeClr val="bg2">
@@ -486,14 +486,14 @@
               <ma14:placeholderFlag xmlns:ma14="http://schemas.microsoft.com/office/mac/drawingml/2011/main" val="1"/>
             </a:ext>
             <a:ext uri="{909E8E84-426E-40dd-AFC4-6F175D3DCCD1}">
-              <a14:hiddenFill xmlns="" xmlns:a14="http://schemas.microsoft.com/office/drawing/2010/main">
+              <a14:hiddenFill xmlns:a14="http://schemas.microsoft.com/office/drawing/2010/main" xmlns="">
                 <a:solidFill>
                   <a:schemeClr val="accent1"/>
                 </a:solidFill>
               </a14:hiddenFill>
             </a:ext>
             <a:ext uri="{91240B29-F687-4f45-9708-019B960494DF}">
-              <a14:hiddenLine xmlns="" xmlns:a14="http://schemas.microsoft.com/office/drawing/2010/main" w="9525">
+              <a14:hiddenLine xmlns:a14="http://schemas.microsoft.com/office/drawing/2010/main" xmlns="" w="9525">
                 <a:solidFill>
                   <a:schemeClr val="tx1"/>
                 </a:solidFill>
@@ -503,7 +503,7 @@
               </a14:hiddenLine>
             </a:ext>
             <a:ext uri="{AF507438-7753-43e0-B8FC-AC1667EBCBE1}">
-              <a14:hiddenEffects xmlns="" xmlns:a14="http://schemas.microsoft.com/office/drawing/2010/main">
+              <a14:hiddenEffects xmlns:a14="http://schemas.microsoft.com/office/drawing/2010/main" xmlns="">
                 <a:effectLst>
                   <a:outerShdw blurRad="63500" dist="38099" dir="2700000" algn="ctr" rotWithShape="0">
                     <a:schemeClr val="bg2">
@@ -600,14 +600,14 @@
               <ma14:placeholderFlag xmlns:ma14="http://schemas.microsoft.com/office/mac/drawingml/2011/main" val="1"/>
             </a:ext>
             <a:ext uri="{909E8E84-426E-40dd-AFC4-6F175D3DCCD1}">
-              <a14:hiddenFill xmlns="" xmlns:a14="http://schemas.microsoft.com/office/drawing/2010/main">
+              <a14:hiddenFill xmlns:a14="http://schemas.microsoft.com/office/drawing/2010/main" xmlns="">
                 <a:solidFill>
                   <a:schemeClr val="accent1"/>
                 </a:solidFill>
               </a14:hiddenFill>
             </a:ext>
             <a:ext uri="{91240B29-F687-4f45-9708-019B960494DF}">
-              <a14:hiddenLine xmlns="" xmlns:a14="http://schemas.microsoft.com/office/drawing/2010/main" w="9525">
+              <a14:hiddenLine xmlns:a14="http://schemas.microsoft.com/office/drawing/2010/main" xmlns="" w="9525">
                 <a:solidFill>
                   <a:schemeClr val="tx1"/>
                 </a:solidFill>
@@ -617,7 +617,7 @@
               </a14:hiddenLine>
             </a:ext>
             <a:ext uri="{AF507438-7753-43e0-B8FC-AC1667EBCBE1}">
-              <a14:hiddenEffects xmlns="" xmlns:a14="http://schemas.microsoft.com/office/drawing/2010/main">
+              <a14:hiddenEffects xmlns:a14="http://schemas.microsoft.com/office/drawing/2010/main" xmlns="">
                 <a:effectLst>
                   <a:outerShdw blurRad="63500" dist="38099" dir="2700000" algn="ctr" rotWithShape="0">
                     <a:schemeClr val="bg2">
@@ -673,14 +673,14 @@
               <ma14:placeholderFlag xmlns:ma14="http://schemas.microsoft.com/office/mac/drawingml/2011/main" val="1"/>
             </a:ext>
             <a:ext uri="{909E8E84-426E-40dd-AFC4-6F175D3DCCD1}">
-              <a14:hiddenFill xmlns="" xmlns:a14="http://schemas.microsoft.com/office/drawing/2010/main">
+              <a14:hiddenFill xmlns:a14="http://schemas.microsoft.com/office/drawing/2010/main" xmlns="">
                 <a:solidFill>
                   <a:schemeClr val="accent1"/>
                 </a:solidFill>
               </a14:hiddenFill>
             </a:ext>
             <a:ext uri="{91240B29-F687-4f45-9708-019B960494DF}">
-              <a14:hiddenLine xmlns="" xmlns:a14="http://schemas.microsoft.com/office/drawing/2010/main" w="9525">
+              <a14:hiddenLine xmlns:a14="http://schemas.microsoft.com/office/drawing/2010/main" xmlns="" w="9525">
                 <a:solidFill>
                   <a:schemeClr val="tx1"/>
                 </a:solidFill>
@@ -690,7 +690,7 @@
               </a14:hiddenLine>
             </a:ext>
             <a:ext uri="{AF507438-7753-43e0-B8FC-AC1667EBCBE1}">
-              <a14:hiddenEffects xmlns="" xmlns:a14="http://schemas.microsoft.com/office/drawing/2010/main">
+              <a14:hiddenEffects xmlns:a14="http://schemas.microsoft.com/office/drawing/2010/main" xmlns="">
                 <a:effectLst>
                   <a:outerShdw blurRad="63500" dist="38099" dir="2700000" algn="ctr" rotWithShape="0">
                     <a:schemeClr val="bg2">
@@ -748,7 +748,7 @@
           <a:effectLst/>
           <a:extLst>
             <a:ext uri="{AF507438-7753-43e0-B8FC-AC1667EBCBE1}">
-              <a14:hiddenEffects xmlns="" xmlns:a14="http://schemas.microsoft.com/office/drawing/2010/main">
+              <a14:hiddenEffects xmlns:a14="http://schemas.microsoft.com/office/drawing/2010/main" xmlns="">
                 <a:effectLst>
                   <a:outerShdw blurRad="63500" dist="38099" dir="2700000" algn="ctr" rotWithShape="0">
                     <a:srgbClr val="000000">
@@ -759,7 +759,7 @@
               </a14:hiddenEffects>
             </a:ext>
             <a:ext uri="{53640926-AAD7-44d8-BBD7-CCE9431645EC}">
-              <a14:shadowObscured xmlns="" xmlns:a14="http://schemas.microsoft.com/office/drawing/2010/main" val="1"/>
+              <a14:shadowObscured xmlns:a14="http://schemas.microsoft.com/office/drawing/2010/main" xmlns="" val="1"/>
             </a:ext>
           </a:extLst>
         </p:spPr>
@@ -792,14 +792,14 @@
               <ma14:placeholderFlag xmlns:ma14="http://schemas.microsoft.com/office/mac/drawingml/2011/main" val="1"/>
             </a:ext>
             <a:ext uri="{909E8E84-426E-40dd-AFC4-6F175D3DCCD1}">
-              <a14:hiddenFill xmlns="" xmlns:a14="http://schemas.microsoft.com/office/drawing/2010/main">
+              <a14:hiddenFill xmlns:a14="http://schemas.microsoft.com/office/drawing/2010/main" xmlns="">
                 <a:solidFill>
                   <a:schemeClr val="accent1"/>
                 </a:solidFill>
               </a14:hiddenFill>
             </a:ext>
             <a:ext uri="{91240B29-F687-4f45-9708-019B960494DF}">
-              <a14:hiddenLine xmlns="" xmlns:a14="http://schemas.microsoft.com/office/drawing/2010/main" w="9525">
+              <a14:hiddenLine xmlns:a14="http://schemas.microsoft.com/office/drawing/2010/main" xmlns="" w="9525">
                 <a:solidFill>
                   <a:schemeClr val="tx1"/>
                 </a:solidFill>
@@ -809,7 +809,7 @@
               </a14:hiddenLine>
             </a:ext>
             <a:ext uri="{AF507438-7753-43e0-B8FC-AC1667EBCBE1}">
-              <a14:hiddenEffects xmlns="" xmlns:a14="http://schemas.microsoft.com/office/drawing/2010/main">
+              <a14:hiddenEffects xmlns:a14="http://schemas.microsoft.com/office/drawing/2010/main" xmlns="">
                 <a:effectLst>
                   <a:outerShdw blurRad="63500" dist="38099" dir="2700000" algn="ctr" rotWithShape="0">
                     <a:schemeClr val="bg2">
@@ -893,14 +893,14 @@
               <ma14:placeholderFlag xmlns:ma14="http://schemas.microsoft.com/office/mac/drawingml/2011/main" val="1"/>
             </a:ext>
             <a:ext uri="{909E8E84-426E-40dd-AFC4-6F175D3DCCD1}">
-              <a14:hiddenFill xmlns="" xmlns:a14="http://schemas.microsoft.com/office/drawing/2010/main">
+              <a14:hiddenFill xmlns:a14="http://schemas.microsoft.com/office/drawing/2010/main" xmlns="">
                 <a:solidFill>
                   <a:schemeClr val="accent1"/>
                 </a:solidFill>
               </a14:hiddenFill>
             </a:ext>
             <a:ext uri="{91240B29-F687-4f45-9708-019B960494DF}">
-              <a14:hiddenLine xmlns="" xmlns:a14="http://schemas.microsoft.com/office/drawing/2010/main" w="9525">
+              <a14:hiddenLine xmlns:a14="http://schemas.microsoft.com/office/drawing/2010/main" xmlns="" w="9525">
                 <a:solidFill>
                   <a:schemeClr val="tx1"/>
                 </a:solidFill>
@@ -910,7 +910,7 @@
               </a14:hiddenLine>
             </a:ext>
             <a:ext uri="{AF507438-7753-43e0-B8FC-AC1667EBCBE1}">
-              <a14:hiddenEffects xmlns="" xmlns:a14="http://schemas.microsoft.com/office/drawing/2010/main">
+              <a14:hiddenEffects xmlns:a14="http://schemas.microsoft.com/office/drawing/2010/main" xmlns="">
                 <a:effectLst>
                   <a:outerShdw blurRad="63500" dist="38099" dir="2700000" algn="ctr" rotWithShape="0">
                     <a:schemeClr val="bg2">
@@ -966,14 +966,14 @@
               <ma14:placeholderFlag xmlns:ma14="http://schemas.microsoft.com/office/mac/drawingml/2011/main" val="1"/>
             </a:ext>
             <a:ext uri="{909E8E84-426E-40dd-AFC4-6F175D3DCCD1}">
-              <a14:hiddenFill xmlns="" xmlns:a14="http://schemas.microsoft.com/office/drawing/2010/main">
+              <a14:hiddenFill xmlns:a14="http://schemas.microsoft.com/office/drawing/2010/main" xmlns="">
                 <a:solidFill>
                   <a:schemeClr val="accent1"/>
                 </a:solidFill>
               </a14:hiddenFill>
             </a:ext>
             <a:ext uri="{91240B29-F687-4f45-9708-019B960494DF}">
-              <a14:hiddenLine xmlns="" xmlns:a14="http://schemas.microsoft.com/office/drawing/2010/main" w="9525">
+              <a14:hiddenLine xmlns:a14="http://schemas.microsoft.com/office/drawing/2010/main" xmlns="" w="9525">
                 <a:solidFill>
                   <a:schemeClr val="tx1"/>
                 </a:solidFill>
@@ -983,7 +983,7 @@
               </a14:hiddenLine>
             </a:ext>
             <a:ext uri="{AF507438-7753-43e0-B8FC-AC1667EBCBE1}">
-              <a14:hiddenEffects xmlns="" xmlns:a14="http://schemas.microsoft.com/office/drawing/2010/main">
+              <a14:hiddenEffects xmlns:a14="http://schemas.microsoft.com/office/drawing/2010/main" xmlns="">
                 <a:effectLst>
                   <a:outerShdw blurRad="63500" dist="38099" dir="2700000" algn="ctr" rotWithShape="0">
                     <a:schemeClr val="bg2">
@@ -1223,7 +1223,7 @@
               <a:effectLst/>
               <a:extLst>
                 <a:ext uri="{91240B29-F687-4f45-9708-019B960494DF}">
-                  <a14:hiddenLine xmlns="" xmlns:a14="http://schemas.microsoft.com/office/drawing/2010/main" w="9525">
+                  <a14:hiddenLine xmlns:a14="http://schemas.microsoft.com/office/drawing/2010/main" xmlns="" w="9525">
                     <a:solidFill>
                       <a:schemeClr val="tx1"/>
                     </a:solidFill>
@@ -1233,7 +1233,7 @@
                   </a14:hiddenLine>
                 </a:ext>
                 <a:ext uri="{AF507438-7753-43e0-B8FC-AC1667EBCBE1}">
-                  <a14:hiddenEffects xmlns="" xmlns:a14="http://schemas.microsoft.com/office/drawing/2010/main">
+                  <a14:hiddenEffects xmlns:a14="http://schemas.microsoft.com/office/drawing/2010/main" xmlns="">
                     <a:effectLst>
                       <a:outerShdw blurRad="63500" dist="38099" dir="2700000" algn="ctr" rotWithShape="0">
                         <a:schemeClr val="bg2">
@@ -1302,12 +1302,12 @@
                 <a:effectLst/>
                 <a:extLst>
                   <a:ext uri="{909E8E84-426E-40dd-AFC4-6F175D3DCCD1}">
-                    <a14:hiddenFill xmlns="" xmlns:a14="http://schemas.microsoft.com/office/drawing/2010/main">
+                    <a14:hiddenFill xmlns:a14="http://schemas.microsoft.com/office/drawing/2010/main" xmlns="">
                       <a:noFill/>
                     </a14:hiddenFill>
                   </a:ext>
                   <a:ext uri="{AF507438-7753-43e0-B8FC-AC1667EBCBE1}">
-                    <a14:hiddenEffects xmlns="" xmlns:a14="http://schemas.microsoft.com/office/drawing/2010/main">
+                    <a14:hiddenEffects xmlns:a14="http://schemas.microsoft.com/office/drawing/2010/main" xmlns="">
                       <a:effectLst>
                         <a:outerShdw blurRad="63500" dist="38099" dir="2700000" algn="ctr" rotWithShape="0">
                           <a:schemeClr val="bg2">
@@ -1360,12 +1360,12 @@
                 <a:effectLst/>
                 <a:extLst>
                   <a:ext uri="{909E8E84-426E-40dd-AFC4-6F175D3DCCD1}">
-                    <a14:hiddenFill xmlns="" xmlns:a14="http://schemas.microsoft.com/office/drawing/2010/main">
+                    <a14:hiddenFill xmlns:a14="http://schemas.microsoft.com/office/drawing/2010/main" xmlns="">
                       <a:noFill/>
                     </a14:hiddenFill>
                   </a:ext>
                   <a:ext uri="{AF507438-7753-43e0-B8FC-AC1667EBCBE1}">
-                    <a14:hiddenEffects xmlns="" xmlns:a14="http://schemas.microsoft.com/office/drawing/2010/main">
+                    <a14:hiddenEffects xmlns:a14="http://schemas.microsoft.com/office/drawing/2010/main" xmlns="">
                       <a:effectLst>
                         <a:outerShdw blurRad="63500" dist="38099" dir="2700000" algn="ctr" rotWithShape="0">
                           <a:schemeClr val="bg2">
@@ -1418,12 +1418,12 @@
                 <a:effectLst/>
                 <a:extLst>
                   <a:ext uri="{909E8E84-426E-40dd-AFC4-6F175D3DCCD1}">
-                    <a14:hiddenFill xmlns="" xmlns:a14="http://schemas.microsoft.com/office/drawing/2010/main">
+                    <a14:hiddenFill xmlns:a14="http://schemas.microsoft.com/office/drawing/2010/main" xmlns="">
                       <a:noFill/>
                     </a14:hiddenFill>
                   </a:ext>
                   <a:ext uri="{AF507438-7753-43e0-B8FC-AC1667EBCBE1}">
-                    <a14:hiddenEffects xmlns="" xmlns:a14="http://schemas.microsoft.com/office/drawing/2010/main">
+                    <a14:hiddenEffects xmlns:a14="http://schemas.microsoft.com/office/drawing/2010/main" xmlns="">
                       <a:effectLst>
                         <a:outerShdw blurRad="63500" dist="38099" dir="2700000" algn="ctr" rotWithShape="0">
                           <a:schemeClr val="bg2">
@@ -1476,12 +1476,12 @@
                 <a:effectLst/>
                 <a:extLst>
                   <a:ext uri="{909E8E84-426E-40dd-AFC4-6F175D3DCCD1}">
-                    <a14:hiddenFill xmlns="" xmlns:a14="http://schemas.microsoft.com/office/drawing/2010/main">
+                    <a14:hiddenFill xmlns:a14="http://schemas.microsoft.com/office/drawing/2010/main" xmlns="">
                       <a:noFill/>
                     </a14:hiddenFill>
                   </a:ext>
                   <a:ext uri="{AF507438-7753-43e0-B8FC-AC1667EBCBE1}">
-                    <a14:hiddenEffects xmlns="" xmlns:a14="http://schemas.microsoft.com/office/drawing/2010/main">
+                    <a14:hiddenEffects xmlns:a14="http://schemas.microsoft.com/office/drawing/2010/main" xmlns="">
                       <a:effectLst>
                         <a:outerShdw blurRad="63500" dist="38099" dir="2700000" algn="ctr" rotWithShape="0">
                           <a:schemeClr val="bg2">
@@ -1534,12 +1534,12 @@
                 <a:effectLst/>
                 <a:extLst>
                   <a:ext uri="{909E8E84-426E-40dd-AFC4-6F175D3DCCD1}">
-                    <a14:hiddenFill xmlns="" xmlns:a14="http://schemas.microsoft.com/office/drawing/2010/main">
+                    <a14:hiddenFill xmlns:a14="http://schemas.microsoft.com/office/drawing/2010/main" xmlns="">
                       <a:noFill/>
                     </a14:hiddenFill>
                   </a:ext>
                   <a:ext uri="{AF507438-7753-43e0-B8FC-AC1667EBCBE1}">
-                    <a14:hiddenEffects xmlns="" xmlns:a14="http://schemas.microsoft.com/office/drawing/2010/main">
+                    <a14:hiddenEffects xmlns:a14="http://schemas.microsoft.com/office/drawing/2010/main" xmlns="">
                       <a:effectLst>
                         <a:outerShdw blurRad="63500" dist="38099" dir="2700000" algn="ctr" rotWithShape="0">
                           <a:schemeClr val="bg2">
@@ -1592,12 +1592,12 @@
                 <a:effectLst/>
                 <a:extLst>
                   <a:ext uri="{909E8E84-426E-40dd-AFC4-6F175D3DCCD1}">
-                    <a14:hiddenFill xmlns="" xmlns:a14="http://schemas.microsoft.com/office/drawing/2010/main">
+                    <a14:hiddenFill xmlns:a14="http://schemas.microsoft.com/office/drawing/2010/main" xmlns="">
                       <a:noFill/>
                     </a14:hiddenFill>
                   </a:ext>
                   <a:ext uri="{AF507438-7753-43e0-B8FC-AC1667EBCBE1}">
-                    <a14:hiddenEffects xmlns="" xmlns:a14="http://schemas.microsoft.com/office/drawing/2010/main">
+                    <a14:hiddenEffects xmlns:a14="http://schemas.microsoft.com/office/drawing/2010/main" xmlns="">
                       <a:effectLst>
                         <a:outerShdw blurRad="63500" dist="38099" dir="2700000" algn="ctr" rotWithShape="0">
                           <a:schemeClr val="bg2">
@@ -1650,12 +1650,12 @@
                 <a:effectLst/>
                 <a:extLst>
                   <a:ext uri="{909E8E84-426E-40dd-AFC4-6F175D3DCCD1}">
-                    <a14:hiddenFill xmlns="" xmlns:a14="http://schemas.microsoft.com/office/drawing/2010/main">
+                    <a14:hiddenFill xmlns:a14="http://schemas.microsoft.com/office/drawing/2010/main" xmlns="">
                       <a:noFill/>
                     </a14:hiddenFill>
                   </a:ext>
                   <a:ext uri="{AF507438-7753-43e0-B8FC-AC1667EBCBE1}">
-                    <a14:hiddenEffects xmlns="" xmlns:a14="http://schemas.microsoft.com/office/drawing/2010/main">
+                    <a14:hiddenEffects xmlns:a14="http://schemas.microsoft.com/office/drawing/2010/main" xmlns="">
                       <a:effectLst>
                         <a:outerShdw blurRad="63500" dist="38099" dir="2700000" algn="ctr" rotWithShape="0">
                           <a:schemeClr val="bg2">
@@ -1708,12 +1708,12 @@
                 <a:effectLst/>
                 <a:extLst>
                   <a:ext uri="{909E8E84-426E-40dd-AFC4-6F175D3DCCD1}">
-                    <a14:hiddenFill xmlns="" xmlns:a14="http://schemas.microsoft.com/office/drawing/2010/main">
+                    <a14:hiddenFill xmlns:a14="http://schemas.microsoft.com/office/drawing/2010/main" xmlns="">
                       <a:noFill/>
                     </a14:hiddenFill>
                   </a:ext>
                   <a:ext uri="{AF507438-7753-43e0-B8FC-AC1667EBCBE1}">
-                    <a14:hiddenEffects xmlns="" xmlns:a14="http://schemas.microsoft.com/office/drawing/2010/main">
+                    <a14:hiddenEffects xmlns:a14="http://schemas.microsoft.com/office/drawing/2010/main" xmlns="">
                       <a:effectLst>
                         <a:outerShdw blurRad="63500" dist="38099" dir="2700000" algn="ctr" rotWithShape="0">
                           <a:schemeClr val="bg2">
@@ -1766,12 +1766,12 @@
                 <a:effectLst/>
                 <a:extLst>
                   <a:ext uri="{909E8E84-426E-40dd-AFC4-6F175D3DCCD1}">
-                    <a14:hiddenFill xmlns="" xmlns:a14="http://schemas.microsoft.com/office/drawing/2010/main">
+                    <a14:hiddenFill xmlns:a14="http://schemas.microsoft.com/office/drawing/2010/main" xmlns="">
                       <a:noFill/>
                     </a14:hiddenFill>
                   </a:ext>
                   <a:ext uri="{AF507438-7753-43e0-B8FC-AC1667EBCBE1}">
-                    <a14:hiddenEffects xmlns="" xmlns:a14="http://schemas.microsoft.com/office/drawing/2010/main">
+                    <a14:hiddenEffects xmlns:a14="http://schemas.microsoft.com/office/drawing/2010/main" xmlns="">
                       <a:effectLst>
                         <a:outerShdw blurRad="63500" dist="38099" dir="2700000" algn="ctr" rotWithShape="0">
                           <a:schemeClr val="bg2">
@@ -1824,12 +1824,12 @@
                 <a:effectLst/>
                 <a:extLst>
                   <a:ext uri="{909E8E84-426E-40dd-AFC4-6F175D3DCCD1}">
-                    <a14:hiddenFill xmlns="" xmlns:a14="http://schemas.microsoft.com/office/drawing/2010/main">
+                    <a14:hiddenFill xmlns:a14="http://schemas.microsoft.com/office/drawing/2010/main" xmlns="">
                       <a:noFill/>
                     </a14:hiddenFill>
                   </a:ext>
                   <a:ext uri="{AF507438-7753-43e0-B8FC-AC1667EBCBE1}">
-                    <a14:hiddenEffects xmlns="" xmlns:a14="http://schemas.microsoft.com/office/drawing/2010/main">
+                    <a14:hiddenEffects xmlns:a14="http://schemas.microsoft.com/office/drawing/2010/main" xmlns="">
                       <a:effectLst>
                         <a:outerShdw blurRad="63500" dist="38099" dir="2700000" algn="ctr" rotWithShape="0">
                           <a:schemeClr val="bg2">
@@ -1882,12 +1882,12 @@
                 <a:effectLst/>
                 <a:extLst>
                   <a:ext uri="{909E8E84-426E-40dd-AFC4-6F175D3DCCD1}">
-                    <a14:hiddenFill xmlns="" xmlns:a14="http://schemas.microsoft.com/office/drawing/2010/main">
+                    <a14:hiddenFill xmlns:a14="http://schemas.microsoft.com/office/drawing/2010/main" xmlns="">
                       <a:noFill/>
                     </a14:hiddenFill>
                   </a:ext>
                   <a:ext uri="{AF507438-7753-43e0-B8FC-AC1667EBCBE1}">
-                    <a14:hiddenEffects xmlns="" xmlns:a14="http://schemas.microsoft.com/office/drawing/2010/main">
+                    <a14:hiddenEffects xmlns:a14="http://schemas.microsoft.com/office/drawing/2010/main" xmlns="">
                       <a:effectLst>
                         <a:outerShdw blurRad="63500" dist="38099" dir="2700000" algn="ctr" rotWithShape="0">
                           <a:schemeClr val="bg2">
@@ -1940,12 +1940,12 @@
                 <a:effectLst/>
                 <a:extLst>
                   <a:ext uri="{909E8E84-426E-40dd-AFC4-6F175D3DCCD1}">
-                    <a14:hiddenFill xmlns="" xmlns:a14="http://schemas.microsoft.com/office/drawing/2010/main">
+                    <a14:hiddenFill xmlns:a14="http://schemas.microsoft.com/office/drawing/2010/main" xmlns="">
                       <a:noFill/>
                     </a14:hiddenFill>
                   </a:ext>
                   <a:ext uri="{AF507438-7753-43e0-B8FC-AC1667EBCBE1}">
-                    <a14:hiddenEffects xmlns="" xmlns:a14="http://schemas.microsoft.com/office/drawing/2010/main">
+                    <a14:hiddenEffects xmlns:a14="http://schemas.microsoft.com/office/drawing/2010/main" xmlns="">
                       <a:effectLst>
                         <a:outerShdw blurRad="63500" dist="38099" dir="2700000" algn="ctr" rotWithShape="0">
                           <a:schemeClr val="bg2">
@@ -1998,12 +1998,12 @@
                 <a:effectLst/>
                 <a:extLst>
                   <a:ext uri="{909E8E84-426E-40dd-AFC4-6F175D3DCCD1}">
-                    <a14:hiddenFill xmlns="" xmlns:a14="http://schemas.microsoft.com/office/drawing/2010/main">
+                    <a14:hiddenFill xmlns:a14="http://schemas.microsoft.com/office/drawing/2010/main" xmlns="">
                       <a:noFill/>
                     </a14:hiddenFill>
                   </a:ext>
                   <a:ext uri="{AF507438-7753-43e0-B8FC-AC1667EBCBE1}">
-                    <a14:hiddenEffects xmlns="" xmlns:a14="http://schemas.microsoft.com/office/drawing/2010/main">
+                    <a14:hiddenEffects xmlns:a14="http://schemas.microsoft.com/office/drawing/2010/main" xmlns="">
                       <a:effectLst>
                         <a:outerShdw blurRad="63500" dist="38099" dir="2700000" algn="ctr" rotWithShape="0">
                           <a:schemeClr val="bg2">
@@ -2056,12 +2056,12 @@
                 <a:effectLst/>
                 <a:extLst>
                   <a:ext uri="{909E8E84-426E-40dd-AFC4-6F175D3DCCD1}">
-                    <a14:hiddenFill xmlns="" xmlns:a14="http://schemas.microsoft.com/office/drawing/2010/main">
+                    <a14:hiddenFill xmlns:a14="http://schemas.microsoft.com/office/drawing/2010/main" xmlns="">
                       <a:noFill/>
                     </a14:hiddenFill>
                   </a:ext>
                   <a:ext uri="{AF507438-7753-43e0-B8FC-AC1667EBCBE1}">
-                    <a14:hiddenEffects xmlns="" xmlns:a14="http://schemas.microsoft.com/office/drawing/2010/main">
+                    <a14:hiddenEffects xmlns:a14="http://schemas.microsoft.com/office/drawing/2010/main" xmlns="">
                       <a:effectLst>
                         <a:outerShdw blurRad="63500" dist="38099" dir="2700000" algn="ctr" rotWithShape="0">
                           <a:schemeClr val="bg2">
@@ -2114,12 +2114,12 @@
                 <a:effectLst/>
                 <a:extLst>
                   <a:ext uri="{909E8E84-426E-40dd-AFC4-6F175D3DCCD1}">
-                    <a14:hiddenFill xmlns="" xmlns:a14="http://schemas.microsoft.com/office/drawing/2010/main">
+                    <a14:hiddenFill xmlns:a14="http://schemas.microsoft.com/office/drawing/2010/main" xmlns="">
                       <a:noFill/>
                     </a14:hiddenFill>
                   </a:ext>
                   <a:ext uri="{AF507438-7753-43e0-B8FC-AC1667EBCBE1}">
-                    <a14:hiddenEffects xmlns="" xmlns:a14="http://schemas.microsoft.com/office/drawing/2010/main">
+                    <a14:hiddenEffects xmlns:a14="http://schemas.microsoft.com/office/drawing/2010/main" xmlns="">
                       <a:effectLst>
                         <a:outerShdw blurRad="63500" dist="38099" dir="2700000" algn="ctr" rotWithShape="0">
                           <a:schemeClr val="bg2">
@@ -2172,12 +2172,12 @@
                 <a:effectLst/>
                 <a:extLst>
                   <a:ext uri="{909E8E84-426E-40dd-AFC4-6F175D3DCCD1}">
-                    <a14:hiddenFill xmlns="" xmlns:a14="http://schemas.microsoft.com/office/drawing/2010/main">
+                    <a14:hiddenFill xmlns:a14="http://schemas.microsoft.com/office/drawing/2010/main" xmlns="">
                       <a:noFill/>
                     </a14:hiddenFill>
                   </a:ext>
                   <a:ext uri="{AF507438-7753-43e0-B8FC-AC1667EBCBE1}">
-                    <a14:hiddenEffects xmlns="" xmlns:a14="http://schemas.microsoft.com/office/drawing/2010/main">
+                    <a14:hiddenEffects xmlns:a14="http://schemas.microsoft.com/office/drawing/2010/main" xmlns="">
                       <a:effectLst>
                         <a:outerShdw blurRad="63500" dist="38099" dir="2700000" algn="ctr" rotWithShape="0">
                           <a:schemeClr val="bg2">
@@ -2230,12 +2230,12 @@
                 <a:effectLst/>
                 <a:extLst>
                   <a:ext uri="{909E8E84-426E-40dd-AFC4-6F175D3DCCD1}">
-                    <a14:hiddenFill xmlns="" xmlns:a14="http://schemas.microsoft.com/office/drawing/2010/main">
+                    <a14:hiddenFill xmlns:a14="http://schemas.microsoft.com/office/drawing/2010/main" xmlns="">
                       <a:noFill/>
                     </a14:hiddenFill>
                   </a:ext>
                   <a:ext uri="{AF507438-7753-43e0-B8FC-AC1667EBCBE1}">
-                    <a14:hiddenEffects xmlns="" xmlns:a14="http://schemas.microsoft.com/office/drawing/2010/main">
+                    <a14:hiddenEffects xmlns:a14="http://schemas.microsoft.com/office/drawing/2010/main" xmlns="">
                       <a:effectLst>
                         <a:outerShdw blurRad="63500" dist="38099" dir="2700000" algn="ctr" rotWithShape="0">
                           <a:schemeClr val="bg2">
@@ -2288,12 +2288,12 @@
                 <a:effectLst/>
                 <a:extLst>
                   <a:ext uri="{909E8E84-426E-40dd-AFC4-6F175D3DCCD1}">
-                    <a14:hiddenFill xmlns="" xmlns:a14="http://schemas.microsoft.com/office/drawing/2010/main">
+                    <a14:hiddenFill xmlns:a14="http://schemas.microsoft.com/office/drawing/2010/main" xmlns="">
                       <a:noFill/>
                     </a14:hiddenFill>
                   </a:ext>
                   <a:ext uri="{AF507438-7753-43e0-B8FC-AC1667EBCBE1}">
-                    <a14:hiddenEffects xmlns="" xmlns:a14="http://schemas.microsoft.com/office/drawing/2010/main">
+                    <a14:hiddenEffects xmlns:a14="http://schemas.microsoft.com/office/drawing/2010/main" xmlns="">
                       <a:effectLst>
                         <a:outerShdw blurRad="63500" dist="38099" dir="2700000" algn="ctr" rotWithShape="0">
                           <a:schemeClr val="bg2">
@@ -2346,12 +2346,12 @@
                 <a:effectLst/>
                 <a:extLst>
                   <a:ext uri="{909E8E84-426E-40dd-AFC4-6F175D3DCCD1}">
-                    <a14:hiddenFill xmlns="" xmlns:a14="http://schemas.microsoft.com/office/drawing/2010/main">
+                    <a14:hiddenFill xmlns:a14="http://schemas.microsoft.com/office/drawing/2010/main" xmlns="">
                       <a:noFill/>
                     </a14:hiddenFill>
                   </a:ext>
                   <a:ext uri="{AF507438-7753-43e0-B8FC-AC1667EBCBE1}">
-                    <a14:hiddenEffects xmlns="" xmlns:a14="http://schemas.microsoft.com/office/drawing/2010/main">
+                    <a14:hiddenEffects xmlns:a14="http://schemas.microsoft.com/office/drawing/2010/main" xmlns="">
                       <a:effectLst>
                         <a:outerShdw blurRad="63500" dist="38099" dir="2700000" algn="ctr" rotWithShape="0">
                           <a:schemeClr val="bg2">
@@ -2404,12 +2404,12 @@
                 <a:effectLst/>
                 <a:extLst>
                   <a:ext uri="{909E8E84-426E-40dd-AFC4-6F175D3DCCD1}">
-                    <a14:hiddenFill xmlns="" xmlns:a14="http://schemas.microsoft.com/office/drawing/2010/main">
+                    <a14:hiddenFill xmlns:a14="http://schemas.microsoft.com/office/drawing/2010/main" xmlns="">
                       <a:noFill/>
                     </a14:hiddenFill>
                   </a:ext>
                   <a:ext uri="{AF507438-7753-43e0-B8FC-AC1667EBCBE1}">
-                    <a14:hiddenEffects xmlns="" xmlns:a14="http://schemas.microsoft.com/office/drawing/2010/main">
+                    <a14:hiddenEffects xmlns:a14="http://schemas.microsoft.com/office/drawing/2010/main" xmlns="">
                       <a:effectLst>
                         <a:outerShdw blurRad="63500" dist="38099" dir="2700000" algn="ctr" rotWithShape="0">
                           <a:schemeClr val="bg2">
@@ -2462,12 +2462,12 @@
                 <a:effectLst/>
                 <a:extLst>
                   <a:ext uri="{909E8E84-426E-40dd-AFC4-6F175D3DCCD1}">
-                    <a14:hiddenFill xmlns="" xmlns:a14="http://schemas.microsoft.com/office/drawing/2010/main">
+                    <a14:hiddenFill xmlns:a14="http://schemas.microsoft.com/office/drawing/2010/main" xmlns="">
                       <a:noFill/>
                     </a14:hiddenFill>
                   </a:ext>
                   <a:ext uri="{AF507438-7753-43e0-B8FC-AC1667EBCBE1}">
-                    <a14:hiddenEffects xmlns="" xmlns:a14="http://schemas.microsoft.com/office/drawing/2010/main">
+                    <a14:hiddenEffects xmlns:a14="http://schemas.microsoft.com/office/drawing/2010/main" xmlns="">
                       <a:effectLst>
                         <a:outerShdw blurRad="63500" dist="38099" dir="2700000" algn="ctr" rotWithShape="0">
                           <a:schemeClr val="bg2">
@@ -2520,12 +2520,12 @@
                 <a:effectLst/>
                 <a:extLst>
                   <a:ext uri="{909E8E84-426E-40dd-AFC4-6F175D3DCCD1}">
-                    <a14:hiddenFill xmlns="" xmlns:a14="http://schemas.microsoft.com/office/drawing/2010/main">
+                    <a14:hiddenFill xmlns:a14="http://schemas.microsoft.com/office/drawing/2010/main" xmlns="">
                       <a:noFill/>
                     </a14:hiddenFill>
                   </a:ext>
                   <a:ext uri="{AF507438-7753-43e0-B8FC-AC1667EBCBE1}">
-                    <a14:hiddenEffects xmlns="" xmlns:a14="http://schemas.microsoft.com/office/drawing/2010/main">
+                    <a14:hiddenEffects xmlns:a14="http://schemas.microsoft.com/office/drawing/2010/main" xmlns="">
                       <a:effectLst>
                         <a:outerShdw blurRad="63500" dist="38099" dir="2700000" algn="ctr" rotWithShape="0">
                           <a:schemeClr val="bg2">
@@ -2578,12 +2578,12 @@
                 <a:effectLst/>
                 <a:extLst>
                   <a:ext uri="{909E8E84-426E-40dd-AFC4-6F175D3DCCD1}">
-                    <a14:hiddenFill xmlns="" xmlns:a14="http://schemas.microsoft.com/office/drawing/2010/main">
+                    <a14:hiddenFill xmlns:a14="http://schemas.microsoft.com/office/drawing/2010/main" xmlns="">
                       <a:noFill/>
                     </a14:hiddenFill>
                   </a:ext>
                   <a:ext uri="{AF507438-7753-43e0-B8FC-AC1667EBCBE1}">
-                    <a14:hiddenEffects xmlns="" xmlns:a14="http://schemas.microsoft.com/office/drawing/2010/main">
+                    <a14:hiddenEffects xmlns:a14="http://schemas.microsoft.com/office/drawing/2010/main" xmlns="">
                       <a:effectLst>
                         <a:outerShdw blurRad="63500" dist="38099" dir="2700000" algn="ctr" rotWithShape="0">
                           <a:schemeClr val="bg2">
@@ -2636,12 +2636,12 @@
                 <a:effectLst/>
                 <a:extLst>
                   <a:ext uri="{909E8E84-426E-40dd-AFC4-6F175D3DCCD1}">
-                    <a14:hiddenFill xmlns="" xmlns:a14="http://schemas.microsoft.com/office/drawing/2010/main">
+                    <a14:hiddenFill xmlns:a14="http://schemas.microsoft.com/office/drawing/2010/main" xmlns="">
                       <a:noFill/>
                     </a14:hiddenFill>
                   </a:ext>
                   <a:ext uri="{AF507438-7753-43e0-B8FC-AC1667EBCBE1}">
-                    <a14:hiddenEffects xmlns="" xmlns:a14="http://schemas.microsoft.com/office/drawing/2010/main">
+                    <a14:hiddenEffects xmlns:a14="http://schemas.microsoft.com/office/drawing/2010/main" xmlns="">
                       <a:effectLst>
                         <a:outerShdw blurRad="63500" dist="38099" dir="2700000" algn="ctr" rotWithShape="0">
                           <a:schemeClr val="bg2">
@@ -2694,12 +2694,12 @@
                 <a:effectLst/>
                 <a:extLst>
                   <a:ext uri="{909E8E84-426E-40dd-AFC4-6F175D3DCCD1}">
-                    <a14:hiddenFill xmlns="" xmlns:a14="http://schemas.microsoft.com/office/drawing/2010/main">
+                    <a14:hiddenFill xmlns:a14="http://schemas.microsoft.com/office/drawing/2010/main" xmlns="">
                       <a:noFill/>
                     </a14:hiddenFill>
                   </a:ext>
                   <a:ext uri="{AF507438-7753-43e0-B8FC-AC1667EBCBE1}">
-                    <a14:hiddenEffects xmlns="" xmlns:a14="http://schemas.microsoft.com/office/drawing/2010/main">
+                    <a14:hiddenEffects xmlns:a14="http://schemas.microsoft.com/office/drawing/2010/main" xmlns="">
                       <a:effectLst>
                         <a:outerShdw blurRad="63500" dist="38099" dir="2700000" algn="ctr" rotWithShape="0">
                           <a:schemeClr val="bg2">
@@ -2752,12 +2752,12 @@
                 <a:effectLst/>
                 <a:extLst>
                   <a:ext uri="{909E8E84-426E-40dd-AFC4-6F175D3DCCD1}">
-                    <a14:hiddenFill xmlns="" xmlns:a14="http://schemas.microsoft.com/office/drawing/2010/main">
+                    <a14:hiddenFill xmlns:a14="http://schemas.microsoft.com/office/drawing/2010/main" xmlns="">
                       <a:noFill/>
                     </a14:hiddenFill>
                   </a:ext>
                   <a:ext uri="{AF507438-7753-43e0-B8FC-AC1667EBCBE1}">
-                    <a14:hiddenEffects xmlns="" xmlns:a14="http://schemas.microsoft.com/office/drawing/2010/main">
+                    <a14:hiddenEffects xmlns:a14="http://schemas.microsoft.com/office/drawing/2010/main" xmlns="">
                       <a:effectLst>
                         <a:outerShdw blurRad="63500" dist="38099" dir="2700000" algn="ctr" rotWithShape="0">
                           <a:schemeClr val="bg2">
@@ -2810,12 +2810,12 @@
                 <a:effectLst/>
                 <a:extLst>
                   <a:ext uri="{909E8E84-426E-40dd-AFC4-6F175D3DCCD1}">
-                    <a14:hiddenFill xmlns="" xmlns:a14="http://schemas.microsoft.com/office/drawing/2010/main">
+                    <a14:hiddenFill xmlns:a14="http://schemas.microsoft.com/office/drawing/2010/main" xmlns="">
                       <a:noFill/>
                     </a14:hiddenFill>
                   </a:ext>
                   <a:ext uri="{AF507438-7753-43e0-B8FC-AC1667EBCBE1}">
-                    <a14:hiddenEffects xmlns="" xmlns:a14="http://schemas.microsoft.com/office/drawing/2010/main">
+                    <a14:hiddenEffects xmlns:a14="http://schemas.microsoft.com/office/drawing/2010/main" xmlns="">
                       <a:effectLst>
                         <a:outerShdw blurRad="63500" dist="38099" dir="2700000" algn="ctr" rotWithShape="0">
                           <a:schemeClr val="bg2">
@@ -2868,12 +2868,12 @@
                 <a:effectLst/>
                 <a:extLst>
                   <a:ext uri="{909E8E84-426E-40dd-AFC4-6F175D3DCCD1}">
-                    <a14:hiddenFill xmlns="" xmlns:a14="http://schemas.microsoft.com/office/drawing/2010/main">
+                    <a14:hiddenFill xmlns:a14="http://schemas.microsoft.com/office/drawing/2010/main" xmlns="">
                       <a:noFill/>
                     </a14:hiddenFill>
                   </a:ext>
                   <a:ext uri="{AF507438-7753-43e0-B8FC-AC1667EBCBE1}">
-                    <a14:hiddenEffects xmlns="" xmlns:a14="http://schemas.microsoft.com/office/drawing/2010/main">
+                    <a14:hiddenEffects xmlns:a14="http://schemas.microsoft.com/office/drawing/2010/main" xmlns="">
                       <a:effectLst>
                         <a:outerShdw blurRad="63500" dist="38099" dir="2700000" algn="ctr" rotWithShape="0">
                           <a:schemeClr val="bg2">
@@ -2926,12 +2926,12 @@
                 <a:effectLst/>
                 <a:extLst>
                   <a:ext uri="{909E8E84-426E-40dd-AFC4-6F175D3DCCD1}">
-                    <a14:hiddenFill xmlns="" xmlns:a14="http://schemas.microsoft.com/office/drawing/2010/main">
+                    <a14:hiddenFill xmlns:a14="http://schemas.microsoft.com/office/drawing/2010/main" xmlns="">
                       <a:noFill/>
                     </a14:hiddenFill>
                   </a:ext>
                   <a:ext uri="{AF507438-7753-43e0-B8FC-AC1667EBCBE1}">
-                    <a14:hiddenEffects xmlns="" xmlns:a14="http://schemas.microsoft.com/office/drawing/2010/main">
+                    <a14:hiddenEffects xmlns:a14="http://schemas.microsoft.com/office/drawing/2010/main" xmlns="">
                       <a:effectLst>
                         <a:outerShdw blurRad="63500" dist="38099" dir="2700000" algn="ctr" rotWithShape="0">
                           <a:schemeClr val="bg2">
@@ -2984,12 +2984,12 @@
                 <a:effectLst/>
                 <a:extLst>
                   <a:ext uri="{909E8E84-426E-40dd-AFC4-6F175D3DCCD1}">
-                    <a14:hiddenFill xmlns="" xmlns:a14="http://schemas.microsoft.com/office/drawing/2010/main">
+                    <a14:hiddenFill xmlns:a14="http://schemas.microsoft.com/office/drawing/2010/main" xmlns="">
                       <a:noFill/>
                     </a14:hiddenFill>
                   </a:ext>
                   <a:ext uri="{AF507438-7753-43e0-B8FC-AC1667EBCBE1}">
-                    <a14:hiddenEffects xmlns="" xmlns:a14="http://schemas.microsoft.com/office/drawing/2010/main">
+                    <a14:hiddenEffects xmlns:a14="http://schemas.microsoft.com/office/drawing/2010/main" xmlns="">
                       <a:effectLst>
                         <a:outerShdw blurRad="63500" dist="38099" dir="2700000" algn="ctr" rotWithShape="0">
                           <a:schemeClr val="bg2">
@@ -3042,12 +3042,12 @@
                 <a:effectLst/>
                 <a:extLst>
                   <a:ext uri="{909E8E84-426E-40dd-AFC4-6F175D3DCCD1}">
-                    <a14:hiddenFill xmlns="" xmlns:a14="http://schemas.microsoft.com/office/drawing/2010/main">
+                    <a14:hiddenFill xmlns:a14="http://schemas.microsoft.com/office/drawing/2010/main" xmlns="">
                       <a:noFill/>
                     </a14:hiddenFill>
                   </a:ext>
                   <a:ext uri="{AF507438-7753-43e0-B8FC-AC1667EBCBE1}">
-                    <a14:hiddenEffects xmlns="" xmlns:a14="http://schemas.microsoft.com/office/drawing/2010/main">
+                    <a14:hiddenEffects xmlns:a14="http://schemas.microsoft.com/office/drawing/2010/main" xmlns="">
                       <a:effectLst>
                         <a:outerShdw blurRad="63500" dist="38099" dir="2700000" algn="ctr" rotWithShape="0">
                           <a:schemeClr val="bg2">
@@ -3100,12 +3100,12 @@
                 <a:effectLst/>
                 <a:extLst>
                   <a:ext uri="{909E8E84-426E-40dd-AFC4-6F175D3DCCD1}">
-                    <a14:hiddenFill xmlns="" xmlns:a14="http://schemas.microsoft.com/office/drawing/2010/main">
+                    <a14:hiddenFill xmlns:a14="http://schemas.microsoft.com/office/drawing/2010/main" xmlns="">
                       <a:noFill/>
                     </a14:hiddenFill>
                   </a:ext>
                   <a:ext uri="{AF507438-7753-43e0-B8FC-AC1667EBCBE1}">
-                    <a14:hiddenEffects xmlns="" xmlns:a14="http://schemas.microsoft.com/office/drawing/2010/main">
+                    <a14:hiddenEffects xmlns:a14="http://schemas.microsoft.com/office/drawing/2010/main" xmlns="">
                       <a:effectLst>
                         <a:outerShdw blurRad="63500" dist="38099" dir="2700000" algn="ctr" rotWithShape="0">
                           <a:schemeClr val="bg2">
@@ -3158,12 +3158,12 @@
                 <a:effectLst/>
                 <a:extLst>
                   <a:ext uri="{909E8E84-426E-40dd-AFC4-6F175D3DCCD1}">
-                    <a14:hiddenFill xmlns="" xmlns:a14="http://schemas.microsoft.com/office/drawing/2010/main">
+                    <a14:hiddenFill xmlns:a14="http://schemas.microsoft.com/office/drawing/2010/main" xmlns="">
                       <a:noFill/>
                     </a14:hiddenFill>
                   </a:ext>
                   <a:ext uri="{AF507438-7753-43e0-B8FC-AC1667EBCBE1}">
-                    <a14:hiddenEffects xmlns="" xmlns:a14="http://schemas.microsoft.com/office/drawing/2010/main">
+                    <a14:hiddenEffects xmlns:a14="http://schemas.microsoft.com/office/drawing/2010/main" xmlns="">
                       <a:effectLst>
                         <a:outerShdw blurRad="63500" dist="38099" dir="2700000" algn="ctr" rotWithShape="0">
                           <a:schemeClr val="bg2">
@@ -3216,12 +3216,12 @@
                 <a:effectLst/>
                 <a:extLst>
                   <a:ext uri="{909E8E84-426E-40dd-AFC4-6F175D3DCCD1}">
-                    <a14:hiddenFill xmlns="" xmlns:a14="http://schemas.microsoft.com/office/drawing/2010/main">
+                    <a14:hiddenFill xmlns:a14="http://schemas.microsoft.com/office/drawing/2010/main" xmlns="">
                       <a:noFill/>
                     </a14:hiddenFill>
                   </a:ext>
                   <a:ext uri="{AF507438-7753-43e0-B8FC-AC1667EBCBE1}">
-                    <a14:hiddenEffects xmlns="" xmlns:a14="http://schemas.microsoft.com/office/drawing/2010/main">
+                    <a14:hiddenEffects xmlns:a14="http://schemas.microsoft.com/office/drawing/2010/main" xmlns="">
                       <a:effectLst>
                         <a:outerShdw blurRad="63500" dist="38099" dir="2700000" algn="ctr" rotWithShape="0">
                           <a:schemeClr val="bg2">
@@ -3274,12 +3274,12 @@
                 <a:effectLst/>
                 <a:extLst>
                   <a:ext uri="{909E8E84-426E-40dd-AFC4-6F175D3DCCD1}">
-                    <a14:hiddenFill xmlns="" xmlns:a14="http://schemas.microsoft.com/office/drawing/2010/main">
+                    <a14:hiddenFill xmlns:a14="http://schemas.microsoft.com/office/drawing/2010/main" xmlns="">
                       <a:noFill/>
                     </a14:hiddenFill>
                   </a:ext>
                   <a:ext uri="{AF507438-7753-43e0-B8FC-AC1667EBCBE1}">
-                    <a14:hiddenEffects xmlns="" xmlns:a14="http://schemas.microsoft.com/office/drawing/2010/main">
+                    <a14:hiddenEffects xmlns:a14="http://schemas.microsoft.com/office/drawing/2010/main" xmlns="">
                       <a:effectLst>
                         <a:outerShdw blurRad="63500" dist="38099" dir="2700000" algn="ctr" rotWithShape="0">
                           <a:schemeClr val="bg2">
@@ -3332,12 +3332,12 @@
                 <a:effectLst/>
                 <a:extLst>
                   <a:ext uri="{909E8E84-426E-40dd-AFC4-6F175D3DCCD1}">
-                    <a14:hiddenFill xmlns="" xmlns:a14="http://schemas.microsoft.com/office/drawing/2010/main">
+                    <a14:hiddenFill xmlns:a14="http://schemas.microsoft.com/office/drawing/2010/main" xmlns="">
                       <a:noFill/>
                     </a14:hiddenFill>
                   </a:ext>
                   <a:ext uri="{AF507438-7753-43e0-B8FC-AC1667EBCBE1}">
-                    <a14:hiddenEffects xmlns="" xmlns:a14="http://schemas.microsoft.com/office/drawing/2010/main">
+                    <a14:hiddenEffects xmlns:a14="http://schemas.microsoft.com/office/drawing/2010/main" xmlns="">
                       <a:effectLst>
                         <a:outerShdw blurRad="63500" dist="38099" dir="2700000" algn="ctr" rotWithShape="0">
                           <a:schemeClr val="bg2">
@@ -3390,12 +3390,12 @@
                 <a:effectLst/>
                 <a:extLst>
                   <a:ext uri="{909E8E84-426E-40dd-AFC4-6F175D3DCCD1}">
-                    <a14:hiddenFill xmlns="" xmlns:a14="http://schemas.microsoft.com/office/drawing/2010/main">
+                    <a14:hiddenFill xmlns:a14="http://schemas.microsoft.com/office/drawing/2010/main" xmlns="">
                       <a:noFill/>
                     </a14:hiddenFill>
                   </a:ext>
                   <a:ext uri="{AF507438-7753-43e0-B8FC-AC1667EBCBE1}">
-                    <a14:hiddenEffects xmlns="" xmlns:a14="http://schemas.microsoft.com/office/drawing/2010/main">
+                    <a14:hiddenEffects xmlns:a14="http://schemas.microsoft.com/office/drawing/2010/main" xmlns="">
                       <a:effectLst>
                         <a:outerShdw blurRad="63500" dist="38099" dir="2700000" algn="ctr" rotWithShape="0">
                           <a:schemeClr val="bg2">
@@ -3448,12 +3448,12 @@
                 <a:effectLst/>
                 <a:extLst>
                   <a:ext uri="{909E8E84-426E-40dd-AFC4-6F175D3DCCD1}">
-                    <a14:hiddenFill xmlns="" xmlns:a14="http://schemas.microsoft.com/office/drawing/2010/main">
+                    <a14:hiddenFill xmlns:a14="http://schemas.microsoft.com/office/drawing/2010/main" xmlns="">
                       <a:noFill/>
                     </a14:hiddenFill>
                   </a:ext>
                   <a:ext uri="{AF507438-7753-43e0-B8FC-AC1667EBCBE1}">
-                    <a14:hiddenEffects xmlns="" xmlns:a14="http://schemas.microsoft.com/office/drawing/2010/main">
+                    <a14:hiddenEffects xmlns:a14="http://schemas.microsoft.com/office/drawing/2010/main" xmlns="">
                       <a:effectLst>
                         <a:outerShdw blurRad="63500" dist="38099" dir="2700000" algn="ctr" rotWithShape="0">
                           <a:schemeClr val="bg2">
@@ -3506,12 +3506,12 @@
                 <a:effectLst/>
                 <a:extLst>
                   <a:ext uri="{909E8E84-426E-40dd-AFC4-6F175D3DCCD1}">
-                    <a14:hiddenFill xmlns="" xmlns:a14="http://schemas.microsoft.com/office/drawing/2010/main">
+                    <a14:hiddenFill xmlns:a14="http://schemas.microsoft.com/office/drawing/2010/main" xmlns="">
                       <a:noFill/>
                     </a14:hiddenFill>
                   </a:ext>
                   <a:ext uri="{AF507438-7753-43e0-B8FC-AC1667EBCBE1}">
-                    <a14:hiddenEffects xmlns="" xmlns:a14="http://schemas.microsoft.com/office/drawing/2010/main">
+                    <a14:hiddenEffects xmlns:a14="http://schemas.microsoft.com/office/drawing/2010/main" xmlns="">
                       <a:effectLst>
                         <a:outerShdw blurRad="63500" dist="38099" dir="2700000" algn="ctr" rotWithShape="0">
                           <a:schemeClr val="bg2">
@@ -3564,12 +3564,12 @@
                 <a:effectLst/>
                 <a:extLst>
                   <a:ext uri="{909E8E84-426E-40dd-AFC4-6F175D3DCCD1}">
-                    <a14:hiddenFill xmlns="" xmlns:a14="http://schemas.microsoft.com/office/drawing/2010/main">
+                    <a14:hiddenFill xmlns:a14="http://schemas.microsoft.com/office/drawing/2010/main" xmlns="">
                       <a:noFill/>
                     </a14:hiddenFill>
                   </a:ext>
                   <a:ext uri="{AF507438-7753-43e0-B8FC-AC1667EBCBE1}">
-                    <a14:hiddenEffects xmlns="" xmlns:a14="http://schemas.microsoft.com/office/drawing/2010/main">
+                    <a14:hiddenEffects xmlns:a14="http://schemas.microsoft.com/office/drawing/2010/main" xmlns="">
                       <a:effectLst>
                         <a:outerShdw blurRad="63500" dist="38099" dir="2700000" algn="ctr" rotWithShape="0">
                           <a:schemeClr val="bg2">
@@ -3622,12 +3622,12 @@
                 <a:effectLst/>
                 <a:extLst>
                   <a:ext uri="{909E8E84-426E-40dd-AFC4-6F175D3DCCD1}">
-                    <a14:hiddenFill xmlns="" xmlns:a14="http://schemas.microsoft.com/office/drawing/2010/main">
+                    <a14:hiddenFill xmlns:a14="http://schemas.microsoft.com/office/drawing/2010/main" xmlns="">
                       <a:noFill/>
                     </a14:hiddenFill>
                   </a:ext>
                   <a:ext uri="{AF507438-7753-43e0-B8FC-AC1667EBCBE1}">
-                    <a14:hiddenEffects xmlns="" xmlns:a14="http://schemas.microsoft.com/office/drawing/2010/main">
+                    <a14:hiddenEffects xmlns:a14="http://schemas.microsoft.com/office/drawing/2010/main" xmlns="">
                       <a:effectLst>
                         <a:outerShdw blurRad="63500" dist="38099" dir="2700000" algn="ctr" rotWithShape="0">
                           <a:schemeClr val="bg2">
@@ -3680,12 +3680,12 @@
                 <a:effectLst/>
                 <a:extLst>
                   <a:ext uri="{909E8E84-426E-40dd-AFC4-6F175D3DCCD1}">
-                    <a14:hiddenFill xmlns="" xmlns:a14="http://schemas.microsoft.com/office/drawing/2010/main">
+                    <a14:hiddenFill xmlns:a14="http://schemas.microsoft.com/office/drawing/2010/main" xmlns="">
                       <a:noFill/>
                     </a14:hiddenFill>
                   </a:ext>
                   <a:ext uri="{AF507438-7753-43e0-B8FC-AC1667EBCBE1}">
-                    <a14:hiddenEffects xmlns="" xmlns:a14="http://schemas.microsoft.com/office/drawing/2010/main">
+                    <a14:hiddenEffects xmlns:a14="http://schemas.microsoft.com/office/drawing/2010/main" xmlns="">
                       <a:effectLst>
                         <a:outerShdw blurRad="63500" dist="38099" dir="2700000" algn="ctr" rotWithShape="0">
                           <a:schemeClr val="bg2">
@@ -3738,12 +3738,12 @@
                 <a:effectLst/>
                 <a:extLst>
                   <a:ext uri="{909E8E84-426E-40dd-AFC4-6F175D3DCCD1}">
-                    <a14:hiddenFill xmlns="" xmlns:a14="http://schemas.microsoft.com/office/drawing/2010/main">
+                    <a14:hiddenFill xmlns:a14="http://schemas.microsoft.com/office/drawing/2010/main" xmlns="">
                       <a:noFill/>
                     </a14:hiddenFill>
                   </a:ext>
                   <a:ext uri="{AF507438-7753-43e0-B8FC-AC1667EBCBE1}">
-                    <a14:hiddenEffects xmlns="" xmlns:a14="http://schemas.microsoft.com/office/drawing/2010/main">
+                    <a14:hiddenEffects xmlns:a14="http://schemas.microsoft.com/office/drawing/2010/main" xmlns="">
                       <a:effectLst>
                         <a:outerShdw blurRad="63500" dist="38099" dir="2700000" algn="ctr" rotWithShape="0">
                           <a:schemeClr val="bg2">
@@ -3796,12 +3796,12 @@
                 <a:effectLst/>
                 <a:extLst>
                   <a:ext uri="{909E8E84-426E-40dd-AFC4-6F175D3DCCD1}">
-                    <a14:hiddenFill xmlns="" xmlns:a14="http://schemas.microsoft.com/office/drawing/2010/main">
+                    <a14:hiddenFill xmlns:a14="http://schemas.microsoft.com/office/drawing/2010/main" xmlns="">
                       <a:noFill/>
                     </a14:hiddenFill>
                   </a:ext>
                   <a:ext uri="{AF507438-7753-43e0-B8FC-AC1667EBCBE1}">
-                    <a14:hiddenEffects xmlns="" xmlns:a14="http://schemas.microsoft.com/office/drawing/2010/main">
+                    <a14:hiddenEffects xmlns:a14="http://schemas.microsoft.com/office/drawing/2010/main" xmlns="">
                       <a:effectLst>
                         <a:outerShdw blurRad="63500" dist="38099" dir="2700000" algn="ctr" rotWithShape="0">
                           <a:schemeClr val="bg2">
@@ -3854,12 +3854,12 @@
                 <a:effectLst/>
                 <a:extLst>
                   <a:ext uri="{909E8E84-426E-40dd-AFC4-6F175D3DCCD1}">
-                    <a14:hiddenFill xmlns="" xmlns:a14="http://schemas.microsoft.com/office/drawing/2010/main">
+                    <a14:hiddenFill xmlns:a14="http://schemas.microsoft.com/office/drawing/2010/main" xmlns="">
                       <a:noFill/>
                     </a14:hiddenFill>
                   </a:ext>
                   <a:ext uri="{AF507438-7753-43e0-B8FC-AC1667EBCBE1}">
-                    <a14:hiddenEffects xmlns="" xmlns:a14="http://schemas.microsoft.com/office/drawing/2010/main">
+                    <a14:hiddenEffects xmlns:a14="http://schemas.microsoft.com/office/drawing/2010/main" xmlns="">
                       <a:effectLst>
                         <a:outerShdw blurRad="63500" dist="38099" dir="2700000" algn="ctr" rotWithShape="0">
                           <a:schemeClr val="bg2">
@@ -3912,12 +3912,12 @@
                 <a:effectLst/>
                 <a:extLst>
                   <a:ext uri="{909E8E84-426E-40dd-AFC4-6F175D3DCCD1}">
-                    <a14:hiddenFill xmlns="" xmlns:a14="http://schemas.microsoft.com/office/drawing/2010/main">
+                    <a14:hiddenFill xmlns:a14="http://schemas.microsoft.com/office/drawing/2010/main" xmlns="">
                       <a:noFill/>
                     </a14:hiddenFill>
                   </a:ext>
                   <a:ext uri="{AF507438-7753-43e0-B8FC-AC1667EBCBE1}">
-                    <a14:hiddenEffects xmlns="" xmlns:a14="http://schemas.microsoft.com/office/drawing/2010/main">
+                    <a14:hiddenEffects xmlns:a14="http://schemas.microsoft.com/office/drawing/2010/main" xmlns="">
                       <a:effectLst>
                         <a:outerShdw blurRad="63500" dist="38099" dir="2700000" algn="ctr" rotWithShape="0">
                           <a:schemeClr val="bg2">
@@ -3970,12 +3970,12 @@
                 <a:effectLst/>
                 <a:extLst>
                   <a:ext uri="{909E8E84-426E-40dd-AFC4-6F175D3DCCD1}">
-                    <a14:hiddenFill xmlns="" xmlns:a14="http://schemas.microsoft.com/office/drawing/2010/main">
+                    <a14:hiddenFill xmlns:a14="http://schemas.microsoft.com/office/drawing/2010/main" xmlns="">
                       <a:noFill/>
                     </a14:hiddenFill>
                   </a:ext>
                   <a:ext uri="{AF507438-7753-43e0-B8FC-AC1667EBCBE1}">
-                    <a14:hiddenEffects xmlns="" xmlns:a14="http://schemas.microsoft.com/office/drawing/2010/main">
+                    <a14:hiddenEffects xmlns:a14="http://schemas.microsoft.com/office/drawing/2010/main" xmlns="">
                       <a:effectLst>
                         <a:outerShdw blurRad="63500" dist="38099" dir="2700000" algn="ctr" rotWithShape="0">
                           <a:schemeClr val="bg2">
@@ -4028,12 +4028,12 @@
                 <a:effectLst/>
                 <a:extLst>
                   <a:ext uri="{909E8E84-426E-40dd-AFC4-6F175D3DCCD1}">
-                    <a14:hiddenFill xmlns="" xmlns:a14="http://schemas.microsoft.com/office/drawing/2010/main">
+                    <a14:hiddenFill xmlns:a14="http://schemas.microsoft.com/office/drawing/2010/main" xmlns="">
                       <a:noFill/>
                     </a14:hiddenFill>
                   </a:ext>
                   <a:ext uri="{AF507438-7753-43e0-B8FC-AC1667EBCBE1}">
-                    <a14:hiddenEffects xmlns="" xmlns:a14="http://schemas.microsoft.com/office/drawing/2010/main">
+                    <a14:hiddenEffects xmlns:a14="http://schemas.microsoft.com/office/drawing/2010/main" xmlns="">
                       <a:effectLst>
                         <a:outerShdw blurRad="63500" dist="38099" dir="2700000" algn="ctr" rotWithShape="0">
                           <a:schemeClr val="bg2">
@@ -4086,12 +4086,12 @@
                 <a:effectLst/>
                 <a:extLst>
                   <a:ext uri="{909E8E84-426E-40dd-AFC4-6F175D3DCCD1}">
-                    <a14:hiddenFill xmlns="" xmlns:a14="http://schemas.microsoft.com/office/drawing/2010/main">
+                    <a14:hiddenFill xmlns:a14="http://schemas.microsoft.com/office/drawing/2010/main" xmlns="">
                       <a:noFill/>
                     </a14:hiddenFill>
                   </a:ext>
                   <a:ext uri="{AF507438-7753-43e0-B8FC-AC1667EBCBE1}">
-                    <a14:hiddenEffects xmlns="" xmlns:a14="http://schemas.microsoft.com/office/drawing/2010/main">
+                    <a14:hiddenEffects xmlns:a14="http://schemas.microsoft.com/office/drawing/2010/main" xmlns="">
                       <a:effectLst>
                         <a:outerShdw blurRad="63500" dist="38099" dir="2700000" algn="ctr" rotWithShape="0">
                           <a:schemeClr val="bg2">
@@ -4144,12 +4144,12 @@
                 <a:effectLst/>
                 <a:extLst>
                   <a:ext uri="{909E8E84-426E-40dd-AFC4-6F175D3DCCD1}">
-                    <a14:hiddenFill xmlns="" xmlns:a14="http://schemas.microsoft.com/office/drawing/2010/main">
+                    <a14:hiddenFill xmlns:a14="http://schemas.microsoft.com/office/drawing/2010/main" xmlns="">
                       <a:noFill/>
                     </a14:hiddenFill>
                   </a:ext>
                   <a:ext uri="{AF507438-7753-43e0-B8FC-AC1667EBCBE1}">
-                    <a14:hiddenEffects xmlns="" xmlns:a14="http://schemas.microsoft.com/office/drawing/2010/main">
+                    <a14:hiddenEffects xmlns:a14="http://schemas.microsoft.com/office/drawing/2010/main" xmlns="">
                       <a:effectLst>
                         <a:outerShdw blurRad="63500" dist="38099" dir="2700000" algn="ctr" rotWithShape="0">
                           <a:schemeClr val="bg2">
@@ -4202,12 +4202,12 @@
                 <a:effectLst/>
                 <a:extLst>
                   <a:ext uri="{909E8E84-426E-40dd-AFC4-6F175D3DCCD1}">
-                    <a14:hiddenFill xmlns="" xmlns:a14="http://schemas.microsoft.com/office/drawing/2010/main">
+                    <a14:hiddenFill xmlns:a14="http://schemas.microsoft.com/office/drawing/2010/main" xmlns="">
                       <a:noFill/>
                     </a14:hiddenFill>
                   </a:ext>
                   <a:ext uri="{AF507438-7753-43e0-B8FC-AC1667EBCBE1}">
-                    <a14:hiddenEffects xmlns="" xmlns:a14="http://schemas.microsoft.com/office/drawing/2010/main">
+                    <a14:hiddenEffects xmlns:a14="http://schemas.microsoft.com/office/drawing/2010/main" xmlns="">
                       <a:effectLst>
                         <a:outerShdw blurRad="63500" dist="38099" dir="2700000" algn="ctr" rotWithShape="0">
                           <a:schemeClr val="bg2">
@@ -4256,12 +4256,12 @@
               <a:effectLst/>
               <a:extLst>
                 <a:ext uri="{909E8E84-426E-40dd-AFC4-6F175D3DCCD1}">
-                  <a14:hiddenFill xmlns="" xmlns:a14="http://schemas.microsoft.com/office/drawing/2010/main">
+                  <a14:hiddenFill xmlns:a14="http://schemas.microsoft.com/office/drawing/2010/main" xmlns="">
                     <a:noFill/>
                   </a14:hiddenFill>
                 </a:ext>
                 <a:ext uri="{AF507438-7753-43e0-B8FC-AC1667EBCBE1}">
-                  <a14:hiddenEffects xmlns="" xmlns:a14="http://schemas.microsoft.com/office/drawing/2010/main">
+                  <a14:hiddenEffects xmlns:a14="http://schemas.microsoft.com/office/drawing/2010/main" xmlns="">
                     <a:effectLst>
                       <a:outerShdw blurRad="63500" dist="38099" dir="2700000" algn="ctr" rotWithShape="0">
                         <a:schemeClr val="bg2">
@@ -4326,12 +4326,12 @@
               <a:effectLst/>
               <a:extLst>
                 <a:ext uri="{909E8E84-426E-40dd-AFC4-6F175D3DCCD1}">
-                  <a14:hiddenFill xmlns="" xmlns:a14="http://schemas.microsoft.com/office/drawing/2010/main">
+                  <a14:hiddenFill xmlns:a14="http://schemas.microsoft.com/office/drawing/2010/main" xmlns="">
                     <a:noFill/>
                   </a14:hiddenFill>
                 </a:ext>
                 <a:ext uri="{AF507438-7753-43e0-B8FC-AC1667EBCBE1}">
-                  <a14:hiddenEffects xmlns="" xmlns:a14="http://schemas.microsoft.com/office/drawing/2010/main">
+                  <a14:hiddenEffects xmlns:a14="http://schemas.microsoft.com/office/drawing/2010/main" xmlns="">
                     <a:effectLst>
                       <a:outerShdw blurRad="63500" dist="38099" dir="2700000" algn="ctr" rotWithShape="0">
                         <a:schemeClr val="bg2">
@@ -4379,12 +4379,12 @@
               <a:effectLst/>
               <a:extLst>
                 <a:ext uri="{909E8E84-426E-40dd-AFC4-6F175D3DCCD1}">
-                  <a14:hiddenFill xmlns="" xmlns:a14="http://schemas.microsoft.com/office/drawing/2010/main">
+                  <a14:hiddenFill xmlns:a14="http://schemas.microsoft.com/office/drawing/2010/main" xmlns="">
                     <a:noFill/>
                   </a14:hiddenFill>
                 </a:ext>
                 <a:ext uri="{AF507438-7753-43e0-B8FC-AC1667EBCBE1}">
-                  <a14:hiddenEffects xmlns="" xmlns:a14="http://schemas.microsoft.com/office/drawing/2010/main">
+                  <a14:hiddenEffects xmlns:a14="http://schemas.microsoft.com/office/drawing/2010/main" xmlns="">
                     <a:effectLst>
                       <a:outerShdw blurRad="63500" dist="38099" dir="2700000" algn="ctr" rotWithShape="0">
                         <a:schemeClr val="bg2">
@@ -4432,12 +4432,12 @@
               <a:effectLst/>
               <a:extLst>
                 <a:ext uri="{909E8E84-426E-40dd-AFC4-6F175D3DCCD1}">
-                  <a14:hiddenFill xmlns="" xmlns:a14="http://schemas.microsoft.com/office/drawing/2010/main">
+                  <a14:hiddenFill xmlns:a14="http://schemas.microsoft.com/office/drawing/2010/main" xmlns="">
                     <a:noFill/>
                   </a14:hiddenFill>
                 </a:ext>
                 <a:ext uri="{AF507438-7753-43e0-B8FC-AC1667EBCBE1}">
-                  <a14:hiddenEffects xmlns="" xmlns:a14="http://schemas.microsoft.com/office/drawing/2010/main">
+                  <a14:hiddenEffects xmlns:a14="http://schemas.microsoft.com/office/drawing/2010/main" xmlns="">
                     <a:effectLst>
                       <a:outerShdw blurRad="63500" dist="38099" dir="2700000" algn="ctr" rotWithShape="0">
                         <a:schemeClr val="bg2">
@@ -4565,14 +4565,14 @@
               <a:effectLst/>
               <a:extLst>
                 <a:ext uri="{909E8E84-426E-40dd-AFC4-6F175D3DCCD1}">
-                  <a14:hiddenFill xmlns="" xmlns:a14="http://schemas.microsoft.com/office/drawing/2010/main">
+                  <a14:hiddenFill xmlns:a14="http://schemas.microsoft.com/office/drawing/2010/main" xmlns="">
                     <a:solidFill>
                       <a:schemeClr val="accent1"/>
                     </a:solidFill>
                   </a14:hiddenFill>
                 </a:ext>
                 <a:ext uri="{AF507438-7753-43e0-B8FC-AC1667EBCBE1}">
-                  <a14:hiddenEffects xmlns="" xmlns:a14="http://schemas.microsoft.com/office/drawing/2010/main">
+                  <a14:hiddenEffects xmlns:a14="http://schemas.microsoft.com/office/drawing/2010/main" xmlns="">
                     <a:effectLst>
                       <a:outerShdw blurRad="63500" dist="38099" dir="2700000" algn="ctr" rotWithShape="0">
                         <a:schemeClr val="bg2">
@@ -4637,12 +4637,12 @@
               <a:effectLst/>
               <a:extLst>
                 <a:ext uri="{909E8E84-426E-40dd-AFC4-6F175D3DCCD1}">
-                  <a14:hiddenFill xmlns="" xmlns:a14="http://schemas.microsoft.com/office/drawing/2010/main">
+                  <a14:hiddenFill xmlns:a14="http://schemas.microsoft.com/office/drawing/2010/main" xmlns="">
                     <a:noFill/>
                   </a14:hiddenFill>
                 </a:ext>
                 <a:ext uri="{AF507438-7753-43e0-B8FC-AC1667EBCBE1}">
-                  <a14:hiddenEffects xmlns="" xmlns:a14="http://schemas.microsoft.com/office/drawing/2010/main">
+                  <a14:hiddenEffects xmlns:a14="http://schemas.microsoft.com/office/drawing/2010/main" xmlns="">
                     <a:effectLst>
                       <a:outerShdw blurRad="63500" dist="38099" dir="2700000" algn="ctr" rotWithShape="0">
                         <a:schemeClr val="bg2">
@@ -4690,12 +4690,12 @@
               <a:effectLst/>
               <a:extLst>
                 <a:ext uri="{909E8E84-426E-40dd-AFC4-6F175D3DCCD1}">
-                  <a14:hiddenFill xmlns="" xmlns:a14="http://schemas.microsoft.com/office/drawing/2010/main">
+                  <a14:hiddenFill xmlns:a14="http://schemas.microsoft.com/office/drawing/2010/main" xmlns="">
                     <a:noFill/>
                   </a14:hiddenFill>
                 </a:ext>
                 <a:ext uri="{AF507438-7753-43e0-B8FC-AC1667EBCBE1}">
-                  <a14:hiddenEffects xmlns="" xmlns:a14="http://schemas.microsoft.com/office/drawing/2010/main">
+                  <a14:hiddenEffects xmlns:a14="http://schemas.microsoft.com/office/drawing/2010/main" xmlns="">
                     <a:effectLst>
                       <a:outerShdw blurRad="63500" dist="38099" dir="2700000" algn="ctr" rotWithShape="0">
                         <a:schemeClr val="bg2">
@@ -4823,14 +4823,14 @@
               <a:effectLst/>
               <a:extLst>
                 <a:ext uri="{909E8E84-426E-40dd-AFC4-6F175D3DCCD1}">
-                  <a14:hiddenFill xmlns="" xmlns:a14="http://schemas.microsoft.com/office/drawing/2010/main">
+                  <a14:hiddenFill xmlns:a14="http://schemas.microsoft.com/office/drawing/2010/main" xmlns="">
                     <a:solidFill>
                       <a:schemeClr val="accent1"/>
                     </a:solidFill>
                   </a14:hiddenFill>
                 </a:ext>
                 <a:ext uri="{AF507438-7753-43e0-B8FC-AC1667EBCBE1}">
-                  <a14:hiddenEffects xmlns="" xmlns:a14="http://schemas.microsoft.com/office/drawing/2010/main">
+                  <a14:hiddenEffects xmlns:a14="http://schemas.microsoft.com/office/drawing/2010/main" xmlns="">
                     <a:effectLst>
                       <a:outerShdw blurRad="63500" dist="38099" dir="2700000" algn="ctr" rotWithShape="0">
                         <a:schemeClr val="bg2">
@@ -4942,14 +4942,14 @@
               <ma14:placeholderFlag xmlns:ma14="http://schemas.microsoft.com/office/mac/drawingml/2011/main" val="1"/>
             </a:ext>
             <a:ext uri="{909E8E84-426E-40dd-AFC4-6F175D3DCCD1}">
-              <a14:hiddenFill xmlns="" xmlns:a14="http://schemas.microsoft.com/office/drawing/2010/main">
+              <a14:hiddenFill xmlns:a14="http://schemas.microsoft.com/office/drawing/2010/main" xmlns="">
                 <a:solidFill>
                   <a:schemeClr val="accent1"/>
                 </a:solidFill>
               </a14:hiddenFill>
             </a:ext>
             <a:ext uri="{91240B29-F687-4f45-9708-019B960494DF}">
-              <a14:hiddenLine xmlns="" xmlns:a14="http://schemas.microsoft.com/office/drawing/2010/main" w="9525">
+              <a14:hiddenLine xmlns:a14="http://schemas.microsoft.com/office/drawing/2010/main" xmlns="" w="9525">
                 <a:solidFill>
                   <a:schemeClr val="tx1"/>
                 </a:solidFill>
@@ -4959,7 +4959,7 @@
               </a14:hiddenLine>
             </a:ext>
             <a:ext uri="{AF507438-7753-43e0-B8FC-AC1667EBCBE1}">
-              <a14:hiddenEffects xmlns="" xmlns:a14="http://schemas.microsoft.com/office/drawing/2010/main">
+              <a14:hiddenEffects xmlns:a14="http://schemas.microsoft.com/office/drawing/2010/main" xmlns="">
                 <a:effectLst>
                   <a:outerShdw blurRad="63500" dist="38099" dir="2700000" algn="ctr" rotWithShape="0">
                     <a:schemeClr val="bg2">
@@ -5038,175 +5038,6 @@
           </a:p>
         </p:txBody>
       </p:sp>
-      <p:pic>
-        <p:nvPicPr>
-          <p:cNvPr id="4168" name="Picture 72" descr="sergLogo"/>
-          <p:cNvPicPr>
-            <a:picLocks noChangeAspect="1" noChangeArrowheads="1"/>
-          </p:cNvPicPr>
-          <p:nvPr userDrawn="1"/>
-        </p:nvPicPr>
-        <p:blipFill>
-          <a:blip r:embed="rId2">
-            <a:extLst>
-              <a:ext uri="{28A0092B-C50C-407E-A947-70E740481C1C}">
-                <a14:useLocalDpi xmlns:a14="http://schemas.microsoft.com/office/drawing/2010/main" val="0"/>
-              </a:ext>
-            </a:extLst>
-          </a:blip>
-          <a:srcRect/>
-          <a:stretch>
-            <a:fillRect/>
-          </a:stretch>
-        </p:blipFill>
-        <p:spPr bwMode="auto">
-          <a:xfrm>
-            <a:off x="76200" y="6324600"/>
-            <a:ext cx="1143000" cy="476250"/>
-          </a:xfrm>
-          <a:prstGeom prst="rect">
-            <a:avLst/>
-          </a:prstGeom>
-          <a:noFill/>
-          <a:extLst>
-            <a:ext uri="{909E8E84-426E-40dd-AFC4-6F175D3DCCD1}">
-              <a14:hiddenFill xmlns="" xmlns:a14="http://schemas.microsoft.com/office/drawing/2010/main">
-                <a:solidFill>
-                  <a:srgbClr val="FFFFFF"/>
-                </a:solidFill>
-              </a14:hiddenFill>
-            </a:ext>
-          </a:extLst>
-        </p:spPr>
-      </p:pic>
-      <p:sp>
-        <p:nvSpPr>
-          <p:cNvPr id="4170" name="Text Box 74"/>
-          <p:cNvSpPr txBox="1">
-            <a:spLocks noChangeArrowheads="1"/>
-          </p:cNvSpPr>
-          <p:nvPr userDrawn="1"/>
-        </p:nvSpPr>
-        <p:spPr bwMode="auto">
-          <a:xfrm>
-            <a:off x="1219200" y="6324600"/>
-            <a:ext cx="5943600" cy="457200"/>
-          </a:xfrm>
-          <a:prstGeom prst="rect">
-            <a:avLst/>
-          </a:prstGeom>
-          <a:noFill/>
-          <a:ln>
-            <a:noFill/>
-          </a:ln>
-          <a:effectLst/>
-          <a:extLst>
-            <a:ext uri="{909E8E84-426E-40dd-AFC4-6F175D3DCCD1}">
-              <a14:hiddenFill xmlns="" xmlns:a14="http://schemas.microsoft.com/office/drawing/2010/main">
-                <a:solidFill>
-                  <a:schemeClr val="accent1"/>
-                </a:solidFill>
-              </a14:hiddenFill>
-            </a:ext>
-            <a:ext uri="{91240B29-F687-4f45-9708-019B960494DF}">
-              <a14:hiddenLine xmlns="" xmlns:a14="http://schemas.microsoft.com/office/drawing/2010/main" w="9525">
-                <a:solidFill>
-                  <a:schemeClr val="tx1"/>
-                </a:solidFill>
-                <a:miter lim="800000"/>
-                <a:headEnd/>
-                <a:tailEnd/>
-              </a14:hiddenLine>
-            </a:ext>
-            <a:ext uri="{AF507438-7753-43e0-B8FC-AC1667EBCBE1}">
-              <a14:hiddenEffects xmlns="" xmlns:a14="http://schemas.microsoft.com/office/drawing/2010/main">
-                <a:effectLst>
-                  <a:outerShdw blurRad="63500" dist="38099" dir="2700000" algn="ctr" rotWithShape="0">
-                    <a:schemeClr val="bg2">
-                      <a:alpha val="74998"/>
-                    </a:schemeClr>
-                  </a:outerShdw>
-                </a:effectLst>
-              </a14:hiddenEffects>
-            </a:ext>
-          </a:extLst>
-        </p:spPr>
-        <p:txBody>
-          <a:bodyPr>
-            <a:spAutoFit/>
-          </a:bodyPr>
-          <a:lstStyle/>
-          <a:p>
-            <a:pPr>
-              <a:spcBef>
-                <a:spcPct val="50000"/>
-              </a:spcBef>
-            </a:pPr>
-            <a:r>
-              <a:rPr lang="en-US" sz="1200" b="1"/>
-              <a:t>© Drexel University Software Engineering Research Group (SERG)</a:t>
-            </a:r>
-            <a:br>
-              <a:rPr lang="en-US" sz="1200" b="1"/>
-            </a:br>
-            <a:r>
-              <a:rPr lang="en-US" sz="1200" b="1"/>
-              <a:t>http://serg.cs.drexel.edu</a:t>
-            </a:r>
-          </a:p>
-        </p:txBody>
-      </p:sp>
-      <p:pic>
-        <p:nvPicPr>
-          <p:cNvPr id="4171" name="Picture 75" descr="dragonHead"/>
-          <p:cNvPicPr>
-            <a:picLocks noChangeAspect="1" noChangeArrowheads="1"/>
-          </p:cNvPicPr>
-          <p:nvPr userDrawn="1"/>
-        </p:nvPicPr>
-        <p:blipFill>
-          <a:blip r:embed="rId3">
-            <a:clrChange>
-              <a:clrFrom>
-                <a:srgbClr val="FFFFFF"/>
-              </a:clrFrom>
-              <a:clrTo>
-                <a:srgbClr val="FFFFFF">
-                  <a:alpha val="0"/>
-                </a:srgbClr>
-              </a:clrTo>
-            </a:clrChange>
-            <a:extLst>
-              <a:ext uri="{28A0092B-C50C-407E-A947-70E740481C1C}">
-                <a14:useLocalDpi xmlns:a14="http://schemas.microsoft.com/office/drawing/2010/main" val="0"/>
-              </a:ext>
-            </a:extLst>
-          </a:blip>
-          <a:srcRect/>
-          <a:stretch>
-            <a:fillRect/>
-          </a:stretch>
-        </p:blipFill>
-        <p:spPr bwMode="auto">
-          <a:xfrm>
-            <a:off x="2895600" y="358775"/>
-            <a:ext cx="3017838" cy="936625"/>
-          </a:xfrm>
-          <a:prstGeom prst="rect">
-            <a:avLst/>
-          </a:prstGeom>
-          <a:noFill/>
-          <a:extLst>
-            <a:ext uri="{909E8E84-426E-40dd-AFC4-6F175D3DCCD1}">
-              <a14:hiddenFill xmlns="" xmlns:a14="http://schemas.microsoft.com/office/drawing/2010/main">
-                <a:solidFill>
-                  <a:srgbClr val="FFFFFF"/>
-                </a:solidFill>
-              </a14:hiddenFill>
-            </a:ext>
-          </a:extLst>
-        </p:spPr>
-      </p:pic>
     </p:spTree>
   </p:cSld>
   <p:clrMapOvr>
@@ -7740,12 +7571,12 @@
                 <a:effectLst/>
                 <a:extLst>
                   <a:ext uri="{909E8E84-426E-40dd-AFC4-6F175D3DCCD1}">
-                    <a14:hiddenFill xmlns="" xmlns:a14="http://schemas.microsoft.com/office/drawing/2010/main">
+                    <a14:hiddenFill xmlns:a14="http://schemas.microsoft.com/office/drawing/2010/main" xmlns="">
                       <a:noFill/>
                     </a14:hiddenFill>
                   </a:ext>
                   <a:ext uri="{AF507438-7753-43e0-B8FC-AC1667EBCBE1}">
-                    <a14:hiddenEffects xmlns="" xmlns:a14="http://schemas.microsoft.com/office/drawing/2010/main">
+                    <a14:hiddenEffects xmlns:a14="http://schemas.microsoft.com/office/drawing/2010/main" xmlns="">
                       <a:effectLst>
                         <a:outerShdw blurRad="63500" dist="38099" dir="2700000" algn="ctr" rotWithShape="0">
                           <a:schemeClr val="bg2">
@@ -7798,12 +7629,12 @@
                 <a:effectLst/>
                 <a:extLst>
                   <a:ext uri="{909E8E84-426E-40dd-AFC4-6F175D3DCCD1}">
-                    <a14:hiddenFill xmlns="" xmlns:a14="http://schemas.microsoft.com/office/drawing/2010/main">
+                    <a14:hiddenFill xmlns:a14="http://schemas.microsoft.com/office/drawing/2010/main" xmlns="">
                       <a:noFill/>
                     </a14:hiddenFill>
                   </a:ext>
                   <a:ext uri="{AF507438-7753-43e0-B8FC-AC1667EBCBE1}">
-                    <a14:hiddenEffects xmlns="" xmlns:a14="http://schemas.microsoft.com/office/drawing/2010/main">
+                    <a14:hiddenEffects xmlns:a14="http://schemas.microsoft.com/office/drawing/2010/main" xmlns="">
                       <a:effectLst>
                         <a:outerShdw blurRad="63500" dist="38099" dir="2700000" algn="ctr" rotWithShape="0">
                           <a:schemeClr val="bg2">
@@ -7856,12 +7687,12 @@
                 <a:effectLst/>
                 <a:extLst>
                   <a:ext uri="{909E8E84-426E-40dd-AFC4-6F175D3DCCD1}">
-                    <a14:hiddenFill xmlns="" xmlns:a14="http://schemas.microsoft.com/office/drawing/2010/main">
+                    <a14:hiddenFill xmlns:a14="http://schemas.microsoft.com/office/drawing/2010/main" xmlns="">
                       <a:noFill/>
                     </a14:hiddenFill>
                   </a:ext>
                   <a:ext uri="{AF507438-7753-43e0-B8FC-AC1667EBCBE1}">
-                    <a14:hiddenEffects xmlns="" xmlns:a14="http://schemas.microsoft.com/office/drawing/2010/main">
+                    <a14:hiddenEffects xmlns:a14="http://schemas.microsoft.com/office/drawing/2010/main" xmlns="">
                       <a:effectLst>
                         <a:outerShdw blurRad="63500" dist="38099" dir="2700000" algn="ctr" rotWithShape="0">
                           <a:schemeClr val="bg2">
@@ -7914,12 +7745,12 @@
                 <a:effectLst/>
                 <a:extLst>
                   <a:ext uri="{909E8E84-426E-40dd-AFC4-6F175D3DCCD1}">
-                    <a14:hiddenFill xmlns="" xmlns:a14="http://schemas.microsoft.com/office/drawing/2010/main">
+                    <a14:hiddenFill xmlns:a14="http://schemas.microsoft.com/office/drawing/2010/main" xmlns="">
                       <a:noFill/>
                     </a14:hiddenFill>
                   </a:ext>
                   <a:ext uri="{AF507438-7753-43e0-B8FC-AC1667EBCBE1}">
-                    <a14:hiddenEffects xmlns="" xmlns:a14="http://schemas.microsoft.com/office/drawing/2010/main">
+                    <a14:hiddenEffects xmlns:a14="http://schemas.microsoft.com/office/drawing/2010/main" xmlns="">
                       <a:effectLst>
                         <a:outerShdw blurRad="63500" dist="38099" dir="2700000" algn="ctr" rotWithShape="0">
                           <a:schemeClr val="bg2">
@@ -7972,12 +7803,12 @@
                 <a:effectLst/>
                 <a:extLst>
                   <a:ext uri="{909E8E84-426E-40dd-AFC4-6F175D3DCCD1}">
-                    <a14:hiddenFill xmlns="" xmlns:a14="http://schemas.microsoft.com/office/drawing/2010/main">
+                    <a14:hiddenFill xmlns:a14="http://schemas.microsoft.com/office/drawing/2010/main" xmlns="">
                       <a:noFill/>
                     </a14:hiddenFill>
                   </a:ext>
                   <a:ext uri="{AF507438-7753-43e0-B8FC-AC1667EBCBE1}">
-                    <a14:hiddenEffects xmlns="" xmlns:a14="http://schemas.microsoft.com/office/drawing/2010/main">
+                    <a14:hiddenEffects xmlns:a14="http://schemas.microsoft.com/office/drawing/2010/main" xmlns="">
                       <a:effectLst>
                         <a:outerShdw blurRad="63500" dist="38099" dir="2700000" algn="ctr" rotWithShape="0">
                           <a:schemeClr val="bg2">
@@ -8030,12 +7861,12 @@
                 <a:effectLst/>
                 <a:extLst>
                   <a:ext uri="{909E8E84-426E-40dd-AFC4-6F175D3DCCD1}">
-                    <a14:hiddenFill xmlns="" xmlns:a14="http://schemas.microsoft.com/office/drawing/2010/main">
+                    <a14:hiddenFill xmlns:a14="http://schemas.microsoft.com/office/drawing/2010/main" xmlns="">
                       <a:noFill/>
                     </a14:hiddenFill>
                   </a:ext>
                   <a:ext uri="{AF507438-7753-43e0-B8FC-AC1667EBCBE1}">
-                    <a14:hiddenEffects xmlns="" xmlns:a14="http://schemas.microsoft.com/office/drawing/2010/main">
+                    <a14:hiddenEffects xmlns:a14="http://schemas.microsoft.com/office/drawing/2010/main" xmlns="">
                       <a:effectLst>
                         <a:outerShdw blurRad="63500" dist="38099" dir="2700000" algn="ctr" rotWithShape="0">
                           <a:schemeClr val="bg2">
@@ -8088,12 +7919,12 @@
                 <a:effectLst/>
                 <a:extLst>
                   <a:ext uri="{909E8E84-426E-40dd-AFC4-6F175D3DCCD1}">
-                    <a14:hiddenFill xmlns="" xmlns:a14="http://schemas.microsoft.com/office/drawing/2010/main">
+                    <a14:hiddenFill xmlns:a14="http://schemas.microsoft.com/office/drawing/2010/main" xmlns="">
                       <a:noFill/>
                     </a14:hiddenFill>
                   </a:ext>
                   <a:ext uri="{AF507438-7753-43e0-B8FC-AC1667EBCBE1}">
-                    <a14:hiddenEffects xmlns="" xmlns:a14="http://schemas.microsoft.com/office/drawing/2010/main">
+                    <a14:hiddenEffects xmlns:a14="http://schemas.microsoft.com/office/drawing/2010/main" xmlns="">
                       <a:effectLst>
                         <a:outerShdw blurRad="63500" dist="38099" dir="2700000" algn="ctr" rotWithShape="0">
                           <a:schemeClr val="bg2">
@@ -8146,12 +7977,12 @@
                 <a:effectLst/>
                 <a:extLst>
                   <a:ext uri="{909E8E84-426E-40dd-AFC4-6F175D3DCCD1}">
-                    <a14:hiddenFill xmlns="" xmlns:a14="http://schemas.microsoft.com/office/drawing/2010/main">
+                    <a14:hiddenFill xmlns:a14="http://schemas.microsoft.com/office/drawing/2010/main" xmlns="">
                       <a:noFill/>
                     </a14:hiddenFill>
                   </a:ext>
                   <a:ext uri="{AF507438-7753-43e0-B8FC-AC1667EBCBE1}">
-                    <a14:hiddenEffects xmlns="" xmlns:a14="http://schemas.microsoft.com/office/drawing/2010/main">
+                    <a14:hiddenEffects xmlns:a14="http://schemas.microsoft.com/office/drawing/2010/main" xmlns="">
                       <a:effectLst>
                         <a:outerShdw blurRad="63500" dist="38099" dir="2700000" algn="ctr" rotWithShape="0">
                           <a:schemeClr val="bg2">
@@ -8204,12 +8035,12 @@
                 <a:effectLst/>
                 <a:extLst>
                   <a:ext uri="{909E8E84-426E-40dd-AFC4-6F175D3DCCD1}">
-                    <a14:hiddenFill xmlns="" xmlns:a14="http://schemas.microsoft.com/office/drawing/2010/main">
+                    <a14:hiddenFill xmlns:a14="http://schemas.microsoft.com/office/drawing/2010/main" xmlns="">
                       <a:noFill/>
                     </a14:hiddenFill>
                   </a:ext>
                   <a:ext uri="{AF507438-7753-43e0-B8FC-AC1667EBCBE1}">
-                    <a14:hiddenEffects xmlns="" xmlns:a14="http://schemas.microsoft.com/office/drawing/2010/main">
+                    <a14:hiddenEffects xmlns:a14="http://schemas.microsoft.com/office/drawing/2010/main" xmlns="">
                       <a:effectLst>
                         <a:outerShdw blurRad="63500" dist="38099" dir="2700000" algn="ctr" rotWithShape="0">
                           <a:schemeClr val="bg2">
@@ -8262,12 +8093,12 @@
                 <a:effectLst/>
                 <a:extLst>
                   <a:ext uri="{909E8E84-426E-40dd-AFC4-6F175D3DCCD1}">
-                    <a14:hiddenFill xmlns="" xmlns:a14="http://schemas.microsoft.com/office/drawing/2010/main">
+                    <a14:hiddenFill xmlns:a14="http://schemas.microsoft.com/office/drawing/2010/main" xmlns="">
                       <a:noFill/>
                     </a14:hiddenFill>
                   </a:ext>
                   <a:ext uri="{AF507438-7753-43e0-B8FC-AC1667EBCBE1}">
-                    <a14:hiddenEffects xmlns="" xmlns:a14="http://schemas.microsoft.com/office/drawing/2010/main">
+                    <a14:hiddenEffects xmlns:a14="http://schemas.microsoft.com/office/drawing/2010/main" xmlns="">
                       <a:effectLst>
                         <a:outerShdw blurRad="63500" dist="38099" dir="2700000" algn="ctr" rotWithShape="0">
                           <a:schemeClr val="bg2">
@@ -8320,12 +8151,12 @@
                 <a:effectLst/>
                 <a:extLst>
                   <a:ext uri="{909E8E84-426E-40dd-AFC4-6F175D3DCCD1}">
-                    <a14:hiddenFill xmlns="" xmlns:a14="http://schemas.microsoft.com/office/drawing/2010/main">
+                    <a14:hiddenFill xmlns:a14="http://schemas.microsoft.com/office/drawing/2010/main" xmlns="">
                       <a:noFill/>
                     </a14:hiddenFill>
                   </a:ext>
                   <a:ext uri="{AF507438-7753-43e0-B8FC-AC1667EBCBE1}">
-                    <a14:hiddenEffects xmlns="" xmlns:a14="http://schemas.microsoft.com/office/drawing/2010/main">
+                    <a14:hiddenEffects xmlns:a14="http://schemas.microsoft.com/office/drawing/2010/main" xmlns="">
                       <a:effectLst>
                         <a:outerShdw blurRad="63500" dist="38099" dir="2700000" algn="ctr" rotWithShape="0">
                           <a:schemeClr val="bg2">
@@ -8378,12 +8209,12 @@
                 <a:effectLst/>
                 <a:extLst>
                   <a:ext uri="{909E8E84-426E-40dd-AFC4-6F175D3DCCD1}">
-                    <a14:hiddenFill xmlns="" xmlns:a14="http://schemas.microsoft.com/office/drawing/2010/main">
+                    <a14:hiddenFill xmlns:a14="http://schemas.microsoft.com/office/drawing/2010/main" xmlns="">
                       <a:noFill/>
                     </a14:hiddenFill>
                   </a:ext>
                   <a:ext uri="{AF507438-7753-43e0-B8FC-AC1667EBCBE1}">
-                    <a14:hiddenEffects xmlns="" xmlns:a14="http://schemas.microsoft.com/office/drawing/2010/main">
+                    <a14:hiddenEffects xmlns:a14="http://schemas.microsoft.com/office/drawing/2010/main" xmlns="">
                       <a:effectLst>
                         <a:outerShdw blurRad="63500" dist="38099" dir="2700000" algn="ctr" rotWithShape="0">
                           <a:schemeClr val="bg2">
@@ -8436,12 +8267,12 @@
                 <a:effectLst/>
                 <a:extLst>
                   <a:ext uri="{909E8E84-426E-40dd-AFC4-6F175D3DCCD1}">
-                    <a14:hiddenFill xmlns="" xmlns:a14="http://schemas.microsoft.com/office/drawing/2010/main">
+                    <a14:hiddenFill xmlns:a14="http://schemas.microsoft.com/office/drawing/2010/main" xmlns="">
                       <a:noFill/>
                     </a14:hiddenFill>
                   </a:ext>
                   <a:ext uri="{AF507438-7753-43e0-B8FC-AC1667EBCBE1}">
-                    <a14:hiddenEffects xmlns="" xmlns:a14="http://schemas.microsoft.com/office/drawing/2010/main">
+                    <a14:hiddenEffects xmlns:a14="http://schemas.microsoft.com/office/drawing/2010/main" xmlns="">
                       <a:effectLst>
                         <a:outerShdw blurRad="63500" dist="38099" dir="2700000" algn="ctr" rotWithShape="0">
                           <a:schemeClr val="bg2">
@@ -8494,12 +8325,12 @@
                 <a:effectLst/>
                 <a:extLst>
                   <a:ext uri="{909E8E84-426E-40dd-AFC4-6F175D3DCCD1}">
-                    <a14:hiddenFill xmlns="" xmlns:a14="http://schemas.microsoft.com/office/drawing/2010/main">
+                    <a14:hiddenFill xmlns:a14="http://schemas.microsoft.com/office/drawing/2010/main" xmlns="">
                       <a:noFill/>
                     </a14:hiddenFill>
                   </a:ext>
                   <a:ext uri="{AF507438-7753-43e0-B8FC-AC1667EBCBE1}">
-                    <a14:hiddenEffects xmlns="" xmlns:a14="http://schemas.microsoft.com/office/drawing/2010/main">
+                    <a14:hiddenEffects xmlns:a14="http://schemas.microsoft.com/office/drawing/2010/main" xmlns="">
                       <a:effectLst>
                         <a:outerShdw blurRad="63500" dist="38099" dir="2700000" algn="ctr" rotWithShape="0">
                           <a:schemeClr val="bg2">
@@ -8552,12 +8383,12 @@
                 <a:effectLst/>
                 <a:extLst>
                   <a:ext uri="{909E8E84-426E-40dd-AFC4-6F175D3DCCD1}">
-                    <a14:hiddenFill xmlns="" xmlns:a14="http://schemas.microsoft.com/office/drawing/2010/main">
+                    <a14:hiddenFill xmlns:a14="http://schemas.microsoft.com/office/drawing/2010/main" xmlns="">
                       <a:noFill/>
                     </a14:hiddenFill>
                   </a:ext>
                   <a:ext uri="{AF507438-7753-43e0-B8FC-AC1667EBCBE1}">
-                    <a14:hiddenEffects xmlns="" xmlns:a14="http://schemas.microsoft.com/office/drawing/2010/main">
+                    <a14:hiddenEffects xmlns:a14="http://schemas.microsoft.com/office/drawing/2010/main" xmlns="">
                       <a:effectLst>
                         <a:outerShdw blurRad="63500" dist="38099" dir="2700000" algn="ctr" rotWithShape="0">
                           <a:schemeClr val="bg2">
@@ -8610,12 +8441,12 @@
                 <a:effectLst/>
                 <a:extLst>
                   <a:ext uri="{909E8E84-426E-40dd-AFC4-6F175D3DCCD1}">
-                    <a14:hiddenFill xmlns="" xmlns:a14="http://schemas.microsoft.com/office/drawing/2010/main">
+                    <a14:hiddenFill xmlns:a14="http://schemas.microsoft.com/office/drawing/2010/main" xmlns="">
                       <a:noFill/>
                     </a14:hiddenFill>
                   </a:ext>
                   <a:ext uri="{AF507438-7753-43e0-B8FC-AC1667EBCBE1}">
-                    <a14:hiddenEffects xmlns="" xmlns:a14="http://schemas.microsoft.com/office/drawing/2010/main">
+                    <a14:hiddenEffects xmlns:a14="http://schemas.microsoft.com/office/drawing/2010/main" xmlns="">
                       <a:effectLst>
                         <a:outerShdw blurRad="63500" dist="38099" dir="2700000" algn="ctr" rotWithShape="0">
                           <a:schemeClr val="bg2">
@@ -8668,12 +8499,12 @@
                 <a:effectLst/>
                 <a:extLst>
                   <a:ext uri="{909E8E84-426E-40dd-AFC4-6F175D3DCCD1}">
-                    <a14:hiddenFill xmlns="" xmlns:a14="http://schemas.microsoft.com/office/drawing/2010/main">
+                    <a14:hiddenFill xmlns:a14="http://schemas.microsoft.com/office/drawing/2010/main" xmlns="">
                       <a:noFill/>
                     </a14:hiddenFill>
                   </a:ext>
                   <a:ext uri="{AF507438-7753-43e0-B8FC-AC1667EBCBE1}">
-                    <a14:hiddenEffects xmlns="" xmlns:a14="http://schemas.microsoft.com/office/drawing/2010/main">
+                    <a14:hiddenEffects xmlns:a14="http://schemas.microsoft.com/office/drawing/2010/main" xmlns="">
                       <a:effectLst>
                         <a:outerShdw blurRad="63500" dist="38099" dir="2700000" algn="ctr" rotWithShape="0">
                           <a:schemeClr val="bg2">
@@ -8726,12 +8557,12 @@
                 <a:effectLst/>
                 <a:extLst>
                   <a:ext uri="{909E8E84-426E-40dd-AFC4-6F175D3DCCD1}">
-                    <a14:hiddenFill xmlns="" xmlns:a14="http://schemas.microsoft.com/office/drawing/2010/main">
+                    <a14:hiddenFill xmlns:a14="http://schemas.microsoft.com/office/drawing/2010/main" xmlns="">
                       <a:noFill/>
                     </a14:hiddenFill>
                   </a:ext>
                   <a:ext uri="{AF507438-7753-43e0-B8FC-AC1667EBCBE1}">
-                    <a14:hiddenEffects xmlns="" xmlns:a14="http://schemas.microsoft.com/office/drawing/2010/main">
+                    <a14:hiddenEffects xmlns:a14="http://schemas.microsoft.com/office/drawing/2010/main" xmlns="">
                       <a:effectLst>
                         <a:outerShdw blurRad="63500" dist="38099" dir="2700000" algn="ctr" rotWithShape="0">
                           <a:schemeClr val="bg2">
@@ -8784,12 +8615,12 @@
                 <a:effectLst/>
                 <a:extLst>
                   <a:ext uri="{909E8E84-426E-40dd-AFC4-6F175D3DCCD1}">
-                    <a14:hiddenFill xmlns="" xmlns:a14="http://schemas.microsoft.com/office/drawing/2010/main">
+                    <a14:hiddenFill xmlns:a14="http://schemas.microsoft.com/office/drawing/2010/main" xmlns="">
                       <a:noFill/>
                     </a14:hiddenFill>
                   </a:ext>
                   <a:ext uri="{AF507438-7753-43e0-B8FC-AC1667EBCBE1}">
-                    <a14:hiddenEffects xmlns="" xmlns:a14="http://schemas.microsoft.com/office/drawing/2010/main">
+                    <a14:hiddenEffects xmlns:a14="http://schemas.microsoft.com/office/drawing/2010/main" xmlns="">
                       <a:effectLst>
                         <a:outerShdw blurRad="63500" dist="38099" dir="2700000" algn="ctr" rotWithShape="0">
                           <a:schemeClr val="bg2">
@@ -8842,12 +8673,12 @@
                 <a:effectLst/>
                 <a:extLst>
                   <a:ext uri="{909E8E84-426E-40dd-AFC4-6F175D3DCCD1}">
-                    <a14:hiddenFill xmlns="" xmlns:a14="http://schemas.microsoft.com/office/drawing/2010/main">
+                    <a14:hiddenFill xmlns:a14="http://schemas.microsoft.com/office/drawing/2010/main" xmlns="">
                       <a:noFill/>
                     </a14:hiddenFill>
                   </a:ext>
                   <a:ext uri="{AF507438-7753-43e0-B8FC-AC1667EBCBE1}">
-                    <a14:hiddenEffects xmlns="" xmlns:a14="http://schemas.microsoft.com/office/drawing/2010/main">
+                    <a14:hiddenEffects xmlns:a14="http://schemas.microsoft.com/office/drawing/2010/main" xmlns="">
                       <a:effectLst>
                         <a:outerShdw blurRad="63500" dist="38099" dir="2700000" algn="ctr" rotWithShape="0">
                           <a:schemeClr val="bg2">
@@ -8900,12 +8731,12 @@
                 <a:effectLst/>
                 <a:extLst>
                   <a:ext uri="{909E8E84-426E-40dd-AFC4-6F175D3DCCD1}">
-                    <a14:hiddenFill xmlns="" xmlns:a14="http://schemas.microsoft.com/office/drawing/2010/main">
+                    <a14:hiddenFill xmlns:a14="http://schemas.microsoft.com/office/drawing/2010/main" xmlns="">
                       <a:noFill/>
                     </a14:hiddenFill>
                   </a:ext>
                   <a:ext uri="{AF507438-7753-43e0-B8FC-AC1667EBCBE1}">
-                    <a14:hiddenEffects xmlns="" xmlns:a14="http://schemas.microsoft.com/office/drawing/2010/main">
+                    <a14:hiddenEffects xmlns:a14="http://schemas.microsoft.com/office/drawing/2010/main" xmlns="">
                       <a:effectLst>
                         <a:outerShdw blurRad="63500" dist="38099" dir="2700000" algn="ctr" rotWithShape="0">
                           <a:schemeClr val="bg2">
@@ -8958,12 +8789,12 @@
                 <a:effectLst/>
                 <a:extLst>
                   <a:ext uri="{909E8E84-426E-40dd-AFC4-6F175D3DCCD1}">
-                    <a14:hiddenFill xmlns="" xmlns:a14="http://schemas.microsoft.com/office/drawing/2010/main">
+                    <a14:hiddenFill xmlns:a14="http://schemas.microsoft.com/office/drawing/2010/main" xmlns="">
                       <a:noFill/>
                     </a14:hiddenFill>
                   </a:ext>
                   <a:ext uri="{AF507438-7753-43e0-B8FC-AC1667EBCBE1}">
-                    <a14:hiddenEffects xmlns="" xmlns:a14="http://schemas.microsoft.com/office/drawing/2010/main">
+                    <a14:hiddenEffects xmlns:a14="http://schemas.microsoft.com/office/drawing/2010/main" xmlns="">
                       <a:effectLst>
                         <a:outerShdw blurRad="63500" dist="38099" dir="2700000" algn="ctr" rotWithShape="0">
                           <a:schemeClr val="bg2">
@@ -9033,12 +8864,12 @@
                 <a:effectLst/>
                 <a:extLst>
                   <a:ext uri="{909E8E84-426E-40dd-AFC4-6F175D3DCCD1}">
-                    <a14:hiddenFill xmlns="" xmlns:a14="http://schemas.microsoft.com/office/drawing/2010/main">
+                    <a14:hiddenFill xmlns:a14="http://schemas.microsoft.com/office/drawing/2010/main" xmlns="">
                       <a:noFill/>
                     </a14:hiddenFill>
                   </a:ext>
                   <a:ext uri="{AF507438-7753-43e0-B8FC-AC1667EBCBE1}">
-                    <a14:hiddenEffects xmlns="" xmlns:a14="http://schemas.microsoft.com/office/drawing/2010/main">
+                    <a14:hiddenEffects xmlns:a14="http://schemas.microsoft.com/office/drawing/2010/main" xmlns="">
                       <a:effectLst>
                         <a:outerShdw blurRad="63500" dist="38099" dir="2700000" algn="ctr" rotWithShape="0">
                           <a:schemeClr val="bg2">
@@ -9091,12 +8922,12 @@
                 <a:effectLst/>
                 <a:extLst>
                   <a:ext uri="{909E8E84-426E-40dd-AFC4-6F175D3DCCD1}">
-                    <a14:hiddenFill xmlns="" xmlns:a14="http://schemas.microsoft.com/office/drawing/2010/main">
+                    <a14:hiddenFill xmlns:a14="http://schemas.microsoft.com/office/drawing/2010/main" xmlns="">
                       <a:noFill/>
                     </a14:hiddenFill>
                   </a:ext>
                   <a:ext uri="{AF507438-7753-43e0-B8FC-AC1667EBCBE1}">
-                    <a14:hiddenEffects xmlns="" xmlns:a14="http://schemas.microsoft.com/office/drawing/2010/main">
+                    <a14:hiddenEffects xmlns:a14="http://schemas.microsoft.com/office/drawing/2010/main" xmlns="">
                       <a:effectLst>
                         <a:outerShdw blurRad="63500" dist="38099" dir="2700000" algn="ctr" rotWithShape="0">
                           <a:schemeClr val="bg2">
@@ -9149,12 +8980,12 @@
                 <a:effectLst/>
                 <a:extLst>
                   <a:ext uri="{909E8E84-426E-40dd-AFC4-6F175D3DCCD1}">
-                    <a14:hiddenFill xmlns="" xmlns:a14="http://schemas.microsoft.com/office/drawing/2010/main">
+                    <a14:hiddenFill xmlns:a14="http://schemas.microsoft.com/office/drawing/2010/main" xmlns="">
                       <a:noFill/>
                     </a14:hiddenFill>
                   </a:ext>
                   <a:ext uri="{AF507438-7753-43e0-B8FC-AC1667EBCBE1}">
-                    <a14:hiddenEffects xmlns="" xmlns:a14="http://schemas.microsoft.com/office/drawing/2010/main">
+                    <a14:hiddenEffects xmlns:a14="http://schemas.microsoft.com/office/drawing/2010/main" xmlns="">
                       <a:effectLst>
                         <a:outerShdw blurRad="63500" dist="38099" dir="2700000" algn="ctr" rotWithShape="0">
                           <a:schemeClr val="bg2">
@@ -9207,12 +9038,12 @@
                 <a:effectLst/>
                 <a:extLst>
                   <a:ext uri="{909E8E84-426E-40dd-AFC4-6F175D3DCCD1}">
-                    <a14:hiddenFill xmlns="" xmlns:a14="http://schemas.microsoft.com/office/drawing/2010/main">
+                    <a14:hiddenFill xmlns:a14="http://schemas.microsoft.com/office/drawing/2010/main" xmlns="">
                       <a:noFill/>
                     </a14:hiddenFill>
                   </a:ext>
                   <a:ext uri="{AF507438-7753-43e0-B8FC-AC1667EBCBE1}">
-                    <a14:hiddenEffects xmlns="" xmlns:a14="http://schemas.microsoft.com/office/drawing/2010/main">
+                    <a14:hiddenEffects xmlns:a14="http://schemas.microsoft.com/office/drawing/2010/main" xmlns="">
                       <a:effectLst>
                         <a:outerShdw blurRad="63500" dist="38099" dir="2700000" algn="ctr" rotWithShape="0">
                           <a:schemeClr val="bg2">
@@ -9265,12 +9096,12 @@
                 <a:effectLst/>
                 <a:extLst>
                   <a:ext uri="{909E8E84-426E-40dd-AFC4-6F175D3DCCD1}">
-                    <a14:hiddenFill xmlns="" xmlns:a14="http://schemas.microsoft.com/office/drawing/2010/main">
+                    <a14:hiddenFill xmlns:a14="http://schemas.microsoft.com/office/drawing/2010/main" xmlns="">
                       <a:noFill/>
                     </a14:hiddenFill>
                   </a:ext>
                   <a:ext uri="{AF507438-7753-43e0-B8FC-AC1667EBCBE1}">
-                    <a14:hiddenEffects xmlns="" xmlns:a14="http://schemas.microsoft.com/office/drawing/2010/main">
+                    <a14:hiddenEffects xmlns:a14="http://schemas.microsoft.com/office/drawing/2010/main" xmlns="">
                       <a:effectLst>
                         <a:outerShdw blurRad="63500" dist="38099" dir="2700000" algn="ctr" rotWithShape="0">
                           <a:schemeClr val="bg2">
@@ -9323,12 +9154,12 @@
                 <a:effectLst/>
                 <a:extLst>
                   <a:ext uri="{909E8E84-426E-40dd-AFC4-6F175D3DCCD1}">
-                    <a14:hiddenFill xmlns="" xmlns:a14="http://schemas.microsoft.com/office/drawing/2010/main">
+                    <a14:hiddenFill xmlns:a14="http://schemas.microsoft.com/office/drawing/2010/main" xmlns="">
                       <a:noFill/>
                     </a14:hiddenFill>
                   </a:ext>
                   <a:ext uri="{AF507438-7753-43e0-B8FC-AC1667EBCBE1}">
-                    <a14:hiddenEffects xmlns="" xmlns:a14="http://schemas.microsoft.com/office/drawing/2010/main">
+                    <a14:hiddenEffects xmlns:a14="http://schemas.microsoft.com/office/drawing/2010/main" xmlns="">
                       <a:effectLst>
                         <a:outerShdw blurRad="63500" dist="38099" dir="2700000" algn="ctr" rotWithShape="0">
                           <a:schemeClr val="bg2">
@@ -9381,12 +9212,12 @@
                 <a:effectLst/>
                 <a:extLst>
                   <a:ext uri="{909E8E84-426E-40dd-AFC4-6F175D3DCCD1}">
-                    <a14:hiddenFill xmlns="" xmlns:a14="http://schemas.microsoft.com/office/drawing/2010/main">
+                    <a14:hiddenFill xmlns:a14="http://schemas.microsoft.com/office/drawing/2010/main" xmlns="">
                       <a:noFill/>
                     </a14:hiddenFill>
                   </a:ext>
                   <a:ext uri="{AF507438-7753-43e0-B8FC-AC1667EBCBE1}">
-                    <a14:hiddenEffects xmlns="" xmlns:a14="http://schemas.microsoft.com/office/drawing/2010/main">
+                    <a14:hiddenEffects xmlns:a14="http://schemas.microsoft.com/office/drawing/2010/main" xmlns="">
                       <a:effectLst>
                         <a:outerShdw blurRad="63500" dist="38099" dir="2700000" algn="ctr" rotWithShape="0">
                           <a:schemeClr val="bg2">
@@ -9439,12 +9270,12 @@
                 <a:effectLst/>
                 <a:extLst>
                   <a:ext uri="{909E8E84-426E-40dd-AFC4-6F175D3DCCD1}">
-                    <a14:hiddenFill xmlns="" xmlns:a14="http://schemas.microsoft.com/office/drawing/2010/main">
+                    <a14:hiddenFill xmlns:a14="http://schemas.microsoft.com/office/drawing/2010/main" xmlns="">
                       <a:noFill/>
                     </a14:hiddenFill>
                   </a:ext>
                   <a:ext uri="{AF507438-7753-43e0-B8FC-AC1667EBCBE1}">
-                    <a14:hiddenEffects xmlns="" xmlns:a14="http://schemas.microsoft.com/office/drawing/2010/main">
+                    <a14:hiddenEffects xmlns:a14="http://schemas.microsoft.com/office/drawing/2010/main" xmlns="">
                       <a:effectLst>
                         <a:outerShdw blurRad="63500" dist="38099" dir="2700000" algn="ctr" rotWithShape="0">
                           <a:schemeClr val="bg2">
@@ -9497,12 +9328,12 @@
                 <a:effectLst/>
                 <a:extLst>
                   <a:ext uri="{909E8E84-426E-40dd-AFC4-6F175D3DCCD1}">
-                    <a14:hiddenFill xmlns="" xmlns:a14="http://schemas.microsoft.com/office/drawing/2010/main">
+                    <a14:hiddenFill xmlns:a14="http://schemas.microsoft.com/office/drawing/2010/main" xmlns="">
                       <a:noFill/>
                     </a14:hiddenFill>
                   </a:ext>
                   <a:ext uri="{AF507438-7753-43e0-B8FC-AC1667EBCBE1}">
-                    <a14:hiddenEffects xmlns="" xmlns:a14="http://schemas.microsoft.com/office/drawing/2010/main">
+                    <a14:hiddenEffects xmlns:a14="http://schemas.microsoft.com/office/drawing/2010/main" xmlns="">
                       <a:effectLst>
                         <a:outerShdw blurRad="63500" dist="38099" dir="2700000" algn="ctr" rotWithShape="0">
                           <a:schemeClr val="bg2">
@@ -9555,12 +9386,12 @@
                 <a:effectLst/>
                 <a:extLst>
                   <a:ext uri="{909E8E84-426E-40dd-AFC4-6F175D3DCCD1}">
-                    <a14:hiddenFill xmlns="" xmlns:a14="http://schemas.microsoft.com/office/drawing/2010/main">
+                    <a14:hiddenFill xmlns:a14="http://schemas.microsoft.com/office/drawing/2010/main" xmlns="">
                       <a:noFill/>
                     </a14:hiddenFill>
                   </a:ext>
                   <a:ext uri="{AF507438-7753-43e0-B8FC-AC1667EBCBE1}">
-                    <a14:hiddenEffects xmlns="" xmlns:a14="http://schemas.microsoft.com/office/drawing/2010/main">
+                    <a14:hiddenEffects xmlns:a14="http://schemas.microsoft.com/office/drawing/2010/main" xmlns="">
                       <a:effectLst>
                         <a:outerShdw blurRad="63500" dist="38099" dir="2700000" algn="ctr" rotWithShape="0">
                           <a:schemeClr val="bg2">
@@ -9613,12 +9444,12 @@
                 <a:effectLst/>
                 <a:extLst>
                   <a:ext uri="{909E8E84-426E-40dd-AFC4-6F175D3DCCD1}">
-                    <a14:hiddenFill xmlns="" xmlns:a14="http://schemas.microsoft.com/office/drawing/2010/main">
+                    <a14:hiddenFill xmlns:a14="http://schemas.microsoft.com/office/drawing/2010/main" xmlns="">
                       <a:noFill/>
                     </a14:hiddenFill>
                   </a:ext>
                   <a:ext uri="{AF507438-7753-43e0-B8FC-AC1667EBCBE1}">
-                    <a14:hiddenEffects xmlns="" xmlns:a14="http://schemas.microsoft.com/office/drawing/2010/main">
+                    <a14:hiddenEffects xmlns:a14="http://schemas.microsoft.com/office/drawing/2010/main" xmlns="">
                       <a:effectLst>
                         <a:outerShdw blurRad="63500" dist="38099" dir="2700000" algn="ctr" rotWithShape="0">
                           <a:schemeClr val="bg2">
@@ -9671,12 +9502,12 @@
                 <a:effectLst/>
                 <a:extLst>
                   <a:ext uri="{909E8E84-426E-40dd-AFC4-6F175D3DCCD1}">
-                    <a14:hiddenFill xmlns="" xmlns:a14="http://schemas.microsoft.com/office/drawing/2010/main">
+                    <a14:hiddenFill xmlns:a14="http://schemas.microsoft.com/office/drawing/2010/main" xmlns="">
                       <a:noFill/>
                     </a14:hiddenFill>
                   </a:ext>
                   <a:ext uri="{AF507438-7753-43e0-B8FC-AC1667EBCBE1}">
-                    <a14:hiddenEffects xmlns="" xmlns:a14="http://schemas.microsoft.com/office/drawing/2010/main">
+                    <a14:hiddenEffects xmlns:a14="http://schemas.microsoft.com/office/drawing/2010/main" xmlns="">
                       <a:effectLst>
                         <a:outerShdw blurRad="63500" dist="38099" dir="2700000" algn="ctr" rotWithShape="0">
                           <a:schemeClr val="bg2">
@@ -9729,12 +9560,12 @@
                 <a:effectLst/>
                 <a:extLst>
                   <a:ext uri="{909E8E84-426E-40dd-AFC4-6F175D3DCCD1}">
-                    <a14:hiddenFill xmlns="" xmlns:a14="http://schemas.microsoft.com/office/drawing/2010/main">
+                    <a14:hiddenFill xmlns:a14="http://schemas.microsoft.com/office/drawing/2010/main" xmlns="">
                       <a:noFill/>
                     </a14:hiddenFill>
                   </a:ext>
                   <a:ext uri="{AF507438-7753-43e0-B8FC-AC1667EBCBE1}">
-                    <a14:hiddenEffects xmlns="" xmlns:a14="http://schemas.microsoft.com/office/drawing/2010/main">
+                    <a14:hiddenEffects xmlns:a14="http://schemas.microsoft.com/office/drawing/2010/main" xmlns="">
                       <a:effectLst>
                         <a:outerShdw blurRad="63500" dist="38099" dir="2700000" algn="ctr" rotWithShape="0">
                           <a:schemeClr val="bg2">
@@ -9787,12 +9618,12 @@
                 <a:effectLst/>
                 <a:extLst>
                   <a:ext uri="{909E8E84-426E-40dd-AFC4-6F175D3DCCD1}">
-                    <a14:hiddenFill xmlns="" xmlns:a14="http://schemas.microsoft.com/office/drawing/2010/main">
+                    <a14:hiddenFill xmlns:a14="http://schemas.microsoft.com/office/drawing/2010/main" xmlns="">
                       <a:noFill/>
                     </a14:hiddenFill>
                   </a:ext>
                   <a:ext uri="{AF507438-7753-43e0-B8FC-AC1667EBCBE1}">
-                    <a14:hiddenEffects xmlns="" xmlns:a14="http://schemas.microsoft.com/office/drawing/2010/main">
+                    <a14:hiddenEffects xmlns:a14="http://schemas.microsoft.com/office/drawing/2010/main" xmlns="">
                       <a:effectLst>
                         <a:outerShdw blurRad="63500" dist="38099" dir="2700000" algn="ctr" rotWithShape="0">
                           <a:schemeClr val="bg2">
@@ -9845,12 +9676,12 @@
                 <a:effectLst/>
                 <a:extLst>
                   <a:ext uri="{909E8E84-426E-40dd-AFC4-6F175D3DCCD1}">
-                    <a14:hiddenFill xmlns="" xmlns:a14="http://schemas.microsoft.com/office/drawing/2010/main">
+                    <a14:hiddenFill xmlns:a14="http://schemas.microsoft.com/office/drawing/2010/main" xmlns="">
                       <a:noFill/>
                     </a14:hiddenFill>
                   </a:ext>
                   <a:ext uri="{AF507438-7753-43e0-B8FC-AC1667EBCBE1}">
-                    <a14:hiddenEffects xmlns="" xmlns:a14="http://schemas.microsoft.com/office/drawing/2010/main">
+                    <a14:hiddenEffects xmlns:a14="http://schemas.microsoft.com/office/drawing/2010/main" xmlns="">
                       <a:effectLst>
                         <a:outerShdw blurRad="63500" dist="38099" dir="2700000" algn="ctr" rotWithShape="0">
                           <a:schemeClr val="bg2">
@@ -9903,12 +9734,12 @@
                 <a:effectLst/>
                 <a:extLst>
                   <a:ext uri="{909E8E84-426E-40dd-AFC4-6F175D3DCCD1}">
-                    <a14:hiddenFill xmlns="" xmlns:a14="http://schemas.microsoft.com/office/drawing/2010/main">
+                    <a14:hiddenFill xmlns:a14="http://schemas.microsoft.com/office/drawing/2010/main" xmlns="">
                       <a:noFill/>
                     </a14:hiddenFill>
                   </a:ext>
                   <a:ext uri="{AF507438-7753-43e0-B8FC-AC1667EBCBE1}">
-                    <a14:hiddenEffects xmlns="" xmlns:a14="http://schemas.microsoft.com/office/drawing/2010/main">
+                    <a14:hiddenEffects xmlns:a14="http://schemas.microsoft.com/office/drawing/2010/main" xmlns="">
                       <a:effectLst>
                         <a:outerShdw blurRad="63500" dist="38099" dir="2700000" algn="ctr" rotWithShape="0">
                           <a:schemeClr val="bg2">
@@ -9961,12 +9792,12 @@
                 <a:effectLst/>
                 <a:extLst>
                   <a:ext uri="{909E8E84-426E-40dd-AFC4-6F175D3DCCD1}">
-                    <a14:hiddenFill xmlns="" xmlns:a14="http://schemas.microsoft.com/office/drawing/2010/main">
+                    <a14:hiddenFill xmlns:a14="http://schemas.microsoft.com/office/drawing/2010/main" xmlns="">
                       <a:noFill/>
                     </a14:hiddenFill>
                   </a:ext>
                   <a:ext uri="{AF507438-7753-43e0-B8FC-AC1667EBCBE1}">
-                    <a14:hiddenEffects xmlns="" xmlns:a14="http://schemas.microsoft.com/office/drawing/2010/main">
+                    <a14:hiddenEffects xmlns:a14="http://schemas.microsoft.com/office/drawing/2010/main" xmlns="">
                       <a:effectLst>
                         <a:outerShdw blurRad="63500" dist="38099" dir="2700000" algn="ctr" rotWithShape="0">
                           <a:schemeClr val="bg2">
@@ -10019,12 +9850,12 @@
                 <a:effectLst/>
                 <a:extLst>
                   <a:ext uri="{909E8E84-426E-40dd-AFC4-6F175D3DCCD1}">
-                    <a14:hiddenFill xmlns="" xmlns:a14="http://schemas.microsoft.com/office/drawing/2010/main">
+                    <a14:hiddenFill xmlns:a14="http://schemas.microsoft.com/office/drawing/2010/main" xmlns="">
                       <a:noFill/>
                     </a14:hiddenFill>
                   </a:ext>
                   <a:ext uri="{AF507438-7753-43e0-B8FC-AC1667EBCBE1}">
-                    <a14:hiddenEffects xmlns="" xmlns:a14="http://schemas.microsoft.com/office/drawing/2010/main">
+                    <a14:hiddenEffects xmlns:a14="http://schemas.microsoft.com/office/drawing/2010/main" xmlns="">
                       <a:effectLst>
                         <a:outerShdw blurRad="63500" dist="38099" dir="2700000" algn="ctr" rotWithShape="0">
                           <a:schemeClr val="bg2">
@@ -10077,12 +9908,12 @@
                 <a:effectLst/>
                 <a:extLst>
                   <a:ext uri="{909E8E84-426E-40dd-AFC4-6F175D3DCCD1}">
-                    <a14:hiddenFill xmlns="" xmlns:a14="http://schemas.microsoft.com/office/drawing/2010/main">
+                    <a14:hiddenFill xmlns:a14="http://schemas.microsoft.com/office/drawing/2010/main" xmlns="">
                       <a:noFill/>
                     </a14:hiddenFill>
                   </a:ext>
                   <a:ext uri="{AF507438-7753-43e0-B8FC-AC1667EBCBE1}">
-                    <a14:hiddenEffects xmlns="" xmlns:a14="http://schemas.microsoft.com/office/drawing/2010/main">
+                    <a14:hiddenEffects xmlns:a14="http://schemas.microsoft.com/office/drawing/2010/main" xmlns="">
                       <a:effectLst>
                         <a:outerShdw blurRad="63500" dist="38099" dir="2700000" algn="ctr" rotWithShape="0">
                           <a:schemeClr val="bg2">
@@ -10135,12 +9966,12 @@
                 <a:effectLst/>
                 <a:extLst>
                   <a:ext uri="{909E8E84-426E-40dd-AFC4-6F175D3DCCD1}">
-                    <a14:hiddenFill xmlns="" xmlns:a14="http://schemas.microsoft.com/office/drawing/2010/main">
+                    <a14:hiddenFill xmlns:a14="http://schemas.microsoft.com/office/drawing/2010/main" xmlns="">
                       <a:noFill/>
                     </a14:hiddenFill>
                   </a:ext>
                   <a:ext uri="{AF507438-7753-43e0-B8FC-AC1667EBCBE1}">
-                    <a14:hiddenEffects xmlns="" xmlns:a14="http://schemas.microsoft.com/office/drawing/2010/main">
+                    <a14:hiddenEffects xmlns:a14="http://schemas.microsoft.com/office/drawing/2010/main" xmlns="">
                       <a:effectLst>
                         <a:outerShdw blurRad="63500" dist="38099" dir="2700000" algn="ctr" rotWithShape="0">
                           <a:schemeClr val="bg2">
@@ -10193,12 +10024,12 @@
                 <a:effectLst/>
                 <a:extLst>
                   <a:ext uri="{909E8E84-426E-40dd-AFC4-6F175D3DCCD1}">
-                    <a14:hiddenFill xmlns="" xmlns:a14="http://schemas.microsoft.com/office/drawing/2010/main">
+                    <a14:hiddenFill xmlns:a14="http://schemas.microsoft.com/office/drawing/2010/main" xmlns="">
                       <a:noFill/>
                     </a14:hiddenFill>
                   </a:ext>
                   <a:ext uri="{AF507438-7753-43e0-B8FC-AC1667EBCBE1}">
-                    <a14:hiddenEffects xmlns="" xmlns:a14="http://schemas.microsoft.com/office/drawing/2010/main">
+                    <a14:hiddenEffects xmlns:a14="http://schemas.microsoft.com/office/drawing/2010/main" xmlns="">
                       <a:effectLst>
                         <a:outerShdw blurRad="63500" dist="38099" dir="2700000" algn="ctr" rotWithShape="0">
                           <a:schemeClr val="bg2">
@@ -10251,12 +10082,12 @@
                 <a:effectLst/>
                 <a:extLst>
                   <a:ext uri="{909E8E84-426E-40dd-AFC4-6F175D3DCCD1}">
-                    <a14:hiddenFill xmlns="" xmlns:a14="http://schemas.microsoft.com/office/drawing/2010/main">
+                    <a14:hiddenFill xmlns:a14="http://schemas.microsoft.com/office/drawing/2010/main" xmlns="">
                       <a:noFill/>
                     </a14:hiddenFill>
                   </a:ext>
                   <a:ext uri="{AF507438-7753-43e0-B8FC-AC1667EBCBE1}">
-                    <a14:hiddenEffects xmlns="" xmlns:a14="http://schemas.microsoft.com/office/drawing/2010/main">
+                    <a14:hiddenEffects xmlns:a14="http://schemas.microsoft.com/office/drawing/2010/main" xmlns="">
                       <a:effectLst>
                         <a:outerShdw blurRad="63500" dist="38099" dir="2700000" algn="ctr" rotWithShape="0">
                           <a:schemeClr val="bg2">
@@ -10309,12 +10140,12 @@
                 <a:effectLst/>
                 <a:extLst>
                   <a:ext uri="{909E8E84-426E-40dd-AFC4-6F175D3DCCD1}">
-                    <a14:hiddenFill xmlns="" xmlns:a14="http://schemas.microsoft.com/office/drawing/2010/main">
+                    <a14:hiddenFill xmlns:a14="http://schemas.microsoft.com/office/drawing/2010/main" xmlns="">
                       <a:noFill/>
                     </a14:hiddenFill>
                   </a:ext>
                   <a:ext uri="{AF507438-7753-43e0-B8FC-AC1667EBCBE1}">
-                    <a14:hiddenEffects xmlns="" xmlns:a14="http://schemas.microsoft.com/office/drawing/2010/main">
+                    <a14:hiddenEffects xmlns:a14="http://schemas.microsoft.com/office/drawing/2010/main" xmlns="">
                       <a:effectLst>
                         <a:outerShdw blurRad="63500" dist="38099" dir="2700000" algn="ctr" rotWithShape="0">
                           <a:schemeClr val="bg2">
@@ -10367,12 +10198,12 @@
                 <a:effectLst/>
                 <a:extLst>
                   <a:ext uri="{909E8E84-426E-40dd-AFC4-6F175D3DCCD1}">
-                    <a14:hiddenFill xmlns="" xmlns:a14="http://schemas.microsoft.com/office/drawing/2010/main">
+                    <a14:hiddenFill xmlns:a14="http://schemas.microsoft.com/office/drawing/2010/main" xmlns="">
                       <a:noFill/>
                     </a14:hiddenFill>
                   </a:ext>
                   <a:ext uri="{AF507438-7753-43e0-B8FC-AC1667EBCBE1}">
-                    <a14:hiddenEffects xmlns="" xmlns:a14="http://schemas.microsoft.com/office/drawing/2010/main">
+                    <a14:hiddenEffects xmlns:a14="http://schemas.microsoft.com/office/drawing/2010/main" xmlns="">
                       <a:effectLst>
                         <a:outerShdw blurRad="63500" dist="38099" dir="2700000" algn="ctr" rotWithShape="0">
                           <a:schemeClr val="bg2">
@@ -10425,12 +10256,12 @@
                 <a:effectLst/>
                 <a:extLst>
                   <a:ext uri="{909E8E84-426E-40dd-AFC4-6F175D3DCCD1}">
-                    <a14:hiddenFill xmlns="" xmlns:a14="http://schemas.microsoft.com/office/drawing/2010/main">
+                    <a14:hiddenFill xmlns:a14="http://schemas.microsoft.com/office/drawing/2010/main" xmlns="">
                       <a:noFill/>
                     </a14:hiddenFill>
                   </a:ext>
                   <a:ext uri="{AF507438-7753-43e0-B8FC-AC1667EBCBE1}">
-                    <a14:hiddenEffects xmlns="" xmlns:a14="http://schemas.microsoft.com/office/drawing/2010/main">
+                    <a14:hiddenEffects xmlns:a14="http://schemas.microsoft.com/office/drawing/2010/main" xmlns="">
                       <a:effectLst>
                         <a:outerShdw blurRad="63500" dist="38099" dir="2700000" algn="ctr" rotWithShape="0">
                           <a:schemeClr val="bg2">
@@ -10483,12 +10314,12 @@
                 <a:effectLst/>
                 <a:extLst>
                   <a:ext uri="{909E8E84-426E-40dd-AFC4-6F175D3DCCD1}">
-                    <a14:hiddenFill xmlns="" xmlns:a14="http://schemas.microsoft.com/office/drawing/2010/main">
+                    <a14:hiddenFill xmlns:a14="http://schemas.microsoft.com/office/drawing/2010/main" xmlns="">
                       <a:noFill/>
                     </a14:hiddenFill>
                   </a:ext>
                   <a:ext uri="{AF507438-7753-43e0-B8FC-AC1667EBCBE1}">
-                    <a14:hiddenEffects xmlns="" xmlns:a14="http://schemas.microsoft.com/office/drawing/2010/main">
+                    <a14:hiddenEffects xmlns:a14="http://schemas.microsoft.com/office/drawing/2010/main" xmlns="">
                       <a:effectLst>
                         <a:outerShdw blurRad="63500" dist="38099" dir="2700000" algn="ctr" rotWithShape="0">
                           <a:schemeClr val="bg2">
@@ -10541,12 +10372,12 @@
                 <a:effectLst/>
                 <a:extLst>
                   <a:ext uri="{909E8E84-426E-40dd-AFC4-6F175D3DCCD1}">
-                    <a14:hiddenFill xmlns="" xmlns:a14="http://schemas.microsoft.com/office/drawing/2010/main">
+                    <a14:hiddenFill xmlns:a14="http://schemas.microsoft.com/office/drawing/2010/main" xmlns="">
                       <a:noFill/>
                     </a14:hiddenFill>
                   </a:ext>
                   <a:ext uri="{AF507438-7753-43e0-B8FC-AC1667EBCBE1}">
-                    <a14:hiddenEffects xmlns="" xmlns:a14="http://schemas.microsoft.com/office/drawing/2010/main">
+                    <a14:hiddenEffects xmlns:a14="http://schemas.microsoft.com/office/drawing/2010/main" xmlns="">
                       <a:effectLst>
                         <a:outerShdw blurRad="63500" dist="38099" dir="2700000" algn="ctr" rotWithShape="0">
                           <a:schemeClr val="bg2">
@@ -10599,12 +10430,12 @@
                 <a:effectLst/>
                 <a:extLst>
                   <a:ext uri="{909E8E84-426E-40dd-AFC4-6F175D3DCCD1}">
-                    <a14:hiddenFill xmlns="" xmlns:a14="http://schemas.microsoft.com/office/drawing/2010/main">
+                    <a14:hiddenFill xmlns:a14="http://schemas.microsoft.com/office/drawing/2010/main" xmlns="">
                       <a:noFill/>
                     </a14:hiddenFill>
                   </a:ext>
                   <a:ext uri="{AF507438-7753-43e0-B8FC-AC1667EBCBE1}">
-                    <a14:hiddenEffects xmlns="" xmlns:a14="http://schemas.microsoft.com/office/drawing/2010/main">
+                    <a14:hiddenEffects xmlns:a14="http://schemas.microsoft.com/office/drawing/2010/main" xmlns="">
                       <a:effectLst>
                         <a:outerShdw blurRad="63500" dist="38099" dir="2700000" algn="ctr" rotWithShape="0">
                           <a:schemeClr val="bg2">
@@ -10657,12 +10488,12 @@
                 <a:effectLst/>
                 <a:extLst>
                   <a:ext uri="{909E8E84-426E-40dd-AFC4-6F175D3DCCD1}">
-                    <a14:hiddenFill xmlns="" xmlns:a14="http://schemas.microsoft.com/office/drawing/2010/main">
+                    <a14:hiddenFill xmlns:a14="http://schemas.microsoft.com/office/drawing/2010/main" xmlns="">
                       <a:noFill/>
                     </a14:hiddenFill>
                   </a:ext>
                   <a:ext uri="{AF507438-7753-43e0-B8FC-AC1667EBCBE1}">
-                    <a14:hiddenEffects xmlns="" xmlns:a14="http://schemas.microsoft.com/office/drawing/2010/main">
+                    <a14:hiddenEffects xmlns:a14="http://schemas.microsoft.com/office/drawing/2010/main" xmlns="">
                       <a:effectLst>
                         <a:outerShdw blurRad="63500" dist="38099" dir="2700000" algn="ctr" rotWithShape="0">
                           <a:schemeClr val="bg2">
@@ -10714,7 +10545,7 @@
             <a:effectLst/>
             <a:extLst>
               <a:ext uri="{91240B29-F687-4f45-9708-019B960494DF}">
-                <a14:hiddenLine xmlns="" xmlns:a14="http://schemas.microsoft.com/office/drawing/2010/main" w="9525">
+                <a14:hiddenLine xmlns:a14="http://schemas.microsoft.com/office/drawing/2010/main" xmlns="" w="9525">
                   <a:solidFill>
                     <a:schemeClr val="tx1"/>
                   </a:solidFill>
@@ -10724,7 +10555,7 @@
                 </a14:hiddenLine>
               </a:ext>
               <a:ext uri="{AF507438-7753-43e0-B8FC-AC1667EBCBE1}">
-                <a14:hiddenEffects xmlns="" xmlns:a14="http://schemas.microsoft.com/office/drawing/2010/main">
+                <a14:hiddenEffects xmlns:a14="http://schemas.microsoft.com/office/drawing/2010/main" xmlns="">
                   <a:effectLst>
                     <a:outerShdw blurRad="63500" dist="38099" dir="2700000" algn="ctr" rotWithShape="0">
                       <a:schemeClr val="bg2">
@@ -10772,12 +10603,12 @@
             <a:effectLst/>
             <a:extLst>
               <a:ext uri="{909E8E84-426E-40dd-AFC4-6F175D3DCCD1}">
-                <a14:hiddenFill xmlns="" xmlns:a14="http://schemas.microsoft.com/office/drawing/2010/main">
+                <a14:hiddenFill xmlns:a14="http://schemas.microsoft.com/office/drawing/2010/main" xmlns="">
                   <a:noFill/>
                 </a14:hiddenFill>
               </a:ext>
               <a:ext uri="{AF507438-7753-43e0-B8FC-AC1667EBCBE1}">
-                <a14:hiddenEffects xmlns="" xmlns:a14="http://schemas.microsoft.com/office/drawing/2010/main">
+                <a14:hiddenEffects xmlns:a14="http://schemas.microsoft.com/office/drawing/2010/main" xmlns="">
                   <a:effectLst>
                     <a:outerShdw blurRad="63500" dist="38099" dir="2700000" algn="ctr" rotWithShape="0">
                       <a:schemeClr val="bg2">
@@ -10841,12 +10672,12 @@
               <a:effectLst/>
               <a:extLst>
                 <a:ext uri="{909E8E84-426E-40dd-AFC4-6F175D3DCCD1}">
-                  <a14:hiddenFill xmlns="" xmlns:a14="http://schemas.microsoft.com/office/drawing/2010/main">
+                  <a14:hiddenFill xmlns:a14="http://schemas.microsoft.com/office/drawing/2010/main" xmlns="">
                     <a:noFill/>
                   </a14:hiddenFill>
                 </a:ext>
                 <a:ext uri="{AF507438-7753-43e0-B8FC-AC1667EBCBE1}">
-                  <a14:hiddenEffects xmlns="" xmlns:a14="http://schemas.microsoft.com/office/drawing/2010/main">
+                  <a14:hiddenEffects xmlns:a14="http://schemas.microsoft.com/office/drawing/2010/main" xmlns="">
                     <a:effectLst>
                       <a:outerShdw blurRad="63500" dist="38099" dir="2700000" algn="ctr" rotWithShape="0">
                         <a:schemeClr val="bg2">
@@ -10894,12 +10725,12 @@
               <a:effectLst/>
               <a:extLst>
                 <a:ext uri="{909E8E84-426E-40dd-AFC4-6F175D3DCCD1}">
-                  <a14:hiddenFill xmlns="" xmlns:a14="http://schemas.microsoft.com/office/drawing/2010/main">
+                  <a14:hiddenFill xmlns:a14="http://schemas.microsoft.com/office/drawing/2010/main" xmlns="">
                     <a:noFill/>
                   </a14:hiddenFill>
                 </a:ext>
                 <a:ext uri="{AF507438-7753-43e0-B8FC-AC1667EBCBE1}">
-                  <a14:hiddenEffects xmlns="" xmlns:a14="http://schemas.microsoft.com/office/drawing/2010/main">
+                  <a14:hiddenEffects xmlns:a14="http://schemas.microsoft.com/office/drawing/2010/main" xmlns="">
                     <a:effectLst>
                       <a:outerShdw blurRad="63500" dist="38099" dir="2700000" algn="ctr" rotWithShape="0">
                         <a:schemeClr val="bg2">
@@ -11027,14 +10858,14 @@
               <a:effectLst/>
               <a:extLst>
                 <a:ext uri="{909E8E84-426E-40dd-AFC4-6F175D3DCCD1}">
-                  <a14:hiddenFill xmlns="" xmlns:a14="http://schemas.microsoft.com/office/drawing/2010/main">
+                  <a14:hiddenFill xmlns:a14="http://schemas.microsoft.com/office/drawing/2010/main" xmlns="">
                     <a:solidFill>
                       <a:schemeClr val="accent1"/>
                     </a:solidFill>
                   </a14:hiddenFill>
                 </a:ext>
                 <a:ext uri="{AF507438-7753-43e0-B8FC-AC1667EBCBE1}">
-                  <a14:hiddenEffects xmlns="" xmlns:a14="http://schemas.microsoft.com/office/drawing/2010/main">
+                  <a14:hiddenEffects xmlns:a14="http://schemas.microsoft.com/office/drawing/2010/main" xmlns="">
                     <a:effectLst>
                       <a:outerShdw blurRad="63500" dist="38099" dir="2700000" algn="ctr" rotWithShape="0">
                         <a:schemeClr val="bg2">
@@ -11084,14 +10915,14 @@
               <ma14:placeholderFlag xmlns:ma14="http://schemas.microsoft.com/office/mac/drawingml/2011/main" val="1"/>
             </a:ext>
             <a:ext uri="{909E8E84-426E-40dd-AFC4-6F175D3DCCD1}">
-              <a14:hiddenFill xmlns="" xmlns:a14="http://schemas.microsoft.com/office/drawing/2010/main">
+              <a14:hiddenFill xmlns:a14="http://schemas.microsoft.com/office/drawing/2010/main" xmlns="">
                 <a:solidFill>
                   <a:schemeClr val="accent1"/>
                 </a:solidFill>
               </a14:hiddenFill>
             </a:ext>
             <a:ext uri="{91240B29-F687-4f45-9708-019B960494DF}">
-              <a14:hiddenLine xmlns="" xmlns:a14="http://schemas.microsoft.com/office/drawing/2010/main" w="9525">
+              <a14:hiddenLine xmlns:a14="http://schemas.microsoft.com/office/drawing/2010/main" xmlns="" w="9525">
                 <a:solidFill>
                   <a:schemeClr val="tx1"/>
                 </a:solidFill>
@@ -11101,7 +10932,7 @@
               </a14:hiddenLine>
             </a:ext>
             <a:ext uri="{AF507438-7753-43e0-B8FC-AC1667EBCBE1}">
-              <a14:hiddenEffects xmlns="" xmlns:a14="http://schemas.microsoft.com/office/drawing/2010/main">
+              <a14:hiddenEffects xmlns:a14="http://schemas.microsoft.com/office/drawing/2010/main" xmlns="">
                 <a:effectLst>
                   <a:outerShdw blurRad="63500" dist="38099" dir="2700000" algn="ctr" rotWithShape="0">
                     <a:schemeClr val="bg2">
@@ -11157,14 +10988,14 @@
               <ma14:placeholderFlag xmlns:ma14="http://schemas.microsoft.com/office/mac/drawingml/2011/main" val="1"/>
             </a:ext>
             <a:ext uri="{909E8E84-426E-40dd-AFC4-6F175D3DCCD1}">
-              <a14:hiddenFill xmlns="" xmlns:a14="http://schemas.microsoft.com/office/drawing/2010/main">
+              <a14:hiddenFill xmlns:a14="http://schemas.microsoft.com/office/drawing/2010/main" xmlns="">
                 <a:solidFill>
                   <a:schemeClr val="accent1"/>
                 </a:solidFill>
               </a14:hiddenFill>
             </a:ext>
             <a:ext uri="{91240B29-F687-4f45-9708-019B960494DF}">
-              <a14:hiddenLine xmlns="" xmlns:a14="http://schemas.microsoft.com/office/drawing/2010/main" w="9525">
+              <a14:hiddenLine xmlns:a14="http://schemas.microsoft.com/office/drawing/2010/main" xmlns="" w="9525">
                 <a:solidFill>
                   <a:schemeClr val="tx1"/>
                 </a:solidFill>
@@ -11174,7 +11005,7 @@
               </a14:hiddenLine>
             </a:ext>
             <a:ext uri="{AF507438-7753-43e0-B8FC-AC1667EBCBE1}">
-              <a14:hiddenEffects xmlns="" xmlns:a14="http://schemas.microsoft.com/office/drawing/2010/main">
+              <a14:hiddenEffects xmlns:a14="http://schemas.microsoft.com/office/drawing/2010/main" xmlns="">
                 <a:effectLst>
                   <a:outerShdw blurRad="63500" dist="38099" dir="2700000" algn="ctr" rotWithShape="0">
                     <a:schemeClr val="bg2">
@@ -11258,14 +11089,14 @@
               <ma14:placeholderFlag xmlns:ma14="http://schemas.microsoft.com/office/mac/drawingml/2011/main" val="1"/>
             </a:ext>
             <a:ext uri="{909E8E84-426E-40dd-AFC4-6F175D3DCCD1}">
-              <a14:hiddenFill xmlns="" xmlns:a14="http://schemas.microsoft.com/office/drawing/2010/main">
+              <a14:hiddenFill xmlns:a14="http://schemas.microsoft.com/office/drawing/2010/main" xmlns="">
                 <a:solidFill>
                   <a:schemeClr val="accent1"/>
                 </a:solidFill>
               </a14:hiddenFill>
             </a:ext>
             <a:ext uri="{91240B29-F687-4f45-9708-019B960494DF}">
-              <a14:hiddenLine xmlns="" xmlns:a14="http://schemas.microsoft.com/office/drawing/2010/main" w="9525">
+              <a14:hiddenLine xmlns:a14="http://schemas.microsoft.com/office/drawing/2010/main" xmlns="" w="9525">
                 <a:solidFill>
                   <a:schemeClr val="tx1"/>
                 </a:solidFill>
@@ -11275,7 +11106,7 @@
               </a14:hiddenLine>
             </a:ext>
             <a:ext uri="{AF507438-7753-43e0-B8FC-AC1667EBCBE1}">
-              <a14:hiddenEffects xmlns="" xmlns:a14="http://schemas.microsoft.com/office/drawing/2010/main">
+              <a14:hiddenEffects xmlns:a14="http://schemas.microsoft.com/office/drawing/2010/main" xmlns="">
                 <a:effectLst>
                   <a:outerShdw blurRad="63500" dist="38099" dir="2700000" algn="ctr" rotWithShape="0">
                     <a:schemeClr val="bg2">
@@ -11331,14 +11162,14 @@
               <ma14:placeholderFlag xmlns:ma14="http://schemas.microsoft.com/office/mac/drawingml/2011/main" val="1"/>
             </a:ext>
             <a:ext uri="{909E8E84-426E-40dd-AFC4-6F175D3DCCD1}">
-              <a14:hiddenFill xmlns="" xmlns:a14="http://schemas.microsoft.com/office/drawing/2010/main">
+              <a14:hiddenFill xmlns:a14="http://schemas.microsoft.com/office/drawing/2010/main" xmlns="">
                 <a:solidFill>
                   <a:schemeClr val="accent1"/>
                 </a:solidFill>
               </a14:hiddenFill>
             </a:ext>
             <a:ext uri="{91240B29-F687-4f45-9708-019B960494DF}">
-              <a14:hiddenLine xmlns="" xmlns:a14="http://schemas.microsoft.com/office/drawing/2010/main" w="9525">
+              <a14:hiddenLine xmlns:a14="http://schemas.microsoft.com/office/drawing/2010/main" xmlns="" w="9525">
                 <a:solidFill>
                   <a:schemeClr val="tx1"/>
                 </a:solidFill>
@@ -11348,7 +11179,7 @@
               </a14:hiddenLine>
             </a:ext>
             <a:ext uri="{AF507438-7753-43e0-B8FC-AC1667EBCBE1}">
-              <a14:hiddenEffects xmlns="" xmlns:a14="http://schemas.microsoft.com/office/drawing/2010/main">
+              <a14:hiddenEffects xmlns:a14="http://schemas.microsoft.com/office/drawing/2010/main" xmlns="">
                 <a:effectLst>
                   <a:outerShdw blurRad="63500" dist="38099" dir="2700000" algn="ctr" rotWithShape="0">
                     <a:schemeClr val="bg2">
@@ -11381,124 +11212,6 @@
           </a:p>
         </p:txBody>
       </p:sp>
-      <p:sp>
-        <p:nvSpPr>
-          <p:cNvPr id="3145" name="Text Box 1097"/>
-          <p:cNvSpPr txBox="1">
-            <a:spLocks noChangeArrowheads="1"/>
-          </p:cNvSpPr>
-          <p:nvPr userDrawn="1"/>
-        </p:nvSpPr>
-        <p:spPr bwMode="auto">
-          <a:xfrm>
-            <a:off x="1219200" y="6324600"/>
-            <a:ext cx="5943600" cy="457200"/>
-          </a:xfrm>
-          <a:prstGeom prst="rect">
-            <a:avLst/>
-          </a:prstGeom>
-          <a:noFill/>
-          <a:ln>
-            <a:noFill/>
-          </a:ln>
-          <a:effectLst/>
-          <a:extLst>
-            <a:ext uri="{909E8E84-426E-40dd-AFC4-6F175D3DCCD1}">
-              <a14:hiddenFill xmlns="" xmlns:a14="http://schemas.microsoft.com/office/drawing/2010/main">
-                <a:solidFill>
-                  <a:schemeClr val="accent1"/>
-                </a:solidFill>
-              </a14:hiddenFill>
-            </a:ext>
-            <a:ext uri="{91240B29-F687-4f45-9708-019B960494DF}">
-              <a14:hiddenLine xmlns="" xmlns:a14="http://schemas.microsoft.com/office/drawing/2010/main" w="9525">
-                <a:solidFill>
-                  <a:schemeClr val="tx1"/>
-                </a:solidFill>
-                <a:miter lim="800000"/>
-                <a:headEnd/>
-                <a:tailEnd/>
-              </a14:hiddenLine>
-            </a:ext>
-            <a:ext uri="{AF507438-7753-43e0-B8FC-AC1667EBCBE1}">
-              <a14:hiddenEffects xmlns="" xmlns:a14="http://schemas.microsoft.com/office/drawing/2010/main">
-                <a:effectLst>
-                  <a:outerShdw blurRad="63500" dist="38099" dir="2700000" algn="ctr" rotWithShape="0">
-                    <a:schemeClr val="bg2">
-                      <a:alpha val="74998"/>
-                    </a:schemeClr>
-                  </a:outerShdw>
-                </a:effectLst>
-              </a14:hiddenEffects>
-            </a:ext>
-          </a:extLst>
-        </p:spPr>
-        <p:txBody>
-          <a:bodyPr>
-            <a:spAutoFit/>
-          </a:bodyPr>
-          <a:lstStyle/>
-          <a:p>
-            <a:pPr>
-              <a:spcBef>
-                <a:spcPct val="50000"/>
-              </a:spcBef>
-            </a:pPr>
-            <a:r>
-              <a:rPr lang="en-US" sz="1200" b="1"/>
-              <a:t>© Drexel University Software Engineering Research Group (SERG)</a:t>
-            </a:r>
-            <a:br>
-              <a:rPr lang="en-US" sz="1200" b="1"/>
-            </a:br>
-            <a:r>
-              <a:rPr lang="en-US" sz="1200" b="1"/>
-              <a:t>http://serg.cs.drexel.edu</a:t>
-            </a:r>
-          </a:p>
-        </p:txBody>
-      </p:sp>
-      <p:pic>
-        <p:nvPicPr>
-          <p:cNvPr id="3148" name="Picture 1100" descr="sergLogo"/>
-          <p:cNvPicPr>
-            <a:picLocks noChangeAspect="1" noChangeArrowheads="1"/>
-          </p:cNvPicPr>
-          <p:nvPr userDrawn="1"/>
-        </p:nvPicPr>
-        <p:blipFill>
-          <a:blip r:embed="rId15">
-            <a:extLst>
-              <a:ext uri="{28A0092B-C50C-407E-A947-70E740481C1C}">
-                <a14:useLocalDpi xmlns:a14="http://schemas.microsoft.com/office/drawing/2010/main" val="0"/>
-              </a:ext>
-            </a:extLst>
-          </a:blip>
-          <a:srcRect/>
-          <a:stretch>
-            <a:fillRect/>
-          </a:stretch>
-        </p:blipFill>
-        <p:spPr bwMode="auto">
-          <a:xfrm>
-            <a:off x="76200" y="6324600"/>
-            <a:ext cx="1143000" cy="476250"/>
-          </a:xfrm>
-          <a:prstGeom prst="rect">
-            <a:avLst/>
-          </a:prstGeom>
-          <a:noFill/>
-          <a:extLst>
-            <a:ext uri="{909E8E84-426E-40dd-AFC4-6F175D3DCCD1}">
-              <a14:hiddenFill xmlns="" xmlns:a14="http://schemas.microsoft.com/office/drawing/2010/main">
-                <a:solidFill>
-                  <a:srgbClr val="FFFFFF"/>
-                </a:solidFill>
-              </a14:hiddenFill>
-            </a:ext>
-          </a:extLst>
-        </p:spPr>
-      </p:pic>
     </p:spTree>
   </p:cSld>
   <p:clrMap bg1="lt1" tx1="dk1" bg2="lt2" tx2="dk2" accent1="accent1" accent2="accent2" accent3="accent3" accent4="accent4" accent5="accent5" accent6="accent6" hlink="hlink" folHlink="folHlink"/>
@@ -11672,7 +11385,7 @@
         <a:buSzPct val="110000"/>
         <a:buFont typeface="Wingdings" charset="0"/>
         <a:buBlip>
-          <a:blip r:embed="rId16"/>
+          <a:blip r:embed="rId15"/>
         </a:buBlip>
         <a:defRPr sz="3200">
           <a:solidFill>
@@ -12011,7 +11724,7 @@
           <a:ln/>
           <a:extLst>
             <a:ext uri="{91240B29-F687-4f45-9708-019B960494DF}">
-              <a14:hiddenLine xmlns="" xmlns:a14="http://schemas.microsoft.com/office/drawing/2010/main" w="12700">
+              <a14:hiddenLine xmlns:a14="http://schemas.microsoft.com/office/drawing/2010/main" xmlns="" w="12700">
                 <a:solidFill>
                   <a:schemeClr val="tx1"/>
                 </a:solidFill>
@@ -12308,7 +12021,7 @@
           <a:effectLst/>
           <a:extLst>
             <a:ext uri="{AF507438-7753-43e0-B8FC-AC1667EBCBE1}">
-              <a14:hiddenEffects xmlns="" xmlns:a14="http://schemas.microsoft.com/office/drawing/2010/main">
+              <a14:hiddenEffects xmlns:a14="http://schemas.microsoft.com/office/drawing/2010/main" xmlns="">
                 <a:effectLst>
                   <a:outerShdw blurRad="63500" dist="38099" dir="2700000" algn="ctr" rotWithShape="0">
                     <a:schemeClr val="bg2">
@@ -12924,14 +12637,14 @@
               <ma14:placeholderFlag xmlns:ma14="http://schemas.microsoft.com/office/mac/drawingml/2011/main" val="1"/>
             </a:ext>
             <a:ext uri="{909E8E84-426E-40dd-AFC4-6F175D3DCCD1}">
-              <a14:hiddenFill xmlns="" xmlns:a14="http://schemas.microsoft.com/office/drawing/2010/main">
+              <a14:hiddenFill xmlns:a14="http://schemas.microsoft.com/office/drawing/2010/main" xmlns="">
                 <a:solidFill>
                   <a:schemeClr val="accent1"/>
                 </a:solidFill>
               </a14:hiddenFill>
             </a:ext>
             <a:ext uri="{91240B29-F687-4f45-9708-019B960494DF}">
-              <a14:hiddenLine xmlns="" xmlns:a14="http://schemas.microsoft.com/office/drawing/2010/main" w="9525">
+              <a14:hiddenLine xmlns:a14="http://schemas.microsoft.com/office/drawing/2010/main" xmlns="" w="9525">
                 <a:solidFill>
                   <a:schemeClr val="tx1"/>
                 </a:solidFill>
@@ -12941,7 +12654,7 @@
               </a14:hiddenLine>
             </a:ext>
             <a:ext uri="{AF507438-7753-43e0-B8FC-AC1667EBCBE1}">
-              <a14:hiddenEffects xmlns="" xmlns:a14="http://schemas.microsoft.com/office/drawing/2010/main">
+              <a14:hiddenEffects xmlns:a14="http://schemas.microsoft.com/office/drawing/2010/main" xmlns="">
                 <a:effectLst>
                   <a:outerShdw blurRad="63500" dist="38099" dir="2700000" algn="ctr" rotWithShape="0">
                     <a:schemeClr val="bg2">
@@ -13756,7 +13469,7 @@
           <a:effectLst/>
           <a:extLst>
             <a:ext uri="{AF507438-7753-43e0-B8FC-AC1667EBCBE1}">
-              <a14:hiddenEffects xmlns="" xmlns:a14="http://schemas.microsoft.com/office/drawing/2010/main">
+              <a14:hiddenEffects xmlns:a14="http://schemas.microsoft.com/office/drawing/2010/main" xmlns="">
                 <a:effectLst>
                   <a:outerShdw blurRad="63500" dist="38099" dir="2700000" algn="ctr" rotWithShape="0">
                     <a:schemeClr val="bg2">
@@ -13799,14 +13512,14 @@
           <a:effectLst/>
           <a:extLst>
             <a:ext uri="{909E8E84-426E-40dd-AFC4-6F175D3DCCD1}">
-              <a14:hiddenFill xmlns="" xmlns:a14="http://schemas.microsoft.com/office/drawing/2010/main">
+              <a14:hiddenFill xmlns:a14="http://schemas.microsoft.com/office/drawing/2010/main" xmlns="">
                 <a:solidFill>
                   <a:schemeClr val="accent1"/>
                 </a:solidFill>
               </a14:hiddenFill>
             </a:ext>
             <a:ext uri="{91240B29-F687-4f45-9708-019B960494DF}">
-              <a14:hiddenLine xmlns="" xmlns:a14="http://schemas.microsoft.com/office/drawing/2010/main" w="9525">
+              <a14:hiddenLine xmlns:a14="http://schemas.microsoft.com/office/drawing/2010/main" xmlns="" w="9525">
                 <a:solidFill>
                   <a:schemeClr val="tx1"/>
                 </a:solidFill>
@@ -13816,7 +13529,7 @@
               </a14:hiddenLine>
             </a:ext>
             <a:ext uri="{AF507438-7753-43e0-B8FC-AC1667EBCBE1}">
-              <a14:hiddenEffects xmlns="" xmlns:a14="http://schemas.microsoft.com/office/drawing/2010/main">
+              <a14:hiddenEffects xmlns:a14="http://schemas.microsoft.com/office/drawing/2010/main" xmlns="">
                 <a:effectLst>
                   <a:outerShdw blurRad="63500" dist="38099" dir="2700000" algn="ctr" rotWithShape="0">
                     <a:schemeClr val="bg2">
@@ -13871,7 +13584,7 @@
           <a:effectLst/>
           <a:extLst>
             <a:ext uri="{AF507438-7753-43e0-B8FC-AC1667EBCBE1}">
-              <a14:hiddenEffects xmlns="" xmlns:a14="http://schemas.microsoft.com/office/drawing/2010/main">
+              <a14:hiddenEffects xmlns:a14="http://schemas.microsoft.com/office/drawing/2010/main" xmlns="">
                 <a:effectLst>
                   <a:outerShdw blurRad="63500" dist="38099" dir="2700000" algn="ctr" rotWithShape="0">
                     <a:schemeClr val="bg2">
@@ -13925,7 +13638,7 @@
           <a:effectLst/>
           <a:extLst>
             <a:ext uri="{AF507438-7753-43e0-B8FC-AC1667EBCBE1}">
-              <a14:hiddenEffects xmlns="" xmlns:a14="http://schemas.microsoft.com/office/drawing/2010/main">
+              <a14:hiddenEffects xmlns:a14="http://schemas.microsoft.com/office/drawing/2010/main" xmlns="">
                 <a:effectLst>
                   <a:outerShdw blurRad="63500" dist="38099" dir="2700000" algn="ctr" rotWithShape="0">
                     <a:schemeClr val="bg2">
@@ -13975,7 +13688,7 @@
           <a:effectLst/>
           <a:extLst>
             <a:ext uri="{AF507438-7753-43e0-B8FC-AC1667EBCBE1}">
-              <a14:hiddenEffects xmlns="" xmlns:a14="http://schemas.microsoft.com/office/drawing/2010/main">
+              <a14:hiddenEffects xmlns:a14="http://schemas.microsoft.com/office/drawing/2010/main" xmlns="">
                 <a:effectLst>
                   <a:outerShdw blurRad="63500" dist="38099" dir="2700000" algn="ctr" rotWithShape="0">
                     <a:schemeClr val="bg2">
@@ -14025,7 +13738,7 @@
           <a:effectLst/>
           <a:extLst>
             <a:ext uri="{AF507438-7753-43e0-B8FC-AC1667EBCBE1}">
-              <a14:hiddenEffects xmlns="" xmlns:a14="http://schemas.microsoft.com/office/drawing/2010/main">
+              <a14:hiddenEffects xmlns:a14="http://schemas.microsoft.com/office/drawing/2010/main" xmlns="">
                 <a:effectLst>
                   <a:outerShdw blurRad="63500" dist="38099" dir="2700000" algn="ctr" rotWithShape="0">
                     <a:schemeClr val="bg2">
@@ -14075,7 +13788,7 @@
           <a:effectLst/>
           <a:extLst>
             <a:ext uri="{AF507438-7753-43e0-B8FC-AC1667EBCBE1}">
-              <a14:hiddenEffects xmlns="" xmlns:a14="http://schemas.microsoft.com/office/drawing/2010/main">
+              <a14:hiddenEffects xmlns:a14="http://schemas.microsoft.com/office/drawing/2010/main" xmlns="">
                 <a:effectLst>
                   <a:outerShdw blurRad="63500" dist="38099" dir="2700000" algn="ctr" rotWithShape="0">
                     <a:schemeClr val="bg2">
@@ -14118,14 +13831,14 @@
           <a:effectLst/>
           <a:extLst>
             <a:ext uri="{909E8E84-426E-40dd-AFC4-6F175D3DCCD1}">
-              <a14:hiddenFill xmlns="" xmlns:a14="http://schemas.microsoft.com/office/drawing/2010/main">
+              <a14:hiddenFill xmlns:a14="http://schemas.microsoft.com/office/drawing/2010/main" xmlns="">
                 <a:solidFill>
                   <a:schemeClr val="accent1"/>
                 </a:solidFill>
               </a14:hiddenFill>
             </a:ext>
             <a:ext uri="{91240B29-F687-4f45-9708-019B960494DF}">
-              <a14:hiddenLine xmlns="" xmlns:a14="http://schemas.microsoft.com/office/drawing/2010/main" w="9525">
+              <a14:hiddenLine xmlns:a14="http://schemas.microsoft.com/office/drawing/2010/main" xmlns="" w="9525">
                 <a:solidFill>
                   <a:schemeClr val="tx1"/>
                 </a:solidFill>
@@ -14135,7 +13848,7 @@
               </a14:hiddenLine>
             </a:ext>
             <a:ext uri="{AF507438-7753-43e0-B8FC-AC1667EBCBE1}">
-              <a14:hiddenEffects xmlns="" xmlns:a14="http://schemas.microsoft.com/office/drawing/2010/main">
+              <a14:hiddenEffects xmlns:a14="http://schemas.microsoft.com/office/drawing/2010/main" xmlns="">
                 <a:effectLst>
                   <a:outerShdw blurRad="63500" dist="38099" dir="2700000" algn="ctr" rotWithShape="0">
                     <a:schemeClr val="bg2">
@@ -14183,14 +13896,14 @@
           <a:effectLst/>
           <a:extLst>
             <a:ext uri="{909E8E84-426E-40dd-AFC4-6F175D3DCCD1}">
-              <a14:hiddenFill xmlns="" xmlns:a14="http://schemas.microsoft.com/office/drawing/2010/main">
+              <a14:hiddenFill xmlns:a14="http://schemas.microsoft.com/office/drawing/2010/main" xmlns="">
                 <a:solidFill>
                   <a:schemeClr val="accent1"/>
                 </a:solidFill>
               </a14:hiddenFill>
             </a:ext>
             <a:ext uri="{91240B29-F687-4f45-9708-019B960494DF}">
-              <a14:hiddenLine xmlns="" xmlns:a14="http://schemas.microsoft.com/office/drawing/2010/main" w="9525">
+              <a14:hiddenLine xmlns:a14="http://schemas.microsoft.com/office/drawing/2010/main" xmlns="" w="9525">
                 <a:solidFill>
                   <a:schemeClr val="tx1"/>
                 </a:solidFill>
@@ -14200,7 +13913,7 @@
               </a14:hiddenLine>
             </a:ext>
             <a:ext uri="{AF507438-7753-43e0-B8FC-AC1667EBCBE1}">
-              <a14:hiddenEffects xmlns="" xmlns:a14="http://schemas.microsoft.com/office/drawing/2010/main">
+              <a14:hiddenEffects xmlns:a14="http://schemas.microsoft.com/office/drawing/2010/main" xmlns="">
                 <a:effectLst>
                   <a:outerShdw blurRad="63500" dist="38099" dir="2700000" algn="ctr" rotWithShape="0">
                     <a:schemeClr val="bg2">
@@ -14248,14 +13961,14 @@
           <a:effectLst/>
           <a:extLst>
             <a:ext uri="{909E8E84-426E-40dd-AFC4-6F175D3DCCD1}">
-              <a14:hiddenFill xmlns="" xmlns:a14="http://schemas.microsoft.com/office/drawing/2010/main">
+              <a14:hiddenFill xmlns:a14="http://schemas.microsoft.com/office/drawing/2010/main" xmlns="">
                 <a:solidFill>
                   <a:schemeClr val="accent1"/>
                 </a:solidFill>
               </a14:hiddenFill>
             </a:ext>
             <a:ext uri="{91240B29-F687-4f45-9708-019B960494DF}">
-              <a14:hiddenLine xmlns="" xmlns:a14="http://schemas.microsoft.com/office/drawing/2010/main" w="9525">
+              <a14:hiddenLine xmlns:a14="http://schemas.microsoft.com/office/drawing/2010/main" xmlns="" w="9525">
                 <a:solidFill>
                   <a:schemeClr val="tx1"/>
                 </a:solidFill>
@@ -14265,7 +13978,7 @@
               </a14:hiddenLine>
             </a:ext>
             <a:ext uri="{AF507438-7753-43e0-B8FC-AC1667EBCBE1}">
-              <a14:hiddenEffects xmlns="" xmlns:a14="http://schemas.microsoft.com/office/drawing/2010/main">
+              <a14:hiddenEffects xmlns:a14="http://schemas.microsoft.com/office/drawing/2010/main" xmlns="">
                 <a:effectLst>
                   <a:outerShdw blurRad="63500" dist="38099" dir="2700000" algn="ctr" rotWithShape="0">
                     <a:schemeClr val="bg2">
@@ -14313,14 +14026,14 @@
           <a:effectLst/>
           <a:extLst>
             <a:ext uri="{909E8E84-426E-40dd-AFC4-6F175D3DCCD1}">
-              <a14:hiddenFill xmlns="" xmlns:a14="http://schemas.microsoft.com/office/drawing/2010/main">
+              <a14:hiddenFill xmlns:a14="http://schemas.microsoft.com/office/drawing/2010/main" xmlns="">
                 <a:solidFill>
                   <a:schemeClr val="accent1"/>
                 </a:solidFill>
               </a14:hiddenFill>
             </a:ext>
             <a:ext uri="{91240B29-F687-4f45-9708-019B960494DF}">
-              <a14:hiddenLine xmlns="" xmlns:a14="http://schemas.microsoft.com/office/drawing/2010/main" w="9525">
+              <a14:hiddenLine xmlns:a14="http://schemas.microsoft.com/office/drawing/2010/main" xmlns="" w="9525">
                 <a:solidFill>
                   <a:schemeClr val="tx1"/>
                 </a:solidFill>
@@ -14330,7 +14043,7 @@
               </a14:hiddenLine>
             </a:ext>
             <a:ext uri="{AF507438-7753-43e0-B8FC-AC1667EBCBE1}">
-              <a14:hiddenEffects xmlns="" xmlns:a14="http://schemas.microsoft.com/office/drawing/2010/main">
+              <a14:hiddenEffects xmlns:a14="http://schemas.microsoft.com/office/drawing/2010/main" xmlns="">
                 <a:effectLst>
                   <a:outerShdw blurRad="63500" dist="38099" dir="2700000" algn="ctr" rotWithShape="0">
                     <a:schemeClr val="bg2">
@@ -14383,12 +14096,12 @@
           <a:effectLst/>
           <a:extLst>
             <a:ext uri="{909E8E84-426E-40dd-AFC4-6F175D3DCCD1}">
-              <a14:hiddenFill xmlns="" xmlns:a14="http://schemas.microsoft.com/office/drawing/2010/main">
+              <a14:hiddenFill xmlns:a14="http://schemas.microsoft.com/office/drawing/2010/main" xmlns="">
                 <a:noFill/>
               </a14:hiddenFill>
             </a:ext>
             <a:ext uri="{AF507438-7753-43e0-B8FC-AC1667EBCBE1}">
-              <a14:hiddenEffects xmlns="" xmlns:a14="http://schemas.microsoft.com/office/drawing/2010/main">
+              <a14:hiddenEffects xmlns:a14="http://schemas.microsoft.com/office/drawing/2010/main" xmlns="">
                 <a:effectLst>
                   <a:outerShdw blurRad="63500" dist="38099" dir="2700000" algn="ctr" rotWithShape="0">
                     <a:schemeClr val="bg2">
@@ -14437,12 +14150,12 @@
           <a:effectLst/>
           <a:extLst>
             <a:ext uri="{909E8E84-426E-40dd-AFC4-6F175D3DCCD1}">
-              <a14:hiddenFill xmlns="" xmlns:a14="http://schemas.microsoft.com/office/drawing/2010/main">
+              <a14:hiddenFill xmlns:a14="http://schemas.microsoft.com/office/drawing/2010/main" xmlns="">
                 <a:noFill/>
               </a14:hiddenFill>
             </a:ext>
             <a:ext uri="{AF507438-7753-43e0-B8FC-AC1667EBCBE1}">
-              <a14:hiddenEffects xmlns="" xmlns:a14="http://schemas.microsoft.com/office/drawing/2010/main">
+              <a14:hiddenEffects xmlns:a14="http://schemas.microsoft.com/office/drawing/2010/main" xmlns="">
                 <a:effectLst>
                   <a:outerShdw blurRad="63500" dist="38099" dir="2700000" algn="ctr" rotWithShape="0">
                     <a:schemeClr val="bg2">
@@ -14492,7 +14205,7 @@
           <a:effectLst/>
           <a:extLst>
             <a:ext uri="{AF507438-7753-43e0-B8FC-AC1667EBCBE1}">
-              <a14:hiddenEffects xmlns="" xmlns:a14="http://schemas.microsoft.com/office/drawing/2010/main">
+              <a14:hiddenEffects xmlns:a14="http://schemas.microsoft.com/office/drawing/2010/main" xmlns="">
                 <a:effectLst>
                   <a:outerShdw blurRad="63500" dist="38099" dir="2700000" algn="ctr" rotWithShape="0">
                     <a:schemeClr val="bg2">
@@ -14535,14 +14248,14 @@
           <a:effectLst/>
           <a:extLst>
             <a:ext uri="{909E8E84-426E-40dd-AFC4-6F175D3DCCD1}">
-              <a14:hiddenFill xmlns="" xmlns:a14="http://schemas.microsoft.com/office/drawing/2010/main">
+              <a14:hiddenFill xmlns:a14="http://schemas.microsoft.com/office/drawing/2010/main" xmlns="">
                 <a:solidFill>
                   <a:schemeClr val="accent1"/>
                 </a:solidFill>
               </a14:hiddenFill>
             </a:ext>
             <a:ext uri="{91240B29-F687-4f45-9708-019B960494DF}">
-              <a14:hiddenLine xmlns="" xmlns:a14="http://schemas.microsoft.com/office/drawing/2010/main" w="9525">
+              <a14:hiddenLine xmlns:a14="http://schemas.microsoft.com/office/drawing/2010/main" xmlns="" w="9525">
                 <a:solidFill>
                   <a:schemeClr val="tx1"/>
                 </a:solidFill>
@@ -14552,7 +14265,7 @@
               </a14:hiddenLine>
             </a:ext>
             <a:ext uri="{AF507438-7753-43e0-B8FC-AC1667EBCBE1}">
-              <a14:hiddenEffects xmlns="" xmlns:a14="http://schemas.microsoft.com/office/drawing/2010/main">
+              <a14:hiddenEffects xmlns:a14="http://schemas.microsoft.com/office/drawing/2010/main" xmlns="">
                 <a:effectLst>
                   <a:outerShdw blurRad="63500" dist="38099" dir="2700000" algn="ctr" rotWithShape="0">
                     <a:schemeClr val="bg2">
@@ -14607,7 +14320,7 @@
           <a:effectLst/>
           <a:extLst>
             <a:ext uri="{AF507438-7753-43e0-B8FC-AC1667EBCBE1}">
-              <a14:hiddenEffects xmlns="" xmlns:a14="http://schemas.microsoft.com/office/drawing/2010/main">
+              <a14:hiddenEffects xmlns:a14="http://schemas.microsoft.com/office/drawing/2010/main" xmlns="">
                 <a:effectLst>
                   <a:outerShdw blurRad="63500" dist="38099" dir="2700000" algn="ctr" rotWithShape="0">
                     <a:schemeClr val="bg2">
@@ -14668,7 +14381,7 @@
           <a:effectLst/>
           <a:extLst>
             <a:ext uri="{AF507438-7753-43e0-B8FC-AC1667EBCBE1}">
-              <a14:hiddenEffects xmlns="" xmlns:a14="http://schemas.microsoft.com/office/drawing/2010/main">
+              <a14:hiddenEffects xmlns:a14="http://schemas.microsoft.com/office/drawing/2010/main" xmlns="">
                 <a:effectLst>
                   <a:outerShdw blurRad="63500" dist="38099" dir="2700000" algn="ctr" rotWithShape="0">
                     <a:schemeClr val="bg2">
@@ -14718,7 +14431,7 @@
           <a:effectLst/>
           <a:extLst>
             <a:ext uri="{AF507438-7753-43e0-B8FC-AC1667EBCBE1}">
-              <a14:hiddenEffects xmlns="" xmlns:a14="http://schemas.microsoft.com/office/drawing/2010/main">
+              <a14:hiddenEffects xmlns:a14="http://schemas.microsoft.com/office/drawing/2010/main" xmlns="">
                 <a:effectLst>
                   <a:outerShdw blurRad="63500" dist="38099" dir="2700000" algn="ctr" rotWithShape="0">
                     <a:schemeClr val="bg2">
@@ -14768,7 +14481,7 @@
           <a:effectLst/>
           <a:extLst>
             <a:ext uri="{AF507438-7753-43e0-B8FC-AC1667EBCBE1}">
-              <a14:hiddenEffects xmlns="" xmlns:a14="http://schemas.microsoft.com/office/drawing/2010/main">
+              <a14:hiddenEffects xmlns:a14="http://schemas.microsoft.com/office/drawing/2010/main" xmlns="">
                 <a:effectLst>
                   <a:outerShdw blurRad="63500" dist="38099" dir="2700000" algn="ctr" rotWithShape="0">
                     <a:schemeClr val="bg2">
@@ -14818,7 +14531,7 @@
           <a:effectLst/>
           <a:extLst>
             <a:ext uri="{AF507438-7753-43e0-B8FC-AC1667EBCBE1}">
-              <a14:hiddenEffects xmlns="" xmlns:a14="http://schemas.microsoft.com/office/drawing/2010/main">
+              <a14:hiddenEffects xmlns:a14="http://schemas.microsoft.com/office/drawing/2010/main" xmlns="">
                 <a:effectLst>
                   <a:outerShdw blurRad="63500" dist="38099" dir="2700000" algn="ctr" rotWithShape="0">
                     <a:schemeClr val="bg2">
@@ -14879,7 +14592,7 @@
           <a:effectLst/>
           <a:extLst>
             <a:ext uri="{AF507438-7753-43e0-B8FC-AC1667EBCBE1}">
-              <a14:hiddenEffects xmlns="" xmlns:a14="http://schemas.microsoft.com/office/drawing/2010/main">
+              <a14:hiddenEffects xmlns:a14="http://schemas.microsoft.com/office/drawing/2010/main" xmlns="">
                 <a:effectLst>
                   <a:outerShdw blurRad="63500" dist="38099" dir="2700000" algn="ctr" rotWithShape="0">
                     <a:schemeClr val="bg2">
@@ -14929,7 +14642,7 @@
           <a:effectLst/>
           <a:extLst>
             <a:ext uri="{AF507438-7753-43e0-B8FC-AC1667EBCBE1}">
-              <a14:hiddenEffects xmlns="" xmlns:a14="http://schemas.microsoft.com/office/drawing/2010/main">
+              <a14:hiddenEffects xmlns:a14="http://schemas.microsoft.com/office/drawing/2010/main" xmlns="">
                 <a:effectLst>
                   <a:outerShdw blurRad="63500" dist="38099" dir="2700000" algn="ctr" rotWithShape="0">
                     <a:schemeClr val="bg2">
@@ -14979,7 +14692,7 @@
           <a:effectLst/>
           <a:extLst>
             <a:ext uri="{AF507438-7753-43e0-B8FC-AC1667EBCBE1}">
-              <a14:hiddenEffects xmlns="" xmlns:a14="http://schemas.microsoft.com/office/drawing/2010/main">
+              <a14:hiddenEffects xmlns:a14="http://schemas.microsoft.com/office/drawing/2010/main" xmlns="">
                 <a:effectLst>
                   <a:outerShdw blurRad="63500" dist="38099" dir="2700000" algn="ctr" rotWithShape="0">
                     <a:schemeClr val="bg2">
@@ -15033,7 +14746,7 @@
           <a:effectLst/>
           <a:extLst>
             <a:ext uri="{AF507438-7753-43e0-B8FC-AC1667EBCBE1}">
-              <a14:hiddenEffects xmlns="" xmlns:a14="http://schemas.microsoft.com/office/drawing/2010/main">
+              <a14:hiddenEffects xmlns:a14="http://schemas.microsoft.com/office/drawing/2010/main" xmlns="">
                 <a:effectLst>
                   <a:outerShdw blurRad="63500" dist="38099" dir="2700000" algn="ctr" rotWithShape="0">
                     <a:schemeClr val="bg2">
@@ -15083,7 +14796,7 @@
           <a:effectLst/>
           <a:extLst>
             <a:ext uri="{AF507438-7753-43e0-B8FC-AC1667EBCBE1}">
-              <a14:hiddenEffects xmlns="" xmlns:a14="http://schemas.microsoft.com/office/drawing/2010/main">
+              <a14:hiddenEffects xmlns:a14="http://schemas.microsoft.com/office/drawing/2010/main" xmlns="">
                 <a:effectLst>
                   <a:outerShdw blurRad="63500" dist="38099" dir="2700000" algn="ctr" rotWithShape="0">
                     <a:schemeClr val="bg2">
@@ -15133,7 +14846,7 @@
           <a:effectLst/>
           <a:extLst>
             <a:ext uri="{AF507438-7753-43e0-B8FC-AC1667EBCBE1}">
-              <a14:hiddenEffects xmlns="" xmlns:a14="http://schemas.microsoft.com/office/drawing/2010/main">
+              <a14:hiddenEffects xmlns:a14="http://schemas.microsoft.com/office/drawing/2010/main" xmlns="">
                 <a:effectLst>
                   <a:outerShdw blurRad="63500" dist="38099" dir="2700000" algn="ctr" rotWithShape="0">
                     <a:schemeClr val="bg2">
@@ -15183,7 +14896,7 @@
           <a:effectLst/>
           <a:extLst>
             <a:ext uri="{AF507438-7753-43e0-B8FC-AC1667EBCBE1}">
-              <a14:hiddenEffects xmlns="" xmlns:a14="http://schemas.microsoft.com/office/drawing/2010/main">
+              <a14:hiddenEffects xmlns:a14="http://schemas.microsoft.com/office/drawing/2010/main" xmlns="">
                 <a:effectLst>
                   <a:outerShdw blurRad="63500" dist="38099" dir="2700000" algn="ctr" rotWithShape="0">
                     <a:schemeClr val="bg2">
@@ -15237,7 +14950,7 @@
           <a:effectLst/>
           <a:extLst>
             <a:ext uri="{AF507438-7753-43e0-B8FC-AC1667EBCBE1}">
-              <a14:hiddenEffects xmlns="" xmlns:a14="http://schemas.microsoft.com/office/drawing/2010/main">
+              <a14:hiddenEffects xmlns:a14="http://schemas.microsoft.com/office/drawing/2010/main" xmlns="">
                 <a:effectLst>
                   <a:outerShdw blurRad="63500" dist="38099" dir="2700000" algn="ctr" rotWithShape="0">
                     <a:schemeClr val="bg2">
@@ -15287,7 +15000,7 @@
           <a:effectLst/>
           <a:extLst>
             <a:ext uri="{AF507438-7753-43e0-B8FC-AC1667EBCBE1}">
-              <a14:hiddenEffects xmlns="" xmlns:a14="http://schemas.microsoft.com/office/drawing/2010/main">
+              <a14:hiddenEffects xmlns:a14="http://schemas.microsoft.com/office/drawing/2010/main" xmlns="">
                 <a:effectLst>
                   <a:outerShdw blurRad="63500" dist="38099" dir="2700000" algn="ctr" rotWithShape="0">
                     <a:schemeClr val="bg2">
@@ -15337,7 +15050,7 @@
           <a:effectLst/>
           <a:extLst>
             <a:ext uri="{AF507438-7753-43e0-B8FC-AC1667EBCBE1}">
-              <a14:hiddenEffects xmlns="" xmlns:a14="http://schemas.microsoft.com/office/drawing/2010/main">
+              <a14:hiddenEffects xmlns:a14="http://schemas.microsoft.com/office/drawing/2010/main" xmlns="">
                 <a:effectLst>
                   <a:outerShdw blurRad="63500" dist="38099" dir="2700000" algn="ctr" rotWithShape="0">
                     <a:schemeClr val="bg2">
@@ -15387,7 +15100,7 @@
           <a:effectLst/>
           <a:extLst>
             <a:ext uri="{AF507438-7753-43e0-B8FC-AC1667EBCBE1}">
-              <a14:hiddenEffects xmlns="" xmlns:a14="http://schemas.microsoft.com/office/drawing/2010/main">
+              <a14:hiddenEffects xmlns:a14="http://schemas.microsoft.com/office/drawing/2010/main" xmlns="">
                 <a:effectLst>
                   <a:outerShdw blurRad="63500" dist="38099" dir="2700000" algn="ctr" rotWithShape="0">
                     <a:schemeClr val="bg2">
@@ -15441,7 +15154,7 @@
           <a:effectLst/>
           <a:extLst>
             <a:ext uri="{AF507438-7753-43e0-B8FC-AC1667EBCBE1}">
-              <a14:hiddenEffects xmlns="" xmlns:a14="http://schemas.microsoft.com/office/drawing/2010/main">
+              <a14:hiddenEffects xmlns:a14="http://schemas.microsoft.com/office/drawing/2010/main" xmlns="">
                 <a:effectLst>
                   <a:outerShdw blurRad="63500" dist="38099" dir="2700000" algn="ctr" rotWithShape="0">
                     <a:schemeClr val="bg2">
@@ -15491,7 +15204,7 @@
           <a:effectLst/>
           <a:extLst>
             <a:ext uri="{AF507438-7753-43e0-B8FC-AC1667EBCBE1}">
-              <a14:hiddenEffects xmlns="" xmlns:a14="http://schemas.microsoft.com/office/drawing/2010/main">
+              <a14:hiddenEffects xmlns:a14="http://schemas.microsoft.com/office/drawing/2010/main" xmlns="">
                 <a:effectLst>
                   <a:outerShdw blurRad="63500" dist="38099" dir="2700000" algn="ctr" rotWithShape="0">
                     <a:schemeClr val="bg2">
@@ -15540,12 +15253,12 @@
           <a:effectLst/>
           <a:extLst>
             <a:ext uri="{909E8E84-426E-40dd-AFC4-6F175D3DCCD1}">
-              <a14:hiddenFill xmlns="" xmlns:a14="http://schemas.microsoft.com/office/drawing/2010/main">
+              <a14:hiddenFill xmlns:a14="http://schemas.microsoft.com/office/drawing/2010/main" xmlns="">
                 <a:noFill/>
               </a14:hiddenFill>
             </a:ext>
             <a:ext uri="{AF507438-7753-43e0-B8FC-AC1667EBCBE1}">
-              <a14:hiddenEffects xmlns="" xmlns:a14="http://schemas.microsoft.com/office/drawing/2010/main">
+              <a14:hiddenEffects xmlns:a14="http://schemas.microsoft.com/office/drawing/2010/main" xmlns="">
                 <a:effectLst>
                   <a:outerShdw blurRad="63500" dist="38099" dir="2700000" algn="ctr" rotWithShape="0">
                     <a:schemeClr val="bg2">
@@ -15594,12 +15307,12 @@
           <a:effectLst/>
           <a:extLst>
             <a:ext uri="{909E8E84-426E-40dd-AFC4-6F175D3DCCD1}">
-              <a14:hiddenFill xmlns="" xmlns:a14="http://schemas.microsoft.com/office/drawing/2010/main">
+              <a14:hiddenFill xmlns:a14="http://schemas.microsoft.com/office/drawing/2010/main" xmlns="">
                 <a:noFill/>
               </a14:hiddenFill>
             </a:ext>
             <a:ext uri="{AF507438-7753-43e0-B8FC-AC1667EBCBE1}">
-              <a14:hiddenEffects xmlns="" xmlns:a14="http://schemas.microsoft.com/office/drawing/2010/main">
+              <a14:hiddenEffects xmlns:a14="http://schemas.microsoft.com/office/drawing/2010/main" xmlns="">
                 <a:effectLst>
                   <a:outerShdw blurRad="63500" dist="38099" dir="2700000" algn="ctr" rotWithShape="0">
                     <a:schemeClr val="bg2">
@@ -15647,12 +15360,12 @@
           <a:effectLst/>
           <a:extLst>
             <a:ext uri="{909E8E84-426E-40dd-AFC4-6F175D3DCCD1}">
-              <a14:hiddenFill xmlns="" xmlns:a14="http://schemas.microsoft.com/office/drawing/2010/main">
+              <a14:hiddenFill xmlns:a14="http://schemas.microsoft.com/office/drawing/2010/main" xmlns="">
                 <a:noFill/>
               </a14:hiddenFill>
             </a:ext>
             <a:ext uri="{AF507438-7753-43e0-B8FC-AC1667EBCBE1}">
-              <a14:hiddenEffects xmlns="" xmlns:a14="http://schemas.microsoft.com/office/drawing/2010/main">
+              <a14:hiddenEffects xmlns:a14="http://schemas.microsoft.com/office/drawing/2010/main" xmlns="">
                 <a:effectLst>
                   <a:outerShdw blurRad="63500" dist="38099" dir="2700000" algn="ctr" rotWithShape="0">
                     <a:schemeClr val="bg2">
@@ -15701,12 +15414,12 @@
           <a:effectLst/>
           <a:extLst>
             <a:ext uri="{909E8E84-426E-40dd-AFC4-6F175D3DCCD1}">
-              <a14:hiddenFill xmlns="" xmlns:a14="http://schemas.microsoft.com/office/drawing/2010/main">
+              <a14:hiddenFill xmlns:a14="http://schemas.microsoft.com/office/drawing/2010/main" xmlns="">
                 <a:noFill/>
               </a14:hiddenFill>
             </a:ext>
             <a:ext uri="{AF507438-7753-43e0-B8FC-AC1667EBCBE1}">
-              <a14:hiddenEffects xmlns="" xmlns:a14="http://schemas.microsoft.com/office/drawing/2010/main">
+              <a14:hiddenEffects xmlns:a14="http://schemas.microsoft.com/office/drawing/2010/main" xmlns="">
                 <a:effectLst>
                   <a:outerShdw blurRad="63500" dist="38099" dir="2700000" algn="ctr" rotWithShape="0">
                     <a:schemeClr val="bg2">
@@ -15754,12 +15467,12 @@
           <a:effectLst/>
           <a:extLst>
             <a:ext uri="{909E8E84-426E-40dd-AFC4-6F175D3DCCD1}">
-              <a14:hiddenFill xmlns="" xmlns:a14="http://schemas.microsoft.com/office/drawing/2010/main">
+              <a14:hiddenFill xmlns:a14="http://schemas.microsoft.com/office/drawing/2010/main" xmlns="">
                 <a:noFill/>
               </a14:hiddenFill>
             </a:ext>
             <a:ext uri="{AF507438-7753-43e0-B8FC-AC1667EBCBE1}">
-              <a14:hiddenEffects xmlns="" xmlns:a14="http://schemas.microsoft.com/office/drawing/2010/main">
+              <a14:hiddenEffects xmlns:a14="http://schemas.microsoft.com/office/drawing/2010/main" xmlns="">
                 <a:effectLst>
                   <a:outerShdw blurRad="63500" dist="38099" dir="2700000" algn="ctr" rotWithShape="0">
                     <a:schemeClr val="bg2">
@@ -15807,12 +15520,12 @@
           <a:effectLst/>
           <a:extLst>
             <a:ext uri="{909E8E84-426E-40dd-AFC4-6F175D3DCCD1}">
-              <a14:hiddenFill xmlns="" xmlns:a14="http://schemas.microsoft.com/office/drawing/2010/main">
+              <a14:hiddenFill xmlns:a14="http://schemas.microsoft.com/office/drawing/2010/main" xmlns="">
                 <a:noFill/>
               </a14:hiddenFill>
             </a:ext>
             <a:ext uri="{AF507438-7753-43e0-B8FC-AC1667EBCBE1}">
-              <a14:hiddenEffects xmlns="" xmlns:a14="http://schemas.microsoft.com/office/drawing/2010/main">
+              <a14:hiddenEffects xmlns:a14="http://schemas.microsoft.com/office/drawing/2010/main" xmlns="">
                 <a:effectLst>
                   <a:outerShdw blurRad="63500" dist="38099" dir="2700000" algn="ctr" rotWithShape="0">
                     <a:schemeClr val="bg2">
@@ -15860,12 +15573,12 @@
           <a:effectLst/>
           <a:extLst>
             <a:ext uri="{909E8E84-426E-40dd-AFC4-6F175D3DCCD1}">
-              <a14:hiddenFill xmlns="" xmlns:a14="http://schemas.microsoft.com/office/drawing/2010/main">
+              <a14:hiddenFill xmlns:a14="http://schemas.microsoft.com/office/drawing/2010/main" xmlns="">
                 <a:noFill/>
               </a14:hiddenFill>
             </a:ext>
             <a:ext uri="{AF507438-7753-43e0-B8FC-AC1667EBCBE1}">
-              <a14:hiddenEffects xmlns="" xmlns:a14="http://schemas.microsoft.com/office/drawing/2010/main">
+              <a14:hiddenEffects xmlns:a14="http://schemas.microsoft.com/office/drawing/2010/main" xmlns="">
                 <a:effectLst>
                   <a:outerShdw blurRad="63500" dist="38099" dir="2700000" algn="ctr" rotWithShape="0">
                     <a:schemeClr val="bg2">
@@ -15992,14 +15705,14 @@
           <a:effectLst/>
           <a:extLst>
             <a:ext uri="{909E8E84-426E-40dd-AFC4-6F175D3DCCD1}">
-              <a14:hiddenFill xmlns="" xmlns:a14="http://schemas.microsoft.com/office/drawing/2010/main">
+              <a14:hiddenFill xmlns:a14="http://schemas.microsoft.com/office/drawing/2010/main" xmlns="">
                 <a:solidFill>
                   <a:schemeClr val="accent1"/>
                 </a:solidFill>
               </a14:hiddenFill>
             </a:ext>
             <a:ext uri="{91240B29-F687-4f45-9708-019B960494DF}">
-              <a14:hiddenLine xmlns="" xmlns:a14="http://schemas.microsoft.com/office/drawing/2010/main" w="9525">
+              <a14:hiddenLine xmlns:a14="http://schemas.microsoft.com/office/drawing/2010/main" xmlns="" w="9525">
                 <a:solidFill>
                   <a:schemeClr val="tx1"/>
                 </a:solidFill>
@@ -16009,7 +15722,7 @@
               </a14:hiddenLine>
             </a:ext>
             <a:ext uri="{AF507438-7753-43e0-B8FC-AC1667EBCBE1}">
-              <a14:hiddenEffects xmlns="" xmlns:a14="http://schemas.microsoft.com/office/drawing/2010/main">
+              <a14:hiddenEffects xmlns:a14="http://schemas.microsoft.com/office/drawing/2010/main" xmlns="">
                 <a:effectLst>
                   <a:outerShdw blurRad="63500" dist="38099" dir="2700000" algn="ctr" rotWithShape="0">
                     <a:schemeClr val="bg2">
@@ -16063,7 +15776,7 @@
           <a:effectLst/>
           <a:extLst>
             <a:ext uri="{AF507438-7753-43e0-B8FC-AC1667EBCBE1}">
-              <a14:hiddenEffects xmlns="" xmlns:a14="http://schemas.microsoft.com/office/drawing/2010/main">
+              <a14:hiddenEffects xmlns:a14="http://schemas.microsoft.com/office/drawing/2010/main" xmlns="">
                 <a:effectLst>
                   <a:outerShdw blurRad="63500" dist="38099" dir="2700000" algn="ctr" rotWithShape="0">
                     <a:schemeClr val="bg2">
@@ -16106,14 +15819,14 @@
           <a:effectLst/>
           <a:extLst>
             <a:ext uri="{909E8E84-426E-40dd-AFC4-6F175D3DCCD1}">
-              <a14:hiddenFill xmlns="" xmlns:a14="http://schemas.microsoft.com/office/drawing/2010/main">
+              <a14:hiddenFill xmlns:a14="http://schemas.microsoft.com/office/drawing/2010/main" xmlns="">
                 <a:solidFill>
                   <a:schemeClr val="accent1"/>
                 </a:solidFill>
               </a14:hiddenFill>
             </a:ext>
             <a:ext uri="{91240B29-F687-4f45-9708-019B960494DF}">
-              <a14:hiddenLine xmlns="" xmlns:a14="http://schemas.microsoft.com/office/drawing/2010/main" w="9525">
+              <a14:hiddenLine xmlns:a14="http://schemas.microsoft.com/office/drawing/2010/main" xmlns="" w="9525">
                 <a:solidFill>
                   <a:schemeClr val="tx1"/>
                 </a:solidFill>
@@ -16123,7 +15836,7 @@
               </a14:hiddenLine>
             </a:ext>
             <a:ext uri="{AF507438-7753-43e0-B8FC-AC1667EBCBE1}">
-              <a14:hiddenEffects xmlns="" xmlns:a14="http://schemas.microsoft.com/office/drawing/2010/main">
+              <a14:hiddenEffects xmlns:a14="http://schemas.microsoft.com/office/drawing/2010/main" xmlns="">
                 <a:effectLst>
                   <a:outerShdw blurRad="63500" dist="38099" dir="2700000" algn="ctr" rotWithShape="0">
                     <a:schemeClr val="bg2">
@@ -16389,14 +16102,14 @@
           <a:effectLst/>
           <a:extLst>
             <a:ext uri="{909E8E84-426E-40dd-AFC4-6F175D3DCCD1}">
-              <a14:hiddenFill xmlns="" xmlns:a14="http://schemas.microsoft.com/office/drawing/2010/main">
+              <a14:hiddenFill xmlns:a14="http://schemas.microsoft.com/office/drawing/2010/main" xmlns="">
                 <a:solidFill>
                   <a:schemeClr val="accent1"/>
                 </a:solidFill>
               </a14:hiddenFill>
             </a:ext>
             <a:ext uri="{91240B29-F687-4f45-9708-019B960494DF}">
-              <a14:hiddenLine xmlns="" xmlns:a14="http://schemas.microsoft.com/office/drawing/2010/main" w="9525">
+              <a14:hiddenLine xmlns:a14="http://schemas.microsoft.com/office/drawing/2010/main" xmlns="" w="9525">
                 <a:solidFill>
                   <a:schemeClr val="tx1"/>
                 </a:solidFill>
@@ -16406,7 +16119,7 @@
               </a14:hiddenLine>
             </a:ext>
             <a:ext uri="{AF507438-7753-43e0-B8FC-AC1667EBCBE1}">
-              <a14:hiddenEffects xmlns="" xmlns:a14="http://schemas.microsoft.com/office/drawing/2010/main">
+              <a14:hiddenEffects xmlns:a14="http://schemas.microsoft.com/office/drawing/2010/main" xmlns="">
                 <a:effectLst>
                   <a:outerShdw blurRad="63500" dist="38099" dir="2700000" algn="ctr" rotWithShape="0">
                     <a:schemeClr val="bg2">
@@ -16693,12 +16406,12 @@
           <a:effectLst/>
           <a:extLst>
             <a:ext uri="{909E8E84-426E-40dd-AFC4-6F175D3DCCD1}">
-              <a14:hiddenFill xmlns="" xmlns:a14="http://schemas.microsoft.com/office/drawing/2010/main">
+              <a14:hiddenFill xmlns:a14="http://schemas.microsoft.com/office/drawing/2010/main" xmlns="">
                 <a:noFill/>
               </a14:hiddenFill>
             </a:ext>
             <a:ext uri="{AF507438-7753-43e0-B8FC-AC1667EBCBE1}">
-              <a14:hiddenEffects xmlns="" xmlns:a14="http://schemas.microsoft.com/office/drawing/2010/main">
+              <a14:hiddenEffects xmlns:a14="http://schemas.microsoft.com/office/drawing/2010/main" xmlns="">
                 <a:effectLst>
                   <a:outerShdw blurRad="63500" dist="38099" dir="2700000" algn="ctr" rotWithShape="0">
                     <a:schemeClr val="bg2">
@@ -17974,14 +17687,14 @@
           <a:effectLst/>
           <a:extLst>
             <a:ext uri="{909E8E84-426E-40dd-AFC4-6F175D3DCCD1}">
-              <a14:hiddenFill xmlns="" xmlns:a14="http://schemas.microsoft.com/office/drawing/2010/main">
+              <a14:hiddenFill xmlns:a14="http://schemas.microsoft.com/office/drawing/2010/main" xmlns="">
                 <a:solidFill>
                   <a:schemeClr val="accent1"/>
                 </a:solidFill>
               </a14:hiddenFill>
             </a:ext>
             <a:ext uri="{91240B29-F687-4f45-9708-019B960494DF}">
-              <a14:hiddenLine xmlns="" xmlns:a14="http://schemas.microsoft.com/office/drawing/2010/main" w="9525">
+              <a14:hiddenLine xmlns:a14="http://schemas.microsoft.com/office/drawing/2010/main" xmlns="" w="9525">
                 <a:solidFill>
                   <a:schemeClr val="tx1"/>
                 </a:solidFill>
@@ -17991,7 +17704,7 @@
               </a14:hiddenLine>
             </a:ext>
             <a:ext uri="{AF507438-7753-43e0-B8FC-AC1667EBCBE1}">
-              <a14:hiddenEffects xmlns="" xmlns:a14="http://schemas.microsoft.com/office/drawing/2010/main">
+              <a14:hiddenEffects xmlns:a14="http://schemas.microsoft.com/office/drawing/2010/main" xmlns="">
                 <a:effectLst>
                   <a:outerShdw blurRad="63500" dist="38099" dir="2700000" algn="ctr" rotWithShape="0">
                     <a:schemeClr val="bg2">
@@ -19975,14 +19688,14 @@
           <a:ln/>
           <a:extLst>
             <a:ext uri="{909E8E84-426E-40dd-AFC4-6F175D3DCCD1}">
-              <a14:hiddenFill xmlns="" xmlns:a14="http://schemas.microsoft.com/office/drawing/2010/main">
+              <a14:hiddenFill xmlns:a14="http://schemas.microsoft.com/office/drawing/2010/main" xmlns="">
                 <a:solidFill>
                   <a:srgbClr val="FFFFFF"/>
                 </a:solidFill>
               </a14:hiddenFill>
             </a:ext>
             <a:ext uri="{91240B29-F687-4f45-9708-019B960494DF}">
-              <a14:hiddenLine xmlns="" xmlns:a14="http://schemas.microsoft.com/office/drawing/2010/main" w="9525">
+              <a14:hiddenLine xmlns:a14="http://schemas.microsoft.com/office/drawing/2010/main" xmlns="" w="9525">
                 <a:solidFill>
                   <a:srgbClr val="000000"/>
                 </a:solidFill>
@@ -19992,7 +19705,7 @@
               </a14:hiddenLine>
             </a:ext>
             <a:ext uri="{AF507438-7753-43e0-B8FC-AC1667EBCBE1}">
-              <a14:hiddenEffects xmlns="" xmlns:a14="http://schemas.microsoft.com/office/drawing/2010/main">
+              <a14:hiddenEffects xmlns:a14="http://schemas.microsoft.com/office/drawing/2010/main" xmlns="">
                 <a:effectLst>
                   <a:outerShdw blurRad="63500" dist="38099" dir="2700000" algn="ctr" rotWithShape="0">
                     <a:srgbClr val="808080">
@@ -20028,14 +19741,14 @@
           <a:effectLst/>
           <a:extLst>
             <a:ext uri="{909E8E84-426E-40dd-AFC4-6F175D3DCCD1}">
-              <a14:hiddenFill xmlns="" xmlns:a14="http://schemas.microsoft.com/office/drawing/2010/main">
+              <a14:hiddenFill xmlns:a14="http://schemas.microsoft.com/office/drawing/2010/main" xmlns="">
                 <a:solidFill>
                   <a:schemeClr val="accent1"/>
                 </a:solidFill>
               </a14:hiddenFill>
             </a:ext>
             <a:ext uri="{91240B29-F687-4f45-9708-019B960494DF}">
-              <a14:hiddenLine xmlns="" xmlns:a14="http://schemas.microsoft.com/office/drawing/2010/main" w="9525">
+              <a14:hiddenLine xmlns:a14="http://schemas.microsoft.com/office/drawing/2010/main" xmlns="" w="9525">
                 <a:solidFill>
                   <a:schemeClr val="tx1"/>
                 </a:solidFill>
@@ -20045,7 +19758,7 @@
               </a14:hiddenLine>
             </a:ext>
             <a:ext uri="{AF507438-7753-43e0-B8FC-AC1667EBCBE1}">
-              <a14:hiddenEffects xmlns="" xmlns:a14="http://schemas.microsoft.com/office/drawing/2010/main">
+              <a14:hiddenEffects xmlns:a14="http://schemas.microsoft.com/office/drawing/2010/main" xmlns="">
                 <a:effectLst>
                   <a:outerShdw blurRad="63500" dist="38099" dir="2700000" algn="ctr" rotWithShape="0">
                     <a:schemeClr val="bg2">
@@ -22070,14 +21783,14 @@
           <a:effectLst/>
           <a:extLst>
             <a:ext uri="{909E8E84-426E-40dd-AFC4-6F175D3DCCD1}">
-              <a14:hiddenFill xmlns="" xmlns:a14="http://schemas.microsoft.com/office/drawing/2010/main">
+              <a14:hiddenFill xmlns:a14="http://schemas.microsoft.com/office/drawing/2010/main" xmlns="">
                 <a:solidFill>
                   <a:schemeClr val="accent1"/>
                 </a:solidFill>
               </a14:hiddenFill>
             </a:ext>
             <a:ext uri="{91240B29-F687-4f45-9708-019B960494DF}">
-              <a14:hiddenLine xmlns="" xmlns:a14="http://schemas.microsoft.com/office/drawing/2010/main" w="9525">
+              <a14:hiddenLine xmlns:a14="http://schemas.microsoft.com/office/drawing/2010/main" xmlns="" w="9525">
                 <a:solidFill>
                   <a:schemeClr val="tx1"/>
                 </a:solidFill>
@@ -22087,7 +21800,7 @@
               </a14:hiddenLine>
             </a:ext>
             <a:ext uri="{AF507438-7753-43e0-B8FC-AC1667EBCBE1}">
-              <a14:hiddenEffects xmlns="" xmlns:a14="http://schemas.microsoft.com/office/drawing/2010/main">
+              <a14:hiddenEffects xmlns:a14="http://schemas.microsoft.com/office/drawing/2010/main" xmlns="">
                 <a:effectLst>
                   <a:outerShdw blurRad="63500" dist="38099" dir="2700000" algn="ctr" rotWithShape="0">
                     <a:schemeClr val="bg2">
@@ -22155,14 +21868,14 @@
           <a:effectLst/>
           <a:extLst>
             <a:ext uri="{909E8E84-426E-40dd-AFC4-6F175D3DCCD1}">
-              <a14:hiddenFill xmlns="" xmlns:a14="http://schemas.microsoft.com/office/drawing/2010/main">
+              <a14:hiddenFill xmlns:a14="http://schemas.microsoft.com/office/drawing/2010/main" xmlns="">
                 <a:solidFill>
                   <a:schemeClr val="accent1"/>
                 </a:solidFill>
               </a14:hiddenFill>
             </a:ext>
             <a:ext uri="{91240B29-F687-4f45-9708-019B960494DF}">
-              <a14:hiddenLine xmlns="" xmlns:a14="http://schemas.microsoft.com/office/drawing/2010/main" w="9525">
+              <a14:hiddenLine xmlns:a14="http://schemas.microsoft.com/office/drawing/2010/main" xmlns="" w="9525">
                 <a:solidFill>
                   <a:schemeClr val="tx1"/>
                 </a:solidFill>
@@ -22172,7 +21885,7 @@
               </a14:hiddenLine>
             </a:ext>
             <a:ext uri="{AF507438-7753-43e0-B8FC-AC1667EBCBE1}">
-              <a14:hiddenEffects xmlns="" xmlns:a14="http://schemas.microsoft.com/office/drawing/2010/main">
+              <a14:hiddenEffects xmlns:a14="http://schemas.microsoft.com/office/drawing/2010/main" xmlns="">
                 <a:effectLst>
                   <a:outerShdw blurRad="63500" dist="38099" dir="2700000" algn="ctr" rotWithShape="0">
                     <a:schemeClr val="bg2">
@@ -22224,14 +21937,14 @@
           <a:effectLst/>
           <a:extLst>
             <a:ext uri="{909E8E84-426E-40dd-AFC4-6F175D3DCCD1}">
-              <a14:hiddenFill xmlns="" xmlns:a14="http://schemas.microsoft.com/office/drawing/2010/main">
+              <a14:hiddenFill xmlns:a14="http://schemas.microsoft.com/office/drawing/2010/main" xmlns="">
                 <a:solidFill>
                   <a:schemeClr val="accent1"/>
                 </a:solidFill>
               </a14:hiddenFill>
             </a:ext>
             <a:ext uri="{91240B29-F687-4f45-9708-019B960494DF}">
-              <a14:hiddenLine xmlns="" xmlns:a14="http://schemas.microsoft.com/office/drawing/2010/main" w="9525">
+              <a14:hiddenLine xmlns:a14="http://schemas.microsoft.com/office/drawing/2010/main" xmlns="" w="9525">
                 <a:solidFill>
                   <a:schemeClr val="tx1"/>
                 </a:solidFill>
@@ -22241,7 +21954,7 @@
               </a14:hiddenLine>
             </a:ext>
             <a:ext uri="{AF507438-7753-43e0-B8FC-AC1667EBCBE1}">
-              <a14:hiddenEffects xmlns="" xmlns:a14="http://schemas.microsoft.com/office/drawing/2010/main">
+              <a14:hiddenEffects xmlns:a14="http://schemas.microsoft.com/office/drawing/2010/main" xmlns="">
                 <a:effectLst>
                   <a:outerShdw blurRad="63500" dist="38099" dir="2700000" algn="ctr" rotWithShape="0">
                     <a:schemeClr val="bg2">
@@ -22293,14 +22006,14 @@
           <a:effectLst/>
           <a:extLst>
             <a:ext uri="{909E8E84-426E-40dd-AFC4-6F175D3DCCD1}">
-              <a14:hiddenFill xmlns="" xmlns:a14="http://schemas.microsoft.com/office/drawing/2010/main">
+              <a14:hiddenFill xmlns:a14="http://schemas.microsoft.com/office/drawing/2010/main" xmlns="">
                 <a:solidFill>
                   <a:schemeClr val="accent1"/>
                 </a:solidFill>
               </a14:hiddenFill>
             </a:ext>
             <a:ext uri="{91240B29-F687-4f45-9708-019B960494DF}">
-              <a14:hiddenLine xmlns="" xmlns:a14="http://schemas.microsoft.com/office/drawing/2010/main" w="9525">
+              <a14:hiddenLine xmlns:a14="http://schemas.microsoft.com/office/drawing/2010/main" xmlns="" w="9525">
                 <a:solidFill>
                   <a:schemeClr val="tx1"/>
                 </a:solidFill>
@@ -22310,7 +22023,7 @@
               </a14:hiddenLine>
             </a:ext>
             <a:ext uri="{AF507438-7753-43e0-B8FC-AC1667EBCBE1}">
-              <a14:hiddenEffects xmlns="" xmlns:a14="http://schemas.microsoft.com/office/drawing/2010/main">
+              <a14:hiddenEffects xmlns:a14="http://schemas.microsoft.com/office/drawing/2010/main" xmlns="">
                 <a:effectLst>
                   <a:outerShdw blurRad="63500" dist="38099" dir="2700000" algn="ctr" rotWithShape="0">
                     <a:schemeClr val="bg2">
@@ -22362,14 +22075,14 @@
           <a:effectLst/>
           <a:extLst>
             <a:ext uri="{909E8E84-426E-40dd-AFC4-6F175D3DCCD1}">
-              <a14:hiddenFill xmlns="" xmlns:a14="http://schemas.microsoft.com/office/drawing/2010/main">
+              <a14:hiddenFill xmlns:a14="http://schemas.microsoft.com/office/drawing/2010/main" xmlns="">
                 <a:solidFill>
                   <a:schemeClr val="accent1"/>
                 </a:solidFill>
               </a14:hiddenFill>
             </a:ext>
             <a:ext uri="{91240B29-F687-4f45-9708-019B960494DF}">
-              <a14:hiddenLine xmlns="" xmlns:a14="http://schemas.microsoft.com/office/drawing/2010/main" w="9525">
+              <a14:hiddenLine xmlns:a14="http://schemas.microsoft.com/office/drawing/2010/main" xmlns="" w="9525">
                 <a:solidFill>
                   <a:schemeClr val="tx1"/>
                 </a:solidFill>
@@ -22379,7 +22092,7 @@
               </a14:hiddenLine>
             </a:ext>
             <a:ext uri="{AF507438-7753-43e0-B8FC-AC1667EBCBE1}">
-              <a14:hiddenEffects xmlns="" xmlns:a14="http://schemas.microsoft.com/office/drawing/2010/main">
+              <a14:hiddenEffects xmlns:a14="http://schemas.microsoft.com/office/drawing/2010/main" xmlns="">
                 <a:effectLst>
                   <a:outerShdw blurRad="63500" dist="38099" dir="2700000" algn="ctr" rotWithShape="0">
                     <a:schemeClr val="bg2">
@@ -22431,14 +22144,14 @@
           <a:effectLst/>
           <a:extLst>
             <a:ext uri="{909E8E84-426E-40dd-AFC4-6F175D3DCCD1}">
-              <a14:hiddenFill xmlns="" xmlns:a14="http://schemas.microsoft.com/office/drawing/2010/main">
+              <a14:hiddenFill xmlns:a14="http://schemas.microsoft.com/office/drawing/2010/main" xmlns="">
                 <a:solidFill>
                   <a:schemeClr val="accent1"/>
                 </a:solidFill>
               </a14:hiddenFill>
             </a:ext>
             <a:ext uri="{91240B29-F687-4f45-9708-019B960494DF}">
-              <a14:hiddenLine xmlns="" xmlns:a14="http://schemas.microsoft.com/office/drawing/2010/main" w="9525">
+              <a14:hiddenLine xmlns:a14="http://schemas.microsoft.com/office/drawing/2010/main" xmlns="" w="9525">
                 <a:solidFill>
                   <a:schemeClr val="tx1"/>
                 </a:solidFill>
@@ -22448,7 +22161,7 @@
               </a14:hiddenLine>
             </a:ext>
             <a:ext uri="{AF507438-7753-43e0-B8FC-AC1667EBCBE1}">
-              <a14:hiddenEffects xmlns="" xmlns:a14="http://schemas.microsoft.com/office/drawing/2010/main">
+              <a14:hiddenEffects xmlns:a14="http://schemas.microsoft.com/office/drawing/2010/main" xmlns="">
                 <a:effectLst>
                   <a:outerShdw blurRad="63500" dist="38099" dir="2700000" algn="ctr" rotWithShape="0">
                     <a:schemeClr val="bg2">
@@ -22837,14 +22550,14 @@
           <a:effectLst/>
           <a:extLst>
             <a:ext uri="{909E8E84-426E-40dd-AFC4-6F175D3DCCD1}">
-              <a14:hiddenFill xmlns="" xmlns:a14="http://schemas.microsoft.com/office/drawing/2010/main">
+              <a14:hiddenFill xmlns:a14="http://schemas.microsoft.com/office/drawing/2010/main" xmlns="">
                 <a:solidFill>
                   <a:schemeClr val="accent1"/>
                 </a:solidFill>
               </a14:hiddenFill>
             </a:ext>
             <a:ext uri="{91240B29-F687-4f45-9708-019B960494DF}">
-              <a14:hiddenLine xmlns="" xmlns:a14="http://schemas.microsoft.com/office/drawing/2010/main" w="9525">
+              <a14:hiddenLine xmlns:a14="http://schemas.microsoft.com/office/drawing/2010/main" xmlns="" w="9525">
                 <a:solidFill>
                   <a:schemeClr val="tx1"/>
                 </a:solidFill>
@@ -22854,7 +22567,7 @@
               </a14:hiddenLine>
             </a:ext>
             <a:ext uri="{AF507438-7753-43e0-B8FC-AC1667EBCBE1}">
-              <a14:hiddenEffects xmlns="" xmlns:a14="http://schemas.microsoft.com/office/drawing/2010/main">
+              <a14:hiddenEffects xmlns:a14="http://schemas.microsoft.com/office/drawing/2010/main" xmlns="">
                 <a:effectLst>
                   <a:outerShdw blurRad="63500" dist="38099" dir="2700000" algn="ctr" rotWithShape="0">
                     <a:schemeClr val="bg2">
@@ -23539,14 +23252,14 @@
           <a:effectLst/>
           <a:extLst>
             <a:ext uri="{909E8E84-426E-40dd-AFC4-6F175D3DCCD1}">
-              <a14:hiddenFill xmlns="" xmlns:a14="http://schemas.microsoft.com/office/drawing/2010/main">
+              <a14:hiddenFill xmlns:a14="http://schemas.microsoft.com/office/drawing/2010/main" xmlns="">
                 <a:solidFill>
                   <a:schemeClr val="accent1"/>
                 </a:solidFill>
               </a14:hiddenFill>
             </a:ext>
             <a:ext uri="{91240B29-F687-4f45-9708-019B960494DF}">
-              <a14:hiddenLine xmlns="" xmlns:a14="http://schemas.microsoft.com/office/drawing/2010/main" w="9525">
+              <a14:hiddenLine xmlns:a14="http://schemas.microsoft.com/office/drawing/2010/main" xmlns="" w="9525">
                 <a:solidFill>
                   <a:schemeClr val="tx1"/>
                 </a:solidFill>
@@ -23556,7 +23269,7 @@
               </a14:hiddenLine>
             </a:ext>
             <a:ext uri="{AF507438-7753-43e0-B8FC-AC1667EBCBE1}">
-              <a14:hiddenEffects xmlns="" xmlns:a14="http://schemas.microsoft.com/office/drawing/2010/main">
+              <a14:hiddenEffects xmlns:a14="http://schemas.microsoft.com/office/drawing/2010/main" xmlns="">
                 <a:effectLst>
                   <a:outerShdw blurRad="63500" dist="38099" dir="2700000" algn="ctr" rotWithShape="0">
                     <a:schemeClr val="bg2">
@@ -24635,14 +24348,14 @@
           <a:effectLst/>
           <a:extLst>
             <a:ext uri="{909E8E84-426E-40dd-AFC4-6F175D3DCCD1}">
-              <a14:hiddenFill xmlns="" xmlns:a14="http://schemas.microsoft.com/office/drawing/2010/main">
+              <a14:hiddenFill xmlns:a14="http://schemas.microsoft.com/office/drawing/2010/main" xmlns="">
                 <a:solidFill>
                   <a:schemeClr val="accent1"/>
                 </a:solidFill>
               </a14:hiddenFill>
             </a:ext>
             <a:ext uri="{91240B29-F687-4f45-9708-019B960494DF}">
-              <a14:hiddenLine xmlns="" xmlns:a14="http://schemas.microsoft.com/office/drawing/2010/main" w="9525">
+              <a14:hiddenLine xmlns:a14="http://schemas.microsoft.com/office/drawing/2010/main" xmlns="" w="9525">
                 <a:solidFill>
                   <a:schemeClr val="tx1"/>
                 </a:solidFill>
@@ -24652,7 +24365,7 @@
               </a14:hiddenLine>
             </a:ext>
             <a:ext uri="{AF507438-7753-43e0-B8FC-AC1667EBCBE1}">
-              <a14:hiddenEffects xmlns="" xmlns:a14="http://schemas.microsoft.com/office/drawing/2010/main">
+              <a14:hiddenEffects xmlns:a14="http://schemas.microsoft.com/office/drawing/2010/main" xmlns="">
                 <a:effectLst>
                   <a:outerShdw dist="35921" dir="2700000" algn="ctr" rotWithShape="0">
                     <a:schemeClr val="bg2"/>
@@ -24788,14 +24501,14 @@
           <a:effectLst/>
           <a:extLst>
             <a:ext uri="{909E8E84-426E-40dd-AFC4-6F175D3DCCD1}">
-              <a14:hiddenFill xmlns="" xmlns:a14="http://schemas.microsoft.com/office/drawing/2010/main">
+              <a14:hiddenFill xmlns:a14="http://schemas.microsoft.com/office/drawing/2010/main" xmlns="">
                 <a:solidFill>
                   <a:schemeClr val="accent1"/>
                 </a:solidFill>
               </a14:hiddenFill>
             </a:ext>
             <a:ext uri="{91240B29-F687-4f45-9708-019B960494DF}">
-              <a14:hiddenLine xmlns="" xmlns:a14="http://schemas.microsoft.com/office/drawing/2010/main" w="9525">
+              <a14:hiddenLine xmlns:a14="http://schemas.microsoft.com/office/drawing/2010/main" xmlns="" w="9525">
                 <a:solidFill>
                   <a:schemeClr val="tx1"/>
                 </a:solidFill>
@@ -24805,7 +24518,7 @@
               </a14:hiddenLine>
             </a:ext>
             <a:ext uri="{AF507438-7753-43e0-B8FC-AC1667EBCBE1}">
-              <a14:hiddenEffects xmlns="" xmlns:a14="http://schemas.microsoft.com/office/drawing/2010/main">
+              <a14:hiddenEffects xmlns:a14="http://schemas.microsoft.com/office/drawing/2010/main" xmlns="">
                 <a:effectLst>
                   <a:outerShdw dist="35921" dir="2700000" algn="ctr" rotWithShape="0">
                     <a:schemeClr val="bg2"/>
@@ -25023,14 +24736,14 @@
           <a:effectLst/>
           <a:extLst>
             <a:ext uri="{909E8E84-426E-40dd-AFC4-6F175D3DCCD1}">
-              <a14:hiddenFill xmlns="" xmlns:a14="http://schemas.microsoft.com/office/drawing/2010/main">
+              <a14:hiddenFill xmlns:a14="http://schemas.microsoft.com/office/drawing/2010/main" xmlns="">
                 <a:solidFill>
                   <a:schemeClr val="accent1"/>
                 </a:solidFill>
               </a14:hiddenFill>
             </a:ext>
             <a:ext uri="{91240B29-F687-4f45-9708-019B960494DF}">
-              <a14:hiddenLine xmlns="" xmlns:a14="http://schemas.microsoft.com/office/drawing/2010/main" w="9525">
+              <a14:hiddenLine xmlns:a14="http://schemas.microsoft.com/office/drawing/2010/main" xmlns="" w="9525">
                 <a:solidFill>
                   <a:schemeClr val="tx1"/>
                 </a:solidFill>
@@ -25040,7 +24753,7 @@
               </a14:hiddenLine>
             </a:ext>
             <a:ext uri="{AF507438-7753-43e0-B8FC-AC1667EBCBE1}">
-              <a14:hiddenEffects xmlns="" xmlns:a14="http://schemas.microsoft.com/office/drawing/2010/main">
+              <a14:hiddenEffects xmlns:a14="http://schemas.microsoft.com/office/drawing/2010/main" xmlns="">
                 <a:effectLst>
                   <a:outerShdw dist="35921" dir="2700000" algn="ctr" rotWithShape="0">
                     <a:schemeClr val="bg2"/>
@@ -25130,14 +24843,14 @@
           <a:effectLst/>
           <a:extLst>
             <a:ext uri="{909E8E84-426E-40dd-AFC4-6F175D3DCCD1}">
-              <a14:hiddenFill xmlns="" xmlns:a14="http://schemas.microsoft.com/office/drawing/2010/main">
+              <a14:hiddenFill xmlns:a14="http://schemas.microsoft.com/office/drawing/2010/main" xmlns="">
                 <a:solidFill>
                   <a:schemeClr val="accent1"/>
                 </a:solidFill>
               </a14:hiddenFill>
             </a:ext>
             <a:ext uri="{91240B29-F687-4f45-9708-019B960494DF}">
-              <a14:hiddenLine xmlns="" xmlns:a14="http://schemas.microsoft.com/office/drawing/2010/main" w="9525">
+              <a14:hiddenLine xmlns:a14="http://schemas.microsoft.com/office/drawing/2010/main" xmlns="" w="9525">
                 <a:solidFill>
                   <a:schemeClr val="tx1"/>
                 </a:solidFill>
@@ -25147,7 +24860,7 @@
               </a14:hiddenLine>
             </a:ext>
             <a:ext uri="{AF507438-7753-43e0-B8FC-AC1667EBCBE1}">
-              <a14:hiddenEffects xmlns="" xmlns:a14="http://schemas.microsoft.com/office/drawing/2010/main">
+              <a14:hiddenEffects xmlns:a14="http://schemas.microsoft.com/office/drawing/2010/main" xmlns="">
                 <a:effectLst>
                   <a:outerShdw dist="35921" dir="2700000" algn="ctr" rotWithShape="0">
                     <a:schemeClr val="bg2"/>
@@ -26302,14 +26015,14 @@
           <a:effectLst/>
           <a:extLst>
             <a:ext uri="{909E8E84-426E-40dd-AFC4-6F175D3DCCD1}">
-              <a14:hiddenFill xmlns="" xmlns:a14="http://schemas.microsoft.com/office/drawing/2010/main">
+              <a14:hiddenFill xmlns:a14="http://schemas.microsoft.com/office/drawing/2010/main" xmlns="">
                 <a:solidFill>
                   <a:schemeClr val="accent1"/>
                 </a:solidFill>
               </a14:hiddenFill>
             </a:ext>
             <a:ext uri="{91240B29-F687-4f45-9708-019B960494DF}">
-              <a14:hiddenLine xmlns="" xmlns:a14="http://schemas.microsoft.com/office/drawing/2010/main" w="9525">
+              <a14:hiddenLine xmlns:a14="http://schemas.microsoft.com/office/drawing/2010/main" xmlns="" w="9525">
                 <a:solidFill>
                   <a:schemeClr val="tx1"/>
                 </a:solidFill>
@@ -26319,7 +26032,7 @@
               </a14:hiddenLine>
             </a:ext>
             <a:ext uri="{AF507438-7753-43e0-B8FC-AC1667EBCBE1}">
-              <a14:hiddenEffects xmlns="" xmlns:a14="http://schemas.microsoft.com/office/drawing/2010/main">
+              <a14:hiddenEffects xmlns:a14="http://schemas.microsoft.com/office/drawing/2010/main" xmlns="">
                 <a:effectLst>
                   <a:outerShdw blurRad="63500" dist="38099" dir="2700000" algn="ctr" rotWithShape="0">
                     <a:schemeClr val="bg2">
@@ -26367,14 +26080,14 @@
           <a:effectLst/>
           <a:extLst>
             <a:ext uri="{909E8E84-426E-40dd-AFC4-6F175D3DCCD1}">
-              <a14:hiddenFill xmlns="" xmlns:a14="http://schemas.microsoft.com/office/drawing/2010/main">
+              <a14:hiddenFill xmlns:a14="http://schemas.microsoft.com/office/drawing/2010/main" xmlns="">
                 <a:solidFill>
                   <a:schemeClr val="accent1"/>
                 </a:solidFill>
               </a14:hiddenFill>
             </a:ext>
             <a:ext uri="{91240B29-F687-4f45-9708-019B960494DF}">
-              <a14:hiddenLine xmlns="" xmlns:a14="http://schemas.microsoft.com/office/drawing/2010/main" w="9525">
+              <a14:hiddenLine xmlns:a14="http://schemas.microsoft.com/office/drawing/2010/main" xmlns="" w="9525">
                 <a:solidFill>
                   <a:schemeClr val="tx1"/>
                 </a:solidFill>
@@ -26384,7 +26097,7 @@
               </a14:hiddenLine>
             </a:ext>
             <a:ext uri="{AF507438-7753-43e0-B8FC-AC1667EBCBE1}">
-              <a14:hiddenEffects xmlns="" xmlns:a14="http://schemas.microsoft.com/office/drawing/2010/main">
+              <a14:hiddenEffects xmlns:a14="http://schemas.microsoft.com/office/drawing/2010/main" xmlns="">
                 <a:effectLst>
                   <a:outerShdw blurRad="63500" dist="38099" dir="2700000" algn="ctr" rotWithShape="0">
                     <a:schemeClr val="bg2">
@@ -26437,12 +26150,12 @@
           <a:effectLst/>
           <a:extLst>
             <a:ext uri="{909E8E84-426E-40dd-AFC4-6F175D3DCCD1}">
-              <a14:hiddenFill xmlns="" xmlns:a14="http://schemas.microsoft.com/office/drawing/2010/main">
+              <a14:hiddenFill xmlns:a14="http://schemas.microsoft.com/office/drawing/2010/main" xmlns="">
                 <a:noFill/>
               </a14:hiddenFill>
             </a:ext>
             <a:ext uri="{AF507438-7753-43e0-B8FC-AC1667EBCBE1}">
-              <a14:hiddenEffects xmlns="" xmlns:a14="http://schemas.microsoft.com/office/drawing/2010/main">
+              <a14:hiddenEffects xmlns:a14="http://schemas.microsoft.com/office/drawing/2010/main" xmlns="">
                 <a:effectLst>
                   <a:outerShdw blurRad="63500" dist="38099" dir="2700000" algn="ctr" rotWithShape="0">
                     <a:schemeClr val="bg2">
@@ -26605,14 +26318,14 @@
           <a:ln/>
           <a:extLst>
             <a:ext uri="{909E8E84-426E-40dd-AFC4-6F175D3DCCD1}">
-              <a14:hiddenFill xmlns="" xmlns:a14="http://schemas.microsoft.com/office/drawing/2010/main">
+              <a14:hiddenFill xmlns:a14="http://schemas.microsoft.com/office/drawing/2010/main" xmlns="">
                 <a:solidFill>
                   <a:srgbClr val="FFFFFF"/>
                 </a:solidFill>
               </a14:hiddenFill>
             </a:ext>
             <a:ext uri="{91240B29-F687-4f45-9708-019B960494DF}">
-              <a14:hiddenLine xmlns="" xmlns:a14="http://schemas.microsoft.com/office/drawing/2010/main" w="9525">
+              <a14:hiddenLine xmlns:a14="http://schemas.microsoft.com/office/drawing/2010/main" xmlns="" w="9525">
                 <a:solidFill>
                   <a:srgbClr val="000000"/>
                 </a:solidFill>
@@ -26622,7 +26335,7 @@
               </a14:hiddenLine>
             </a:ext>
             <a:ext uri="{AF507438-7753-43e0-B8FC-AC1667EBCBE1}">
-              <a14:hiddenEffects xmlns="" xmlns:a14="http://schemas.microsoft.com/office/drawing/2010/main">
+              <a14:hiddenEffects xmlns:a14="http://schemas.microsoft.com/office/drawing/2010/main" xmlns="">
                 <a:effectLst>
                   <a:outerShdw blurRad="63500" dist="38099" dir="2700000" algn="ctr" rotWithShape="0">
                     <a:srgbClr val="808080">
@@ -26658,14 +26371,14 @@
           <a:effectLst/>
           <a:extLst>
             <a:ext uri="{909E8E84-426E-40dd-AFC4-6F175D3DCCD1}">
-              <a14:hiddenFill xmlns="" xmlns:a14="http://schemas.microsoft.com/office/drawing/2010/main">
+              <a14:hiddenFill xmlns:a14="http://schemas.microsoft.com/office/drawing/2010/main" xmlns="">
                 <a:solidFill>
                   <a:schemeClr val="accent1"/>
                 </a:solidFill>
               </a14:hiddenFill>
             </a:ext>
             <a:ext uri="{91240B29-F687-4f45-9708-019B960494DF}">
-              <a14:hiddenLine xmlns="" xmlns:a14="http://schemas.microsoft.com/office/drawing/2010/main" w="9525">
+              <a14:hiddenLine xmlns:a14="http://schemas.microsoft.com/office/drawing/2010/main" xmlns="" w="9525">
                 <a:solidFill>
                   <a:schemeClr val="tx1"/>
                 </a:solidFill>
@@ -26675,7 +26388,7 @@
               </a14:hiddenLine>
             </a:ext>
             <a:ext uri="{AF507438-7753-43e0-B8FC-AC1667EBCBE1}">
-              <a14:hiddenEffects xmlns="" xmlns:a14="http://schemas.microsoft.com/office/drawing/2010/main">
+              <a14:hiddenEffects xmlns:a14="http://schemas.microsoft.com/office/drawing/2010/main" xmlns="">
                 <a:effectLst>
                   <a:outerShdw blurRad="63500" dist="38099" dir="2700000" algn="ctr" rotWithShape="0">
                     <a:schemeClr val="bg2">
@@ -26729,12 +26442,12 @@
           <a:effectLst/>
           <a:extLst>
             <a:ext uri="{909E8E84-426E-40dd-AFC4-6F175D3DCCD1}">
-              <a14:hiddenFill xmlns="" xmlns:a14="http://schemas.microsoft.com/office/drawing/2010/main">
+              <a14:hiddenFill xmlns:a14="http://schemas.microsoft.com/office/drawing/2010/main" xmlns="">
                 <a:noFill/>
               </a14:hiddenFill>
             </a:ext>
             <a:ext uri="{AF507438-7753-43e0-B8FC-AC1667EBCBE1}">
-              <a14:hiddenEffects xmlns="" xmlns:a14="http://schemas.microsoft.com/office/drawing/2010/main">
+              <a14:hiddenEffects xmlns:a14="http://schemas.microsoft.com/office/drawing/2010/main" xmlns="">
                 <a:effectLst>
                   <a:outerShdw blurRad="63500" dist="38099" dir="2700000" algn="ctr" rotWithShape="0">
                     <a:schemeClr val="bg2">
@@ -26782,12 +26495,12 @@
           <a:effectLst/>
           <a:extLst>
             <a:ext uri="{909E8E84-426E-40dd-AFC4-6F175D3DCCD1}">
-              <a14:hiddenFill xmlns="" xmlns:a14="http://schemas.microsoft.com/office/drawing/2010/main">
+              <a14:hiddenFill xmlns:a14="http://schemas.microsoft.com/office/drawing/2010/main" xmlns="">
                 <a:noFill/>
               </a14:hiddenFill>
             </a:ext>
             <a:ext uri="{AF507438-7753-43e0-B8FC-AC1667EBCBE1}">
-              <a14:hiddenEffects xmlns="" xmlns:a14="http://schemas.microsoft.com/office/drawing/2010/main">
+              <a14:hiddenEffects xmlns:a14="http://schemas.microsoft.com/office/drawing/2010/main" xmlns="">
                 <a:effectLst>
                   <a:outerShdw blurRad="63500" dist="38099" dir="2700000" algn="ctr" rotWithShape="0">
                     <a:schemeClr val="bg2">
@@ -26835,12 +26548,12 @@
           <a:effectLst/>
           <a:extLst>
             <a:ext uri="{909E8E84-426E-40dd-AFC4-6F175D3DCCD1}">
-              <a14:hiddenFill xmlns="" xmlns:a14="http://schemas.microsoft.com/office/drawing/2010/main">
+              <a14:hiddenFill xmlns:a14="http://schemas.microsoft.com/office/drawing/2010/main" xmlns="">
                 <a:noFill/>
               </a14:hiddenFill>
             </a:ext>
             <a:ext uri="{AF507438-7753-43e0-B8FC-AC1667EBCBE1}">
-              <a14:hiddenEffects xmlns="" xmlns:a14="http://schemas.microsoft.com/office/drawing/2010/main">
+              <a14:hiddenEffects xmlns:a14="http://schemas.microsoft.com/office/drawing/2010/main" xmlns="">
                 <a:effectLst>
                   <a:outerShdw blurRad="63500" dist="38099" dir="2700000" algn="ctr" rotWithShape="0">
                     <a:schemeClr val="bg2">
@@ -26883,14 +26596,14 @@
           <a:effectLst/>
           <a:extLst>
             <a:ext uri="{909E8E84-426E-40dd-AFC4-6F175D3DCCD1}">
-              <a14:hiddenFill xmlns="" xmlns:a14="http://schemas.microsoft.com/office/drawing/2010/main">
+              <a14:hiddenFill xmlns:a14="http://schemas.microsoft.com/office/drawing/2010/main" xmlns="">
                 <a:solidFill>
                   <a:schemeClr val="accent1"/>
                 </a:solidFill>
               </a14:hiddenFill>
             </a:ext>
             <a:ext uri="{91240B29-F687-4f45-9708-019B960494DF}">
-              <a14:hiddenLine xmlns="" xmlns:a14="http://schemas.microsoft.com/office/drawing/2010/main" w="9525">
+              <a14:hiddenLine xmlns:a14="http://schemas.microsoft.com/office/drawing/2010/main" xmlns="" w="9525">
                 <a:solidFill>
                   <a:schemeClr val="tx1"/>
                 </a:solidFill>
@@ -26900,7 +26613,7 @@
               </a14:hiddenLine>
             </a:ext>
             <a:ext uri="{AF507438-7753-43e0-B8FC-AC1667EBCBE1}">
-              <a14:hiddenEffects xmlns="" xmlns:a14="http://schemas.microsoft.com/office/drawing/2010/main">
+              <a14:hiddenEffects xmlns:a14="http://schemas.microsoft.com/office/drawing/2010/main" xmlns="">
                 <a:effectLst>
                   <a:outerShdw blurRad="63500" dist="38099" dir="2700000" algn="ctr" rotWithShape="0">
                     <a:schemeClr val="bg2">
@@ -26960,14 +26673,14 @@
           <a:effectLst/>
           <a:extLst>
             <a:ext uri="{909E8E84-426E-40dd-AFC4-6F175D3DCCD1}">
-              <a14:hiddenFill xmlns="" xmlns:a14="http://schemas.microsoft.com/office/drawing/2010/main">
+              <a14:hiddenFill xmlns:a14="http://schemas.microsoft.com/office/drawing/2010/main" xmlns="">
                 <a:solidFill>
                   <a:schemeClr val="accent1"/>
                 </a:solidFill>
               </a14:hiddenFill>
             </a:ext>
             <a:ext uri="{91240B29-F687-4f45-9708-019B960494DF}">
-              <a14:hiddenLine xmlns="" xmlns:a14="http://schemas.microsoft.com/office/drawing/2010/main" w="9525">
+              <a14:hiddenLine xmlns:a14="http://schemas.microsoft.com/office/drawing/2010/main" xmlns="" w="9525">
                 <a:solidFill>
                   <a:schemeClr val="tx1"/>
                 </a:solidFill>
@@ -26977,7 +26690,7 @@
               </a14:hiddenLine>
             </a:ext>
             <a:ext uri="{AF507438-7753-43e0-B8FC-AC1667EBCBE1}">
-              <a14:hiddenEffects xmlns="" xmlns:a14="http://schemas.microsoft.com/office/drawing/2010/main">
+              <a14:hiddenEffects xmlns:a14="http://schemas.microsoft.com/office/drawing/2010/main" xmlns="">
                 <a:effectLst>
                   <a:outerShdw blurRad="63500" dist="38099" dir="2700000" algn="ctr" rotWithShape="0">
                     <a:schemeClr val="bg2">
@@ -27440,14 +27153,14 @@
           <a:ln/>
           <a:extLst>
             <a:ext uri="{909E8E84-426E-40dd-AFC4-6F175D3DCCD1}">
-              <a14:hiddenFill xmlns="" xmlns:a14="http://schemas.microsoft.com/office/drawing/2010/main">
+              <a14:hiddenFill xmlns:a14="http://schemas.microsoft.com/office/drawing/2010/main" xmlns="">
                 <a:solidFill>
                   <a:srgbClr val="FFFFFF"/>
                 </a:solidFill>
               </a14:hiddenFill>
             </a:ext>
             <a:ext uri="{91240B29-F687-4f45-9708-019B960494DF}">
-              <a14:hiddenLine xmlns="" xmlns:a14="http://schemas.microsoft.com/office/drawing/2010/main" w="9525">
+              <a14:hiddenLine xmlns:a14="http://schemas.microsoft.com/office/drawing/2010/main" xmlns="" w="9525">
                 <a:solidFill>
                   <a:srgbClr val="000000"/>
                 </a:solidFill>
@@ -27457,7 +27170,7 @@
               </a14:hiddenLine>
             </a:ext>
             <a:ext uri="{AF507438-7753-43e0-B8FC-AC1667EBCBE1}">
-              <a14:hiddenEffects xmlns="" xmlns:a14="http://schemas.microsoft.com/office/drawing/2010/main">
+              <a14:hiddenEffects xmlns:a14="http://schemas.microsoft.com/office/drawing/2010/main" xmlns="">
                 <a:effectLst>
                   <a:outerShdw blurRad="63500" dist="38099" dir="2700000" algn="ctr" rotWithShape="0">
                     <a:srgbClr val="808080">
@@ -27493,14 +27206,14 @@
           <a:effectLst/>
           <a:extLst>
             <a:ext uri="{909E8E84-426E-40dd-AFC4-6F175D3DCCD1}">
-              <a14:hiddenFill xmlns="" xmlns:a14="http://schemas.microsoft.com/office/drawing/2010/main">
+              <a14:hiddenFill xmlns:a14="http://schemas.microsoft.com/office/drawing/2010/main" xmlns="">
                 <a:solidFill>
                   <a:schemeClr val="accent1"/>
                 </a:solidFill>
               </a14:hiddenFill>
             </a:ext>
             <a:ext uri="{91240B29-F687-4f45-9708-019B960494DF}">
-              <a14:hiddenLine xmlns="" xmlns:a14="http://schemas.microsoft.com/office/drawing/2010/main" w="9525">
+              <a14:hiddenLine xmlns:a14="http://schemas.microsoft.com/office/drawing/2010/main" xmlns="" w="9525">
                 <a:solidFill>
                   <a:schemeClr val="tx1"/>
                 </a:solidFill>
@@ -27510,7 +27223,7 @@
               </a14:hiddenLine>
             </a:ext>
             <a:ext uri="{AF507438-7753-43e0-B8FC-AC1667EBCBE1}">
-              <a14:hiddenEffects xmlns="" xmlns:a14="http://schemas.microsoft.com/office/drawing/2010/main">
+              <a14:hiddenEffects xmlns:a14="http://schemas.microsoft.com/office/drawing/2010/main" xmlns="">
                 <a:effectLst>
                   <a:outerShdw blurRad="63500" dist="38099" dir="2700000" algn="ctr" rotWithShape="0">
                     <a:schemeClr val="bg2">
@@ -27644,14 +27357,14 @@
           <a:effectLst/>
           <a:extLst>
             <a:ext uri="{909E8E84-426E-40dd-AFC4-6F175D3DCCD1}">
-              <a14:hiddenFill xmlns="" xmlns:a14="http://schemas.microsoft.com/office/drawing/2010/main">
+              <a14:hiddenFill xmlns:a14="http://schemas.microsoft.com/office/drawing/2010/main" xmlns="">
                 <a:solidFill>
                   <a:schemeClr val="accent1"/>
                 </a:solidFill>
               </a14:hiddenFill>
             </a:ext>
             <a:ext uri="{91240B29-F687-4f45-9708-019B960494DF}">
-              <a14:hiddenLine xmlns="" xmlns:a14="http://schemas.microsoft.com/office/drawing/2010/main" w="9525">
+              <a14:hiddenLine xmlns:a14="http://schemas.microsoft.com/office/drawing/2010/main" xmlns="" w="9525">
                 <a:solidFill>
                   <a:schemeClr val="tx1"/>
                 </a:solidFill>
@@ -27661,7 +27374,7 @@
               </a14:hiddenLine>
             </a:ext>
             <a:ext uri="{AF507438-7753-43e0-B8FC-AC1667EBCBE1}">
-              <a14:hiddenEffects xmlns="" xmlns:a14="http://schemas.microsoft.com/office/drawing/2010/main">
+              <a14:hiddenEffects xmlns:a14="http://schemas.microsoft.com/office/drawing/2010/main" xmlns="">
                 <a:effectLst>
                   <a:outerShdw blurRad="63500" dist="38099" dir="2700000" algn="ctr" rotWithShape="0">
                     <a:schemeClr val="bg2">
@@ -27758,14 +27471,14 @@
           <a:ln/>
           <a:extLst>
             <a:ext uri="{909E8E84-426E-40dd-AFC4-6F175D3DCCD1}">
-              <a14:hiddenFill xmlns="" xmlns:a14="http://schemas.microsoft.com/office/drawing/2010/main">
+              <a14:hiddenFill xmlns:a14="http://schemas.microsoft.com/office/drawing/2010/main" xmlns="">
                 <a:solidFill>
                   <a:srgbClr val="FFFFFF"/>
                 </a:solidFill>
               </a14:hiddenFill>
             </a:ext>
             <a:ext uri="{91240B29-F687-4f45-9708-019B960494DF}">
-              <a14:hiddenLine xmlns="" xmlns:a14="http://schemas.microsoft.com/office/drawing/2010/main" w="9525">
+              <a14:hiddenLine xmlns:a14="http://schemas.microsoft.com/office/drawing/2010/main" xmlns="" w="9525">
                 <a:solidFill>
                   <a:srgbClr val="000000"/>
                 </a:solidFill>
@@ -27775,7 +27488,7 @@
               </a14:hiddenLine>
             </a:ext>
             <a:ext uri="{AF507438-7753-43e0-B8FC-AC1667EBCBE1}">
-              <a14:hiddenEffects xmlns="" xmlns:a14="http://schemas.microsoft.com/office/drawing/2010/main">
+              <a14:hiddenEffects xmlns:a14="http://schemas.microsoft.com/office/drawing/2010/main" xmlns="">
                 <a:effectLst>
                   <a:outerShdw blurRad="63500" dist="38099" dir="2700000" algn="ctr" rotWithShape="0">
                     <a:srgbClr val="808080">
@@ -27942,14 +27655,14 @@
           <a:effectLst/>
           <a:extLst>
             <a:ext uri="{909E8E84-426E-40dd-AFC4-6F175D3DCCD1}">
-              <a14:hiddenFill xmlns="" xmlns:a14="http://schemas.microsoft.com/office/drawing/2010/main">
+              <a14:hiddenFill xmlns:a14="http://schemas.microsoft.com/office/drawing/2010/main" xmlns="">
                 <a:solidFill>
                   <a:schemeClr val="accent1"/>
                 </a:solidFill>
               </a14:hiddenFill>
             </a:ext>
             <a:ext uri="{91240B29-F687-4f45-9708-019B960494DF}">
-              <a14:hiddenLine xmlns="" xmlns:a14="http://schemas.microsoft.com/office/drawing/2010/main" w="9525">
+              <a14:hiddenLine xmlns:a14="http://schemas.microsoft.com/office/drawing/2010/main" xmlns="" w="9525">
                 <a:solidFill>
                   <a:schemeClr val="tx1"/>
                 </a:solidFill>
@@ -27959,7 +27672,7 @@
               </a14:hiddenLine>
             </a:ext>
             <a:ext uri="{AF507438-7753-43e0-B8FC-AC1667EBCBE1}">
-              <a14:hiddenEffects xmlns="" xmlns:a14="http://schemas.microsoft.com/office/drawing/2010/main">
+              <a14:hiddenEffects xmlns:a14="http://schemas.microsoft.com/office/drawing/2010/main" xmlns="">
                 <a:effectLst>
                   <a:outerShdw blurRad="63500" dist="38099" dir="2700000" algn="ctr" rotWithShape="0">
                     <a:schemeClr val="bg2">
@@ -28015,14 +27728,14 @@
           <a:effectLst/>
           <a:extLst>
             <a:ext uri="{909E8E84-426E-40dd-AFC4-6F175D3DCCD1}">
-              <a14:hiddenFill xmlns="" xmlns:a14="http://schemas.microsoft.com/office/drawing/2010/main">
+              <a14:hiddenFill xmlns:a14="http://schemas.microsoft.com/office/drawing/2010/main" xmlns="">
                 <a:solidFill>
                   <a:schemeClr val="accent1"/>
                 </a:solidFill>
               </a14:hiddenFill>
             </a:ext>
             <a:ext uri="{91240B29-F687-4f45-9708-019B960494DF}">
-              <a14:hiddenLine xmlns="" xmlns:a14="http://schemas.microsoft.com/office/drawing/2010/main" w="9525">
+              <a14:hiddenLine xmlns:a14="http://schemas.microsoft.com/office/drawing/2010/main" xmlns="" w="9525">
                 <a:solidFill>
                   <a:schemeClr val="tx1"/>
                 </a:solidFill>
@@ -28032,7 +27745,7 @@
               </a14:hiddenLine>
             </a:ext>
             <a:ext uri="{AF507438-7753-43e0-B8FC-AC1667EBCBE1}">
-              <a14:hiddenEffects xmlns="" xmlns:a14="http://schemas.microsoft.com/office/drawing/2010/main">
+              <a14:hiddenEffects xmlns:a14="http://schemas.microsoft.com/office/drawing/2010/main" xmlns="">
                 <a:effectLst>
                   <a:outerShdw blurRad="63500" dist="38099" dir="2700000" algn="ctr" rotWithShape="0">
                     <a:schemeClr val="bg2">
@@ -29490,7 +29203,7 @@
         <a:effectLst/>
         <a:extLst>
           <a:ext uri="{AF507438-7753-43e0-B8FC-AC1667EBCBE1}">
-            <a14:hiddenEffects xmlns="" xmlns:a14="http://schemas.microsoft.com/office/drawing/2010/main">
+            <a14:hiddenEffects xmlns:a14="http://schemas.microsoft.com/office/drawing/2010/main" xmlns="">
               <a:effectLst>
                 <a:outerShdw blurRad="63500" dist="38099" dir="2700000" algn="ctr" rotWithShape="0">
                   <a:schemeClr val="bg2">
@@ -29566,7 +29279,7 @@
         <a:effectLst/>
         <a:extLst>
           <a:ext uri="{AF507438-7753-43e0-B8FC-AC1667EBCBE1}">
-            <a14:hiddenEffects xmlns="" xmlns:a14="http://schemas.microsoft.com/office/drawing/2010/main">
+            <a14:hiddenEffects xmlns:a14="http://schemas.microsoft.com/office/drawing/2010/main" xmlns="">
               <a:effectLst>
                 <a:outerShdw blurRad="63500" dist="38099" dir="2700000" algn="ctr" rotWithShape="0">
                   <a:schemeClr val="bg2">

--- a/Lectures/M3-ArchitectureModeling.pptx
+++ b/Lectures/M3-ArchitectureModeling.pptx
@@ -266,17 +266,17 @@
           <a:effectLst/>
           <a:extLst>
             <a:ext uri="{FAA26D3D-D897-4be2-8F04-BA451C77F1D7}">
-              <ma14:placeholderFlag xmlns:ma14="http://schemas.microsoft.com/office/mac/drawingml/2011/main" val="1"/>
+              <ma14:placeholderFlag xmlns:ma14="http://schemas.microsoft.com/office/mac/drawingml/2011/main" xmlns="" val="1"/>
             </a:ext>
             <a:ext uri="{909E8E84-426E-40dd-AFC4-6F175D3DCCD1}">
-              <a14:hiddenFill xmlns="" xmlns:a14="http://schemas.microsoft.com/office/drawing/2010/main">
+              <a14:hiddenFill xmlns:a14="http://schemas.microsoft.com/office/drawing/2010/main" xmlns="">
                 <a:solidFill>
                   <a:schemeClr val="accent1"/>
                 </a:solidFill>
               </a14:hiddenFill>
             </a:ext>
             <a:ext uri="{91240B29-F687-4f45-9708-019B960494DF}">
-              <a14:hiddenLine xmlns="" xmlns:a14="http://schemas.microsoft.com/office/drawing/2010/main" w="9525">
+              <a14:hiddenLine xmlns:a14="http://schemas.microsoft.com/office/drawing/2010/main" xmlns="" w="9525">
                 <a:solidFill>
                   <a:schemeClr val="tx1"/>
                 </a:solidFill>
@@ -286,7 +286,7 @@
               </a14:hiddenLine>
             </a:ext>
             <a:ext uri="{AF507438-7753-43e0-B8FC-AC1667EBCBE1}">
-              <a14:hiddenEffects xmlns="" xmlns:a14="http://schemas.microsoft.com/office/drawing/2010/main">
+              <a14:hiddenEffects xmlns:a14="http://schemas.microsoft.com/office/drawing/2010/main" xmlns="">
                 <a:effectLst>
                   <a:outerShdw blurRad="63500" dist="38099" dir="2700000" algn="ctr" rotWithShape="0">
                     <a:schemeClr val="bg2">
@@ -339,17 +339,17 @@
           <a:effectLst/>
           <a:extLst>
             <a:ext uri="{FAA26D3D-D897-4be2-8F04-BA451C77F1D7}">
-              <ma14:placeholderFlag xmlns:ma14="http://schemas.microsoft.com/office/mac/drawingml/2011/main" val="1"/>
+              <ma14:placeholderFlag xmlns:ma14="http://schemas.microsoft.com/office/mac/drawingml/2011/main" xmlns="" val="1"/>
             </a:ext>
             <a:ext uri="{909E8E84-426E-40dd-AFC4-6F175D3DCCD1}">
-              <a14:hiddenFill xmlns="" xmlns:a14="http://schemas.microsoft.com/office/drawing/2010/main">
+              <a14:hiddenFill xmlns:a14="http://schemas.microsoft.com/office/drawing/2010/main" xmlns="">
                 <a:solidFill>
                   <a:schemeClr val="accent1"/>
                 </a:solidFill>
               </a14:hiddenFill>
             </a:ext>
             <a:ext uri="{91240B29-F687-4f45-9708-019B960494DF}">
-              <a14:hiddenLine xmlns="" xmlns:a14="http://schemas.microsoft.com/office/drawing/2010/main" w="9525">
+              <a14:hiddenLine xmlns:a14="http://schemas.microsoft.com/office/drawing/2010/main" xmlns="" w="9525">
                 <a:solidFill>
                   <a:schemeClr val="tx1"/>
                 </a:solidFill>
@@ -359,7 +359,7 @@
               </a14:hiddenLine>
             </a:ext>
             <a:ext uri="{AF507438-7753-43e0-B8FC-AC1667EBCBE1}">
-              <a14:hiddenEffects xmlns="" xmlns:a14="http://schemas.microsoft.com/office/drawing/2010/main">
+              <a14:hiddenEffects xmlns:a14="http://schemas.microsoft.com/office/drawing/2010/main" xmlns="">
                 <a:effectLst>
                   <a:outerShdw blurRad="63500" dist="38099" dir="2700000" algn="ctr" rotWithShape="0">
                     <a:schemeClr val="bg2">
@@ -412,17 +412,17 @@
           <a:effectLst/>
           <a:extLst>
             <a:ext uri="{FAA26D3D-D897-4be2-8F04-BA451C77F1D7}">
-              <ma14:placeholderFlag xmlns:ma14="http://schemas.microsoft.com/office/mac/drawingml/2011/main" val="1"/>
+              <ma14:placeholderFlag xmlns:ma14="http://schemas.microsoft.com/office/mac/drawingml/2011/main" xmlns="" val="1"/>
             </a:ext>
             <a:ext uri="{909E8E84-426E-40dd-AFC4-6F175D3DCCD1}">
-              <a14:hiddenFill xmlns="" xmlns:a14="http://schemas.microsoft.com/office/drawing/2010/main">
+              <a14:hiddenFill xmlns:a14="http://schemas.microsoft.com/office/drawing/2010/main" xmlns="">
                 <a:solidFill>
                   <a:schemeClr val="accent1"/>
                 </a:solidFill>
               </a14:hiddenFill>
             </a:ext>
             <a:ext uri="{91240B29-F687-4f45-9708-019B960494DF}">
-              <a14:hiddenLine xmlns="" xmlns:a14="http://schemas.microsoft.com/office/drawing/2010/main" w="9525">
+              <a14:hiddenLine xmlns:a14="http://schemas.microsoft.com/office/drawing/2010/main" xmlns="" w="9525">
                 <a:solidFill>
                   <a:schemeClr val="tx1"/>
                 </a:solidFill>
@@ -432,7 +432,7 @@
               </a14:hiddenLine>
             </a:ext>
             <a:ext uri="{AF507438-7753-43e0-B8FC-AC1667EBCBE1}">
-              <a14:hiddenEffects xmlns="" xmlns:a14="http://schemas.microsoft.com/office/drawing/2010/main">
+              <a14:hiddenEffects xmlns:a14="http://schemas.microsoft.com/office/drawing/2010/main" xmlns="">
                 <a:effectLst>
                   <a:outerShdw blurRad="63500" dist="38099" dir="2700000" algn="ctr" rotWithShape="0">
                     <a:schemeClr val="bg2">
@@ -485,17 +485,17 @@
           <a:effectLst/>
           <a:extLst>
             <a:ext uri="{FAA26D3D-D897-4be2-8F04-BA451C77F1D7}">
-              <ma14:placeholderFlag xmlns:ma14="http://schemas.microsoft.com/office/mac/drawingml/2011/main" val="1"/>
+              <ma14:placeholderFlag xmlns:ma14="http://schemas.microsoft.com/office/mac/drawingml/2011/main" xmlns="" val="1"/>
             </a:ext>
             <a:ext uri="{909E8E84-426E-40dd-AFC4-6F175D3DCCD1}">
-              <a14:hiddenFill xmlns="" xmlns:a14="http://schemas.microsoft.com/office/drawing/2010/main">
+              <a14:hiddenFill xmlns:a14="http://schemas.microsoft.com/office/drawing/2010/main" xmlns="">
                 <a:solidFill>
                   <a:schemeClr val="accent1"/>
                 </a:solidFill>
               </a14:hiddenFill>
             </a:ext>
             <a:ext uri="{91240B29-F687-4f45-9708-019B960494DF}">
-              <a14:hiddenLine xmlns="" xmlns:a14="http://schemas.microsoft.com/office/drawing/2010/main" w="9525">
+              <a14:hiddenLine xmlns:a14="http://schemas.microsoft.com/office/drawing/2010/main" xmlns="" w="9525">
                 <a:solidFill>
                   <a:schemeClr val="tx1"/>
                 </a:solidFill>
@@ -505,7 +505,7 @@
               </a14:hiddenLine>
             </a:ext>
             <a:ext uri="{AF507438-7753-43e0-B8FC-AC1667EBCBE1}">
-              <a14:hiddenEffects xmlns="" xmlns:a14="http://schemas.microsoft.com/office/drawing/2010/main">
+              <a14:hiddenEffects xmlns:a14="http://schemas.microsoft.com/office/drawing/2010/main" xmlns="">
                 <a:effectLst>
                   <a:outerShdw blurRad="63500" dist="38099" dir="2700000" algn="ctr" rotWithShape="0">
                     <a:schemeClr val="bg2">
@@ -599,17 +599,17 @@
           <a:effectLst/>
           <a:extLst>
             <a:ext uri="{FAA26D3D-D897-4be2-8F04-BA451C77F1D7}">
-              <ma14:placeholderFlag xmlns:ma14="http://schemas.microsoft.com/office/mac/drawingml/2011/main" val="1"/>
+              <ma14:placeholderFlag xmlns:ma14="http://schemas.microsoft.com/office/mac/drawingml/2011/main" xmlns="" val="1"/>
             </a:ext>
             <a:ext uri="{909E8E84-426E-40dd-AFC4-6F175D3DCCD1}">
-              <a14:hiddenFill xmlns="" xmlns:a14="http://schemas.microsoft.com/office/drawing/2010/main">
+              <a14:hiddenFill xmlns:a14="http://schemas.microsoft.com/office/drawing/2010/main" xmlns="">
                 <a:solidFill>
                   <a:schemeClr val="accent1"/>
                 </a:solidFill>
               </a14:hiddenFill>
             </a:ext>
             <a:ext uri="{91240B29-F687-4f45-9708-019B960494DF}">
-              <a14:hiddenLine xmlns="" xmlns:a14="http://schemas.microsoft.com/office/drawing/2010/main" w="9525">
+              <a14:hiddenLine xmlns:a14="http://schemas.microsoft.com/office/drawing/2010/main" xmlns="" w="9525">
                 <a:solidFill>
                   <a:schemeClr val="tx1"/>
                 </a:solidFill>
@@ -619,7 +619,7 @@
               </a14:hiddenLine>
             </a:ext>
             <a:ext uri="{AF507438-7753-43e0-B8FC-AC1667EBCBE1}">
-              <a14:hiddenEffects xmlns="" xmlns:a14="http://schemas.microsoft.com/office/drawing/2010/main">
+              <a14:hiddenEffects xmlns:a14="http://schemas.microsoft.com/office/drawing/2010/main" xmlns="">
                 <a:effectLst>
                   <a:outerShdw blurRad="63500" dist="38099" dir="2700000" algn="ctr" rotWithShape="0">
                     <a:schemeClr val="bg2">
@@ -672,17 +672,17 @@
           <a:effectLst/>
           <a:extLst>
             <a:ext uri="{FAA26D3D-D897-4be2-8F04-BA451C77F1D7}">
-              <ma14:placeholderFlag xmlns:ma14="http://schemas.microsoft.com/office/mac/drawingml/2011/main" val="1"/>
+              <ma14:placeholderFlag xmlns:ma14="http://schemas.microsoft.com/office/mac/drawingml/2011/main" xmlns="" val="1"/>
             </a:ext>
             <a:ext uri="{909E8E84-426E-40dd-AFC4-6F175D3DCCD1}">
-              <a14:hiddenFill xmlns="" xmlns:a14="http://schemas.microsoft.com/office/drawing/2010/main">
+              <a14:hiddenFill xmlns:a14="http://schemas.microsoft.com/office/drawing/2010/main" xmlns="">
                 <a:solidFill>
                   <a:schemeClr val="accent1"/>
                 </a:solidFill>
               </a14:hiddenFill>
             </a:ext>
             <a:ext uri="{91240B29-F687-4f45-9708-019B960494DF}">
-              <a14:hiddenLine xmlns="" xmlns:a14="http://schemas.microsoft.com/office/drawing/2010/main" w="9525">
+              <a14:hiddenLine xmlns:a14="http://schemas.microsoft.com/office/drawing/2010/main" xmlns="" w="9525">
                 <a:solidFill>
                   <a:schemeClr val="tx1"/>
                 </a:solidFill>
@@ -692,7 +692,7 @@
               </a14:hiddenLine>
             </a:ext>
             <a:ext uri="{AF507438-7753-43e0-B8FC-AC1667EBCBE1}">
-              <a14:hiddenEffects xmlns="" xmlns:a14="http://schemas.microsoft.com/office/drawing/2010/main">
+              <a14:hiddenEffects xmlns:a14="http://schemas.microsoft.com/office/drawing/2010/main" xmlns="">
                 <a:effectLst>
                   <a:outerShdw blurRad="63500" dist="38099" dir="2700000" algn="ctr" rotWithShape="0">
                     <a:schemeClr val="bg2">
@@ -750,7 +750,7 @@
           <a:effectLst/>
           <a:extLst>
             <a:ext uri="{AF507438-7753-43e0-B8FC-AC1667EBCBE1}">
-              <a14:hiddenEffects xmlns="" xmlns:a14="http://schemas.microsoft.com/office/drawing/2010/main">
+              <a14:hiddenEffects xmlns:a14="http://schemas.microsoft.com/office/drawing/2010/main" xmlns="">
                 <a:effectLst>
                   <a:outerShdw blurRad="63500" dist="38099" dir="2700000" algn="ctr" rotWithShape="0">
                     <a:srgbClr val="000000">
@@ -761,7 +761,7 @@
               </a14:hiddenEffects>
             </a:ext>
             <a:ext uri="{53640926-AAD7-44d8-BBD7-CCE9431645EC}">
-              <a14:shadowObscured xmlns="" xmlns:a14="http://schemas.microsoft.com/office/drawing/2010/main" val="1"/>
+              <a14:shadowObscured xmlns:a14="http://schemas.microsoft.com/office/drawing/2010/main" xmlns="" val="1"/>
             </a:ext>
           </a:extLst>
         </p:spPr>
@@ -791,17 +791,17 @@
           <a:effectLst/>
           <a:extLst>
             <a:ext uri="{FAA26D3D-D897-4be2-8F04-BA451C77F1D7}">
-              <ma14:placeholderFlag xmlns:ma14="http://schemas.microsoft.com/office/mac/drawingml/2011/main" val="1"/>
+              <ma14:placeholderFlag xmlns:ma14="http://schemas.microsoft.com/office/mac/drawingml/2011/main" xmlns="" val="1"/>
             </a:ext>
             <a:ext uri="{909E8E84-426E-40dd-AFC4-6F175D3DCCD1}">
-              <a14:hiddenFill xmlns="" xmlns:a14="http://schemas.microsoft.com/office/drawing/2010/main">
+              <a14:hiddenFill xmlns:a14="http://schemas.microsoft.com/office/drawing/2010/main" xmlns="">
                 <a:solidFill>
                   <a:schemeClr val="accent1"/>
                 </a:solidFill>
               </a14:hiddenFill>
             </a:ext>
             <a:ext uri="{91240B29-F687-4f45-9708-019B960494DF}">
-              <a14:hiddenLine xmlns="" xmlns:a14="http://schemas.microsoft.com/office/drawing/2010/main" w="9525">
+              <a14:hiddenLine xmlns:a14="http://schemas.microsoft.com/office/drawing/2010/main" xmlns="" w="9525">
                 <a:solidFill>
                   <a:schemeClr val="tx1"/>
                 </a:solidFill>
@@ -811,7 +811,7 @@
               </a14:hiddenLine>
             </a:ext>
             <a:ext uri="{AF507438-7753-43e0-B8FC-AC1667EBCBE1}">
-              <a14:hiddenEffects xmlns="" xmlns:a14="http://schemas.microsoft.com/office/drawing/2010/main">
+              <a14:hiddenEffects xmlns:a14="http://schemas.microsoft.com/office/drawing/2010/main" xmlns="">
                 <a:effectLst>
                   <a:outerShdw blurRad="63500" dist="38099" dir="2700000" algn="ctr" rotWithShape="0">
                     <a:schemeClr val="bg2">
@@ -892,17 +892,17 @@
           <a:effectLst/>
           <a:extLst>
             <a:ext uri="{FAA26D3D-D897-4be2-8F04-BA451C77F1D7}">
-              <ma14:placeholderFlag xmlns:ma14="http://schemas.microsoft.com/office/mac/drawingml/2011/main" val="1"/>
+              <ma14:placeholderFlag xmlns:ma14="http://schemas.microsoft.com/office/mac/drawingml/2011/main" xmlns="" val="1"/>
             </a:ext>
             <a:ext uri="{909E8E84-426E-40dd-AFC4-6F175D3DCCD1}">
-              <a14:hiddenFill xmlns="" xmlns:a14="http://schemas.microsoft.com/office/drawing/2010/main">
+              <a14:hiddenFill xmlns:a14="http://schemas.microsoft.com/office/drawing/2010/main" xmlns="">
                 <a:solidFill>
                   <a:schemeClr val="accent1"/>
                 </a:solidFill>
               </a14:hiddenFill>
             </a:ext>
             <a:ext uri="{91240B29-F687-4f45-9708-019B960494DF}">
-              <a14:hiddenLine xmlns="" xmlns:a14="http://schemas.microsoft.com/office/drawing/2010/main" w="9525">
+              <a14:hiddenLine xmlns:a14="http://schemas.microsoft.com/office/drawing/2010/main" xmlns="" w="9525">
                 <a:solidFill>
                   <a:schemeClr val="tx1"/>
                 </a:solidFill>
@@ -912,7 +912,7 @@
               </a14:hiddenLine>
             </a:ext>
             <a:ext uri="{AF507438-7753-43e0-B8FC-AC1667EBCBE1}">
-              <a14:hiddenEffects xmlns="" xmlns:a14="http://schemas.microsoft.com/office/drawing/2010/main">
+              <a14:hiddenEffects xmlns:a14="http://schemas.microsoft.com/office/drawing/2010/main" xmlns="">
                 <a:effectLst>
                   <a:outerShdw blurRad="63500" dist="38099" dir="2700000" algn="ctr" rotWithShape="0">
                     <a:schemeClr val="bg2">
@@ -965,17 +965,17 @@
           <a:effectLst/>
           <a:extLst>
             <a:ext uri="{FAA26D3D-D897-4be2-8F04-BA451C77F1D7}">
-              <ma14:placeholderFlag xmlns:ma14="http://schemas.microsoft.com/office/mac/drawingml/2011/main" val="1"/>
+              <ma14:placeholderFlag xmlns:ma14="http://schemas.microsoft.com/office/mac/drawingml/2011/main" xmlns="" val="1"/>
             </a:ext>
             <a:ext uri="{909E8E84-426E-40dd-AFC4-6F175D3DCCD1}">
-              <a14:hiddenFill xmlns="" xmlns:a14="http://schemas.microsoft.com/office/drawing/2010/main">
+              <a14:hiddenFill xmlns:a14="http://schemas.microsoft.com/office/drawing/2010/main" xmlns="">
                 <a:solidFill>
                   <a:schemeClr val="accent1"/>
                 </a:solidFill>
               </a14:hiddenFill>
             </a:ext>
             <a:ext uri="{91240B29-F687-4f45-9708-019B960494DF}">
-              <a14:hiddenLine xmlns="" xmlns:a14="http://schemas.microsoft.com/office/drawing/2010/main" w="9525">
+              <a14:hiddenLine xmlns:a14="http://schemas.microsoft.com/office/drawing/2010/main" xmlns="" w="9525">
                 <a:solidFill>
                   <a:schemeClr val="tx1"/>
                 </a:solidFill>
@@ -985,7 +985,7 @@
               </a14:hiddenLine>
             </a:ext>
             <a:ext uri="{AF507438-7753-43e0-B8FC-AC1667EBCBE1}">
-              <a14:hiddenEffects xmlns="" xmlns:a14="http://schemas.microsoft.com/office/drawing/2010/main">
+              <a14:hiddenEffects xmlns:a14="http://schemas.microsoft.com/office/drawing/2010/main" xmlns="">
                 <a:effectLst>
                   <a:outerShdw blurRad="63500" dist="38099" dir="2700000" algn="ctr" rotWithShape="0">
                     <a:schemeClr val="bg2">
@@ -1225,7 +1225,7 @@
               <a:effectLst/>
               <a:extLst>
                 <a:ext uri="{91240B29-F687-4f45-9708-019B960494DF}">
-                  <a14:hiddenLine xmlns="" xmlns:a14="http://schemas.microsoft.com/office/drawing/2010/main" w="9525">
+                  <a14:hiddenLine xmlns:a14="http://schemas.microsoft.com/office/drawing/2010/main" xmlns="" w="9525">
                     <a:solidFill>
                       <a:schemeClr val="tx1"/>
                     </a:solidFill>
@@ -1235,7 +1235,7 @@
                   </a14:hiddenLine>
                 </a:ext>
                 <a:ext uri="{AF507438-7753-43e0-B8FC-AC1667EBCBE1}">
-                  <a14:hiddenEffects xmlns="" xmlns:a14="http://schemas.microsoft.com/office/drawing/2010/main">
+                  <a14:hiddenEffects xmlns:a14="http://schemas.microsoft.com/office/drawing/2010/main" xmlns="">
                     <a:effectLst>
                       <a:outerShdw blurRad="63500" dist="38099" dir="2700000" algn="ctr" rotWithShape="0">
                         <a:schemeClr val="bg2">
@@ -1304,12 +1304,12 @@
                 <a:effectLst/>
                 <a:extLst>
                   <a:ext uri="{909E8E84-426E-40dd-AFC4-6F175D3DCCD1}">
-                    <a14:hiddenFill xmlns="" xmlns:a14="http://schemas.microsoft.com/office/drawing/2010/main">
+                    <a14:hiddenFill xmlns:a14="http://schemas.microsoft.com/office/drawing/2010/main" xmlns="">
                       <a:noFill/>
                     </a14:hiddenFill>
                   </a:ext>
                   <a:ext uri="{AF507438-7753-43e0-B8FC-AC1667EBCBE1}">
-                    <a14:hiddenEffects xmlns="" xmlns:a14="http://schemas.microsoft.com/office/drawing/2010/main">
+                    <a14:hiddenEffects xmlns:a14="http://schemas.microsoft.com/office/drawing/2010/main" xmlns="">
                       <a:effectLst>
                         <a:outerShdw blurRad="63500" dist="38099" dir="2700000" algn="ctr" rotWithShape="0">
                           <a:schemeClr val="bg2">
@@ -1362,12 +1362,12 @@
                 <a:effectLst/>
                 <a:extLst>
                   <a:ext uri="{909E8E84-426E-40dd-AFC4-6F175D3DCCD1}">
-                    <a14:hiddenFill xmlns="" xmlns:a14="http://schemas.microsoft.com/office/drawing/2010/main">
+                    <a14:hiddenFill xmlns:a14="http://schemas.microsoft.com/office/drawing/2010/main" xmlns="">
                       <a:noFill/>
                     </a14:hiddenFill>
                   </a:ext>
                   <a:ext uri="{AF507438-7753-43e0-B8FC-AC1667EBCBE1}">
-                    <a14:hiddenEffects xmlns="" xmlns:a14="http://schemas.microsoft.com/office/drawing/2010/main">
+                    <a14:hiddenEffects xmlns:a14="http://schemas.microsoft.com/office/drawing/2010/main" xmlns="">
                       <a:effectLst>
                         <a:outerShdw blurRad="63500" dist="38099" dir="2700000" algn="ctr" rotWithShape="0">
                           <a:schemeClr val="bg2">
@@ -1420,12 +1420,12 @@
                 <a:effectLst/>
                 <a:extLst>
                   <a:ext uri="{909E8E84-426E-40dd-AFC4-6F175D3DCCD1}">
-                    <a14:hiddenFill xmlns="" xmlns:a14="http://schemas.microsoft.com/office/drawing/2010/main">
+                    <a14:hiddenFill xmlns:a14="http://schemas.microsoft.com/office/drawing/2010/main" xmlns="">
                       <a:noFill/>
                     </a14:hiddenFill>
                   </a:ext>
                   <a:ext uri="{AF507438-7753-43e0-B8FC-AC1667EBCBE1}">
-                    <a14:hiddenEffects xmlns="" xmlns:a14="http://schemas.microsoft.com/office/drawing/2010/main">
+                    <a14:hiddenEffects xmlns:a14="http://schemas.microsoft.com/office/drawing/2010/main" xmlns="">
                       <a:effectLst>
                         <a:outerShdw blurRad="63500" dist="38099" dir="2700000" algn="ctr" rotWithShape="0">
                           <a:schemeClr val="bg2">
@@ -1478,12 +1478,12 @@
                 <a:effectLst/>
                 <a:extLst>
                   <a:ext uri="{909E8E84-426E-40dd-AFC4-6F175D3DCCD1}">
-                    <a14:hiddenFill xmlns="" xmlns:a14="http://schemas.microsoft.com/office/drawing/2010/main">
+                    <a14:hiddenFill xmlns:a14="http://schemas.microsoft.com/office/drawing/2010/main" xmlns="">
                       <a:noFill/>
                     </a14:hiddenFill>
                   </a:ext>
                   <a:ext uri="{AF507438-7753-43e0-B8FC-AC1667EBCBE1}">
-                    <a14:hiddenEffects xmlns="" xmlns:a14="http://schemas.microsoft.com/office/drawing/2010/main">
+                    <a14:hiddenEffects xmlns:a14="http://schemas.microsoft.com/office/drawing/2010/main" xmlns="">
                       <a:effectLst>
                         <a:outerShdw blurRad="63500" dist="38099" dir="2700000" algn="ctr" rotWithShape="0">
                           <a:schemeClr val="bg2">
@@ -1536,12 +1536,12 @@
                 <a:effectLst/>
                 <a:extLst>
                   <a:ext uri="{909E8E84-426E-40dd-AFC4-6F175D3DCCD1}">
-                    <a14:hiddenFill xmlns="" xmlns:a14="http://schemas.microsoft.com/office/drawing/2010/main">
+                    <a14:hiddenFill xmlns:a14="http://schemas.microsoft.com/office/drawing/2010/main" xmlns="">
                       <a:noFill/>
                     </a14:hiddenFill>
                   </a:ext>
                   <a:ext uri="{AF507438-7753-43e0-B8FC-AC1667EBCBE1}">
-                    <a14:hiddenEffects xmlns="" xmlns:a14="http://schemas.microsoft.com/office/drawing/2010/main">
+                    <a14:hiddenEffects xmlns:a14="http://schemas.microsoft.com/office/drawing/2010/main" xmlns="">
                       <a:effectLst>
                         <a:outerShdw blurRad="63500" dist="38099" dir="2700000" algn="ctr" rotWithShape="0">
                           <a:schemeClr val="bg2">
@@ -1594,12 +1594,12 @@
                 <a:effectLst/>
                 <a:extLst>
                   <a:ext uri="{909E8E84-426E-40dd-AFC4-6F175D3DCCD1}">
-                    <a14:hiddenFill xmlns="" xmlns:a14="http://schemas.microsoft.com/office/drawing/2010/main">
+                    <a14:hiddenFill xmlns:a14="http://schemas.microsoft.com/office/drawing/2010/main" xmlns="">
                       <a:noFill/>
                     </a14:hiddenFill>
                   </a:ext>
                   <a:ext uri="{AF507438-7753-43e0-B8FC-AC1667EBCBE1}">
-                    <a14:hiddenEffects xmlns="" xmlns:a14="http://schemas.microsoft.com/office/drawing/2010/main">
+                    <a14:hiddenEffects xmlns:a14="http://schemas.microsoft.com/office/drawing/2010/main" xmlns="">
                       <a:effectLst>
                         <a:outerShdw blurRad="63500" dist="38099" dir="2700000" algn="ctr" rotWithShape="0">
                           <a:schemeClr val="bg2">
@@ -1652,12 +1652,12 @@
                 <a:effectLst/>
                 <a:extLst>
                   <a:ext uri="{909E8E84-426E-40dd-AFC4-6F175D3DCCD1}">
-                    <a14:hiddenFill xmlns="" xmlns:a14="http://schemas.microsoft.com/office/drawing/2010/main">
+                    <a14:hiddenFill xmlns:a14="http://schemas.microsoft.com/office/drawing/2010/main" xmlns="">
                       <a:noFill/>
                     </a14:hiddenFill>
                   </a:ext>
                   <a:ext uri="{AF507438-7753-43e0-B8FC-AC1667EBCBE1}">
-                    <a14:hiddenEffects xmlns="" xmlns:a14="http://schemas.microsoft.com/office/drawing/2010/main">
+                    <a14:hiddenEffects xmlns:a14="http://schemas.microsoft.com/office/drawing/2010/main" xmlns="">
                       <a:effectLst>
                         <a:outerShdw blurRad="63500" dist="38099" dir="2700000" algn="ctr" rotWithShape="0">
                           <a:schemeClr val="bg2">
@@ -1710,12 +1710,12 @@
                 <a:effectLst/>
                 <a:extLst>
                   <a:ext uri="{909E8E84-426E-40dd-AFC4-6F175D3DCCD1}">
-                    <a14:hiddenFill xmlns="" xmlns:a14="http://schemas.microsoft.com/office/drawing/2010/main">
+                    <a14:hiddenFill xmlns:a14="http://schemas.microsoft.com/office/drawing/2010/main" xmlns="">
                       <a:noFill/>
                     </a14:hiddenFill>
                   </a:ext>
                   <a:ext uri="{AF507438-7753-43e0-B8FC-AC1667EBCBE1}">
-                    <a14:hiddenEffects xmlns="" xmlns:a14="http://schemas.microsoft.com/office/drawing/2010/main">
+                    <a14:hiddenEffects xmlns:a14="http://schemas.microsoft.com/office/drawing/2010/main" xmlns="">
                       <a:effectLst>
                         <a:outerShdw blurRad="63500" dist="38099" dir="2700000" algn="ctr" rotWithShape="0">
                           <a:schemeClr val="bg2">
@@ -1768,12 +1768,12 @@
                 <a:effectLst/>
                 <a:extLst>
                   <a:ext uri="{909E8E84-426E-40dd-AFC4-6F175D3DCCD1}">
-                    <a14:hiddenFill xmlns="" xmlns:a14="http://schemas.microsoft.com/office/drawing/2010/main">
+                    <a14:hiddenFill xmlns:a14="http://schemas.microsoft.com/office/drawing/2010/main" xmlns="">
                       <a:noFill/>
                     </a14:hiddenFill>
                   </a:ext>
                   <a:ext uri="{AF507438-7753-43e0-B8FC-AC1667EBCBE1}">
-                    <a14:hiddenEffects xmlns="" xmlns:a14="http://schemas.microsoft.com/office/drawing/2010/main">
+                    <a14:hiddenEffects xmlns:a14="http://schemas.microsoft.com/office/drawing/2010/main" xmlns="">
                       <a:effectLst>
                         <a:outerShdw blurRad="63500" dist="38099" dir="2700000" algn="ctr" rotWithShape="0">
                           <a:schemeClr val="bg2">
@@ -1826,12 +1826,12 @@
                 <a:effectLst/>
                 <a:extLst>
                   <a:ext uri="{909E8E84-426E-40dd-AFC4-6F175D3DCCD1}">
-                    <a14:hiddenFill xmlns="" xmlns:a14="http://schemas.microsoft.com/office/drawing/2010/main">
+                    <a14:hiddenFill xmlns:a14="http://schemas.microsoft.com/office/drawing/2010/main" xmlns="">
                       <a:noFill/>
                     </a14:hiddenFill>
                   </a:ext>
                   <a:ext uri="{AF507438-7753-43e0-B8FC-AC1667EBCBE1}">
-                    <a14:hiddenEffects xmlns="" xmlns:a14="http://schemas.microsoft.com/office/drawing/2010/main">
+                    <a14:hiddenEffects xmlns:a14="http://schemas.microsoft.com/office/drawing/2010/main" xmlns="">
                       <a:effectLst>
                         <a:outerShdw blurRad="63500" dist="38099" dir="2700000" algn="ctr" rotWithShape="0">
                           <a:schemeClr val="bg2">
@@ -1884,12 +1884,12 @@
                 <a:effectLst/>
                 <a:extLst>
                   <a:ext uri="{909E8E84-426E-40dd-AFC4-6F175D3DCCD1}">
-                    <a14:hiddenFill xmlns="" xmlns:a14="http://schemas.microsoft.com/office/drawing/2010/main">
+                    <a14:hiddenFill xmlns:a14="http://schemas.microsoft.com/office/drawing/2010/main" xmlns="">
                       <a:noFill/>
                     </a14:hiddenFill>
                   </a:ext>
                   <a:ext uri="{AF507438-7753-43e0-B8FC-AC1667EBCBE1}">
-                    <a14:hiddenEffects xmlns="" xmlns:a14="http://schemas.microsoft.com/office/drawing/2010/main">
+                    <a14:hiddenEffects xmlns:a14="http://schemas.microsoft.com/office/drawing/2010/main" xmlns="">
                       <a:effectLst>
                         <a:outerShdw blurRad="63500" dist="38099" dir="2700000" algn="ctr" rotWithShape="0">
                           <a:schemeClr val="bg2">
@@ -1942,12 +1942,12 @@
                 <a:effectLst/>
                 <a:extLst>
                   <a:ext uri="{909E8E84-426E-40dd-AFC4-6F175D3DCCD1}">
-                    <a14:hiddenFill xmlns="" xmlns:a14="http://schemas.microsoft.com/office/drawing/2010/main">
+                    <a14:hiddenFill xmlns:a14="http://schemas.microsoft.com/office/drawing/2010/main" xmlns="">
                       <a:noFill/>
                     </a14:hiddenFill>
                   </a:ext>
                   <a:ext uri="{AF507438-7753-43e0-B8FC-AC1667EBCBE1}">
-                    <a14:hiddenEffects xmlns="" xmlns:a14="http://schemas.microsoft.com/office/drawing/2010/main">
+                    <a14:hiddenEffects xmlns:a14="http://schemas.microsoft.com/office/drawing/2010/main" xmlns="">
                       <a:effectLst>
                         <a:outerShdw blurRad="63500" dist="38099" dir="2700000" algn="ctr" rotWithShape="0">
                           <a:schemeClr val="bg2">
@@ -2000,12 +2000,12 @@
                 <a:effectLst/>
                 <a:extLst>
                   <a:ext uri="{909E8E84-426E-40dd-AFC4-6F175D3DCCD1}">
-                    <a14:hiddenFill xmlns="" xmlns:a14="http://schemas.microsoft.com/office/drawing/2010/main">
+                    <a14:hiddenFill xmlns:a14="http://schemas.microsoft.com/office/drawing/2010/main" xmlns="">
                       <a:noFill/>
                     </a14:hiddenFill>
                   </a:ext>
                   <a:ext uri="{AF507438-7753-43e0-B8FC-AC1667EBCBE1}">
-                    <a14:hiddenEffects xmlns="" xmlns:a14="http://schemas.microsoft.com/office/drawing/2010/main">
+                    <a14:hiddenEffects xmlns:a14="http://schemas.microsoft.com/office/drawing/2010/main" xmlns="">
                       <a:effectLst>
                         <a:outerShdw blurRad="63500" dist="38099" dir="2700000" algn="ctr" rotWithShape="0">
                           <a:schemeClr val="bg2">
@@ -2058,12 +2058,12 @@
                 <a:effectLst/>
                 <a:extLst>
                   <a:ext uri="{909E8E84-426E-40dd-AFC4-6F175D3DCCD1}">
-                    <a14:hiddenFill xmlns="" xmlns:a14="http://schemas.microsoft.com/office/drawing/2010/main">
+                    <a14:hiddenFill xmlns:a14="http://schemas.microsoft.com/office/drawing/2010/main" xmlns="">
                       <a:noFill/>
                     </a14:hiddenFill>
                   </a:ext>
                   <a:ext uri="{AF507438-7753-43e0-B8FC-AC1667EBCBE1}">
-                    <a14:hiddenEffects xmlns="" xmlns:a14="http://schemas.microsoft.com/office/drawing/2010/main">
+                    <a14:hiddenEffects xmlns:a14="http://schemas.microsoft.com/office/drawing/2010/main" xmlns="">
                       <a:effectLst>
                         <a:outerShdw blurRad="63500" dist="38099" dir="2700000" algn="ctr" rotWithShape="0">
                           <a:schemeClr val="bg2">
@@ -2116,12 +2116,12 @@
                 <a:effectLst/>
                 <a:extLst>
                   <a:ext uri="{909E8E84-426E-40dd-AFC4-6F175D3DCCD1}">
-                    <a14:hiddenFill xmlns="" xmlns:a14="http://schemas.microsoft.com/office/drawing/2010/main">
+                    <a14:hiddenFill xmlns:a14="http://schemas.microsoft.com/office/drawing/2010/main" xmlns="">
                       <a:noFill/>
                     </a14:hiddenFill>
                   </a:ext>
                   <a:ext uri="{AF507438-7753-43e0-B8FC-AC1667EBCBE1}">
-                    <a14:hiddenEffects xmlns="" xmlns:a14="http://schemas.microsoft.com/office/drawing/2010/main">
+                    <a14:hiddenEffects xmlns:a14="http://schemas.microsoft.com/office/drawing/2010/main" xmlns="">
                       <a:effectLst>
                         <a:outerShdw blurRad="63500" dist="38099" dir="2700000" algn="ctr" rotWithShape="0">
                           <a:schemeClr val="bg2">
@@ -2174,12 +2174,12 @@
                 <a:effectLst/>
                 <a:extLst>
                   <a:ext uri="{909E8E84-426E-40dd-AFC4-6F175D3DCCD1}">
-                    <a14:hiddenFill xmlns="" xmlns:a14="http://schemas.microsoft.com/office/drawing/2010/main">
+                    <a14:hiddenFill xmlns:a14="http://schemas.microsoft.com/office/drawing/2010/main" xmlns="">
                       <a:noFill/>
                     </a14:hiddenFill>
                   </a:ext>
                   <a:ext uri="{AF507438-7753-43e0-B8FC-AC1667EBCBE1}">
-                    <a14:hiddenEffects xmlns="" xmlns:a14="http://schemas.microsoft.com/office/drawing/2010/main">
+                    <a14:hiddenEffects xmlns:a14="http://schemas.microsoft.com/office/drawing/2010/main" xmlns="">
                       <a:effectLst>
                         <a:outerShdw blurRad="63500" dist="38099" dir="2700000" algn="ctr" rotWithShape="0">
                           <a:schemeClr val="bg2">
@@ -2232,12 +2232,12 @@
                 <a:effectLst/>
                 <a:extLst>
                   <a:ext uri="{909E8E84-426E-40dd-AFC4-6F175D3DCCD1}">
-                    <a14:hiddenFill xmlns="" xmlns:a14="http://schemas.microsoft.com/office/drawing/2010/main">
+                    <a14:hiddenFill xmlns:a14="http://schemas.microsoft.com/office/drawing/2010/main" xmlns="">
                       <a:noFill/>
                     </a14:hiddenFill>
                   </a:ext>
                   <a:ext uri="{AF507438-7753-43e0-B8FC-AC1667EBCBE1}">
-                    <a14:hiddenEffects xmlns="" xmlns:a14="http://schemas.microsoft.com/office/drawing/2010/main">
+                    <a14:hiddenEffects xmlns:a14="http://schemas.microsoft.com/office/drawing/2010/main" xmlns="">
                       <a:effectLst>
                         <a:outerShdw blurRad="63500" dist="38099" dir="2700000" algn="ctr" rotWithShape="0">
                           <a:schemeClr val="bg2">
@@ -2290,12 +2290,12 @@
                 <a:effectLst/>
                 <a:extLst>
                   <a:ext uri="{909E8E84-426E-40dd-AFC4-6F175D3DCCD1}">
-                    <a14:hiddenFill xmlns="" xmlns:a14="http://schemas.microsoft.com/office/drawing/2010/main">
+                    <a14:hiddenFill xmlns:a14="http://schemas.microsoft.com/office/drawing/2010/main" xmlns="">
                       <a:noFill/>
                     </a14:hiddenFill>
                   </a:ext>
                   <a:ext uri="{AF507438-7753-43e0-B8FC-AC1667EBCBE1}">
-                    <a14:hiddenEffects xmlns="" xmlns:a14="http://schemas.microsoft.com/office/drawing/2010/main">
+                    <a14:hiddenEffects xmlns:a14="http://schemas.microsoft.com/office/drawing/2010/main" xmlns="">
                       <a:effectLst>
                         <a:outerShdw blurRad="63500" dist="38099" dir="2700000" algn="ctr" rotWithShape="0">
                           <a:schemeClr val="bg2">
@@ -2348,12 +2348,12 @@
                 <a:effectLst/>
                 <a:extLst>
                   <a:ext uri="{909E8E84-426E-40dd-AFC4-6F175D3DCCD1}">
-                    <a14:hiddenFill xmlns="" xmlns:a14="http://schemas.microsoft.com/office/drawing/2010/main">
+                    <a14:hiddenFill xmlns:a14="http://schemas.microsoft.com/office/drawing/2010/main" xmlns="">
                       <a:noFill/>
                     </a14:hiddenFill>
                   </a:ext>
                   <a:ext uri="{AF507438-7753-43e0-B8FC-AC1667EBCBE1}">
-                    <a14:hiddenEffects xmlns="" xmlns:a14="http://schemas.microsoft.com/office/drawing/2010/main">
+                    <a14:hiddenEffects xmlns:a14="http://schemas.microsoft.com/office/drawing/2010/main" xmlns="">
                       <a:effectLst>
                         <a:outerShdw blurRad="63500" dist="38099" dir="2700000" algn="ctr" rotWithShape="0">
                           <a:schemeClr val="bg2">
@@ -2406,12 +2406,12 @@
                 <a:effectLst/>
                 <a:extLst>
                   <a:ext uri="{909E8E84-426E-40dd-AFC4-6F175D3DCCD1}">
-                    <a14:hiddenFill xmlns="" xmlns:a14="http://schemas.microsoft.com/office/drawing/2010/main">
+                    <a14:hiddenFill xmlns:a14="http://schemas.microsoft.com/office/drawing/2010/main" xmlns="">
                       <a:noFill/>
                     </a14:hiddenFill>
                   </a:ext>
                   <a:ext uri="{AF507438-7753-43e0-B8FC-AC1667EBCBE1}">
-                    <a14:hiddenEffects xmlns="" xmlns:a14="http://schemas.microsoft.com/office/drawing/2010/main">
+                    <a14:hiddenEffects xmlns:a14="http://schemas.microsoft.com/office/drawing/2010/main" xmlns="">
                       <a:effectLst>
                         <a:outerShdw blurRad="63500" dist="38099" dir="2700000" algn="ctr" rotWithShape="0">
                           <a:schemeClr val="bg2">
@@ -2464,12 +2464,12 @@
                 <a:effectLst/>
                 <a:extLst>
                   <a:ext uri="{909E8E84-426E-40dd-AFC4-6F175D3DCCD1}">
-                    <a14:hiddenFill xmlns="" xmlns:a14="http://schemas.microsoft.com/office/drawing/2010/main">
+                    <a14:hiddenFill xmlns:a14="http://schemas.microsoft.com/office/drawing/2010/main" xmlns="">
                       <a:noFill/>
                     </a14:hiddenFill>
                   </a:ext>
                   <a:ext uri="{AF507438-7753-43e0-B8FC-AC1667EBCBE1}">
-                    <a14:hiddenEffects xmlns="" xmlns:a14="http://schemas.microsoft.com/office/drawing/2010/main">
+                    <a14:hiddenEffects xmlns:a14="http://schemas.microsoft.com/office/drawing/2010/main" xmlns="">
                       <a:effectLst>
                         <a:outerShdw blurRad="63500" dist="38099" dir="2700000" algn="ctr" rotWithShape="0">
                           <a:schemeClr val="bg2">
@@ -2522,12 +2522,12 @@
                 <a:effectLst/>
                 <a:extLst>
                   <a:ext uri="{909E8E84-426E-40dd-AFC4-6F175D3DCCD1}">
-                    <a14:hiddenFill xmlns="" xmlns:a14="http://schemas.microsoft.com/office/drawing/2010/main">
+                    <a14:hiddenFill xmlns:a14="http://schemas.microsoft.com/office/drawing/2010/main" xmlns="">
                       <a:noFill/>
                     </a14:hiddenFill>
                   </a:ext>
                   <a:ext uri="{AF507438-7753-43e0-B8FC-AC1667EBCBE1}">
-                    <a14:hiddenEffects xmlns="" xmlns:a14="http://schemas.microsoft.com/office/drawing/2010/main">
+                    <a14:hiddenEffects xmlns:a14="http://schemas.microsoft.com/office/drawing/2010/main" xmlns="">
                       <a:effectLst>
                         <a:outerShdw blurRad="63500" dist="38099" dir="2700000" algn="ctr" rotWithShape="0">
                           <a:schemeClr val="bg2">
@@ -2580,12 +2580,12 @@
                 <a:effectLst/>
                 <a:extLst>
                   <a:ext uri="{909E8E84-426E-40dd-AFC4-6F175D3DCCD1}">
-                    <a14:hiddenFill xmlns="" xmlns:a14="http://schemas.microsoft.com/office/drawing/2010/main">
+                    <a14:hiddenFill xmlns:a14="http://schemas.microsoft.com/office/drawing/2010/main" xmlns="">
                       <a:noFill/>
                     </a14:hiddenFill>
                   </a:ext>
                   <a:ext uri="{AF507438-7753-43e0-B8FC-AC1667EBCBE1}">
-                    <a14:hiddenEffects xmlns="" xmlns:a14="http://schemas.microsoft.com/office/drawing/2010/main">
+                    <a14:hiddenEffects xmlns:a14="http://schemas.microsoft.com/office/drawing/2010/main" xmlns="">
                       <a:effectLst>
                         <a:outerShdw blurRad="63500" dist="38099" dir="2700000" algn="ctr" rotWithShape="0">
                           <a:schemeClr val="bg2">
@@ -2638,12 +2638,12 @@
                 <a:effectLst/>
                 <a:extLst>
                   <a:ext uri="{909E8E84-426E-40dd-AFC4-6F175D3DCCD1}">
-                    <a14:hiddenFill xmlns="" xmlns:a14="http://schemas.microsoft.com/office/drawing/2010/main">
+                    <a14:hiddenFill xmlns:a14="http://schemas.microsoft.com/office/drawing/2010/main" xmlns="">
                       <a:noFill/>
                     </a14:hiddenFill>
                   </a:ext>
                   <a:ext uri="{AF507438-7753-43e0-B8FC-AC1667EBCBE1}">
-                    <a14:hiddenEffects xmlns="" xmlns:a14="http://schemas.microsoft.com/office/drawing/2010/main">
+                    <a14:hiddenEffects xmlns:a14="http://schemas.microsoft.com/office/drawing/2010/main" xmlns="">
                       <a:effectLst>
                         <a:outerShdw blurRad="63500" dist="38099" dir="2700000" algn="ctr" rotWithShape="0">
                           <a:schemeClr val="bg2">
@@ -2696,12 +2696,12 @@
                 <a:effectLst/>
                 <a:extLst>
                   <a:ext uri="{909E8E84-426E-40dd-AFC4-6F175D3DCCD1}">
-                    <a14:hiddenFill xmlns="" xmlns:a14="http://schemas.microsoft.com/office/drawing/2010/main">
+                    <a14:hiddenFill xmlns:a14="http://schemas.microsoft.com/office/drawing/2010/main" xmlns="">
                       <a:noFill/>
                     </a14:hiddenFill>
                   </a:ext>
                   <a:ext uri="{AF507438-7753-43e0-B8FC-AC1667EBCBE1}">
-                    <a14:hiddenEffects xmlns="" xmlns:a14="http://schemas.microsoft.com/office/drawing/2010/main">
+                    <a14:hiddenEffects xmlns:a14="http://schemas.microsoft.com/office/drawing/2010/main" xmlns="">
                       <a:effectLst>
                         <a:outerShdw blurRad="63500" dist="38099" dir="2700000" algn="ctr" rotWithShape="0">
                           <a:schemeClr val="bg2">
@@ -2754,12 +2754,12 @@
                 <a:effectLst/>
                 <a:extLst>
                   <a:ext uri="{909E8E84-426E-40dd-AFC4-6F175D3DCCD1}">
-                    <a14:hiddenFill xmlns="" xmlns:a14="http://schemas.microsoft.com/office/drawing/2010/main">
+                    <a14:hiddenFill xmlns:a14="http://schemas.microsoft.com/office/drawing/2010/main" xmlns="">
                       <a:noFill/>
                     </a14:hiddenFill>
                   </a:ext>
                   <a:ext uri="{AF507438-7753-43e0-B8FC-AC1667EBCBE1}">
-                    <a14:hiddenEffects xmlns="" xmlns:a14="http://schemas.microsoft.com/office/drawing/2010/main">
+                    <a14:hiddenEffects xmlns:a14="http://schemas.microsoft.com/office/drawing/2010/main" xmlns="">
                       <a:effectLst>
                         <a:outerShdw blurRad="63500" dist="38099" dir="2700000" algn="ctr" rotWithShape="0">
                           <a:schemeClr val="bg2">
@@ -2812,12 +2812,12 @@
                 <a:effectLst/>
                 <a:extLst>
                   <a:ext uri="{909E8E84-426E-40dd-AFC4-6F175D3DCCD1}">
-                    <a14:hiddenFill xmlns="" xmlns:a14="http://schemas.microsoft.com/office/drawing/2010/main">
+                    <a14:hiddenFill xmlns:a14="http://schemas.microsoft.com/office/drawing/2010/main" xmlns="">
                       <a:noFill/>
                     </a14:hiddenFill>
                   </a:ext>
                   <a:ext uri="{AF507438-7753-43e0-B8FC-AC1667EBCBE1}">
-                    <a14:hiddenEffects xmlns="" xmlns:a14="http://schemas.microsoft.com/office/drawing/2010/main">
+                    <a14:hiddenEffects xmlns:a14="http://schemas.microsoft.com/office/drawing/2010/main" xmlns="">
                       <a:effectLst>
                         <a:outerShdw blurRad="63500" dist="38099" dir="2700000" algn="ctr" rotWithShape="0">
                           <a:schemeClr val="bg2">
@@ -2870,12 +2870,12 @@
                 <a:effectLst/>
                 <a:extLst>
                   <a:ext uri="{909E8E84-426E-40dd-AFC4-6F175D3DCCD1}">
-                    <a14:hiddenFill xmlns="" xmlns:a14="http://schemas.microsoft.com/office/drawing/2010/main">
+                    <a14:hiddenFill xmlns:a14="http://schemas.microsoft.com/office/drawing/2010/main" xmlns="">
                       <a:noFill/>
                     </a14:hiddenFill>
                   </a:ext>
                   <a:ext uri="{AF507438-7753-43e0-B8FC-AC1667EBCBE1}">
-                    <a14:hiddenEffects xmlns="" xmlns:a14="http://schemas.microsoft.com/office/drawing/2010/main">
+                    <a14:hiddenEffects xmlns:a14="http://schemas.microsoft.com/office/drawing/2010/main" xmlns="">
                       <a:effectLst>
                         <a:outerShdw blurRad="63500" dist="38099" dir="2700000" algn="ctr" rotWithShape="0">
                           <a:schemeClr val="bg2">
@@ -2928,12 +2928,12 @@
                 <a:effectLst/>
                 <a:extLst>
                   <a:ext uri="{909E8E84-426E-40dd-AFC4-6F175D3DCCD1}">
-                    <a14:hiddenFill xmlns="" xmlns:a14="http://schemas.microsoft.com/office/drawing/2010/main">
+                    <a14:hiddenFill xmlns:a14="http://schemas.microsoft.com/office/drawing/2010/main" xmlns="">
                       <a:noFill/>
                     </a14:hiddenFill>
                   </a:ext>
                   <a:ext uri="{AF507438-7753-43e0-B8FC-AC1667EBCBE1}">
-                    <a14:hiddenEffects xmlns="" xmlns:a14="http://schemas.microsoft.com/office/drawing/2010/main">
+                    <a14:hiddenEffects xmlns:a14="http://schemas.microsoft.com/office/drawing/2010/main" xmlns="">
                       <a:effectLst>
                         <a:outerShdw blurRad="63500" dist="38099" dir="2700000" algn="ctr" rotWithShape="0">
                           <a:schemeClr val="bg2">
@@ -2986,12 +2986,12 @@
                 <a:effectLst/>
                 <a:extLst>
                   <a:ext uri="{909E8E84-426E-40dd-AFC4-6F175D3DCCD1}">
-                    <a14:hiddenFill xmlns="" xmlns:a14="http://schemas.microsoft.com/office/drawing/2010/main">
+                    <a14:hiddenFill xmlns:a14="http://schemas.microsoft.com/office/drawing/2010/main" xmlns="">
                       <a:noFill/>
                     </a14:hiddenFill>
                   </a:ext>
                   <a:ext uri="{AF507438-7753-43e0-B8FC-AC1667EBCBE1}">
-                    <a14:hiddenEffects xmlns="" xmlns:a14="http://schemas.microsoft.com/office/drawing/2010/main">
+                    <a14:hiddenEffects xmlns:a14="http://schemas.microsoft.com/office/drawing/2010/main" xmlns="">
                       <a:effectLst>
                         <a:outerShdw blurRad="63500" dist="38099" dir="2700000" algn="ctr" rotWithShape="0">
                           <a:schemeClr val="bg2">
@@ -3044,12 +3044,12 @@
                 <a:effectLst/>
                 <a:extLst>
                   <a:ext uri="{909E8E84-426E-40dd-AFC4-6F175D3DCCD1}">
-                    <a14:hiddenFill xmlns="" xmlns:a14="http://schemas.microsoft.com/office/drawing/2010/main">
+                    <a14:hiddenFill xmlns:a14="http://schemas.microsoft.com/office/drawing/2010/main" xmlns="">
                       <a:noFill/>
                     </a14:hiddenFill>
                   </a:ext>
                   <a:ext uri="{AF507438-7753-43e0-B8FC-AC1667EBCBE1}">
-                    <a14:hiddenEffects xmlns="" xmlns:a14="http://schemas.microsoft.com/office/drawing/2010/main">
+                    <a14:hiddenEffects xmlns:a14="http://schemas.microsoft.com/office/drawing/2010/main" xmlns="">
                       <a:effectLst>
                         <a:outerShdw blurRad="63500" dist="38099" dir="2700000" algn="ctr" rotWithShape="0">
                           <a:schemeClr val="bg2">
@@ -3102,12 +3102,12 @@
                 <a:effectLst/>
                 <a:extLst>
                   <a:ext uri="{909E8E84-426E-40dd-AFC4-6F175D3DCCD1}">
-                    <a14:hiddenFill xmlns="" xmlns:a14="http://schemas.microsoft.com/office/drawing/2010/main">
+                    <a14:hiddenFill xmlns:a14="http://schemas.microsoft.com/office/drawing/2010/main" xmlns="">
                       <a:noFill/>
                     </a14:hiddenFill>
                   </a:ext>
                   <a:ext uri="{AF507438-7753-43e0-B8FC-AC1667EBCBE1}">
-                    <a14:hiddenEffects xmlns="" xmlns:a14="http://schemas.microsoft.com/office/drawing/2010/main">
+                    <a14:hiddenEffects xmlns:a14="http://schemas.microsoft.com/office/drawing/2010/main" xmlns="">
                       <a:effectLst>
                         <a:outerShdw blurRad="63500" dist="38099" dir="2700000" algn="ctr" rotWithShape="0">
                           <a:schemeClr val="bg2">
@@ -3160,12 +3160,12 @@
                 <a:effectLst/>
                 <a:extLst>
                   <a:ext uri="{909E8E84-426E-40dd-AFC4-6F175D3DCCD1}">
-                    <a14:hiddenFill xmlns="" xmlns:a14="http://schemas.microsoft.com/office/drawing/2010/main">
+                    <a14:hiddenFill xmlns:a14="http://schemas.microsoft.com/office/drawing/2010/main" xmlns="">
                       <a:noFill/>
                     </a14:hiddenFill>
                   </a:ext>
                   <a:ext uri="{AF507438-7753-43e0-B8FC-AC1667EBCBE1}">
-                    <a14:hiddenEffects xmlns="" xmlns:a14="http://schemas.microsoft.com/office/drawing/2010/main">
+                    <a14:hiddenEffects xmlns:a14="http://schemas.microsoft.com/office/drawing/2010/main" xmlns="">
                       <a:effectLst>
                         <a:outerShdw blurRad="63500" dist="38099" dir="2700000" algn="ctr" rotWithShape="0">
                           <a:schemeClr val="bg2">
@@ -3218,12 +3218,12 @@
                 <a:effectLst/>
                 <a:extLst>
                   <a:ext uri="{909E8E84-426E-40dd-AFC4-6F175D3DCCD1}">
-                    <a14:hiddenFill xmlns="" xmlns:a14="http://schemas.microsoft.com/office/drawing/2010/main">
+                    <a14:hiddenFill xmlns:a14="http://schemas.microsoft.com/office/drawing/2010/main" xmlns="">
                       <a:noFill/>
                     </a14:hiddenFill>
                   </a:ext>
                   <a:ext uri="{AF507438-7753-43e0-B8FC-AC1667EBCBE1}">
-                    <a14:hiddenEffects xmlns="" xmlns:a14="http://schemas.microsoft.com/office/drawing/2010/main">
+                    <a14:hiddenEffects xmlns:a14="http://schemas.microsoft.com/office/drawing/2010/main" xmlns="">
                       <a:effectLst>
                         <a:outerShdw blurRad="63500" dist="38099" dir="2700000" algn="ctr" rotWithShape="0">
                           <a:schemeClr val="bg2">
@@ -3276,12 +3276,12 @@
                 <a:effectLst/>
                 <a:extLst>
                   <a:ext uri="{909E8E84-426E-40dd-AFC4-6F175D3DCCD1}">
-                    <a14:hiddenFill xmlns="" xmlns:a14="http://schemas.microsoft.com/office/drawing/2010/main">
+                    <a14:hiddenFill xmlns:a14="http://schemas.microsoft.com/office/drawing/2010/main" xmlns="">
                       <a:noFill/>
                     </a14:hiddenFill>
                   </a:ext>
                   <a:ext uri="{AF507438-7753-43e0-B8FC-AC1667EBCBE1}">
-                    <a14:hiddenEffects xmlns="" xmlns:a14="http://schemas.microsoft.com/office/drawing/2010/main">
+                    <a14:hiddenEffects xmlns:a14="http://schemas.microsoft.com/office/drawing/2010/main" xmlns="">
                       <a:effectLst>
                         <a:outerShdw blurRad="63500" dist="38099" dir="2700000" algn="ctr" rotWithShape="0">
                           <a:schemeClr val="bg2">
@@ -3334,12 +3334,12 @@
                 <a:effectLst/>
                 <a:extLst>
                   <a:ext uri="{909E8E84-426E-40dd-AFC4-6F175D3DCCD1}">
-                    <a14:hiddenFill xmlns="" xmlns:a14="http://schemas.microsoft.com/office/drawing/2010/main">
+                    <a14:hiddenFill xmlns:a14="http://schemas.microsoft.com/office/drawing/2010/main" xmlns="">
                       <a:noFill/>
                     </a14:hiddenFill>
                   </a:ext>
                   <a:ext uri="{AF507438-7753-43e0-B8FC-AC1667EBCBE1}">
-                    <a14:hiddenEffects xmlns="" xmlns:a14="http://schemas.microsoft.com/office/drawing/2010/main">
+                    <a14:hiddenEffects xmlns:a14="http://schemas.microsoft.com/office/drawing/2010/main" xmlns="">
                       <a:effectLst>
                         <a:outerShdw blurRad="63500" dist="38099" dir="2700000" algn="ctr" rotWithShape="0">
                           <a:schemeClr val="bg2">
@@ -3392,12 +3392,12 @@
                 <a:effectLst/>
                 <a:extLst>
                   <a:ext uri="{909E8E84-426E-40dd-AFC4-6F175D3DCCD1}">
-                    <a14:hiddenFill xmlns="" xmlns:a14="http://schemas.microsoft.com/office/drawing/2010/main">
+                    <a14:hiddenFill xmlns:a14="http://schemas.microsoft.com/office/drawing/2010/main" xmlns="">
                       <a:noFill/>
                     </a14:hiddenFill>
                   </a:ext>
                   <a:ext uri="{AF507438-7753-43e0-B8FC-AC1667EBCBE1}">
-                    <a14:hiddenEffects xmlns="" xmlns:a14="http://schemas.microsoft.com/office/drawing/2010/main">
+                    <a14:hiddenEffects xmlns:a14="http://schemas.microsoft.com/office/drawing/2010/main" xmlns="">
                       <a:effectLst>
                         <a:outerShdw blurRad="63500" dist="38099" dir="2700000" algn="ctr" rotWithShape="0">
                           <a:schemeClr val="bg2">
@@ -3450,12 +3450,12 @@
                 <a:effectLst/>
                 <a:extLst>
                   <a:ext uri="{909E8E84-426E-40dd-AFC4-6F175D3DCCD1}">
-                    <a14:hiddenFill xmlns="" xmlns:a14="http://schemas.microsoft.com/office/drawing/2010/main">
+                    <a14:hiddenFill xmlns:a14="http://schemas.microsoft.com/office/drawing/2010/main" xmlns="">
                       <a:noFill/>
                     </a14:hiddenFill>
                   </a:ext>
                   <a:ext uri="{AF507438-7753-43e0-B8FC-AC1667EBCBE1}">
-                    <a14:hiddenEffects xmlns="" xmlns:a14="http://schemas.microsoft.com/office/drawing/2010/main">
+                    <a14:hiddenEffects xmlns:a14="http://schemas.microsoft.com/office/drawing/2010/main" xmlns="">
                       <a:effectLst>
                         <a:outerShdw blurRad="63500" dist="38099" dir="2700000" algn="ctr" rotWithShape="0">
                           <a:schemeClr val="bg2">
@@ -3508,12 +3508,12 @@
                 <a:effectLst/>
                 <a:extLst>
                   <a:ext uri="{909E8E84-426E-40dd-AFC4-6F175D3DCCD1}">
-                    <a14:hiddenFill xmlns="" xmlns:a14="http://schemas.microsoft.com/office/drawing/2010/main">
+                    <a14:hiddenFill xmlns:a14="http://schemas.microsoft.com/office/drawing/2010/main" xmlns="">
                       <a:noFill/>
                     </a14:hiddenFill>
                   </a:ext>
                   <a:ext uri="{AF507438-7753-43e0-B8FC-AC1667EBCBE1}">
-                    <a14:hiddenEffects xmlns="" xmlns:a14="http://schemas.microsoft.com/office/drawing/2010/main">
+                    <a14:hiddenEffects xmlns:a14="http://schemas.microsoft.com/office/drawing/2010/main" xmlns="">
                       <a:effectLst>
                         <a:outerShdw blurRad="63500" dist="38099" dir="2700000" algn="ctr" rotWithShape="0">
                           <a:schemeClr val="bg2">
@@ -3566,12 +3566,12 @@
                 <a:effectLst/>
                 <a:extLst>
                   <a:ext uri="{909E8E84-426E-40dd-AFC4-6F175D3DCCD1}">
-                    <a14:hiddenFill xmlns="" xmlns:a14="http://schemas.microsoft.com/office/drawing/2010/main">
+                    <a14:hiddenFill xmlns:a14="http://schemas.microsoft.com/office/drawing/2010/main" xmlns="">
                       <a:noFill/>
                     </a14:hiddenFill>
                   </a:ext>
                   <a:ext uri="{AF507438-7753-43e0-B8FC-AC1667EBCBE1}">
-                    <a14:hiddenEffects xmlns="" xmlns:a14="http://schemas.microsoft.com/office/drawing/2010/main">
+                    <a14:hiddenEffects xmlns:a14="http://schemas.microsoft.com/office/drawing/2010/main" xmlns="">
                       <a:effectLst>
                         <a:outerShdw blurRad="63500" dist="38099" dir="2700000" algn="ctr" rotWithShape="0">
                           <a:schemeClr val="bg2">
@@ -3624,12 +3624,12 @@
                 <a:effectLst/>
                 <a:extLst>
                   <a:ext uri="{909E8E84-426E-40dd-AFC4-6F175D3DCCD1}">
-                    <a14:hiddenFill xmlns="" xmlns:a14="http://schemas.microsoft.com/office/drawing/2010/main">
+                    <a14:hiddenFill xmlns:a14="http://schemas.microsoft.com/office/drawing/2010/main" xmlns="">
                       <a:noFill/>
                     </a14:hiddenFill>
                   </a:ext>
                   <a:ext uri="{AF507438-7753-43e0-B8FC-AC1667EBCBE1}">
-                    <a14:hiddenEffects xmlns="" xmlns:a14="http://schemas.microsoft.com/office/drawing/2010/main">
+                    <a14:hiddenEffects xmlns:a14="http://schemas.microsoft.com/office/drawing/2010/main" xmlns="">
                       <a:effectLst>
                         <a:outerShdw blurRad="63500" dist="38099" dir="2700000" algn="ctr" rotWithShape="0">
                           <a:schemeClr val="bg2">
@@ -3682,12 +3682,12 @@
                 <a:effectLst/>
                 <a:extLst>
                   <a:ext uri="{909E8E84-426E-40dd-AFC4-6F175D3DCCD1}">
-                    <a14:hiddenFill xmlns="" xmlns:a14="http://schemas.microsoft.com/office/drawing/2010/main">
+                    <a14:hiddenFill xmlns:a14="http://schemas.microsoft.com/office/drawing/2010/main" xmlns="">
                       <a:noFill/>
                     </a14:hiddenFill>
                   </a:ext>
                   <a:ext uri="{AF507438-7753-43e0-B8FC-AC1667EBCBE1}">
-                    <a14:hiddenEffects xmlns="" xmlns:a14="http://schemas.microsoft.com/office/drawing/2010/main">
+                    <a14:hiddenEffects xmlns:a14="http://schemas.microsoft.com/office/drawing/2010/main" xmlns="">
                       <a:effectLst>
                         <a:outerShdw blurRad="63500" dist="38099" dir="2700000" algn="ctr" rotWithShape="0">
                           <a:schemeClr val="bg2">
@@ -3740,12 +3740,12 @@
                 <a:effectLst/>
                 <a:extLst>
                   <a:ext uri="{909E8E84-426E-40dd-AFC4-6F175D3DCCD1}">
-                    <a14:hiddenFill xmlns="" xmlns:a14="http://schemas.microsoft.com/office/drawing/2010/main">
+                    <a14:hiddenFill xmlns:a14="http://schemas.microsoft.com/office/drawing/2010/main" xmlns="">
                       <a:noFill/>
                     </a14:hiddenFill>
                   </a:ext>
                   <a:ext uri="{AF507438-7753-43e0-B8FC-AC1667EBCBE1}">
-                    <a14:hiddenEffects xmlns="" xmlns:a14="http://schemas.microsoft.com/office/drawing/2010/main">
+                    <a14:hiddenEffects xmlns:a14="http://schemas.microsoft.com/office/drawing/2010/main" xmlns="">
                       <a:effectLst>
                         <a:outerShdw blurRad="63500" dist="38099" dir="2700000" algn="ctr" rotWithShape="0">
                           <a:schemeClr val="bg2">
@@ -3798,12 +3798,12 @@
                 <a:effectLst/>
                 <a:extLst>
                   <a:ext uri="{909E8E84-426E-40dd-AFC4-6F175D3DCCD1}">
-                    <a14:hiddenFill xmlns="" xmlns:a14="http://schemas.microsoft.com/office/drawing/2010/main">
+                    <a14:hiddenFill xmlns:a14="http://schemas.microsoft.com/office/drawing/2010/main" xmlns="">
                       <a:noFill/>
                     </a14:hiddenFill>
                   </a:ext>
                   <a:ext uri="{AF507438-7753-43e0-B8FC-AC1667EBCBE1}">
-                    <a14:hiddenEffects xmlns="" xmlns:a14="http://schemas.microsoft.com/office/drawing/2010/main">
+                    <a14:hiddenEffects xmlns:a14="http://schemas.microsoft.com/office/drawing/2010/main" xmlns="">
                       <a:effectLst>
                         <a:outerShdw blurRad="63500" dist="38099" dir="2700000" algn="ctr" rotWithShape="0">
                           <a:schemeClr val="bg2">
@@ -3856,12 +3856,12 @@
                 <a:effectLst/>
                 <a:extLst>
                   <a:ext uri="{909E8E84-426E-40dd-AFC4-6F175D3DCCD1}">
-                    <a14:hiddenFill xmlns="" xmlns:a14="http://schemas.microsoft.com/office/drawing/2010/main">
+                    <a14:hiddenFill xmlns:a14="http://schemas.microsoft.com/office/drawing/2010/main" xmlns="">
                       <a:noFill/>
                     </a14:hiddenFill>
                   </a:ext>
                   <a:ext uri="{AF507438-7753-43e0-B8FC-AC1667EBCBE1}">
-                    <a14:hiddenEffects xmlns="" xmlns:a14="http://schemas.microsoft.com/office/drawing/2010/main">
+                    <a14:hiddenEffects xmlns:a14="http://schemas.microsoft.com/office/drawing/2010/main" xmlns="">
                       <a:effectLst>
                         <a:outerShdw blurRad="63500" dist="38099" dir="2700000" algn="ctr" rotWithShape="0">
                           <a:schemeClr val="bg2">
@@ -3914,12 +3914,12 @@
                 <a:effectLst/>
                 <a:extLst>
                   <a:ext uri="{909E8E84-426E-40dd-AFC4-6F175D3DCCD1}">
-                    <a14:hiddenFill xmlns="" xmlns:a14="http://schemas.microsoft.com/office/drawing/2010/main">
+                    <a14:hiddenFill xmlns:a14="http://schemas.microsoft.com/office/drawing/2010/main" xmlns="">
                       <a:noFill/>
                     </a14:hiddenFill>
                   </a:ext>
                   <a:ext uri="{AF507438-7753-43e0-B8FC-AC1667EBCBE1}">
-                    <a14:hiddenEffects xmlns="" xmlns:a14="http://schemas.microsoft.com/office/drawing/2010/main">
+                    <a14:hiddenEffects xmlns:a14="http://schemas.microsoft.com/office/drawing/2010/main" xmlns="">
                       <a:effectLst>
                         <a:outerShdw blurRad="63500" dist="38099" dir="2700000" algn="ctr" rotWithShape="0">
                           <a:schemeClr val="bg2">
@@ -3972,12 +3972,12 @@
                 <a:effectLst/>
                 <a:extLst>
                   <a:ext uri="{909E8E84-426E-40dd-AFC4-6F175D3DCCD1}">
-                    <a14:hiddenFill xmlns="" xmlns:a14="http://schemas.microsoft.com/office/drawing/2010/main">
+                    <a14:hiddenFill xmlns:a14="http://schemas.microsoft.com/office/drawing/2010/main" xmlns="">
                       <a:noFill/>
                     </a14:hiddenFill>
                   </a:ext>
                   <a:ext uri="{AF507438-7753-43e0-B8FC-AC1667EBCBE1}">
-                    <a14:hiddenEffects xmlns="" xmlns:a14="http://schemas.microsoft.com/office/drawing/2010/main">
+                    <a14:hiddenEffects xmlns:a14="http://schemas.microsoft.com/office/drawing/2010/main" xmlns="">
                       <a:effectLst>
                         <a:outerShdw blurRad="63500" dist="38099" dir="2700000" algn="ctr" rotWithShape="0">
                           <a:schemeClr val="bg2">
@@ -4030,12 +4030,12 @@
                 <a:effectLst/>
                 <a:extLst>
                   <a:ext uri="{909E8E84-426E-40dd-AFC4-6F175D3DCCD1}">
-                    <a14:hiddenFill xmlns="" xmlns:a14="http://schemas.microsoft.com/office/drawing/2010/main">
+                    <a14:hiddenFill xmlns:a14="http://schemas.microsoft.com/office/drawing/2010/main" xmlns="">
                       <a:noFill/>
                     </a14:hiddenFill>
                   </a:ext>
                   <a:ext uri="{AF507438-7753-43e0-B8FC-AC1667EBCBE1}">
-                    <a14:hiddenEffects xmlns="" xmlns:a14="http://schemas.microsoft.com/office/drawing/2010/main">
+                    <a14:hiddenEffects xmlns:a14="http://schemas.microsoft.com/office/drawing/2010/main" xmlns="">
                       <a:effectLst>
                         <a:outerShdw blurRad="63500" dist="38099" dir="2700000" algn="ctr" rotWithShape="0">
                           <a:schemeClr val="bg2">
@@ -4088,12 +4088,12 @@
                 <a:effectLst/>
                 <a:extLst>
                   <a:ext uri="{909E8E84-426E-40dd-AFC4-6F175D3DCCD1}">
-                    <a14:hiddenFill xmlns="" xmlns:a14="http://schemas.microsoft.com/office/drawing/2010/main">
+                    <a14:hiddenFill xmlns:a14="http://schemas.microsoft.com/office/drawing/2010/main" xmlns="">
                       <a:noFill/>
                     </a14:hiddenFill>
                   </a:ext>
                   <a:ext uri="{AF507438-7753-43e0-B8FC-AC1667EBCBE1}">
-                    <a14:hiddenEffects xmlns="" xmlns:a14="http://schemas.microsoft.com/office/drawing/2010/main">
+                    <a14:hiddenEffects xmlns:a14="http://schemas.microsoft.com/office/drawing/2010/main" xmlns="">
                       <a:effectLst>
                         <a:outerShdw blurRad="63500" dist="38099" dir="2700000" algn="ctr" rotWithShape="0">
                           <a:schemeClr val="bg2">
@@ -4146,12 +4146,12 @@
                 <a:effectLst/>
                 <a:extLst>
                   <a:ext uri="{909E8E84-426E-40dd-AFC4-6F175D3DCCD1}">
-                    <a14:hiddenFill xmlns="" xmlns:a14="http://schemas.microsoft.com/office/drawing/2010/main">
+                    <a14:hiddenFill xmlns:a14="http://schemas.microsoft.com/office/drawing/2010/main" xmlns="">
                       <a:noFill/>
                     </a14:hiddenFill>
                   </a:ext>
                   <a:ext uri="{AF507438-7753-43e0-B8FC-AC1667EBCBE1}">
-                    <a14:hiddenEffects xmlns="" xmlns:a14="http://schemas.microsoft.com/office/drawing/2010/main">
+                    <a14:hiddenEffects xmlns:a14="http://schemas.microsoft.com/office/drawing/2010/main" xmlns="">
                       <a:effectLst>
                         <a:outerShdw blurRad="63500" dist="38099" dir="2700000" algn="ctr" rotWithShape="0">
                           <a:schemeClr val="bg2">
@@ -4204,12 +4204,12 @@
                 <a:effectLst/>
                 <a:extLst>
                   <a:ext uri="{909E8E84-426E-40dd-AFC4-6F175D3DCCD1}">
-                    <a14:hiddenFill xmlns="" xmlns:a14="http://schemas.microsoft.com/office/drawing/2010/main">
+                    <a14:hiddenFill xmlns:a14="http://schemas.microsoft.com/office/drawing/2010/main" xmlns="">
                       <a:noFill/>
                     </a14:hiddenFill>
                   </a:ext>
                   <a:ext uri="{AF507438-7753-43e0-B8FC-AC1667EBCBE1}">
-                    <a14:hiddenEffects xmlns="" xmlns:a14="http://schemas.microsoft.com/office/drawing/2010/main">
+                    <a14:hiddenEffects xmlns:a14="http://schemas.microsoft.com/office/drawing/2010/main" xmlns="">
                       <a:effectLst>
                         <a:outerShdw blurRad="63500" dist="38099" dir="2700000" algn="ctr" rotWithShape="0">
                           <a:schemeClr val="bg2">
@@ -4258,12 +4258,12 @@
               <a:effectLst/>
               <a:extLst>
                 <a:ext uri="{909E8E84-426E-40dd-AFC4-6F175D3DCCD1}">
-                  <a14:hiddenFill xmlns="" xmlns:a14="http://schemas.microsoft.com/office/drawing/2010/main">
+                  <a14:hiddenFill xmlns:a14="http://schemas.microsoft.com/office/drawing/2010/main" xmlns="">
                     <a:noFill/>
                   </a14:hiddenFill>
                 </a:ext>
                 <a:ext uri="{AF507438-7753-43e0-B8FC-AC1667EBCBE1}">
-                  <a14:hiddenEffects xmlns="" xmlns:a14="http://schemas.microsoft.com/office/drawing/2010/main">
+                  <a14:hiddenEffects xmlns:a14="http://schemas.microsoft.com/office/drawing/2010/main" xmlns="">
                     <a:effectLst>
                       <a:outerShdw blurRad="63500" dist="38099" dir="2700000" algn="ctr" rotWithShape="0">
                         <a:schemeClr val="bg2">
@@ -4328,12 +4328,12 @@
               <a:effectLst/>
               <a:extLst>
                 <a:ext uri="{909E8E84-426E-40dd-AFC4-6F175D3DCCD1}">
-                  <a14:hiddenFill xmlns="" xmlns:a14="http://schemas.microsoft.com/office/drawing/2010/main">
+                  <a14:hiddenFill xmlns:a14="http://schemas.microsoft.com/office/drawing/2010/main" xmlns="">
                     <a:noFill/>
                   </a14:hiddenFill>
                 </a:ext>
                 <a:ext uri="{AF507438-7753-43e0-B8FC-AC1667EBCBE1}">
-                  <a14:hiddenEffects xmlns="" xmlns:a14="http://schemas.microsoft.com/office/drawing/2010/main">
+                  <a14:hiddenEffects xmlns:a14="http://schemas.microsoft.com/office/drawing/2010/main" xmlns="">
                     <a:effectLst>
                       <a:outerShdw blurRad="63500" dist="38099" dir="2700000" algn="ctr" rotWithShape="0">
                         <a:schemeClr val="bg2">
@@ -4381,12 +4381,12 @@
               <a:effectLst/>
               <a:extLst>
                 <a:ext uri="{909E8E84-426E-40dd-AFC4-6F175D3DCCD1}">
-                  <a14:hiddenFill xmlns="" xmlns:a14="http://schemas.microsoft.com/office/drawing/2010/main">
+                  <a14:hiddenFill xmlns:a14="http://schemas.microsoft.com/office/drawing/2010/main" xmlns="">
                     <a:noFill/>
                   </a14:hiddenFill>
                 </a:ext>
                 <a:ext uri="{AF507438-7753-43e0-B8FC-AC1667EBCBE1}">
-                  <a14:hiddenEffects xmlns="" xmlns:a14="http://schemas.microsoft.com/office/drawing/2010/main">
+                  <a14:hiddenEffects xmlns:a14="http://schemas.microsoft.com/office/drawing/2010/main" xmlns="">
                     <a:effectLst>
                       <a:outerShdw blurRad="63500" dist="38099" dir="2700000" algn="ctr" rotWithShape="0">
                         <a:schemeClr val="bg2">
@@ -4434,12 +4434,12 @@
               <a:effectLst/>
               <a:extLst>
                 <a:ext uri="{909E8E84-426E-40dd-AFC4-6F175D3DCCD1}">
-                  <a14:hiddenFill xmlns="" xmlns:a14="http://schemas.microsoft.com/office/drawing/2010/main">
+                  <a14:hiddenFill xmlns:a14="http://schemas.microsoft.com/office/drawing/2010/main" xmlns="">
                     <a:noFill/>
                   </a14:hiddenFill>
                 </a:ext>
                 <a:ext uri="{AF507438-7753-43e0-B8FC-AC1667EBCBE1}">
-                  <a14:hiddenEffects xmlns="" xmlns:a14="http://schemas.microsoft.com/office/drawing/2010/main">
+                  <a14:hiddenEffects xmlns:a14="http://schemas.microsoft.com/office/drawing/2010/main" xmlns="">
                     <a:effectLst>
                       <a:outerShdw blurRad="63500" dist="38099" dir="2700000" algn="ctr" rotWithShape="0">
                         <a:schemeClr val="bg2">
@@ -4567,14 +4567,14 @@
               <a:effectLst/>
               <a:extLst>
                 <a:ext uri="{909E8E84-426E-40dd-AFC4-6F175D3DCCD1}">
-                  <a14:hiddenFill xmlns="" xmlns:a14="http://schemas.microsoft.com/office/drawing/2010/main">
+                  <a14:hiddenFill xmlns:a14="http://schemas.microsoft.com/office/drawing/2010/main" xmlns="">
                     <a:solidFill>
                       <a:schemeClr val="accent1"/>
                     </a:solidFill>
                   </a14:hiddenFill>
                 </a:ext>
                 <a:ext uri="{AF507438-7753-43e0-B8FC-AC1667EBCBE1}">
-                  <a14:hiddenEffects xmlns="" xmlns:a14="http://schemas.microsoft.com/office/drawing/2010/main">
+                  <a14:hiddenEffects xmlns:a14="http://schemas.microsoft.com/office/drawing/2010/main" xmlns="">
                     <a:effectLst>
                       <a:outerShdw blurRad="63500" dist="38099" dir="2700000" algn="ctr" rotWithShape="0">
                         <a:schemeClr val="bg2">
@@ -4639,12 +4639,12 @@
               <a:effectLst/>
               <a:extLst>
                 <a:ext uri="{909E8E84-426E-40dd-AFC4-6F175D3DCCD1}">
-                  <a14:hiddenFill xmlns="" xmlns:a14="http://schemas.microsoft.com/office/drawing/2010/main">
+                  <a14:hiddenFill xmlns:a14="http://schemas.microsoft.com/office/drawing/2010/main" xmlns="">
                     <a:noFill/>
                   </a14:hiddenFill>
                 </a:ext>
                 <a:ext uri="{AF507438-7753-43e0-B8FC-AC1667EBCBE1}">
-                  <a14:hiddenEffects xmlns="" xmlns:a14="http://schemas.microsoft.com/office/drawing/2010/main">
+                  <a14:hiddenEffects xmlns:a14="http://schemas.microsoft.com/office/drawing/2010/main" xmlns="">
                     <a:effectLst>
                       <a:outerShdw blurRad="63500" dist="38099" dir="2700000" algn="ctr" rotWithShape="0">
                         <a:schemeClr val="bg2">
@@ -4692,12 +4692,12 @@
               <a:effectLst/>
               <a:extLst>
                 <a:ext uri="{909E8E84-426E-40dd-AFC4-6F175D3DCCD1}">
-                  <a14:hiddenFill xmlns="" xmlns:a14="http://schemas.microsoft.com/office/drawing/2010/main">
+                  <a14:hiddenFill xmlns:a14="http://schemas.microsoft.com/office/drawing/2010/main" xmlns="">
                     <a:noFill/>
                   </a14:hiddenFill>
                 </a:ext>
                 <a:ext uri="{AF507438-7753-43e0-B8FC-AC1667EBCBE1}">
-                  <a14:hiddenEffects xmlns="" xmlns:a14="http://schemas.microsoft.com/office/drawing/2010/main">
+                  <a14:hiddenEffects xmlns:a14="http://schemas.microsoft.com/office/drawing/2010/main" xmlns="">
                     <a:effectLst>
                       <a:outerShdw blurRad="63500" dist="38099" dir="2700000" algn="ctr" rotWithShape="0">
                         <a:schemeClr val="bg2">
@@ -4825,14 +4825,14 @@
               <a:effectLst/>
               <a:extLst>
                 <a:ext uri="{909E8E84-426E-40dd-AFC4-6F175D3DCCD1}">
-                  <a14:hiddenFill xmlns="" xmlns:a14="http://schemas.microsoft.com/office/drawing/2010/main">
+                  <a14:hiddenFill xmlns:a14="http://schemas.microsoft.com/office/drawing/2010/main" xmlns="">
                     <a:solidFill>
                       <a:schemeClr val="accent1"/>
                     </a:solidFill>
                   </a14:hiddenFill>
                 </a:ext>
                 <a:ext uri="{AF507438-7753-43e0-B8FC-AC1667EBCBE1}">
-                  <a14:hiddenEffects xmlns="" xmlns:a14="http://schemas.microsoft.com/office/drawing/2010/main">
+                  <a14:hiddenEffects xmlns:a14="http://schemas.microsoft.com/office/drawing/2010/main" xmlns="">
                     <a:effectLst>
                       <a:outerShdw blurRad="63500" dist="38099" dir="2700000" algn="ctr" rotWithShape="0">
                         <a:schemeClr val="bg2">
@@ -4880,7 +4880,7 @@
           <a:p>
             <a:pPr lvl="0"/>
             <a:r>
-              <a:rPr lang="en-US" noProof="0" smtClean="0"/>
+              <a:rPr lang="en-US" noProof="0"/>
               <a:t>Click to edit Master title style</a:t>
             </a:r>
           </a:p>
@@ -4914,7 +4914,7 @@
           <a:p>
             <a:pPr lvl="0"/>
             <a:r>
-              <a:rPr lang="en-US" noProof="0" smtClean="0"/>
+              <a:rPr lang="en-US" noProof="0"/>
               <a:t>Click to edit Master subtitle style</a:t>
             </a:r>
           </a:p>
@@ -4941,17 +4941,17 @@
           <a:noFill/>
           <a:extLst>
             <a:ext uri="{FAA26D3D-D897-4be2-8F04-BA451C77F1D7}">
-              <ma14:placeholderFlag xmlns:ma14="http://schemas.microsoft.com/office/mac/drawingml/2011/main" val="1"/>
+              <ma14:placeholderFlag xmlns:ma14="http://schemas.microsoft.com/office/mac/drawingml/2011/main" xmlns="" val="1"/>
             </a:ext>
             <a:ext uri="{909E8E84-426E-40dd-AFC4-6F175D3DCCD1}">
-              <a14:hiddenFill xmlns="" xmlns:a14="http://schemas.microsoft.com/office/drawing/2010/main">
+              <a14:hiddenFill xmlns:a14="http://schemas.microsoft.com/office/drawing/2010/main" xmlns="">
                 <a:solidFill>
                   <a:schemeClr val="accent1"/>
                 </a:solidFill>
               </a14:hiddenFill>
             </a:ext>
             <a:ext uri="{91240B29-F687-4f45-9708-019B960494DF}">
-              <a14:hiddenLine xmlns="" xmlns:a14="http://schemas.microsoft.com/office/drawing/2010/main" w="9525">
+              <a14:hiddenLine xmlns:a14="http://schemas.microsoft.com/office/drawing/2010/main" xmlns="" w="9525">
                 <a:solidFill>
                   <a:schemeClr val="tx1"/>
                 </a:solidFill>
@@ -4961,7 +4961,7 @@
               </a14:hiddenLine>
             </a:ext>
             <a:ext uri="{AF507438-7753-43e0-B8FC-AC1667EBCBE1}">
-              <a14:hiddenEffects xmlns="" xmlns:a14="http://schemas.microsoft.com/office/drawing/2010/main">
+              <a14:hiddenEffects xmlns:a14="http://schemas.microsoft.com/office/drawing/2010/main" xmlns="">
                 <a:effectLst>
                   <a:outerShdw blurRad="63500" dist="38099" dir="2700000" algn="ctr" rotWithShape="0">
                     <a:schemeClr val="bg2">
@@ -5082,10 +5082,9 @@
           <a:lstStyle/>
           <a:p>
             <a:r>
-              <a:rPr lang="en-US" smtClean="0"/>
+              <a:rPr lang="en-US"/>
               <a:t>Click to edit Master title style</a:t>
             </a:r>
-            <a:endParaRPr lang="en-US"/>
           </a:p>
         </p:txBody>
       </p:sp>
@@ -5106,38 +5105,37 @@
           <a:p>
             <a:pPr lvl="0"/>
             <a:r>
-              <a:rPr lang="en-US" smtClean="0"/>
+              <a:rPr lang="en-US"/>
               <a:t>Click to edit Master text styles</a:t>
             </a:r>
           </a:p>
           <a:p>
             <a:pPr lvl="1"/>
             <a:r>
-              <a:rPr lang="en-US" smtClean="0"/>
+              <a:rPr lang="en-US"/>
               <a:t>Second level</a:t>
             </a:r>
           </a:p>
           <a:p>
             <a:pPr lvl="2"/>
             <a:r>
-              <a:rPr lang="en-US" smtClean="0"/>
+              <a:rPr lang="en-US"/>
               <a:t>Third level</a:t>
             </a:r>
           </a:p>
           <a:p>
             <a:pPr lvl="3"/>
             <a:r>
-              <a:rPr lang="en-US" smtClean="0"/>
+              <a:rPr lang="en-US"/>
               <a:t>Fourth level</a:t>
             </a:r>
           </a:p>
           <a:p>
             <a:pPr lvl="4"/>
             <a:r>
-              <a:rPr lang="en-US" smtClean="0"/>
+              <a:rPr lang="en-US"/>
               <a:t>Fifth level</a:t>
             </a:r>
-            <a:endParaRPr lang="en-US"/>
           </a:p>
         </p:txBody>
       </p:sp>
@@ -5244,10 +5242,9 @@
           <a:lstStyle/>
           <a:p>
             <a:r>
-              <a:rPr lang="en-US" smtClean="0"/>
+              <a:rPr lang="en-US"/>
               <a:t>Click to edit Master title style</a:t>
             </a:r>
-            <a:endParaRPr lang="en-US"/>
           </a:p>
         </p:txBody>
       </p:sp>
@@ -5273,38 +5270,37 @@
           <a:p>
             <a:pPr lvl="0"/>
             <a:r>
-              <a:rPr lang="en-US" smtClean="0"/>
+              <a:rPr lang="en-US"/>
               <a:t>Click to edit Master text styles</a:t>
             </a:r>
           </a:p>
           <a:p>
             <a:pPr lvl="1"/>
             <a:r>
-              <a:rPr lang="en-US" smtClean="0"/>
+              <a:rPr lang="en-US"/>
               <a:t>Second level</a:t>
             </a:r>
           </a:p>
           <a:p>
             <a:pPr lvl="2"/>
             <a:r>
-              <a:rPr lang="en-US" smtClean="0"/>
+              <a:rPr lang="en-US"/>
               <a:t>Third level</a:t>
             </a:r>
           </a:p>
           <a:p>
             <a:pPr lvl="3"/>
             <a:r>
-              <a:rPr lang="en-US" smtClean="0"/>
+              <a:rPr lang="en-US"/>
               <a:t>Fourth level</a:t>
             </a:r>
           </a:p>
           <a:p>
             <a:pPr lvl="4"/>
             <a:r>
-              <a:rPr lang="en-US" smtClean="0"/>
+              <a:rPr lang="en-US"/>
               <a:t>Fifth level</a:t>
             </a:r>
-            <a:endParaRPr lang="en-US"/>
           </a:p>
         </p:txBody>
       </p:sp>
@@ -5411,10 +5407,9 @@
           <a:lstStyle/>
           <a:p>
             <a:r>
-              <a:rPr lang="en-US" smtClean="0"/>
+              <a:rPr lang="en-US"/>
               <a:t>Click to edit Master title style</a:t>
             </a:r>
-            <a:endParaRPr lang="en-US"/>
           </a:p>
         </p:txBody>
       </p:sp>
@@ -5440,38 +5435,37 @@
           <a:p>
             <a:pPr lvl="0"/>
             <a:r>
-              <a:rPr lang="en-US" smtClean="0"/>
+              <a:rPr lang="en-US"/>
               <a:t>Click to edit Master text styles</a:t>
             </a:r>
           </a:p>
           <a:p>
             <a:pPr lvl="1"/>
             <a:r>
-              <a:rPr lang="en-US" smtClean="0"/>
+              <a:rPr lang="en-US"/>
               <a:t>Second level</a:t>
             </a:r>
           </a:p>
           <a:p>
             <a:pPr lvl="2"/>
             <a:r>
-              <a:rPr lang="en-US" smtClean="0"/>
+              <a:rPr lang="en-US"/>
               <a:t>Third level</a:t>
             </a:r>
           </a:p>
           <a:p>
             <a:pPr lvl="3"/>
             <a:r>
-              <a:rPr lang="en-US" smtClean="0"/>
+              <a:rPr lang="en-US"/>
               <a:t>Fourth level</a:t>
             </a:r>
           </a:p>
           <a:p>
             <a:pPr lvl="4"/>
             <a:r>
-              <a:rPr lang="en-US" smtClean="0"/>
+              <a:rPr lang="en-US"/>
               <a:t>Fifth level</a:t>
             </a:r>
-            <a:endParaRPr lang="en-US"/>
           </a:p>
         </p:txBody>
       </p:sp>
@@ -5497,38 +5491,37 @@
           <a:p>
             <a:pPr lvl="0"/>
             <a:r>
-              <a:rPr lang="en-US" smtClean="0"/>
+              <a:rPr lang="en-US"/>
               <a:t>Click to edit Master text styles</a:t>
             </a:r>
           </a:p>
           <a:p>
             <a:pPr lvl="1"/>
             <a:r>
-              <a:rPr lang="en-US" smtClean="0"/>
+              <a:rPr lang="en-US"/>
               <a:t>Second level</a:t>
             </a:r>
           </a:p>
           <a:p>
             <a:pPr lvl="2"/>
             <a:r>
-              <a:rPr lang="en-US" smtClean="0"/>
+              <a:rPr lang="en-US"/>
               <a:t>Third level</a:t>
             </a:r>
           </a:p>
           <a:p>
             <a:pPr lvl="3"/>
             <a:r>
-              <a:rPr lang="en-US" smtClean="0"/>
+              <a:rPr lang="en-US"/>
               <a:t>Fourth level</a:t>
             </a:r>
           </a:p>
           <a:p>
             <a:pPr lvl="4"/>
             <a:r>
-              <a:rPr lang="en-US" smtClean="0"/>
+              <a:rPr lang="en-US"/>
               <a:t>Fifth level</a:t>
             </a:r>
-            <a:endParaRPr lang="en-US"/>
           </a:p>
         </p:txBody>
       </p:sp>
@@ -5645,10 +5638,9 @@
           <a:lstStyle/>
           <a:p>
             <a:r>
-              <a:rPr lang="en-US" smtClean="0"/>
+              <a:rPr lang="en-US"/>
               <a:t>Click to edit Master title style</a:t>
             </a:r>
-            <a:endParaRPr lang="en-US"/>
           </a:p>
         </p:txBody>
       </p:sp>
@@ -5784,10 +5776,9 @@
           <a:lstStyle/>
           <a:p>
             <a:r>
-              <a:rPr lang="en-US" smtClean="0"/>
+              <a:rPr lang="en-US"/>
               <a:t>Click to edit Master title style</a:t>
             </a:r>
-            <a:endParaRPr lang="en-US"/>
           </a:p>
         </p:txBody>
       </p:sp>
@@ -5808,38 +5799,37 @@
           <a:p>
             <a:pPr lvl="0"/>
             <a:r>
-              <a:rPr lang="en-US" smtClean="0"/>
+              <a:rPr lang="en-US"/>
               <a:t>Click to edit Master text styles</a:t>
             </a:r>
           </a:p>
           <a:p>
             <a:pPr lvl="1"/>
             <a:r>
-              <a:rPr lang="en-US" smtClean="0"/>
+              <a:rPr lang="en-US"/>
               <a:t>Second level</a:t>
             </a:r>
           </a:p>
           <a:p>
             <a:pPr lvl="2"/>
             <a:r>
-              <a:rPr lang="en-US" smtClean="0"/>
+              <a:rPr lang="en-US"/>
               <a:t>Third level</a:t>
             </a:r>
           </a:p>
           <a:p>
             <a:pPr lvl="3"/>
             <a:r>
-              <a:rPr lang="en-US" smtClean="0"/>
+              <a:rPr lang="en-US"/>
               <a:t>Fourth level</a:t>
             </a:r>
           </a:p>
           <a:p>
             <a:pPr lvl="4"/>
             <a:r>
-              <a:rPr lang="en-US" smtClean="0"/>
+              <a:rPr lang="en-US"/>
               <a:t>Fifth level</a:t>
             </a:r>
-            <a:endParaRPr lang="en-US"/>
           </a:p>
         </p:txBody>
       </p:sp>
@@ -5950,10 +5940,9 @@
           </a:lstStyle>
           <a:p>
             <a:r>
-              <a:rPr lang="en-US" smtClean="0"/>
+              <a:rPr lang="en-US"/>
               <a:t>Click to edit Master title style</a:t>
             </a:r>
-            <a:endParaRPr lang="en-US"/>
           </a:p>
         </p:txBody>
       </p:sp>
@@ -6016,7 +6005,7 @@
           <a:p>
             <a:pPr lvl="0"/>
             <a:r>
-              <a:rPr lang="en-US" smtClean="0"/>
+              <a:rPr lang="en-US"/>
               <a:t>Click to edit Master text styles</a:t>
             </a:r>
           </a:p>
@@ -6120,10 +6109,9 @@
           <a:lstStyle/>
           <a:p>
             <a:r>
-              <a:rPr lang="en-US" smtClean="0"/>
+              <a:rPr lang="en-US"/>
               <a:t>Click to edit Master title style</a:t>
             </a:r>
-            <a:endParaRPr lang="en-US"/>
           </a:p>
         </p:txBody>
       </p:sp>
@@ -6177,38 +6165,37 @@
           <a:p>
             <a:pPr lvl="0"/>
             <a:r>
-              <a:rPr lang="en-US" smtClean="0"/>
+              <a:rPr lang="en-US"/>
               <a:t>Click to edit Master text styles</a:t>
             </a:r>
           </a:p>
           <a:p>
             <a:pPr lvl="1"/>
             <a:r>
-              <a:rPr lang="en-US" smtClean="0"/>
+              <a:rPr lang="en-US"/>
               <a:t>Second level</a:t>
             </a:r>
           </a:p>
           <a:p>
             <a:pPr lvl="2"/>
             <a:r>
-              <a:rPr lang="en-US" smtClean="0"/>
+              <a:rPr lang="en-US"/>
               <a:t>Third level</a:t>
             </a:r>
           </a:p>
           <a:p>
             <a:pPr lvl="3"/>
             <a:r>
-              <a:rPr lang="en-US" smtClean="0"/>
+              <a:rPr lang="en-US"/>
               <a:t>Fourth level</a:t>
             </a:r>
           </a:p>
           <a:p>
             <a:pPr lvl="4"/>
             <a:r>
-              <a:rPr lang="en-US" smtClean="0"/>
+              <a:rPr lang="en-US"/>
               <a:t>Fifth level</a:t>
             </a:r>
-            <a:endParaRPr lang="en-US"/>
           </a:p>
         </p:txBody>
       </p:sp>
@@ -6262,38 +6249,37 @@
           <a:p>
             <a:pPr lvl="0"/>
             <a:r>
-              <a:rPr lang="en-US" smtClean="0"/>
+              <a:rPr lang="en-US"/>
               <a:t>Click to edit Master text styles</a:t>
             </a:r>
           </a:p>
           <a:p>
             <a:pPr lvl="1"/>
             <a:r>
-              <a:rPr lang="en-US" smtClean="0"/>
+              <a:rPr lang="en-US"/>
               <a:t>Second level</a:t>
             </a:r>
           </a:p>
           <a:p>
             <a:pPr lvl="2"/>
             <a:r>
-              <a:rPr lang="en-US" smtClean="0"/>
+              <a:rPr lang="en-US"/>
               <a:t>Third level</a:t>
             </a:r>
           </a:p>
           <a:p>
             <a:pPr lvl="3"/>
             <a:r>
-              <a:rPr lang="en-US" smtClean="0"/>
+              <a:rPr lang="en-US"/>
               <a:t>Fourth level</a:t>
             </a:r>
           </a:p>
           <a:p>
             <a:pPr lvl="4"/>
             <a:r>
-              <a:rPr lang="en-US" smtClean="0"/>
+              <a:rPr lang="en-US"/>
               <a:t>Fifth level</a:t>
             </a:r>
-            <a:endParaRPr lang="en-US"/>
           </a:p>
         </p:txBody>
       </p:sp>
@@ -6404,10 +6390,9 @@
           </a:lstStyle>
           <a:p>
             <a:r>
-              <a:rPr lang="en-US" smtClean="0"/>
+              <a:rPr lang="en-US"/>
               <a:t>Click to edit Master title style</a:t>
             </a:r>
-            <a:endParaRPr lang="en-US"/>
           </a:p>
         </p:txBody>
       </p:sp>
@@ -6470,7 +6455,7 @@
           <a:p>
             <a:pPr lvl="0"/>
             <a:r>
-              <a:rPr lang="en-US" smtClean="0"/>
+              <a:rPr lang="en-US"/>
               <a:t>Click to edit Master text styles</a:t>
             </a:r>
           </a:p>
@@ -6526,38 +6511,37 @@
           <a:p>
             <a:pPr lvl="0"/>
             <a:r>
-              <a:rPr lang="en-US" smtClean="0"/>
+              <a:rPr lang="en-US"/>
               <a:t>Click to edit Master text styles</a:t>
             </a:r>
           </a:p>
           <a:p>
             <a:pPr lvl="1"/>
             <a:r>
-              <a:rPr lang="en-US" smtClean="0"/>
+              <a:rPr lang="en-US"/>
               <a:t>Second level</a:t>
             </a:r>
           </a:p>
           <a:p>
             <a:pPr lvl="2"/>
             <a:r>
-              <a:rPr lang="en-US" smtClean="0"/>
+              <a:rPr lang="en-US"/>
               <a:t>Third level</a:t>
             </a:r>
           </a:p>
           <a:p>
             <a:pPr lvl="3"/>
             <a:r>
-              <a:rPr lang="en-US" smtClean="0"/>
+              <a:rPr lang="en-US"/>
               <a:t>Fourth level</a:t>
             </a:r>
           </a:p>
           <a:p>
             <a:pPr lvl="4"/>
             <a:r>
-              <a:rPr lang="en-US" smtClean="0"/>
+              <a:rPr lang="en-US"/>
               <a:t>Fifth level</a:t>
             </a:r>
-            <a:endParaRPr lang="en-US"/>
           </a:p>
         </p:txBody>
       </p:sp>
@@ -6620,7 +6604,7 @@
           <a:p>
             <a:pPr lvl="0"/>
             <a:r>
-              <a:rPr lang="en-US" smtClean="0"/>
+              <a:rPr lang="en-US"/>
               <a:t>Click to edit Master text styles</a:t>
             </a:r>
           </a:p>
@@ -6676,38 +6660,37 @@
           <a:p>
             <a:pPr lvl="0"/>
             <a:r>
-              <a:rPr lang="en-US" smtClean="0"/>
+              <a:rPr lang="en-US"/>
               <a:t>Click to edit Master text styles</a:t>
             </a:r>
           </a:p>
           <a:p>
             <a:pPr lvl="1"/>
             <a:r>
-              <a:rPr lang="en-US" smtClean="0"/>
+              <a:rPr lang="en-US"/>
               <a:t>Second level</a:t>
             </a:r>
           </a:p>
           <a:p>
             <a:pPr lvl="2"/>
             <a:r>
-              <a:rPr lang="en-US" smtClean="0"/>
+              <a:rPr lang="en-US"/>
               <a:t>Third level</a:t>
             </a:r>
           </a:p>
           <a:p>
             <a:pPr lvl="3"/>
             <a:r>
-              <a:rPr lang="en-US" smtClean="0"/>
+              <a:rPr lang="en-US"/>
               <a:t>Fourth level</a:t>
             </a:r>
           </a:p>
           <a:p>
             <a:pPr lvl="4"/>
             <a:r>
-              <a:rPr lang="en-US" smtClean="0"/>
+              <a:rPr lang="en-US"/>
               <a:t>Fifth level</a:t>
             </a:r>
-            <a:endParaRPr lang="en-US"/>
           </a:p>
         </p:txBody>
       </p:sp>
@@ -6809,10 +6792,9 @@
           <a:lstStyle/>
           <a:p>
             <a:r>
-              <a:rPr lang="en-US" smtClean="0"/>
+              <a:rPr lang="en-US"/>
               <a:t>Click to edit Master title style</a:t>
             </a:r>
-            <a:endParaRPr lang="en-US"/>
           </a:p>
         </p:txBody>
       </p:sp>
@@ -7005,10 +6987,9 @@
           </a:lstStyle>
           <a:p>
             <a:r>
-              <a:rPr lang="en-US" smtClean="0"/>
+              <a:rPr lang="en-US"/>
               <a:t>Click to edit Master title style</a:t>
             </a:r>
-            <a:endParaRPr lang="en-US"/>
           </a:p>
         </p:txBody>
       </p:sp>
@@ -7062,38 +7043,37 @@
           <a:p>
             <a:pPr lvl="0"/>
             <a:r>
-              <a:rPr lang="en-US" smtClean="0"/>
+              <a:rPr lang="en-US"/>
               <a:t>Click to edit Master text styles</a:t>
             </a:r>
           </a:p>
           <a:p>
             <a:pPr lvl="1"/>
             <a:r>
-              <a:rPr lang="en-US" smtClean="0"/>
+              <a:rPr lang="en-US"/>
               <a:t>Second level</a:t>
             </a:r>
           </a:p>
           <a:p>
             <a:pPr lvl="2"/>
             <a:r>
-              <a:rPr lang="en-US" smtClean="0"/>
+              <a:rPr lang="en-US"/>
               <a:t>Third level</a:t>
             </a:r>
           </a:p>
           <a:p>
             <a:pPr lvl="3"/>
             <a:r>
-              <a:rPr lang="en-US" smtClean="0"/>
+              <a:rPr lang="en-US"/>
               <a:t>Fourth level</a:t>
             </a:r>
           </a:p>
           <a:p>
             <a:pPr lvl="4"/>
             <a:r>
-              <a:rPr lang="en-US" smtClean="0"/>
+              <a:rPr lang="en-US"/>
               <a:t>Fifth level</a:t>
             </a:r>
-            <a:endParaRPr lang="en-US"/>
           </a:p>
         </p:txBody>
       </p:sp>
@@ -7156,7 +7136,7 @@
           <a:p>
             <a:pPr lvl="0"/>
             <a:r>
-              <a:rPr lang="en-US" smtClean="0"/>
+              <a:rPr lang="en-US"/>
               <a:t>Click to edit Master text styles</a:t>
             </a:r>
           </a:p>
@@ -7269,10 +7249,9 @@
           </a:lstStyle>
           <a:p>
             <a:r>
-              <a:rPr lang="en-US" smtClean="0"/>
+              <a:rPr lang="en-US"/>
               <a:t>Click to edit Master title style</a:t>
             </a:r>
-            <a:endParaRPr lang="en-US"/>
           </a:p>
         </p:txBody>
       </p:sp>
@@ -7396,7 +7375,7 @@
           <a:p>
             <a:pPr lvl="0"/>
             <a:r>
-              <a:rPr lang="en-US" smtClean="0"/>
+              <a:rPr lang="en-US"/>
               <a:t>Click to edit Master text styles</a:t>
             </a:r>
           </a:p>
@@ -7573,12 +7552,12 @@
                 <a:effectLst/>
                 <a:extLst>
                   <a:ext uri="{909E8E84-426E-40dd-AFC4-6F175D3DCCD1}">
-                    <a14:hiddenFill xmlns="" xmlns:a14="http://schemas.microsoft.com/office/drawing/2010/main">
+                    <a14:hiddenFill xmlns:a14="http://schemas.microsoft.com/office/drawing/2010/main" xmlns="">
                       <a:noFill/>
                     </a14:hiddenFill>
                   </a:ext>
                   <a:ext uri="{AF507438-7753-43e0-B8FC-AC1667EBCBE1}">
-                    <a14:hiddenEffects xmlns="" xmlns:a14="http://schemas.microsoft.com/office/drawing/2010/main">
+                    <a14:hiddenEffects xmlns:a14="http://schemas.microsoft.com/office/drawing/2010/main" xmlns="">
                       <a:effectLst>
                         <a:outerShdw blurRad="63500" dist="38099" dir="2700000" algn="ctr" rotWithShape="0">
                           <a:schemeClr val="bg2">
@@ -7631,12 +7610,12 @@
                 <a:effectLst/>
                 <a:extLst>
                   <a:ext uri="{909E8E84-426E-40dd-AFC4-6F175D3DCCD1}">
-                    <a14:hiddenFill xmlns="" xmlns:a14="http://schemas.microsoft.com/office/drawing/2010/main">
+                    <a14:hiddenFill xmlns:a14="http://schemas.microsoft.com/office/drawing/2010/main" xmlns="">
                       <a:noFill/>
                     </a14:hiddenFill>
                   </a:ext>
                   <a:ext uri="{AF507438-7753-43e0-B8FC-AC1667EBCBE1}">
-                    <a14:hiddenEffects xmlns="" xmlns:a14="http://schemas.microsoft.com/office/drawing/2010/main">
+                    <a14:hiddenEffects xmlns:a14="http://schemas.microsoft.com/office/drawing/2010/main" xmlns="">
                       <a:effectLst>
                         <a:outerShdw blurRad="63500" dist="38099" dir="2700000" algn="ctr" rotWithShape="0">
                           <a:schemeClr val="bg2">
@@ -7689,12 +7668,12 @@
                 <a:effectLst/>
                 <a:extLst>
                   <a:ext uri="{909E8E84-426E-40dd-AFC4-6F175D3DCCD1}">
-                    <a14:hiddenFill xmlns="" xmlns:a14="http://schemas.microsoft.com/office/drawing/2010/main">
+                    <a14:hiddenFill xmlns:a14="http://schemas.microsoft.com/office/drawing/2010/main" xmlns="">
                       <a:noFill/>
                     </a14:hiddenFill>
                   </a:ext>
                   <a:ext uri="{AF507438-7753-43e0-B8FC-AC1667EBCBE1}">
-                    <a14:hiddenEffects xmlns="" xmlns:a14="http://schemas.microsoft.com/office/drawing/2010/main">
+                    <a14:hiddenEffects xmlns:a14="http://schemas.microsoft.com/office/drawing/2010/main" xmlns="">
                       <a:effectLst>
                         <a:outerShdw blurRad="63500" dist="38099" dir="2700000" algn="ctr" rotWithShape="0">
                           <a:schemeClr val="bg2">
@@ -7747,12 +7726,12 @@
                 <a:effectLst/>
                 <a:extLst>
                   <a:ext uri="{909E8E84-426E-40dd-AFC4-6F175D3DCCD1}">
-                    <a14:hiddenFill xmlns="" xmlns:a14="http://schemas.microsoft.com/office/drawing/2010/main">
+                    <a14:hiddenFill xmlns:a14="http://schemas.microsoft.com/office/drawing/2010/main" xmlns="">
                       <a:noFill/>
                     </a14:hiddenFill>
                   </a:ext>
                   <a:ext uri="{AF507438-7753-43e0-B8FC-AC1667EBCBE1}">
-                    <a14:hiddenEffects xmlns="" xmlns:a14="http://schemas.microsoft.com/office/drawing/2010/main">
+                    <a14:hiddenEffects xmlns:a14="http://schemas.microsoft.com/office/drawing/2010/main" xmlns="">
                       <a:effectLst>
                         <a:outerShdw blurRad="63500" dist="38099" dir="2700000" algn="ctr" rotWithShape="0">
                           <a:schemeClr val="bg2">
@@ -7805,12 +7784,12 @@
                 <a:effectLst/>
                 <a:extLst>
                   <a:ext uri="{909E8E84-426E-40dd-AFC4-6F175D3DCCD1}">
-                    <a14:hiddenFill xmlns="" xmlns:a14="http://schemas.microsoft.com/office/drawing/2010/main">
+                    <a14:hiddenFill xmlns:a14="http://schemas.microsoft.com/office/drawing/2010/main" xmlns="">
                       <a:noFill/>
                     </a14:hiddenFill>
                   </a:ext>
                   <a:ext uri="{AF507438-7753-43e0-B8FC-AC1667EBCBE1}">
-                    <a14:hiddenEffects xmlns="" xmlns:a14="http://schemas.microsoft.com/office/drawing/2010/main">
+                    <a14:hiddenEffects xmlns:a14="http://schemas.microsoft.com/office/drawing/2010/main" xmlns="">
                       <a:effectLst>
                         <a:outerShdw blurRad="63500" dist="38099" dir="2700000" algn="ctr" rotWithShape="0">
                           <a:schemeClr val="bg2">
@@ -7863,12 +7842,12 @@
                 <a:effectLst/>
                 <a:extLst>
                   <a:ext uri="{909E8E84-426E-40dd-AFC4-6F175D3DCCD1}">
-                    <a14:hiddenFill xmlns="" xmlns:a14="http://schemas.microsoft.com/office/drawing/2010/main">
+                    <a14:hiddenFill xmlns:a14="http://schemas.microsoft.com/office/drawing/2010/main" xmlns="">
                       <a:noFill/>
                     </a14:hiddenFill>
                   </a:ext>
                   <a:ext uri="{AF507438-7753-43e0-B8FC-AC1667EBCBE1}">
-                    <a14:hiddenEffects xmlns="" xmlns:a14="http://schemas.microsoft.com/office/drawing/2010/main">
+                    <a14:hiddenEffects xmlns:a14="http://schemas.microsoft.com/office/drawing/2010/main" xmlns="">
                       <a:effectLst>
                         <a:outerShdw blurRad="63500" dist="38099" dir="2700000" algn="ctr" rotWithShape="0">
                           <a:schemeClr val="bg2">
@@ -7921,12 +7900,12 @@
                 <a:effectLst/>
                 <a:extLst>
                   <a:ext uri="{909E8E84-426E-40dd-AFC4-6F175D3DCCD1}">
-                    <a14:hiddenFill xmlns="" xmlns:a14="http://schemas.microsoft.com/office/drawing/2010/main">
+                    <a14:hiddenFill xmlns:a14="http://schemas.microsoft.com/office/drawing/2010/main" xmlns="">
                       <a:noFill/>
                     </a14:hiddenFill>
                   </a:ext>
                   <a:ext uri="{AF507438-7753-43e0-B8FC-AC1667EBCBE1}">
-                    <a14:hiddenEffects xmlns="" xmlns:a14="http://schemas.microsoft.com/office/drawing/2010/main">
+                    <a14:hiddenEffects xmlns:a14="http://schemas.microsoft.com/office/drawing/2010/main" xmlns="">
                       <a:effectLst>
                         <a:outerShdw blurRad="63500" dist="38099" dir="2700000" algn="ctr" rotWithShape="0">
                           <a:schemeClr val="bg2">
@@ -7979,12 +7958,12 @@
                 <a:effectLst/>
                 <a:extLst>
                   <a:ext uri="{909E8E84-426E-40dd-AFC4-6F175D3DCCD1}">
-                    <a14:hiddenFill xmlns="" xmlns:a14="http://schemas.microsoft.com/office/drawing/2010/main">
+                    <a14:hiddenFill xmlns:a14="http://schemas.microsoft.com/office/drawing/2010/main" xmlns="">
                       <a:noFill/>
                     </a14:hiddenFill>
                   </a:ext>
                   <a:ext uri="{AF507438-7753-43e0-B8FC-AC1667EBCBE1}">
-                    <a14:hiddenEffects xmlns="" xmlns:a14="http://schemas.microsoft.com/office/drawing/2010/main">
+                    <a14:hiddenEffects xmlns:a14="http://schemas.microsoft.com/office/drawing/2010/main" xmlns="">
                       <a:effectLst>
                         <a:outerShdw blurRad="63500" dist="38099" dir="2700000" algn="ctr" rotWithShape="0">
                           <a:schemeClr val="bg2">
@@ -8037,12 +8016,12 @@
                 <a:effectLst/>
                 <a:extLst>
                   <a:ext uri="{909E8E84-426E-40dd-AFC4-6F175D3DCCD1}">
-                    <a14:hiddenFill xmlns="" xmlns:a14="http://schemas.microsoft.com/office/drawing/2010/main">
+                    <a14:hiddenFill xmlns:a14="http://schemas.microsoft.com/office/drawing/2010/main" xmlns="">
                       <a:noFill/>
                     </a14:hiddenFill>
                   </a:ext>
                   <a:ext uri="{AF507438-7753-43e0-B8FC-AC1667EBCBE1}">
-                    <a14:hiddenEffects xmlns="" xmlns:a14="http://schemas.microsoft.com/office/drawing/2010/main">
+                    <a14:hiddenEffects xmlns:a14="http://schemas.microsoft.com/office/drawing/2010/main" xmlns="">
                       <a:effectLst>
                         <a:outerShdw blurRad="63500" dist="38099" dir="2700000" algn="ctr" rotWithShape="0">
                           <a:schemeClr val="bg2">
@@ -8095,12 +8074,12 @@
                 <a:effectLst/>
                 <a:extLst>
                   <a:ext uri="{909E8E84-426E-40dd-AFC4-6F175D3DCCD1}">
-                    <a14:hiddenFill xmlns="" xmlns:a14="http://schemas.microsoft.com/office/drawing/2010/main">
+                    <a14:hiddenFill xmlns:a14="http://schemas.microsoft.com/office/drawing/2010/main" xmlns="">
                       <a:noFill/>
                     </a14:hiddenFill>
                   </a:ext>
                   <a:ext uri="{AF507438-7753-43e0-B8FC-AC1667EBCBE1}">
-                    <a14:hiddenEffects xmlns="" xmlns:a14="http://schemas.microsoft.com/office/drawing/2010/main">
+                    <a14:hiddenEffects xmlns:a14="http://schemas.microsoft.com/office/drawing/2010/main" xmlns="">
                       <a:effectLst>
                         <a:outerShdw blurRad="63500" dist="38099" dir="2700000" algn="ctr" rotWithShape="0">
                           <a:schemeClr val="bg2">
@@ -8153,12 +8132,12 @@
                 <a:effectLst/>
                 <a:extLst>
                   <a:ext uri="{909E8E84-426E-40dd-AFC4-6F175D3DCCD1}">
-                    <a14:hiddenFill xmlns="" xmlns:a14="http://schemas.microsoft.com/office/drawing/2010/main">
+                    <a14:hiddenFill xmlns:a14="http://schemas.microsoft.com/office/drawing/2010/main" xmlns="">
                       <a:noFill/>
                     </a14:hiddenFill>
                   </a:ext>
                   <a:ext uri="{AF507438-7753-43e0-B8FC-AC1667EBCBE1}">
-                    <a14:hiddenEffects xmlns="" xmlns:a14="http://schemas.microsoft.com/office/drawing/2010/main">
+                    <a14:hiddenEffects xmlns:a14="http://schemas.microsoft.com/office/drawing/2010/main" xmlns="">
                       <a:effectLst>
                         <a:outerShdw blurRad="63500" dist="38099" dir="2700000" algn="ctr" rotWithShape="0">
                           <a:schemeClr val="bg2">
@@ -8211,12 +8190,12 @@
                 <a:effectLst/>
                 <a:extLst>
                   <a:ext uri="{909E8E84-426E-40dd-AFC4-6F175D3DCCD1}">
-                    <a14:hiddenFill xmlns="" xmlns:a14="http://schemas.microsoft.com/office/drawing/2010/main">
+                    <a14:hiddenFill xmlns:a14="http://schemas.microsoft.com/office/drawing/2010/main" xmlns="">
                       <a:noFill/>
                     </a14:hiddenFill>
                   </a:ext>
                   <a:ext uri="{AF507438-7753-43e0-B8FC-AC1667EBCBE1}">
-                    <a14:hiddenEffects xmlns="" xmlns:a14="http://schemas.microsoft.com/office/drawing/2010/main">
+                    <a14:hiddenEffects xmlns:a14="http://schemas.microsoft.com/office/drawing/2010/main" xmlns="">
                       <a:effectLst>
                         <a:outerShdw blurRad="63500" dist="38099" dir="2700000" algn="ctr" rotWithShape="0">
                           <a:schemeClr val="bg2">
@@ -8269,12 +8248,12 @@
                 <a:effectLst/>
                 <a:extLst>
                   <a:ext uri="{909E8E84-426E-40dd-AFC4-6F175D3DCCD1}">
-                    <a14:hiddenFill xmlns="" xmlns:a14="http://schemas.microsoft.com/office/drawing/2010/main">
+                    <a14:hiddenFill xmlns:a14="http://schemas.microsoft.com/office/drawing/2010/main" xmlns="">
                       <a:noFill/>
                     </a14:hiddenFill>
                   </a:ext>
                   <a:ext uri="{AF507438-7753-43e0-B8FC-AC1667EBCBE1}">
-                    <a14:hiddenEffects xmlns="" xmlns:a14="http://schemas.microsoft.com/office/drawing/2010/main">
+                    <a14:hiddenEffects xmlns:a14="http://schemas.microsoft.com/office/drawing/2010/main" xmlns="">
                       <a:effectLst>
                         <a:outerShdw blurRad="63500" dist="38099" dir="2700000" algn="ctr" rotWithShape="0">
                           <a:schemeClr val="bg2">
@@ -8327,12 +8306,12 @@
                 <a:effectLst/>
                 <a:extLst>
                   <a:ext uri="{909E8E84-426E-40dd-AFC4-6F175D3DCCD1}">
-                    <a14:hiddenFill xmlns="" xmlns:a14="http://schemas.microsoft.com/office/drawing/2010/main">
+                    <a14:hiddenFill xmlns:a14="http://schemas.microsoft.com/office/drawing/2010/main" xmlns="">
                       <a:noFill/>
                     </a14:hiddenFill>
                   </a:ext>
                   <a:ext uri="{AF507438-7753-43e0-B8FC-AC1667EBCBE1}">
-                    <a14:hiddenEffects xmlns="" xmlns:a14="http://schemas.microsoft.com/office/drawing/2010/main">
+                    <a14:hiddenEffects xmlns:a14="http://schemas.microsoft.com/office/drawing/2010/main" xmlns="">
                       <a:effectLst>
                         <a:outerShdw blurRad="63500" dist="38099" dir="2700000" algn="ctr" rotWithShape="0">
                           <a:schemeClr val="bg2">
@@ -8385,12 +8364,12 @@
                 <a:effectLst/>
                 <a:extLst>
                   <a:ext uri="{909E8E84-426E-40dd-AFC4-6F175D3DCCD1}">
-                    <a14:hiddenFill xmlns="" xmlns:a14="http://schemas.microsoft.com/office/drawing/2010/main">
+                    <a14:hiddenFill xmlns:a14="http://schemas.microsoft.com/office/drawing/2010/main" xmlns="">
                       <a:noFill/>
                     </a14:hiddenFill>
                   </a:ext>
                   <a:ext uri="{AF507438-7753-43e0-B8FC-AC1667EBCBE1}">
-                    <a14:hiddenEffects xmlns="" xmlns:a14="http://schemas.microsoft.com/office/drawing/2010/main">
+                    <a14:hiddenEffects xmlns:a14="http://schemas.microsoft.com/office/drawing/2010/main" xmlns="">
                       <a:effectLst>
                         <a:outerShdw blurRad="63500" dist="38099" dir="2700000" algn="ctr" rotWithShape="0">
                           <a:schemeClr val="bg2">
@@ -8443,12 +8422,12 @@
                 <a:effectLst/>
                 <a:extLst>
                   <a:ext uri="{909E8E84-426E-40dd-AFC4-6F175D3DCCD1}">
-                    <a14:hiddenFill xmlns="" xmlns:a14="http://schemas.microsoft.com/office/drawing/2010/main">
+                    <a14:hiddenFill xmlns:a14="http://schemas.microsoft.com/office/drawing/2010/main" xmlns="">
                       <a:noFill/>
                     </a14:hiddenFill>
                   </a:ext>
                   <a:ext uri="{AF507438-7753-43e0-B8FC-AC1667EBCBE1}">
-                    <a14:hiddenEffects xmlns="" xmlns:a14="http://schemas.microsoft.com/office/drawing/2010/main">
+                    <a14:hiddenEffects xmlns:a14="http://schemas.microsoft.com/office/drawing/2010/main" xmlns="">
                       <a:effectLst>
                         <a:outerShdw blurRad="63500" dist="38099" dir="2700000" algn="ctr" rotWithShape="0">
                           <a:schemeClr val="bg2">
@@ -8501,12 +8480,12 @@
                 <a:effectLst/>
                 <a:extLst>
                   <a:ext uri="{909E8E84-426E-40dd-AFC4-6F175D3DCCD1}">
-                    <a14:hiddenFill xmlns="" xmlns:a14="http://schemas.microsoft.com/office/drawing/2010/main">
+                    <a14:hiddenFill xmlns:a14="http://schemas.microsoft.com/office/drawing/2010/main" xmlns="">
                       <a:noFill/>
                     </a14:hiddenFill>
                   </a:ext>
                   <a:ext uri="{AF507438-7753-43e0-B8FC-AC1667EBCBE1}">
-                    <a14:hiddenEffects xmlns="" xmlns:a14="http://schemas.microsoft.com/office/drawing/2010/main">
+                    <a14:hiddenEffects xmlns:a14="http://schemas.microsoft.com/office/drawing/2010/main" xmlns="">
                       <a:effectLst>
                         <a:outerShdw blurRad="63500" dist="38099" dir="2700000" algn="ctr" rotWithShape="0">
                           <a:schemeClr val="bg2">
@@ -8559,12 +8538,12 @@
                 <a:effectLst/>
                 <a:extLst>
                   <a:ext uri="{909E8E84-426E-40dd-AFC4-6F175D3DCCD1}">
-                    <a14:hiddenFill xmlns="" xmlns:a14="http://schemas.microsoft.com/office/drawing/2010/main">
+                    <a14:hiddenFill xmlns:a14="http://schemas.microsoft.com/office/drawing/2010/main" xmlns="">
                       <a:noFill/>
                     </a14:hiddenFill>
                   </a:ext>
                   <a:ext uri="{AF507438-7753-43e0-B8FC-AC1667EBCBE1}">
-                    <a14:hiddenEffects xmlns="" xmlns:a14="http://schemas.microsoft.com/office/drawing/2010/main">
+                    <a14:hiddenEffects xmlns:a14="http://schemas.microsoft.com/office/drawing/2010/main" xmlns="">
                       <a:effectLst>
                         <a:outerShdw blurRad="63500" dist="38099" dir="2700000" algn="ctr" rotWithShape="0">
                           <a:schemeClr val="bg2">
@@ -8617,12 +8596,12 @@
                 <a:effectLst/>
                 <a:extLst>
                   <a:ext uri="{909E8E84-426E-40dd-AFC4-6F175D3DCCD1}">
-                    <a14:hiddenFill xmlns="" xmlns:a14="http://schemas.microsoft.com/office/drawing/2010/main">
+                    <a14:hiddenFill xmlns:a14="http://schemas.microsoft.com/office/drawing/2010/main" xmlns="">
                       <a:noFill/>
                     </a14:hiddenFill>
                   </a:ext>
                   <a:ext uri="{AF507438-7753-43e0-B8FC-AC1667EBCBE1}">
-                    <a14:hiddenEffects xmlns="" xmlns:a14="http://schemas.microsoft.com/office/drawing/2010/main">
+                    <a14:hiddenEffects xmlns:a14="http://schemas.microsoft.com/office/drawing/2010/main" xmlns="">
                       <a:effectLst>
                         <a:outerShdw blurRad="63500" dist="38099" dir="2700000" algn="ctr" rotWithShape="0">
                           <a:schemeClr val="bg2">
@@ -8675,12 +8654,12 @@
                 <a:effectLst/>
                 <a:extLst>
                   <a:ext uri="{909E8E84-426E-40dd-AFC4-6F175D3DCCD1}">
-                    <a14:hiddenFill xmlns="" xmlns:a14="http://schemas.microsoft.com/office/drawing/2010/main">
+                    <a14:hiddenFill xmlns:a14="http://schemas.microsoft.com/office/drawing/2010/main" xmlns="">
                       <a:noFill/>
                     </a14:hiddenFill>
                   </a:ext>
                   <a:ext uri="{AF507438-7753-43e0-B8FC-AC1667EBCBE1}">
-                    <a14:hiddenEffects xmlns="" xmlns:a14="http://schemas.microsoft.com/office/drawing/2010/main">
+                    <a14:hiddenEffects xmlns:a14="http://schemas.microsoft.com/office/drawing/2010/main" xmlns="">
                       <a:effectLst>
                         <a:outerShdw blurRad="63500" dist="38099" dir="2700000" algn="ctr" rotWithShape="0">
                           <a:schemeClr val="bg2">
@@ -8733,12 +8712,12 @@
                 <a:effectLst/>
                 <a:extLst>
                   <a:ext uri="{909E8E84-426E-40dd-AFC4-6F175D3DCCD1}">
-                    <a14:hiddenFill xmlns="" xmlns:a14="http://schemas.microsoft.com/office/drawing/2010/main">
+                    <a14:hiddenFill xmlns:a14="http://schemas.microsoft.com/office/drawing/2010/main" xmlns="">
                       <a:noFill/>
                     </a14:hiddenFill>
                   </a:ext>
                   <a:ext uri="{AF507438-7753-43e0-B8FC-AC1667EBCBE1}">
-                    <a14:hiddenEffects xmlns="" xmlns:a14="http://schemas.microsoft.com/office/drawing/2010/main">
+                    <a14:hiddenEffects xmlns:a14="http://schemas.microsoft.com/office/drawing/2010/main" xmlns="">
                       <a:effectLst>
                         <a:outerShdw blurRad="63500" dist="38099" dir="2700000" algn="ctr" rotWithShape="0">
                           <a:schemeClr val="bg2">
@@ -8791,12 +8770,12 @@
                 <a:effectLst/>
                 <a:extLst>
                   <a:ext uri="{909E8E84-426E-40dd-AFC4-6F175D3DCCD1}">
-                    <a14:hiddenFill xmlns="" xmlns:a14="http://schemas.microsoft.com/office/drawing/2010/main">
+                    <a14:hiddenFill xmlns:a14="http://schemas.microsoft.com/office/drawing/2010/main" xmlns="">
                       <a:noFill/>
                     </a14:hiddenFill>
                   </a:ext>
                   <a:ext uri="{AF507438-7753-43e0-B8FC-AC1667EBCBE1}">
-                    <a14:hiddenEffects xmlns="" xmlns:a14="http://schemas.microsoft.com/office/drawing/2010/main">
+                    <a14:hiddenEffects xmlns:a14="http://schemas.microsoft.com/office/drawing/2010/main" xmlns="">
                       <a:effectLst>
                         <a:outerShdw blurRad="63500" dist="38099" dir="2700000" algn="ctr" rotWithShape="0">
                           <a:schemeClr val="bg2">
@@ -8866,12 +8845,12 @@
                 <a:effectLst/>
                 <a:extLst>
                   <a:ext uri="{909E8E84-426E-40dd-AFC4-6F175D3DCCD1}">
-                    <a14:hiddenFill xmlns="" xmlns:a14="http://schemas.microsoft.com/office/drawing/2010/main">
+                    <a14:hiddenFill xmlns:a14="http://schemas.microsoft.com/office/drawing/2010/main" xmlns="">
                       <a:noFill/>
                     </a14:hiddenFill>
                   </a:ext>
                   <a:ext uri="{AF507438-7753-43e0-B8FC-AC1667EBCBE1}">
-                    <a14:hiddenEffects xmlns="" xmlns:a14="http://schemas.microsoft.com/office/drawing/2010/main">
+                    <a14:hiddenEffects xmlns:a14="http://schemas.microsoft.com/office/drawing/2010/main" xmlns="">
                       <a:effectLst>
                         <a:outerShdw blurRad="63500" dist="38099" dir="2700000" algn="ctr" rotWithShape="0">
                           <a:schemeClr val="bg2">
@@ -8924,12 +8903,12 @@
                 <a:effectLst/>
                 <a:extLst>
                   <a:ext uri="{909E8E84-426E-40dd-AFC4-6F175D3DCCD1}">
-                    <a14:hiddenFill xmlns="" xmlns:a14="http://schemas.microsoft.com/office/drawing/2010/main">
+                    <a14:hiddenFill xmlns:a14="http://schemas.microsoft.com/office/drawing/2010/main" xmlns="">
                       <a:noFill/>
                     </a14:hiddenFill>
                   </a:ext>
                   <a:ext uri="{AF507438-7753-43e0-B8FC-AC1667EBCBE1}">
-                    <a14:hiddenEffects xmlns="" xmlns:a14="http://schemas.microsoft.com/office/drawing/2010/main">
+                    <a14:hiddenEffects xmlns:a14="http://schemas.microsoft.com/office/drawing/2010/main" xmlns="">
                       <a:effectLst>
                         <a:outerShdw blurRad="63500" dist="38099" dir="2700000" algn="ctr" rotWithShape="0">
                           <a:schemeClr val="bg2">
@@ -8982,12 +8961,12 @@
                 <a:effectLst/>
                 <a:extLst>
                   <a:ext uri="{909E8E84-426E-40dd-AFC4-6F175D3DCCD1}">
-                    <a14:hiddenFill xmlns="" xmlns:a14="http://schemas.microsoft.com/office/drawing/2010/main">
+                    <a14:hiddenFill xmlns:a14="http://schemas.microsoft.com/office/drawing/2010/main" xmlns="">
                       <a:noFill/>
                     </a14:hiddenFill>
                   </a:ext>
                   <a:ext uri="{AF507438-7753-43e0-B8FC-AC1667EBCBE1}">
-                    <a14:hiddenEffects xmlns="" xmlns:a14="http://schemas.microsoft.com/office/drawing/2010/main">
+                    <a14:hiddenEffects xmlns:a14="http://schemas.microsoft.com/office/drawing/2010/main" xmlns="">
                       <a:effectLst>
                         <a:outerShdw blurRad="63500" dist="38099" dir="2700000" algn="ctr" rotWithShape="0">
                           <a:schemeClr val="bg2">
@@ -9040,12 +9019,12 @@
                 <a:effectLst/>
                 <a:extLst>
                   <a:ext uri="{909E8E84-426E-40dd-AFC4-6F175D3DCCD1}">
-                    <a14:hiddenFill xmlns="" xmlns:a14="http://schemas.microsoft.com/office/drawing/2010/main">
+                    <a14:hiddenFill xmlns:a14="http://schemas.microsoft.com/office/drawing/2010/main" xmlns="">
                       <a:noFill/>
                     </a14:hiddenFill>
                   </a:ext>
                   <a:ext uri="{AF507438-7753-43e0-B8FC-AC1667EBCBE1}">
-                    <a14:hiddenEffects xmlns="" xmlns:a14="http://schemas.microsoft.com/office/drawing/2010/main">
+                    <a14:hiddenEffects xmlns:a14="http://schemas.microsoft.com/office/drawing/2010/main" xmlns="">
                       <a:effectLst>
                         <a:outerShdw blurRad="63500" dist="38099" dir="2700000" algn="ctr" rotWithShape="0">
                           <a:schemeClr val="bg2">
@@ -9098,12 +9077,12 @@
                 <a:effectLst/>
                 <a:extLst>
                   <a:ext uri="{909E8E84-426E-40dd-AFC4-6F175D3DCCD1}">
-                    <a14:hiddenFill xmlns="" xmlns:a14="http://schemas.microsoft.com/office/drawing/2010/main">
+                    <a14:hiddenFill xmlns:a14="http://schemas.microsoft.com/office/drawing/2010/main" xmlns="">
                       <a:noFill/>
                     </a14:hiddenFill>
                   </a:ext>
                   <a:ext uri="{AF507438-7753-43e0-B8FC-AC1667EBCBE1}">
-                    <a14:hiddenEffects xmlns="" xmlns:a14="http://schemas.microsoft.com/office/drawing/2010/main">
+                    <a14:hiddenEffects xmlns:a14="http://schemas.microsoft.com/office/drawing/2010/main" xmlns="">
                       <a:effectLst>
                         <a:outerShdw blurRad="63500" dist="38099" dir="2700000" algn="ctr" rotWithShape="0">
                           <a:schemeClr val="bg2">
@@ -9156,12 +9135,12 @@
                 <a:effectLst/>
                 <a:extLst>
                   <a:ext uri="{909E8E84-426E-40dd-AFC4-6F175D3DCCD1}">
-                    <a14:hiddenFill xmlns="" xmlns:a14="http://schemas.microsoft.com/office/drawing/2010/main">
+                    <a14:hiddenFill xmlns:a14="http://schemas.microsoft.com/office/drawing/2010/main" xmlns="">
                       <a:noFill/>
                     </a14:hiddenFill>
                   </a:ext>
                   <a:ext uri="{AF507438-7753-43e0-B8FC-AC1667EBCBE1}">
-                    <a14:hiddenEffects xmlns="" xmlns:a14="http://schemas.microsoft.com/office/drawing/2010/main">
+                    <a14:hiddenEffects xmlns:a14="http://schemas.microsoft.com/office/drawing/2010/main" xmlns="">
                       <a:effectLst>
                         <a:outerShdw blurRad="63500" dist="38099" dir="2700000" algn="ctr" rotWithShape="0">
                           <a:schemeClr val="bg2">
@@ -9214,12 +9193,12 @@
                 <a:effectLst/>
                 <a:extLst>
                   <a:ext uri="{909E8E84-426E-40dd-AFC4-6F175D3DCCD1}">
-                    <a14:hiddenFill xmlns="" xmlns:a14="http://schemas.microsoft.com/office/drawing/2010/main">
+                    <a14:hiddenFill xmlns:a14="http://schemas.microsoft.com/office/drawing/2010/main" xmlns="">
                       <a:noFill/>
                     </a14:hiddenFill>
                   </a:ext>
                   <a:ext uri="{AF507438-7753-43e0-B8FC-AC1667EBCBE1}">
-                    <a14:hiddenEffects xmlns="" xmlns:a14="http://schemas.microsoft.com/office/drawing/2010/main">
+                    <a14:hiddenEffects xmlns:a14="http://schemas.microsoft.com/office/drawing/2010/main" xmlns="">
                       <a:effectLst>
                         <a:outerShdw blurRad="63500" dist="38099" dir="2700000" algn="ctr" rotWithShape="0">
                           <a:schemeClr val="bg2">
@@ -9272,12 +9251,12 @@
                 <a:effectLst/>
                 <a:extLst>
                   <a:ext uri="{909E8E84-426E-40dd-AFC4-6F175D3DCCD1}">
-                    <a14:hiddenFill xmlns="" xmlns:a14="http://schemas.microsoft.com/office/drawing/2010/main">
+                    <a14:hiddenFill xmlns:a14="http://schemas.microsoft.com/office/drawing/2010/main" xmlns="">
                       <a:noFill/>
                     </a14:hiddenFill>
                   </a:ext>
                   <a:ext uri="{AF507438-7753-43e0-B8FC-AC1667EBCBE1}">
-                    <a14:hiddenEffects xmlns="" xmlns:a14="http://schemas.microsoft.com/office/drawing/2010/main">
+                    <a14:hiddenEffects xmlns:a14="http://schemas.microsoft.com/office/drawing/2010/main" xmlns="">
                       <a:effectLst>
                         <a:outerShdw blurRad="63500" dist="38099" dir="2700000" algn="ctr" rotWithShape="0">
                           <a:schemeClr val="bg2">
@@ -9330,12 +9309,12 @@
                 <a:effectLst/>
                 <a:extLst>
                   <a:ext uri="{909E8E84-426E-40dd-AFC4-6F175D3DCCD1}">
-                    <a14:hiddenFill xmlns="" xmlns:a14="http://schemas.microsoft.com/office/drawing/2010/main">
+                    <a14:hiddenFill xmlns:a14="http://schemas.microsoft.com/office/drawing/2010/main" xmlns="">
                       <a:noFill/>
                     </a14:hiddenFill>
                   </a:ext>
                   <a:ext uri="{AF507438-7753-43e0-B8FC-AC1667EBCBE1}">
-                    <a14:hiddenEffects xmlns="" xmlns:a14="http://schemas.microsoft.com/office/drawing/2010/main">
+                    <a14:hiddenEffects xmlns:a14="http://schemas.microsoft.com/office/drawing/2010/main" xmlns="">
                       <a:effectLst>
                         <a:outerShdw blurRad="63500" dist="38099" dir="2700000" algn="ctr" rotWithShape="0">
                           <a:schemeClr val="bg2">
@@ -9388,12 +9367,12 @@
                 <a:effectLst/>
                 <a:extLst>
                   <a:ext uri="{909E8E84-426E-40dd-AFC4-6F175D3DCCD1}">
-                    <a14:hiddenFill xmlns="" xmlns:a14="http://schemas.microsoft.com/office/drawing/2010/main">
+                    <a14:hiddenFill xmlns:a14="http://schemas.microsoft.com/office/drawing/2010/main" xmlns="">
                       <a:noFill/>
                     </a14:hiddenFill>
                   </a:ext>
                   <a:ext uri="{AF507438-7753-43e0-B8FC-AC1667EBCBE1}">
-                    <a14:hiddenEffects xmlns="" xmlns:a14="http://schemas.microsoft.com/office/drawing/2010/main">
+                    <a14:hiddenEffects xmlns:a14="http://schemas.microsoft.com/office/drawing/2010/main" xmlns="">
                       <a:effectLst>
                         <a:outerShdw blurRad="63500" dist="38099" dir="2700000" algn="ctr" rotWithShape="0">
                           <a:schemeClr val="bg2">
@@ -9446,12 +9425,12 @@
                 <a:effectLst/>
                 <a:extLst>
                   <a:ext uri="{909E8E84-426E-40dd-AFC4-6F175D3DCCD1}">
-                    <a14:hiddenFill xmlns="" xmlns:a14="http://schemas.microsoft.com/office/drawing/2010/main">
+                    <a14:hiddenFill xmlns:a14="http://schemas.microsoft.com/office/drawing/2010/main" xmlns="">
                       <a:noFill/>
                     </a14:hiddenFill>
                   </a:ext>
                   <a:ext uri="{AF507438-7753-43e0-B8FC-AC1667EBCBE1}">
-                    <a14:hiddenEffects xmlns="" xmlns:a14="http://schemas.microsoft.com/office/drawing/2010/main">
+                    <a14:hiddenEffects xmlns:a14="http://schemas.microsoft.com/office/drawing/2010/main" xmlns="">
                       <a:effectLst>
                         <a:outerShdw blurRad="63500" dist="38099" dir="2700000" algn="ctr" rotWithShape="0">
                           <a:schemeClr val="bg2">
@@ -9504,12 +9483,12 @@
                 <a:effectLst/>
                 <a:extLst>
                   <a:ext uri="{909E8E84-426E-40dd-AFC4-6F175D3DCCD1}">
-                    <a14:hiddenFill xmlns="" xmlns:a14="http://schemas.microsoft.com/office/drawing/2010/main">
+                    <a14:hiddenFill xmlns:a14="http://schemas.microsoft.com/office/drawing/2010/main" xmlns="">
                       <a:noFill/>
                     </a14:hiddenFill>
                   </a:ext>
                   <a:ext uri="{AF507438-7753-43e0-B8FC-AC1667EBCBE1}">
-                    <a14:hiddenEffects xmlns="" xmlns:a14="http://schemas.microsoft.com/office/drawing/2010/main">
+                    <a14:hiddenEffects xmlns:a14="http://schemas.microsoft.com/office/drawing/2010/main" xmlns="">
                       <a:effectLst>
                         <a:outerShdw blurRad="63500" dist="38099" dir="2700000" algn="ctr" rotWithShape="0">
                           <a:schemeClr val="bg2">
@@ -9562,12 +9541,12 @@
                 <a:effectLst/>
                 <a:extLst>
                   <a:ext uri="{909E8E84-426E-40dd-AFC4-6F175D3DCCD1}">
-                    <a14:hiddenFill xmlns="" xmlns:a14="http://schemas.microsoft.com/office/drawing/2010/main">
+                    <a14:hiddenFill xmlns:a14="http://schemas.microsoft.com/office/drawing/2010/main" xmlns="">
                       <a:noFill/>
                     </a14:hiddenFill>
                   </a:ext>
                   <a:ext uri="{AF507438-7753-43e0-B8FC-AC1667EBCBE1}">
-                    <a14:hiddenEffects xmlns="" xmlns:a14="http://schemas.microsoft.com/office/drawing/2010/main">
+                    <a14:hiddenEffects xmlns:a14="http://schemas.microsoft.com/office/drawing/2010/main" xmlns="">
                       <a:effectLst>
                         <a:outerShdw blurRad="63500" dist="38099" dir="2700000" algn="ctr" rotWithShape="0">
                           <a:schemeClr val="bg2">
@@ -9620,12 +9599,12 @@
                 <a:effectLst/>
                 <a:extLst>
                   <a:ext uri="{909E8E84-426E-40dd-AFC4-6F175D3DCCD1}">
-                    <a14:hiddenFill xmlns="" xmlns:a14="http://schemas.microsoft.com/office/drawing/2010/main">
+                    <a14:hiddenFill xmlns:a14="http://schemas.microsoft.com/office/drawing/2010/main" xmlns="">
                       <a:noFill/>
                     </a14:hiddenFill>
                   </a:ext>
                   <a:ext uri="{AF507438-7753-43e0-B8FC-AC1667EBCBE1}">
-                    <a14:hiddenEffects xmlns="" xmlns:a14="http://schemas.microsoft.com/office/drawing/2010/main">
+                    <a14:hiddenEffects xmlns:a14="http://schemas.microsoft.com/office/drawing/2010/main" xmlns="">
                       <a:effectLst>
                         <a:outerShdw blurRad="63500" dist="38099" dir="2700000" algn="ctr" rotWithShape="0">
                           <a:schemeClr val="bg2">
@@ -9678,12 +9657,12 @@
                 <a:effectLst/>
                 <a:extLst>
                   <a:ext uri="{909E8E84-426E-40dd-AFC4-6F175D3DCCD1}">
-                    <a14:hiddenFill xmlns="" xmlns:a14="http://schemas.microsoft.com/office/drawing/2010/main">
+                    <a14:hiddenFill xmlns:a14="http://schemas.microsoft.com/office/drawing/2010/main" xmlns="">
                       <a:noFill/>
                     </a14:hiddenFill>
                   </a:ext>
                   <a:ext uri="{AF507438-7753-43e0-B8FC-AC1667EBCBE1}">
-                    <a14:hiddenEffects xmlns="" xmlns:a14="http://schemas.microsoft.com/office/drawing/2010/main">
+                    <a14:hiddenEffects xmlns:a14="http://schemas.microsoft.com/office/drawing/2010/main" xmlns="">
                       <a:effectLst>
                         <a:outerShdw blurRad="63500" dist="38099" dir="2700000" algn="ctr" rotWithShape="0">
                           <a:schemeClr val="bg2">
@@ -9736,12 +9715,12 @@
                 <a:effectLst/>
                 <a:extLst>
                   <a:ext uri="{909E8E84-426E-40dd-AFC4-6F175D3DCCD1}">
-                    <a14:hiddenFill xmlns="" xmlns:a14="http://schemas.microsoft.com/office/drawing/2010/main">
+                    <a14:hiddenFill xmlns:a14="http://schemas.microsoft.com/office/drawing/2010/main" xmlns="">
                       <a:noFill/>
                     </a14:hiddenFill>
                   </a:ext>
                   <a:ext uri="{AF507438-7753-43e0-B8FC-AC1667EBCBE1}">
-                    <a14:hiddenEffects xmlns="" xmlns:a14="http://schemas.microsoft.com/office/drawing/2010/main">
+                    <a14:hiddenEffects xmlns:a14="http://schemas.microsoft.com/office/drawing/2010/main" xmlns="">
                       <a:effectLst>
                         <a:outerShdw blurRad="63500" dist="38099" dir="2700000" algn="ctr" rotWithShape="0">
                           <a:schemeClr val="bg2">
@@ -9794,12 +9773,12 @@
                 <a:effectLst/>
                 <a:extLst>
                   <a:ext uri="{909E8E84-426E-40dd-AFC4-6F175D3DCCD1}">
-                    <a14:hiddenFill xmlns="" xmlns:a14="http://schemas.microsoft.com/office/drawing/2010/main">
+                    <a14:hiddenFill xmlns:a14="http://schemas.microsoft.com/office/drawing/2010/main" xmlns="">
                       <a:noFill/>
                     </a14:hiddenFill>
                   </a:ext>
                   <a:ext uri="{AF507438-7753-43e0-B8FC-AC1667EBCBE1}">
-                    <a14:hiddenEffects xmlns="" xmlns:a14="http://schemas.microsoft.com/office/drawing/2010/main">
+                    <a14:hiddenEffects xmlns:a14="http://schemas.microsoft.com/office/drawing/2010/main" xmlns="">
                       <a:effectLst>
                         <a:outerShdw blurRad="63500" dist="38099" dir="2700000" algn="ctr" rotWithShape="0">
                           <a:schemeClr val="bg2">
@@ -9852,12 +9831,12 @@
                 <a:effectLst/>
                 <a:extLst>
                   <a:ext uri="{909E8E84-426E-40dd-AFC4-6F175D3DCCD1}">
-                    <a14:hiddenFill xmlns="" xmlns:a14="http://schemas.microsoft.com/office/drawing/2010/main">
+                    <a14:hiddenFill xmlns:a14="http://schemas.microsoft.com/office/drawing/2010/main" xmlns="">
                       <a:noFill/>
                     </a14:hiddenFill>
                   </a:ext>
                   <a:ext uri="{AF507438-7753-43e0-B8FC-AC1667EBCBE1}">
-                    <a14:hiddenEffects xmlns="" xmlns:a14="http://schemas.microsoft.com/office/drawing/2010/main">
+                    <a14:hiddenEffects xmlns:a14="http://schemas.microsoft.com/office/drawing/2010/main" xmlns="">
                       <a:effectLst>
                         <a:outerShdw blurRad="63500" dist="38099" dir="2700000" algn="ctr" rotWithShape="0">
                           <a:schemeClr val="bg2">
@@ -9910,12 +9889,12 @@
                 <a:effectLst/>
                 <a:extLst>
                   <a:ext uri="{909E8E84-426E-40dd-AFC4-6F175D3DCCD1}">
-                    <a14:hiddenFill xmlns="" xmlns:a14="http://schemas.microsoft.com/office/drawing/2010/main">
+                    <a14:hiddenFill xmlns:a14="http://schemas.microsoft.com/office/drawing/2010/main" xmlns="">
                       <a:noFill/>
                     </a14:hiddenFill>
                   </a:ext>
                   <a:ext uri="{AF507438-7753-43e0-B8FC-AC1667EBCBE1}">
-                    <a14:hiddenEffects xmlns="" xmlns:a14="http://schemas.microsoft.com/office/drawing/2010/main">
+                    <a14:hiddenEffects xmlns:a14="http://schemas.microsoft.com/office/drawing/2010/main" xmlns="">
                       <a:effectLst>
                         <a:outerShdw blurRad="63500" dist="38099" dir="2700000" algn="ctr" rotWithShape="0">
                           <a:schemeClr val="bg2">
@@ -9968,12 +9947,12 @@
                 <a:effectLst/>
                 <a:extLst>
                   <a:ext uri="{909E8E84-426E-40dd-AFC4-6F175D3DCCD1}">
-                    <a14:hiddenFill xmlns="" xmlns:a14="http://schemas.microsoft.com/office/drawing/2010/main">
+                    <a14:hiddenFill xmlns:a14="http://schemas.microsoft.com/office/drawing/2010/main" xmlns="">
                       <a:noFill/>
                     </a14:hiddenFill>
                   </a:ext>
                   <a:ext uri="{AF507438-7753-43e0-B8FC-AC1667EBCBE1}">
-                    <a14:hiddenEffects xmlns="" xmlns:a14="http://schemas.microsoft.com/office/drawing/2010/main">
+                    <a14:hiddenEffects xmlns:a14="http://schemas.microsoft.com/office/drawing/2010/main" xmlns="">
                       <a:effectLst>
                         <a:outerShdw blurRad="63500" dist="38099" dir="2700000" algn="ctr" rotWithShape="0">
                           <a:schemeClr val="bg2">
@@ -10026,12 +10005,12 @@
                 <a:effectLst/>
                 <a:extLst>
                   <a:ext uri="{909E8E84-426E-40dd-AFC4-6F175D3DCCD1}">
-                    <a14:hiddenFill xmlns="" xmlns:a14="http://schemas.microsoft.com/office/drawing/2010/main">
+                    <a14:hiddenFill xmlns:a14="http://schemas.microsoft.com/office/drawing/2010/main" xmlns="">
                       <a:noFill/>
                     </a14:hiddenFill>
                   </a:ext>
                   <a:ext uri="{AF507438-7753-43e0-B8FC-AC1667EBCBE1}">
-                    <a14:hiddenEffects xmlns="" xmlns:a14="http://schemas.microsoft.com/office/drawing/2010/main">
+                    <a14:hiddenEffects xmlns:a14="http://schemas.microsoft.com/office/drawing/2010/main" xmlns="">
                       <a:effectLst>
                         <a:outerShdw blurRad="63500" dist="38099" dir="2700000" algn="ctr" rotWithShape="0">
                           <a:schemeClr val="bg2">
@@ -10084,12 +10063,12 @@
                 <a:effectLst/>
                 <a:extLst>
                   <a:ext uri="{909E8E84-426E-40dd-AFC4-6F175D3DCCD1}">
-                    <a14:hiddenFill xmlns="" xmlns:a14="http://schemas.microsoft.com/office/drawing/2010/main">
+                    <a14:hiddenFill xmlns:a14="http://schemas.microsoft.com/office/drawing/2010/main" xmlns="">
                       <a:noFill/>
                     </a14:hiddenFill>
                   </a:ext>
                   <a:ext uri="{AF507438-7753-43e0-B8FC-AC1667EBCBE1}">
-                    <a14:hiddenEffects xmlns="" xmlns:a14="http://schemas.microsoft.com/office/drawing/2010/main">
+                    <a14:hiddenEffects xmlns:a14="http://schemas.microsoft.com/office/drawing/2010/main" xmlns="">
                       <a:effectLst>
                         <a:outerShdw blurRad="63500" dist="38099" dir="2700000" algn="ctr" rotWithShape="0">
                           <a:schemeClr val="bg2">
@@ -10142,12 +10121,12 @@
                 <a:effectLst/>
                 <a:extLst>
                   <a:ext uri="{909E8E84-426E-40dd-AFC4-6F175D3DCCD1}">
-                    <a14:hiddenFill xmlns="" xmlns:a14="http://schemas.microsoft.com/office/drawing/2010/main">
+                    <a14:hiddenFill xmlns:a14="http://schemas.microsoft.com/office/drawing/2010/main" xmlns="">
                       <a:noFill/>
                     </a14:hiddenFill>
                   </a:ext>
                   <a:ext uri="{AF507438-7753-43e0-B8FC-AC1667EBCBE1}">
-                    <a14:hiddenEffects xmlns="" xmlns:a14="http://schemas.microsoft.com/office/drawing/2010/main">
+                    <a14:hiddenEffects xmlns:a14="http://schemas.microsoft.com/office/drawing/2010/main" xmlns="">
                       <a:effectLst>
                         <a:outerShdw blurRad="63500" dist="38099" dir="2700000" algn="ctr" rotWithShape="0">
                           <a:schemeClr val="bg2">
@@ -10200,12 +10179,12 @@
                 <a:effectLst/>
                 <a:extLst>
                   <a:ext uri="{909E8E84-426E-40dd-AFC4-6F175D3DCCD1}">
-                    <a14:hiddenFill xmlns="" xmlns:a14="http://schemas.microsoft.com/office/drawing/2010/main">
+                    <a14:hiddenFill xmlns:a14="http://schemas.microsoft.com/office/drawing/2010/main" xmlns="">
                       <a:noFill/>
                     </a14:hiddenFill>
                   </a:ext>
                   <a:ext uri="{AF507438-7753-43e0-B8FC-AC1667EBCBE1}">
-                    <a14:hiddenEffects xmlns="" xmlns:a14="http://schemas.microsoft.com/office/drawing/2010/main">
+                    <a14:hiddenEffects xmlns:a14="http://schemas.microsoft.com/office/drawing/2010/main" xmlns="">
                       <a:effectLst>
                         <a:outerShdw blurRad="63500" dist="38099" dir="2700000" algn="ctr" rotWithShape="0">
                           <a:schemeClr val="bg2">
@@ -10258,12 +10237,12 @@
                 <a:effectLst/>
                 <a:extLst>
                   <a:ext uri="{909E8E84-426E-40dd-AFC4-6F175D3DCCD1}">
-                    <a14:hiddenFill xmlns="" xmlns:a14="http://schemas.microsoft.com/office/drawing/2010/main">
+                    <a14:hiddenFill xmlns:a14="http://schemas.microsoft.com/office/drawing/2010/main" xmlns="">
                       <a:noFill/>
                     </a14:hiddenFill>
                   </a:ext>
                   <a:ext uri="{AF507438-7753-43e0-B8FC-AC1667EBCBE1}">
-                    <a14:hiddenEffects xmlns="" xmlns:a14="http://schemas.microsoft.com/office/drawing/2010/main">
+                    <a14:hiddenEffects xmlns:a14="http://schemas.microsoft.com/office/drawing/2010/main" xmlns="">
                       <a:effectLst>
                         <a:outerShdw blurRad="63500" dist="38099" dir="2700000" algn="ctr" rotWithShape="0">
                           <a:schemeClr val="bg2">
@@ -10316,12 +10295,12 @@
                 <a:effectLst/>
                 <a:extLst>
                   <a:ext uri="{909E8E84-426E-40dd-AFC4-6F175D3DCCD1}">
-                    <a14:hiddenFill xmlns="" xmlns:a14="http://schemas.microsoft.com/office/drawing/2010/main">
+                    <a14:hiddenFill xmlns:a14="http://schemas.microsoft.com/office/drawing/2010/main" xmlns="">
                       <a:noFill/>
                     </a14:hiddenFill>
                   </a:ext>
                   <a:ext uri="{AF507438-7753-43e0-B8FC-AC1667EBCBE1}">
-                    <a14:hiddenEffects xmlns="" xmlns:a14="http://schemas.microsoft.com/office/drawing/2010/main">
+                    <a14:hiddenEffects xmlns:a14="http://schemas.microsoft.com/office/drawing/2010/main" xmlns="">
                       <a:effectLst>
                         <a:outerShdw blurRad="63500" dist="38099" dir="2700000" algn="ctr" rotWithShape="0">
                           <a:schemeClr val="bg2">
@@ -10374,12 +10353,12 @@
                 <a:effectLst/>
                 <a:extLst>
                   <a:ext uri="{909E8E84-426E-40dd-AFC4-6F175D3DCCD1}">
-                    <a14:hiddenFill xmlns="" xmlns:a14="http://schemas.microsoft.com/office/drawing/2010/main">
+                    <a14:hiddenFill xmlns:a14="http://schemas.microsoft.com/office/drawing/2010/main" xmlns="">
                       <a:noFill/>
                     </a14:hiddenFill>
                   </a:ext>
                   <a:ext uri="{AF507438-7753-43e0-B8FC-AC1667EBCBE1}">
-                    <a14:hiddenEffects xmlns="" xmlns:a14="http://schemas.microsoft.com/office/drawing/2010/main">
+                    <a14:hiddenEffects xmlns:a14="http://schemas.microsoft.com/office/drawing/2010/main" xmlns="">
                       <a:effectLst>
                         <a:outerShdw blurRad="63500" dist="38099" dir="2700000" algn="ctr" rotWithShape="0">
                           <a:schemeClr val="bg2">
@@ -10432,12 +10411,12 @@
                 <a:effectLst/>
                 <a:extLst>
                   <a:ext uri="{909E8E84-426E-40dd-AFC4-6F175D3DCCD1}">
-                    <a14:hiddenFill xmlns="" xmlns:a14="http://schemas.microsoft.com/office/drawing/2010/main">
+                    <a14:hiddenFill xmlns:a14="http://schemas.microsoft.com/office/drawing/2010/main" xmlns="">
                       <a:noFill/>
                     </a14:hiddenFill>
                   </a:ext>
                   <a:ext uri="{AF507438-7753-43e0-B8FC-AC1667EBCBE1}">
-                    <a14:hiddenEffects xmlns="" xmlns:a14="http://schemas.microsoft.com/office/drawing/2010/main">
+                    <a14:hiddenEffects xmlns:a14="http://schemas.microsoft.com/office/drawing/2010/main" xmlns="">
                       <a:effectLst>
                         <a:outerShdw blurRad="63500" dist="38099" dir="2700000" algn="ctr" rotWithShape="0">
                           <a:schemeClr val="bg2">
@@ -10490,12 +10469,12 @@
                 <a:effectLst/>
                 <a:extLst>
                   <a:ext uri="{909E8E84-426E-40dd-AFC4-6F175D3DCCD1}">
-                    <a14:hiddenFill xmlns="" xmlns:a14="http://schemas.microsoft.com/office/drawing/2010/main">
+                    <a14:hiddenFill xmlns:a14="http://schemas.microsoft.com/office/drawing/2010/main" xmlns="">
                       <a:noFill/>
                     </a14:hiddenFill>
                   </a:ext>
                   <a:ext uri="{AF507438-7753-43e0-B8FC-AC1667EBCBE1}">
-                    <a14:hiddenEffects xmlns="" xmlns:a14="http://schemas.microsoft.com/office/drawing/2010/main">
+                    <a14:hiddenEffects xmlns:a14="http://schemas.microsoft.com/office/drawing/2010/main" xmlns="">
                       <a:effectLst>
                         <a:outerShdw blurRad="63500" dist="38099" dir="2700000" algn="ctr" rotWithShape="0">
                           <a:schemeClr val="bg2">
@@ -10547,7 +10526,7 @@
             <a:effectLst/>
             <a:extLst>
               <a:ext uri="{91240B29-F687-4f45-9708-019B960494DF}">
-                <a14:hiddenLine xmlns="" xmlns:a14="http://schemas.microsoft.com/office/drawing/2010/main" w="9525">
+                <a14:hiddenLine xmlns:a14="http://schemas.microsoft.com/office/drawing/2010/main" xmlns="" w="9525">
                   <a:solidFill>
                     <a:schemeClr val="tx1"/>
                   </a:solidFill>
@@ -10557,7 +10536,7 @@
                 </a14:hiddenLine>
               </a:ext>
               <a:ext uri="{AF507438-7753-43e0-B8FC-AC1667EBCBE1}">
-                <a14:hiddenEffects xmlns="" xmlns:a14="http://schemas.microsoft.com/office/drawing/2010/main">
+                <a14:hiddenEffects xmlns:a14="http://schemas.microsoft.com/office/drawing/2010/main" xmlns="">
                   <a:effectLst>
                     <a:outerShdw blurRad="63500" dist="38099" dir="2700000" algn="ctr" rotWithShape="0">
                       <a:schemeClr val="bg2">
@@ -10605,12 +10584,12 @@
             <a:effectLst/>
             <a:extLst>
               <a:ext uri="{909E8E84-426E-40dd-AFC4-6F175D3DCCD1}">
-                <a14:hiddenFill xmlns="" xmlns:a14="http://schemas.microsoft.com/office/drawing/2010/main">
+                <a14:hiddenFill xmlns:a14="http://schemas.microsoft.com/office/drawing/2010/main" xmlns="">
                   <a:noFill/>
                 </a14:hiddenFill>
               </a:ext>
               <a:ext uri="{AF507438-7753-43e0-B8FC-AC1667EBCBE1}">
-                <a14:hiddenEffects xmlns="" xmlns:a14="http://schemas.microsoft.com/office/drawing/2010/main">
+                <a14:hiddenEffects xmlns:a14="http://schemas.microsoft.com/office/drawing/2010/main" xmlns="">
                   <a:effectLst>
                     <a:outerShdw blurRad="63500" dist="38099" dir="2700000" algn="ctr" rotWithShape="0">
                       <a:schemeClr val="bg2">
@@ -10630,264 +10609,6 @@
             </a:p>
           </p:txBody>
         </p:sp>
-        <p:grpSp>
-          <p:nvGrpSpPr>
-            <p:cNvPr id="3131" name="Group 1083"/>
-            <p:cNvGrpSpPr>
-              <a:grpSpLocks/>
-            </p:cNvGrpSpPr>
-            <p:nvPr/>
-          </p:nvGrpSpPr>
-          <p:grpSpPr bwMode="auto">
-            <a:xfrm>
-              <a:off x="261" y="892"/>
-              <a:ext cx="1124" cy="1464"/>
-              <a:chOff x="96" y="916"/>
-              <a:chExt cx="2208" cy="2876"/>
-            </a:xfrm>
-          </p:grpSpPr>
-          <p:sp>
-            <p:nvSpPr>
-              <p:cNvPr id="3132" name="Line 1084"/>
-              <p:cNvSpPr>
-                <a:spLocks noChangeShapeType="1"/>
-              </p:cNvSpPr>
-              <p:nvPr/>
-            </p:nvSpPr>
-            <p:spPr bwMode="ltGray">
-              <a:xfrm flipH="1">
-                <a:off x="96" y="1037"/>
-                <a:ext cx="2208" cy="0"/>
-              </a:xfrm>
-              <a:prstGeom prst="line">
-                <a:avLst/>
-              </a:prstGeom>
-              <a:noFill/>
-              <a:ln w="9525">
-                <a:solidFill>
-                  <a:schemeClr val="hlink"/>
-                </a:solidFill>
-                <a:round/>
-                <a:headEnd/>
-                <a:tailEnd/>
-              </a:ln>
-              <a:effectLst/>
-              <a:extLst>
-                <a:ext uri="{909E8E84-426E-40dd-AFC4-6F175D3DCCD1}">
-                  <a14:hiddenFill xmlns="" xmlns:a14="http://schemas.microsoft.com/office/drawing/2010/main">
-                    <a:noFill/>
-                  </a14:hiddenFill>
-                </a:ext>
-                <a:ext uri="{AF507438-7753-43e0-B8FC-AC1667EBCBE1}">
-                  <a14:hiddenEffects xmlns="" xmlns:a14="http://schemas.microsoft.com/office/drawing/2010/main">
-                    <a:effectLst>
-                      <a:outerShdw blurRad="63500" dist="38099" dir="2700000" algn="ctr" rotWithShape="0">
-                        <a:schemeClr val="bg2">
-                          <a:alpha val="74998"/>
-                        </a:schemeClr>
-                      </a:outerShdw>
-                    </a:effectLst>
-                  </a14:hiddenEffects>
-                </a:ext>
-              </a:extLst>
-            </p:spPr>
-            <p:txBody>
-              <a:bodyPr wrap="none" anchor="ctr"/>
-              <a:lstStyle/>
-              <a:p>
-                <a:endParaRPr lang="en-US"/>
-              </a:p>
-            </p:txBody>
-          </p:sp>
-          <p:sp>
-            <p:nvSpPr>
-              <p:cNvPr id="3133" name="Line 1085"/>
-              <p:cNvSpPr>
-                <a:spLocks noChangeShapeType="1"/>
-              </p:cNvSpPr>
-              <p:nvPr/>
-            </p:nvSpPr>
-            <p:spPr bwMode="ltGray">
-              <a:xfrm>
-                <a:off x="336" y="920"/>
-                <a:ext cx="0" cy="2872"/>
-              </a:xfrm>
-              <a:prstGeom prst="line">
-                <a:avLst/>
-              </a:prstGeom>
-              <a:noFill/>
-              <a:ln w="9525">
-                <a:solidFill>
-                  <a:schemeClr val="hlink"/>
-                </a:solidFill>
-                <a:round/>
-                <a:headEnd/>
-                <a:tailEnd/>
-              </a:ln>
-              <a:effectLst/>
-              <a:extLst>
-                <a:ext uri="{909E8E84-426E-40dd-AFC4-6F175D3DCCD1}">
-                  <a14:hiddenFill xmlns="" xmlns:a14="http://schemas.microsoft.com/office/drawing/2010/main">
-                    <a:noFill/>
-                  </a14:hiddenFill>
-                </a:ext>
-                <a:ext uri="{AF507438-7753-43e0-B8FC-AC1667EBCBE1}">
-                  <a14:hiddenEffects xmlns="" xmlns:a14="http://schemas.microsoft.com/office/drawing/2010/main">
-                    <a:effectLst>
-                      <a:outerShdw blurRad="63500" dist="38099" dir="2700000" algn="ctr" rotWithShape="0">
-                        <a:schemeClr val="bg2">
-                          <a:alpha val="74998"/>
-                        </a:schemeClr>
-                      </a:outerShdw>
-                    </a:effectLst>
-                  </a14:hiddenEffects>
-                </a:ext>
-              </a:extLst>
-            </p:spPr>
-            <p:txBody>
-              <a:bodyPr wrap="none" anchor="ctr"/>
-              <a:lstStyle/>
-              <a:p>
-                <a:endParaRPr lang="en-US"/>
-              </a:p>
-            </p:txBody>
-          </p:sp>
-          <p:sp>
-            <p:nvSpPr>
-              <p:cNvPr id="3134" name="Arc 1086"/>
-              <p:cNvSpPr>
-                <a:spLocks/>
-              </p:cNvSpPr>
-              <p:nvPr/>
-            </p:nvSpPr>
-            <p:spPr bwMode="ltGray">
-              <a:xfrm flipH="1">
-                <a:off x="217" y="916"/>
-                <a:ext cx="239" cy="239"/>
-              </a:xfrm>
-              <a:custGeom>
-                <a:avLst/>
-                <a:gdLst>
-                  <a:gd name="G0" fmla="+- 21595 0 0"/>
-                  <a:gd name="G1" fmla="+- 21600 0 0"/>
-                  <a:gd name="G2" fmla="+- 21600 0 0"/>
-                  <a:gd name="T0" fmla="*/ 21114 w 43195"/>
-                  <a:gd name="T1" fmla="*/ 5 h 43200"/>
-                  <a:gd name="T2" fmla="*/ 0 w 43195"/>
-                  <a:gd name="T3" fmla="*/ 22056 h 43200"/>
-                  <a:gd name="T4" fmla="*/ 21595 w 43195"/>
-                  <a:gd name="T5" fmla="*/ 21600 h 43200"/>
-                </a:gdLst>
-                <a:ahLst/>
-                <a:cxnLst>
-                  <a:cxn ang="0">
-                    <a:pos x="T0" y="T1"/>
-                  </a:cxn>
-                  <a:cxn ang="0">
-                    <a:pos x="T2" y="T3"/>
-                  </a:cxn>
-                  <a:cxn ang="0">
-                    <a:pos x="T4" y="T5"/>
-                  </a:cxn>
-                </a:cxnLst>
-                <a:rect l="0" t="0" r="r" b="b"/>
-                <a:pathLst>
-                  <a:path w="43195" h="43200" fill="none" extrusionOk="0">
-                    <a:moveTo>
-                      <a:pt x="21114" y="5"/>
-                    </a:moveTo>
-                    <a:cubicBezTo>
-                      <a:pt x="21274" y="1"/>
-                      <a:pt x="21434" y="-1"/>
-                      <a:pt x="21595" y="-1"/>
-                    </a:cubicBezTo>
-                    <a:cubicBezTo>
-                      <a:pt x="33524" y="0"/>
-                      <a:pt x="43195" y="9670"/>
-                      <a:pt x="43195" y="21600"/>
-                    </a:cubicBezTo>
-                    <a:cubicBezTo>
-                      <a:pt x="43195" y="33529"/>
-                      <a:pt x="33524" y="43200"/>
-                      <a:pt x="21595" y="43200"/>
-                    </a:cubicBezTo>
-                    <a:cubicBezTo>
-                      <a:pt x="9843" y="43199"/>
-                      <a:pt x="247" y="33805"/>
-                      <a:pt x="-1" y="22056"/>
-                    </a:cubicBezTo>
-                  </a:path>
-                  <a:path w="43195" h="43200" stroke="0" extrusionOk="0">
-                    <a:moveTo>
-                      <a:pt x="21114" y="5"/>
-                    </a:moveTo>
-                    <a:cubicBezTo>
-                      <a:pt x="21274" y="1"/>
-                      <a:pt x="21434" y="-1"/>
-                      <a:pt x="21595" y="-1"/>
-                    </a:cubicBezTo>
-                    <a:cubicBezTo>
-                      <a:pt x="33524" y="0"/>
-                      <a:pt x="43195" y="9670"/>
-                      <a:pt x="43195" y="21600"/>
-                    </a:cubicBezTo>
-                    <a:cubicBezTo>
-                      <a:pt x="43195" y="33529"/>
-                      <a:pt x="33524" y="43200"/>
-                      <a:pt x="21595" y="43200"/>
-                    </a:cubicBezTo>
-                    <a:cubicBezTo>
-                      <a:pt x="9843" y="43199"/>
-                      <a:pt x="247" y="33805"/>
-                      <a:pt x="-1" y="22056"/>
-                    </a:cubicBezTo>
-                    <a:lnTo>
-                      <a:pt x="21595" y="21600"/>
-                    </a:lnTo>
-                    <a:close/>
-                  </a:path>
-                </a:pathLst>
-              </a:custGeom>
-              <a:noFill/>
-              <a:ln w="9525">
-                <a:solidFill>
-                  <a:schemeClr val="hlink"/>
-                </a:solidFill>
-                <a:round/>
-                <a:headEnd/>
-                <a:tailEnd/>
-              </a:ln>
-              <a:effectLst/>
-              <a:extLst>
-                <a:ext uri="{909E8E84-426E-40dd-AFC4-6F175D3DCCD1}">
-                  <a14:hiddenFill xmlns="" xmlns:a14="http://schemas.microsoft.com/office/drawing/2010/main">
-                    <a:solidFill>
-                      <a:schemeClr val="accent1"/>
-                    </a:solidFill>
-                  </a14:hiddenFill>
-                </a:ext>
-                <a:ext uri="{AF507438-7753-43e0-B8FC-AC1667EBCBE1}">
-                  <a14:hiddenEffects xmlns="" xmlns:a14="http://schemas.microsoft.com/office/drawing/2010/main">
-                    <a:effectLst>
-                      <a:outerShdw blurRad="63500" dist="38099" dir="2700000" algn="ctr" rotWithShape="0">
-                        <a:schemeClr val="bg2">
-                          <a:alpha val="74998"/>
-                        </a:schemeClr>
-                      </a:outerShdw>
-                    </a:effectLst>
-                  </a14:hiddenEffects>
-                </a:ext>
-              </a:extLst>
-            </p:spPr>
-            <p:txBody>
-              <a:bodyPr wrap="none" anchor="ctr"/>
-              <a:lstStyle/>
-              <a:p>
-                <a:endParaRPr lang="en-US"/>
-              </a:p>
-            </p:txBody>
-          </p:sp>
-        </p:grpSp>
       </p:grpSp>
       <p:sp>
         <p:nvSpPr>
@@ -10914,17 +10635,17 @@
           <a:effectLst/>
           <a:extLst>
             <a:ext uri="{FAA26D3D-D897-4be2-8F04-BA451C77F1D7}">
-              <ma14:placeholderFlag xmlns:ma14="http://schemas.microsoft.com/office/mac/drawingml/2011/main" val="1"/>
+              <ma14:placeholderFlag xmlns:ma14="http://schemas.microsoft.com/office/mac/drawingml/2011/main" xmlns="" val="1"/>
             </a:ext>
             <a:ext uri="{909E8E84-426E-40dd-AFC4-6F175D3DCCD1}">
-              <a14:hiddenFill xmlns="" xmlns:a14="http://schemas.microsoft.com/office/drawing/2010/main">
+              <a14:hiddenFill xmlns:a14="http://schemas.microsoft.com/office/drawing/2010/main" xmlns="">
                 <a:solidFill>
                   <a:schemeClr val="accent1"/>
                 </a:solidFill>
               </a14:hiddenFill>
             </a:ext>
             <a:ext uri="{91240B29-F687-4f45-9708-019B960494DF}">
-              <a14:hiddenLine xmlns="" xmlns:a14="http://schemas.microsoft.com/office/drawing/2010/main" w="9525">
+              <a14:hiddenLine xmlns:a14="http://schemas.microsoft.com/office/drawing/2010/main" xmlns="" w="9525">
                 <a:solidFill>
                   <a:schemeClr val="tx1"/>
                 </a:solidFill>
@@ -10934,7 +10655,7 @@
               </a14:hiddenLine>
             </a:ext>
             <a:ext uri="{AF507438-7753-43e0-B8FC-AC1667EBCBE1}">
-              <a14:hiddenEffects xmlns="" xmlns:a14="http://schemas.microsoft.com/office/drawing/2010/main">
+              <a14:hiddenEffects xmlns:a14="http://schemas.microsoft.com/office/drawing/2010/main" xmlns="">
                 <a:effectLst>
                   <a:outerShdw blurRad="63500" dist="38099" dir="2700000" algn="ctr" rotWithShape="0">
                     <a:schemeClr val="bg2">
@@ -10947,7 +10668,7 @@
           </a:extLst>
         </p:spPr>
         <p:txBody>
-          <a:bodyPr vert="horz" wrap="square" lIns="91440" tIns="45720" rIns="91440" bIns="45720" numCol="1" anchor="b" anchorCtr="0" compatLnSpc="1">
+          <a:bodyPr vert="horz" wrap="square" lIns="91440" tIns="45720" rIns="91440" bIns="45720" numCol="1" anchor="t" anchorCtr="0" compatLnSpc="1">
             <a:prstTxWarp prst="textNoShape">
               <a:avLst/>
             </a:prstTxWarp>
@@ -10987,17 +10708,17 @@
           <a:effectLst/>
           <a:extLst>
             <a:ext uri="{FAA26D3D-D897-4be2-8F04-BA451C77F1D7}">
-              <ma14:placeholderFlag xmlns:ma14="http://schemas.microsoft.com/office/mac/drawingml/2011/main" val="1"/>
+              <ma14:placeholderFlag xmlns:ma14="http://schemas.microsoft.com/office/mac/drawingml/2011/main" xmlns="" val="1"/>
             </a:ext>
             <a:ext uri="{909E8E84-426E-40dd-AFC4-6F175D3DCCD1}">
-              <a14:hiddenFill xmlns="" xmlns:a14="http://schemas.microsoft.com/office/drawing/2010/main">
+              <a14:hiddenFill xmlns:a14="http://schemas.microsoft.com/office/drawing/2010/main" xmlns="">
                 <a:solidFill>
                   <a:schemeClr val="accent1"/>
                 </a:solidFill>
               </a14:hiddenFill>
             </a:ext>
             <a:ext uri="{91240B29-F687-4f45-9708-019B960494DF}">
-              <a14:hiddenLine xmlns="" xmlns:a14="http://schemas.microsoft.com/office/drawing/2010/main" w="9525">
+              <a14:hiddenLine xmlns:a14="http://schemas.microsoft.com/office/drawing/2010/main" xmlns="" w="9525">
                 <a:solidFill>
                   <a:schemeClr val="tx1"/>
                 </a:solidFill>
@@ -11007,7 +10728,7 @@
               </a14:hiddenLine>
             </a:ext>
             <a:ext uri="{AF507438-7753-43e0-B8FC-AC1667EBCBE1}">
-              <a14:hiddenEffects xmlns="" xmlns:a14="http://schemas.microsoft.com/office/drawing/2010/main">
+              <a14:hiddenEffects xmlns:a14="http://schemas.microsoft.com/office/drawing/2010/main" xmlns="">
                 <a:effectLst>
                   <a:outerShdw blurRad="63500" dist="38099" dir="2700000" algn="ctr" rotWithShape="0">
                     <a:schemeClr val="bg2">
@@ -11088,17 +10809,17 @@
           <a:effectLst/>
           <a:extLst>
             <a:ext uri="{FAA26D3D-D897-4be2-8F04-BA451C77F1D7}">
-              <ma14:placeholderFlag xmlns:ma14="http://schemas.microsoft.com/office/mac/drawingml/2011/main" val="1"/>
+              <ma14:placeholderFlag xmlns:ma14="http://schemas.microsoft.com/office/mac/drawingml/2011/main" xmlns="" val="1"/>
             </a:ext>
             <a:ext uri="{909E8E84-426E-40dd-AFC4-6F175D3DCCD1}">
-              <a14:hiddenFill xmlns="" xmlns:a14="http://schemas.microsoft.com/office/drawing/2010/main">
+              <a14:hiddenFill xmlns:a14="http://schemas.microsoft.com/office/drawing/2010/main" xmlns="">
                 <a:solidFill>
                   <a:schemeClr val="accent1"/>
                 </a:solidFill>
               </a14:hiddenFill>
             </a:ext>
             <a:ext uri="{91240B29-F687-4f45-9708-019B960494DF}">
-              <a14:hiddenLine xmlns="" xmlns:a14="http://schemas.microsoft.com/office/drawing/2010/main" w="9525">
+              <a14:hiddenLine xmlns:a14="http://schemas.microsoft.com/office/drawing/2010/main" xmlns="" w="9525">
                 <a:solidFill>
                   <a:schemeClr val="tx1"/>
                 </a:solidFill>
@@ -11108,7 +10829,7 @@
               </a14:hiddenLine>
             </a:ext>
             <a:ext uri="{AF507438-7753-43e0-B8FC-AC1667EBCBE1}">
-              <a14:hiddenEffects xmlns="" xmlns:a14="http://schemas.microsoft.com/office/drawing/2010/main">
+              <a14:hiddenEffects xmlns:a14="http://schemas.microsoft.com/office/drawing/2010/main" xmlns="">
                 <a:effectLst>
                   <a:outerShdw blurRad="63500" dist="38099" dir="2700000" algn="ctr" rotWithShape="0">
                     <a:schemeClr val="bg2">
@@ -11161,17 +10882,17 @@
           <a:effectLst/>
           <a:extLst>
             <a:ext uri="{FAA26D3D-D897-4be2-8F04-BA451C77F1D7}">
-              <ma14:placeholderFlag xmlns:ma14="http://schemas.microsoft.com/office/mac/drawingml/2011/main" val="1"/>
+              <ma14:placeholderFlag xmlns:ma14="http://schemas.microsoft.com/office/mac/drawingml/2011/main" xmlns="" val="1"/>
             </a:ext>
             <a:ext uri="{909E8E84-426E-40dd-AFC4-6F175D3DCCD1}">
-              <a14:hiddenFill xmlns="" xmlns:a14="http://schemas.microsoft.com/office/drawing/2010/main">
+              <a14:hiddenFill xmlns:a14="http://schemas.microsoft.com/office/drawing/2010/main" xmlns="">
                 <a:solidFill>
                   <a:schemeClr val="accent1"/>
                 </a:solidFill>
               </a14:hiddenFill>
             </a:ext>
             <a:ext uri="{91240B29-F687-4f45-9708-019B960494DF}">
-              <a14:hiddenLine xmlns="" xmlns:a14="http://schemas.microsoft.com/office/drawing/2010/main" w="9525">
+              <a14:hiddenLine xmlns:a14="http://schemas.microsoft.com/office/drawing/2010/main" xmlns="" w="9525">
                 <a:solidFill>
                   <a:schemeClr val="tx1"/>
                 </a:solidFill>
@@ -11181,7 +10902,7 @@
               </a14:hiddenLine>
             </a:ext>
             <a:ext uri="{AF507438-7753-43e0-B8FC-AC1667EBCBE1}">
-              <a14:hiddenEffects xmlns="" xmlns:a14="http://schemas.microsoft.com/office/drawing/2010/main">
+              <a14:hiddenEffects xmlns:a14="http://schemas.microsoft.com/office/drawing/2010/main" xmlns="">
                 <a:effectLst>
                   <a:outerShdw blurRad="63500" dist="38099" dir="2700000" algn="ctr" rotWithShape="0">
                     <a:schemeClr val="bg2">
@@ -11726,7 +11447,7 @@
           <a:ln/>
           <a:extLst>
             <a:ext uri="{91240B29-F687-4f45-9708-019B960494DF}">
-              <a14:hiddenLine xmlns="" xmlns:a14="http://schemas.microsoft.com/office/drawing/2010/main" w="12700">
+              <a14:hiddenLine xmlns:a14="http://schemas.microsoft.com/office/drawing/2010/main" xmlns="" w="12700">
                 <a:solidFill>
                   <a:schemeClr val="tx1"/>
                 </a:solidFill>
@@ -11750,11 +11471,11 @@
               <a:rPr kumimoji="1" lang="en-US" sz="3200" dirty="0"/>
             </a:br>
             <a:r>
-              <a:rPr kumimoji="1" lang="en-US" sz="3200" dirty="0" smtClean="0"/>
+              <a:rPr kumimoji="1" lang="en-US" sz="3200" dirty="0"/>
               <a:t>ADLs, UML and </a:t>
             </a:r>
             <a:r>
-              <a:rPr kumimoji="1" lang="en-US" sz="3200" smtClean="0"/>
+              <a:rPr kumimoji="1" lang="en-US" sz="3200"/>
               <a:t>Other Notations</a:t>
             </a:r>
             <a:endParaRPr kumimoji="1" lang="en-US" sz="3200" dirty="0"/>
@@ -11789,13 +11510,6 @@
     <a:masterClrMapping/>
   </p:clrMapOvr>
   <p:transition/>
-  <p:timing>
-    <p:tnLst>
-      <p:par>
-        <p:cTn id="1" dur="indefinite" restart="never" nodeType="tmRoot"/>
-      </p:par>
-    </p:tnLst>
-  </p:timing>
 </p:sld>
 </file>
 
@@ -11856,14 +11570,9 @@
           <a:lstStyle/>
           <a:p>
             <a:r>
-              <a:rPr lang="en-US" dirty="0" smtClean="0"/>
-              <a:t>Modeling </a:t>
-            </a:r>
-            <a:r>
-              <a:rPr lang="en-US" dirty="0" smtClean="0"/>
-              <a:t>is about documenting design decisions!</a:t>
-            </a:r>
-            <a:endParaRPr lang="en-US" dirty="0"/>
+              <a:rPr lang="en-US" dirty="0"/>
+              <a:t>Modeling is about documenting design decisions!</a:t>
+            </a:r>
           </a:p>
         </p:txBody>
       </p:sp>
@@ -11888,40 +11597,38 @@
           <a:lstStyle/>
           <a:p>
             <a:r>
-              <a:rPr lang="en-US" sz="2400" dirty="0" smtClean="0"/>
+              <a:rPr lang="en-US" sz="2400" dirty="0"/>
               <a:t>A </a:t>
             </a:r>
             <a:r>
-              <a:rPr lang="en-US" sz="2400" b="1" dirty="0" smtClean="0"/>
+              <a:rPr lang="en-US" sz="2400" b="1" dirty="0"/>
               <a:t>model</a:t>
             </a:r>
             <a:r>
-              <a:rPr lang="en-US" sz="2400" dirty="0" smtClean="0"/>
+              <a:rPr lang="en-US" sz="2400" dirty="0"/>
               <a:t> is an </a:t>
             </a:r>
             <a:r>
-              <a:rPr lang="en-US" sz="2400" b="1" dirty="0" smtClean="0"/>
+              <a:rPr lang="en-US" sz="2400" b="1" dirty="0"/>
               <a:t>artifact</a:t>
             </a:r>
             <a:r>
-              <a:rPr lang="en-US" sz="2400" dirty="0" smtClean="0"/>
+              <a:rPr lang="en-US" sz="2400" dirty="0"/>
               <a:t> that captures a number of different design decisions used to establish the overall system architecture</a:t>
             </a:r>
-            <a:endParaRPr lang="en-US" sz="2400" dirty="0" smtClean="0"/>
           </a:p>
           <a:p>
             <a:pPr lvl="1"/>
             <a:r>
-              <a:rPr lang="en-US" sz="2000" dirty="0" smtClean="0"/>
+              <a:rPr lang="en-US" sz="2000" dirty="0"/>
               <a:t>This activity takes time and costs money so picking what to model becomes a critical activity</a:t>
             </a:r>
           </a:p>
           <a:p>
             <a:r>
-              <a:rPr lang="en-US" sz="2400" dirty="0" smtClean="0"/>
+              <a:rPr lang="en-US" sz="2400" dirty="0"/>
               <a:t>Key things to consider when modeling</a:t>
             </a:r>
-            <a:endParaRPr lang="en-US" sz="2400" dirty="0" smtClean="0"/>
           </a:p>
           <a:p>
             <a:pPr lvl="1"/>
@@ -11941,13 +11648,8 @@
             <a:pPr lvl="1"/>
             <a:r>
               <a:rPr lang="en-US" sz="2000" dirty="0"/>
-              <a:t>With how much rigor or </a:t>
-            </a:r>
-            <a:r>
-              <a:rPr lang="en-US" sz="2000" dirty="0" smtClean="0"/>
-              <a:t>formality</a:t>
-            </a:r>
-            <a:endParaRPr lang="en-US" sz="2000" dirty="0"/>
+              <a:t>With how much rigor or formality</a:t>
+            </a:r>
           </a:p>
         </p:txBody>
       </p:sp>
@@ -11980,21 +11682,8 @@
                 <a:ea typeface="Calibri" charset="0"/>
                 <a:cs typeface="Calibri" charset="0"/>
               </a:rPr>
-              <a:t>Adapted </a:t>
-            </a:r>
-            <a:r>
-              <a:rPr lang="en-US" sz="1200" dirty="0" smtClean="0">
-                <a:latin typeface="Calibri" charset="0"/>
-                <a:ea typeface="Calibri" charset="0"/>
-                <a:cs typeface="Calibri" charset="0"/>
-              </a:rPr>
-              <a:t>From Software Architecture, Foundations, Theory and Practice</a:t>
-            </a:r>
-            <a:endParaRPr lang="en-US" sz="1200" dirty="0">
-              <a:latin typeface="Calibri" charset="0"/>
-              <a:ea typeface="Calibri" charset="0"/>
-              <a:cs typeface="Calibri" charset="0"/>
-            </a:endParaRPr>
+              <a:t>Adapted From Software Architecture, Foundations, Theory and Practice</a:t>
+            </a:r>
           </a:p>
         </p:txBody>
       </p:sp>
@@ -12009,13 +11698,6 @@
     <a:masterClrMapping/>
   </p:clrMapOvr>
   <p:transition/>
-  <p:timing>
-    <p:tnLst>
-      <p:par>
-        <p:cTn id="1" dur="indefinite" restart="never" nodeType="tmRoot"/>
-      </p:par>
-    </p:tnLst>
-  </p:timing>
 </p:sld>
 </file>
 
@@ -12076,10 +11758,9 @@
           <a:lstStyle/>
           <a:p>
             <a:r>
-              <a:rPr lang="en-US" dirty="0" smtClean="0"/>
+              <a:rPr lang="en-US" dirty="0"/>
               <a:t>What do we document in a model?</a:t>
             </a:r>
-            <a:endParaRPr lang="en-US" dirty="0"/>
           </a:p>
         </p:txBody>
       </p:sp>
@@ -12104,50 +11785,42 @@
           <a:lstStyle/>
           <a:p>
             <a:r>
-              <a:rPr lang="en-US" sz="2400" dirty="0" smtClean="0"/>
+              <a:rPr lang="en-US" sz="2400" dirty="0"/>
               <a:t>Components</a:t>
             </a:r>
           </a:p>
           <a:p>
             <a:r>
-              <a:rPr lang="en-US" sz="2400" dirty="0" smtClean="0"/>
+              <a:rPr lang="en-US" sz="2400" dirty="0"/>
               <a:t>Connectors</a:t>
             </a:r>
             <a:endParaRPr lang="en-US" sz="2000" dirty="0"/>
           </a:p>
           <a:p>
             <a:r>
-              <a:rPr lang="en-US" sz="2400" dirty="0" smtClean="0"/>
-              <a:t>Interfaces</a:t>
-            </a:r>
-            <a:r>
               <a:rPr lang="en-US" sz="2400" dirty="0"/>
-              <a:t> </a:t>
-            </a:r>
-            <a:r>
-              <a:rPr lang="en-US" sz="2400" dirty="0" smtClean="0"/>
-              <a:t/>
+              <a:t>Interfaces </a:t>
             </a:r>
             <a:br>
-              <a:rPr lang="en-US" sz="2400" dirty="0" smtClean="0"/>
+              <a:rPr lang="en-US" sz="2400" dirty="0"/>
             </a:br>
             <a:r>
-              <a:rPr lang="en-US" sz="2400" dirty="0" smtClean="0"/>
+              <a:rPr lang="en-US" sz="2400" dirty="0"/>
               <a:t>(including constraints)</a:t>
             </a:r>
           </a:p>
           <a:p>
             <a:r>
-              <a:rPr lang="en-US" sz="2400" dirty="0" smtClean="0"/>
+              <a:rPr lang="en-US" sz="2400" dirty="0"/>
               <a:t>Decisions and Rational</a:t>
             </a:r>
           </a:p>
           <a:p>
             <a:r>
-              <a:rPr lang="en-US" sz="2400" dirty="0" smtClean="0"/>
+              <a:rPr lang="en-US" sz="2400" dirty="0"/>
               <a:t>Structural, Runtime and Behavioral Constraints</a:t>
             </a:r>
-            <a:endParaRPr lang="en-US" sz="2000" dirty="0" smtClean="0"/>
+            <a:endParaRPr lang="en-US" sz="2000" dirty="0"/>
           </a:p>
         </p:txBody>
       </p:sp>
@@ -12204,10 +11877,9 @@
           <a:lstStyle/>
           <a:p>
             <a:r>
-              <a:rPr lang="en-US" b="1" dirty="0" smtClean="0"/>
+              <a:rPr lang="en-US" b="1" dirty="0"/>
               <a:t>Remind you of the definition of software architecture?</a:t>
             </a:r>
-            <a:endParaRPr lang="en-US" b="1" dirty="0"/>
           </a:p>
         </p:txBody>
       </p:sp>
@@ -12243,7 +11915,7 @@
           <a:effectLst/>
           <a:extLst>
             <a:ext uri="{AF507438-7753-43e0-B8FC-AC1667EBCBE1}">
-              <a14:hiddenEffects xmlns="" xmlns:a14="http://schemas.microsoft.com/office/drawing/2010/main">
+              <a14:hiddenEffects xmlns:a14="http://schemas.microsoft.com/office/drawing/2010/main" xmlns="">
                 <a:effectLst>
                   <a:outerShdw blurRad="63500" dist="38099" dir="2700000" algn="ctr" rotWithShape="0">
                     <a:schemeClr val="bg2">
@@ -12304,13 +11976,6 @@
     <a:masterClrMapping/>
   </p:clrMapOvr>
   <p:transition/>
-  <p:timing>
-    <p:tnLst>
-      <p:par>
-        <p:cTn id="1" dur="indefinite" restart="never" nodeType="tmRoot"/>
-      </p:par>
-    </p:tnLst>
-  </p:timing>
 </p:sld>
 </file>
 
@@ -12371,11 +12036,11 @@
           <a:lstStyle/>
           <a:p>
             <a:r>
-              <a:rPr lang="en-US" dirty="0" smtClean="0"/>
+              <a:rPr lang="en-US" dirty="0"/>
               <a:t>Thinking about models</a:t>
             </a:r>
             <a:r>
-              <a:rPr lang="mr-IN" dirty="0" smtClean="0"/>
+              <a:rPr lang="mr-IN" dirty="0"/>
               <a:t>…</a:t>
             </a:r>
             <a:endParaRPr lang="en-US" dirty="0"/>
@@ -12405,10 +12070,9 @@
           <a:lstStyle/>
           <a:p>
             <a:r>
-              <a:rPr lang="en-US" b="1" dirty="0" smtClean="0"/>
+              <a:rPr lang="en-US" b="1" dirty="0"/>
               <a:t>Reason for Modeling</a:t>
             </a:r>
-            <a:endParaRPr lang="en-US" b="1" dirty="0"/>
           </a:p>
         </p:txBody>
       </p:sp>
@@ -12436,7 +12100,7 @@
           <a:p>
             <a:pPr algn="ctr"/>
             <a:r>
-              <a:rPr lang="en-US" sz="1800" dirty="0" smtClean="0">
+              <a:rPr lang="en-US" sz="1800" dirty="0">
                 <a:latin typeface="Calibri" charset="0"/>
                 <a:ea typeface="Calibri" charset="0"/>
                 <a:cs typeface="Calibri" charset="0"/>
@@ -12447,7 +12111,7 @@
           <a:p>
             <a:pPr algn="ctr"/>
             <a:r>
-              <a:rPr lang="en-US" sz="1800" dirty="0" smtClean="0">
+              <a:rPr lang="en-US" sz="1800" dirty="0">
                 <a:latin typeface="Calibri" charset="0"/>
                 <a:ea typeface="Calibri" charset="0"/>
                 <a:cs typeface="Calibri" charset="0"/>
@@ -12458,7 +12122,7 @@
           <a:p>
             <a:pPr algn="ctr"/>
             <a:r>
-              <a:rPr lang="en-US" sz="1800" dirty="0" smtClean="0">
+              <a:rPr lang="en-US" sz="1800" dirty="0">
                 <a:latin typeface="Calibri" charset="0"/>
                 <a:ea typeface="Calibri" charset="0"/>
                 <a:cs typeface="Calibri" charset="0"/>
@@ -12469,34 +12133,24 @@
           <a:p>
             <a:pPr algn="ctr"/>
             <a:r>
-              <a:rPr lang="en-US" sz="1800" dirty="0" smtClean="0">
+              <a:rPr lang="en-US" sz="1800" dirty="0">
                 <a:latin typeface="Calibri" charset="0"/>
                 <a:ea typeface="Calibri" charset="0"/>
                 <a:cs typeface="Calibri" charset="0"/>
               </a:rPr>
               <a:t>To analyze</a:t>
             </a:r>
-            <a:endParaRPr lang="en-US" sz="1800" dirty="0">
-              <a:latin typeface="Calibri" charset="0"/>
-              <a:ea typeface="Calibri" charset="0"/>
-              <a:cs typeface="Calibri" charset="0"/>
-            </a:endParaRPr>
           </a:p>
           <a:p>
             <a:pPr algn="ctr"/>
             <a:r>
-              <a:rPr lang="en-US" sz="1800" dirty="0" smtClean="0">
+              <a:rPr lang="en-US" sz="1800" dirty="0">
                 <a:latin typeface="Calibri" charset="0"/>
                 <a:ea typeface="Calibri" charset="0"/>
                 <a:cs typeface="Calibri" charset="0"/>
               </a:rPr>
               <a:t>To evaluate</a:t>
             </a:r>
-            <a:endParaRPr lang="en-US" sz="1800" dirty="0">
-              <a:latin typeface="Calibri" charset="0"/>
-              <a:ea typeface="Calibri" charset="0"/>
-              <a:cs typeface="Calibri" charset="0"/>
-            </a:endParaRPr>
           </a:p>
         </p:txBody>
       </p:sp>
@@ -12524,10 +12178,9 @@
           <a:p>
             <a:pPr algn="ctr"/>
             <a:r>
-              <a:rPr lang="en-US" b="1" dirty="0" smtClean="0"/>
+              <a:rPr lang="en-US" b="1" dirty="0"/>
               <a:t>What to Model</a:t>
             </a:r>
-            <a:endParaRPr lang="en-US" b="1" dirty="0"/>
           </a:p>
         </p:txBody>
       </p:sp>
@@ -12554,10 +12207,9 @@
           <a:lstStyle/>
           <a:p>
             <a:r>
-              <a:rPr lang="en-US" b="1" dirty="0" smtClean="0"/>
+              <a:rPr lang="en-US" b="1" dirty="0"/>
               <a:t>How to Model</a:t>
             </a:r>
-            <a:endParaRPr lang="en-US" b="1" dirty="0"/>
           </a:p>
         </p:txBody>
       </p:sp>
@@ -12585,7 +12237,7 @@
           <a:p>
             <a:pPr algn="ctr"/>
             <a:r>
-              <a:rPr lang="en-US" sz="1800" dirty="0" smtClean="0">
+              <a:rPr lang="en-US" sz="1800" dirty="0">
                 <a:latin typeface="Calibri" charset="0"/>
                 <a:ea typeface="Calibri" charset="0"/>
                 <a:cs typeface="Calibri" charset="0"/>
@@ -12596,7 +12248,7 @@
           <a:p>
             <a:pPr algn="ctr"/>
             <a:r>
-              <a:rPr lang="en-US" sz="1800" dirty="0" smtClean="0">
+              <a:rPr lang="en-US" sz="1800" dirty="0">
                 <a:latin typeface="Calibri" charset="0"/>
                 <a:ea typeface="Calibri" charset="0"/>
                 <a:cs typeface="Calibri" charset="0"/>
@@ -12607,7 +12259,7 @@
           <a:p>
             <a:pPr algn="ctr"/>
             <a:r>
-              <a:rPr lang="en-US" sz="1800" dirty="0" smtClean="0">
+              <a:rPr lang="en-US" sz="1800" dirty="0">
                 <a:latin typeface="Calibri" charset="0"/>
                 <a:ea typeface="Calibri" charset="0"/>
                 <a:cs typeface="Calibri" charset="0"/>
@@ -12618,18 +12270,13 @@
           <a:p>
             <a:pPr algn="ctr"/>
             <a:r>
-              <a:rPr lang="en-US" sz="1800" dirty="0" smtClean="0">
+              <a:rPr lang="en-US" sz="1800" dirty="0">
                 <a:latin typeface="Calibri" charset="0"/>
                 <a:ea typeface="Calibri" charset="0"/>
                 <a:cs typeface="Calibri" charset="0"/>
               </a:rPr>
               <a:t>Inputs and Outputs</a:t>
             </a:r>
-            <a:endParaRPr lang="en-US" sz="1800" dirty="0">
-              <a:latin typeface="Calibri" charset="0"/>
-              <a:ea typeface="Calibri" charset="0"/>
-              <a:cs typeface="Calibri" charset="0"/>
-            </a:endParaRPr>
           </a:p>
         </p:txBody>
       </p:sp>
@@ -12657,7 +12304,7 @@
           <a:p>
             <a:pPr algn="ctr"/>
             <a:r>
-              <a:rPr lang="en-US" sz="1800" dirty="0" smtClean="0">
+              <a:rPr lang="en-US" sz="1800" dirty="0">
                 <a:latin typeface="Calibri" charset="0"/>
                 <a:ea typeface="Calibri" charset="0"/>
                 <a:cs typeface="Calibri" charset="0"/>
@@ -12668,7 +12315,7 @@
           <a:p>
             <a:pPr algn="ctr"/>
             <a:r>
-              <a:rPr lang="en-US" sz="1800" dirty="0" smtClean="0">
+              <a:rPr lang="en-US" sz="1800" dirty="0">
                 <a:latin typeface="Calibri" charset="0"/>
                 <a:ea typeface="Calibri" charset="0"/>
                 <a:cs typeface="Calibri" charset="0"/>
@@ -12679,18 +12326,13 @@
           <a:p>
             <a:pPr algn="ctr"/>
             <a:r>
-              <a:rPr lang="en-US" sz="1800" dirty="0" smtClean="0">
+              <a:rPr lang="en-US" sz="1800" dirty="0">
                 <a:latin typeface="Calibri" charset="0"/>
                 <a:ea typeface="Calibri" charset="0"/>
                 <a:cs typeface="Calibri" charset="0"/>
               </a:rPr>
               <a:t>Formal / Mathematical</a:t>
             </a:r>
-            <a:endParaRPr lang="en-US" sz="1800" dirty="0">
-              <a:latin typeface="Calibri" charset="0"/>
-              <a:ea typeface="Calibri" charset="0"/>
-              <a:cs typeface="Calibri" charset="0"/>
-            </a:endParaRPr>
           </a:p>
         </p:txBody>
       </p:sp>
@@ -12726,7 +12368,7 @@
           <a:effectLst/>
           <a:extLst>
             <a:ext uri="{AF507438-7753-43e0-B8FC-AC1667EBCBE1}">
-              <a14:hiddenEffects xmlns="" xmlns:a14="http://schemas.microsoft.com/office/drawing/2010/main">
+              <a14:hiddenEffects xmlns:a14="http://schemas.microsoft.com/office/drawing/2010/main" xmlns="">
                 <a:effectLst>
                   <a:outerShdw blurRad="63500" dist="38099" dir="2700000" algn="ctr" rotWithShape="0">
                     <a:schemeClr val="bg2">
@@ -12771,7 +12413,7 @@
           <a:effectLst/>
           <a:extLst>
             <a:ext uri="{AF507438-7753-43e0-B8FC-AC1667EBCBE1}">
-              <a14:hiddenEffects xmlns="" xmlns:a14="http://schemas.microsoft.com/office/drawing/2010/main">
+              <a14:hiddenEffects xmlns:a14="http://schemas.microsoft.com/office/drawing/2010/main" xmlns="">
                 <a:effectLst>
                   <a:outerShdw blurRad="63500" dist="38099" dir="2700000" algn="ctr" rotWithShape="0">
                     <a:schemeClr val="bg2">
@@ -12816,7 +12458,7 @@
           <a:effectLst/>
           <a:extLst>
             <a:ext uri="{AF507438-7753-43e0-B8FC-AC1667EBCBE1}">
-              <a14:hiddenEffects xmlns="" xmlns:a14="http://schemas.microsoft.com/office/drawing/2010/main">
+              <a14:hiddenEffects xmlns:a14="http://schemas.microsoft.com/office/drawing/2010/main" xmlns="">
                 <a:effectLst>
                   <a:outerShdw blurRad="63500" dist="38099" dir="2700000" algn="ctr" rotWithShape="0">
                     <a:schemeClr val="bg2">
@@ -12892,11 +12534,6 @@
               </a:rPr>
               <a:t>/softwaredesign01.pdf </a:t>
             </a:r>
-            <a:endParaRPr lang="en-US" sz="1200" dirty="0">
-              <a:latin typeface="Calibri" charset="0"/>
-              <a:ea typeface="Calibri" charset="0"/>
-              <a:cs typeface="Calibri" charset="0"/>
-            </a:endParaRPr>
           </a:p>
         </p:txBody>
       </p:sp>
@@ -12924,11 +12561,11 @@
           <a:p>
             <a:pPr algn="ctr"/>
             <a:r>
-              <a:rPr lang="en-US" sz="1600" b="1" dirty="0" smtClean="0"/>
+              <a:rPr lang="en-US" sz="1600" b="1" dirty="0"/>
               <a:t>What is the purpose of the model, and </a:t>
             </a:r>
             <a:r>
-              <a:rPr lang="en-US" sz="1600" b="1" smtClean="0"/>
+              <a:rPr lang="en-US" sz="1600" b="1"/>
               <a:t>who is the model for?</a:t>
             </a:r>
             <a:endParaRPr lang="en-US" sz="1600" b="1" dirty="0"/>
@@ -12946,13 +12583,6 @@
     <a:masterClrMapping/>
   </p:clrMapOvr>
   <p:transition/>
-  <p:timing>
-    <p:tnLst>
-      <p:par>
-        <p:cTn id="1" dur="indefinite" restart="never" nodeType="tmRoot"/>
-      </p:par>
-    </p:tnLst>
-  </p:timing>
 </p:sld>
 </file>
 
@@ -13013,10 +12643,9 @@
           <a:lstStyle/>
           <a:p>
             <a:r>
-              <a:rPr lang="en-US" dirty="0" smtClean="0"/>
+              <a:rPr lang="en-US" dirty="0"/>
               <a:t>Example:  What are some of the key aspects of this model?</a:t>
             </a:r>
-            <a:endParaRPr lang="en-US" dirty="0"/>
           </a:p>
         </p:txBody>
       </p:sp>
@@ -13061,13 +12690,6 @@
     <a:masterClrMapping/>
   </p:clrMapOvr>
   <p:transition/>
-  <p:timing>
-    <p:tnLst>
-      <p:par>
-        <p:cTn id="1" dur="indefinite" restart="never" nodeType="tmRoot"/>
-      </p:par>
-    </p:tnLst>
-  </p:timing>
 </p:sld>
 </file>
 
@@ -13128,10 +12750,9 @@
           <a:lstStyle/>
           <a:p>
             <a:r>
-              <a:rPr lang="en-US" dirty="0" smtClean="0"/>
+              <a:rPr lang="en-US" dirty="0"/>
               <a:t>Modeling the different views – Static and Dynamic</a:t>
             </a:r>
-            <a:endParaRPr lang="en-US" dirty="0"/>
           </a:p>
         </p:txBody>
       </p:sp>
@@ -13156,69 +12777,69 @@
           <a:lstStyle/>
           <a:p>
             <a:r>
-              <a:rPr lang="en-US" sz="2400" dirty="0" smtClean="0"/>
+              <a:rPr lang="en-US" sz="2400" dirty="0"/>
               <a:t>Static models describe the structure of the system</a:t>
             </a:r>
           </a:p>
           <a:p>
             <a:pPr lvl="1"/>
             <a:r>
-              <a:rPr lang="en-US" sz="2000" dirty="0" smtClean="0"/>
+              <a:rPr lang="en-US" sz="2000" dirty="0"/>
               <a:t>These structures generally do not change over time</a:t>
             </a:r>
           </a:p>
           <a:p>
             <a:pPr lvl="1"/>
             <a:r>
-              <a:rPr lang="en-US" sz="2000" dirty="0" smtClean="0"/>
+              <a:rPr lang="en-US" sz="2000" dirty="0"/>
               <a:t>Capture the topology of the system components:</a:t>
             </a:r>
           </a:p>
           <a:p>
             <a:pPr lvl="2"/>
             <a:r>
-              <a:rPr lang="en-US" sz="1600" dirty="0" smtClean="0"/>
+              <a:rPr lang="en-US" sz="1600" dirty="0"/>
               <a:t>can be software component relations – uses/inherits</a:t>
             </a:r>
           </a:p>
           <a:p>
             <a:pPr lvl="2"/>
             <a:r>
-              <a:rPr lang="en-US" sz="1600" dirty="0" smtClean="0"/>
+              <a:rPr lang="en-US" sz="1600" dirty="0"/>
               <a:t>Can be runtime component relations – sends message to over HTTP</a:t>
             </a:r>
           </a:p>
           <a:p>
             <a:pPr lvl="2"/>
             <a:r>
-              <a:rPr lang="en-US" sz="1600" dirty="0" smtClean="0"/>
+              <a:rPr lang="en-US" sz="1600" dirty="0"/>
               <a:t>Can be deployment component relation – this software is deployed to this server…</a:t>
             </a:r>
           </a:p>
           <a:p>
             <a:r>
-              <a:rPr lang="en-US" sz="2400" dirty="0" smtClean="0"/>
+              <a:rPr lang="en-US" sz="2400" dirty="0"/>
               <a:t>Dynamic models capture the behavior of the system during runtime</a:t>
             </a:r>
           </a:p>
           <a:p>
             <a:pPr lvl="1"/>
             <a:r>
-              <a:rPr lang="en-US" sz="2000" dirty="0" smtClean="0"/>
+              <a:rPr lang="en-US" sz="2000" dirty="0"/>
               <a:t>The important thing to capture is change is being managed over time</a:t>
             </a:r>
           </a:p>
           <a:p>
             <a:pPr lvl="1"/>
             <a:r>
-              <a:rPr lang="en-US" sz="2000" dirty="0" smtClean="0"/>
+              <a:rPr lang="en-US" sz="2000" dirty="0"/>
               <a:t>State of the components</a:t>
             </a:r>
           </a:p>
           <a:p>
             <a:pPr lvl="1"/>
             <a:r>
-              <a:rPr lang="en-US" sz="2000" dirty="0" smtClean="0"/>
+              <a:rPr lang="en-US" sz="2000" dirty="0"/>
               <a:t>Data flow over the connectors</a:t>
             </a:r>
           </a:p>
@@ -13239,13 +12860,6 @@
     <a:masterClrMapping/>
   </p:clrMapOvr>
   <p:transition/>
-  <p:timing>
-    <p:tnLst>
-      <p:par>
-        <p:cTn id="1" dur="indefinite" restart="never" nodeType="tmRoot"/>
-      </p:par>
-    </p:tnLst>
-  </p:timing>
 </p:sld>
 </file>
 
@@ -13306,18 +12920,17 @@
           <a:lstStyle/>
           <a:p>
             <a:r>
-              <a:rPr lang="en-US" dirty="0" smtClean="0"/>
+              <a:rPr lang="en-US" dirty="0"/>
               <a:t>Static Model View (Example: </a:t>
             </a:r>
             <a:r>
-              <a:rPr lang="en-US" dirty="0" err="1" smtClean="0"/>
+              <a:rPr lang="en-US" dirty="0" err="1"/>
               <a:t>oAuth</a:t>
             </a:r>
             <a:r>
-              <a:rPr lang="en-US" dirty="0" smtClean="0"/>
+              <a:rPr lang="en-US" dirty="0"/>
               <a:t>)</a:t>
             </a:r>
-            <a:endParaRPr lang="en-US" dirty="0"/>
           </a:p>
         </p:txBody>
       </p:sp>
@@ -13374,18 +12987,17 @@
           <a:lstStyle/>
           <a:p>
             <a:r>
-              <a:rPr lang="en-US" sz="2000" b="1" dirty="0" smtClean="0"/>
+              <a:rPr lang="en-US" sz="2000" b="1" dirty="0"/>
               <a:t>Is this view useful to discuss the components associated with managing the </a:t>
             </a:r>
             <a:r>
-              <a:rPr lang="en-US" sz="2000" b="1" dirty="0" err="1" smtClean="0"/>
+              <a:rPr lang="en-US" sz="2000" b="1" dirty="0" err="1"/>
               <a:t>oAuth</a:t>
             </a:r>
             <a:r>
-              <a:rPr lang="en-US" sz="2000" b="1" dirty="0" smtClean="0"/>
+              <a:rPr lang="en-US" sz="2000" b="1" dirty="0"/>
               <a:t> protocol (functional and non-functional)?</a:t>
             </a:r>
-            <a:endParaRPr lang="en-US" sz="2000" b="1" dirty="0"/>
           </a:p>
         </p:txBody>
       </p:sp>
@@ -13400,13 +13012,6 @@
     <a:masterClrMapping/>
   </p:clrMapOvr>
   <p:transition/>
-  <p:timing>
-    <p:tnLst>
-      <p:par>
-        <p:cTn id="1" dur="indefinite" restart="never" nodeType="tmRoot"/>
-      </p:par>
-    </p:tnLst>
-  </p:timing>
 </p:sld>
 </file>
 
@@ -13498,17 +13103,17 @@
           <a:effectLst/>
           <a:extLst>
             <a:ext uri="{FAA26D3D-D897-4be2-8F04-BA451C77F1D7}">
-              <ma14:placeholderFlag xmlns:ma14="http://schemas.microsoft.com/office/mac/drawingml/2011/main" val="1"/>
+              <ma14:placeholderFlag xmlns:ma14="http://schemas.microsoft.com/office/mac/drawingml/2011/main" xmlns="" val="1"/>
             </a:ext>
             <a:ext uri="{909E8E84-426E-40dd-AFC4-6F175D3DCCD1}">
-              <a14:hiddenFill xmlns="" xmlns:a14="http://schemas.microsoft.com/office/drawing/2010/main">
+              <a14:hiddenFill xmlns:a14="http://schemas.microsoft.com/office/drawing/2010/main" xmlns="">
                 <a:solidFill>
                   <a:schemeClr val="accent1"/>
                 </a:solidFill>
               </a14:hiddenFill>
             </a:ext>
             <a:ext uri="{91240B29-F687-4f45-9708-019B960494DF}">
-              <a14:hiddenLine xmlns="" xmlns:a14="http://schemas.microsoft.com/office/drawing/2010/main" w="9525">
+              <a14:hiddenLine xmlns:a14="http://schemas.microsoft.com/office/drawing/2010/main" xmlns="" w="9525">
                 <a:solidFill>
                   <a:schemeClr val="tx1"/>
                 </a:solidFill>
@@ -13518,7 +13123,7 @@
               </a14:hiddenLine>
             </a:ext>
             <a:ext uri="{AF507438-7753-43e0-B8FC-AC1667EBCBE1}">
-              <a14:hiddenEffects xmlns="" xmlns:a14="http://schemas.microsoft.com/office/drawing/2010/main">
+              <a14:hiddenEffects xmlns:a14="http://schemas.microsoft.com/office/drawing/2010/main" xmlns="">
                 <a:effectLst>
                   <a:outerShdw blurRad="63500" dist="38099" dir="2700000" algn="ctr" rotWithShape="0">
                     <a:schemeClr val="bg2">
@@ -13676,18 +13281,17 @@
           </a:lstStyle>
           <a:p>
             <a:r>
-              <a:rPr lang="en-US" dirty="0" smtClean="0"/>
+              <a:rPr lang="en-US" dirty="0"/>
               <a:t>Dynamic Model View (Example: </a:t>
             </a:r>
             <a:r>
-              <a:rPr lang="en-US" dirty="0" err="1" smtClean="0"/>
+              <a:rPr lang="en-US" dirty="0" err="1"/>
               <a:t>oAuth</a:t>
             </a:r>
             <a:r>
-              <a:rPr lang="en-US" dirty="0" smtClean="0"/>
+              <a:rPr lang="en-US" dirty="0"/>
               <a:t>)</a:t>
             </a:r>
-            <a:endParaRPr lang="en-US" dirty="0"/>
           </a:p>
         </p:txBody>
       </p:sp>
@@ -13714,20 +13318,16 @@
           <a:lstStyle/>
           <a:p>
             <a:r>
-              <a:rPr lang="en-US" sz="2000" b="1" dirty="0" smtClean="0"/>
+              <a:rPr lang="en-US" sz="2000" b="1" dirty="0"/>
               <a:t>Is this view useful to discuss how the components implementing the </a:t>
             </a:r>
             <a:r>
-              <a:rPr lang="en-US" sz="2000" b="1" dirty="0" err="1" smtClean="0"/>
+              <a:rPr lang="en-US" sz="2000" b="1" dirty="0" err="1"/>
               <a:t>oAuth</a:t>
             </a:r>
             <a:r>
-              <a:rPr lang="en-US" sz="2000" b="1" dirty="0" smtClean="0"/>
-              <a:t> protocol work together</a:t>
-            </a:r>
-            <a:r>
               <a:rPr lang="en-US" sz="2000" b="1" dirty="0"/>
-              <a:t>?</a:t>
+              <a:t> protocol work together?</a:t>
             </a:r>
           </a:p>
         </p:txBody>
@@ -13743,13 +13343,6 @@
     <a:masterClrMapping/>
   </p:clrMapOvr>
   <p:transition/>
-  <p:timing>
-    <p:tnLst>
-      <p:par>
-        <p:cTn id="1" dur="indefinite" restart="never" nodeType="tmRoot"/>
-      </p:par>
-    </p:tnLst>
-  </p:timing>
 </p:sld>
 </file>
 
@@ -13815,10 +13408,9 @@
           <a:lstStyle/>
           <a:p>
             <a:r>
-              <a:rPr lang="en-US" dirty="0" smtClean="0"/>
+              <a:rPr lang="en-US" dirty="0"/>
               <a:t>Possible problems using multiple views to model software architectures</a:t>
             </a:r>
-            <a:endParaRPr lang="en-US" dirty="0"/>
           </a:p>
         </p:txBody>
       </p:sp>
@@ -13843,110 +13435,110 @@
           <a:lstStyle/>
           <a:p>
             <a:r>
-              <a:rPr lang="en-US" sz="2000" dirty="0" smtClean="0"/>
+              <a:rPr lang="en-US" sz="2000" dirty="0"/>
               <a:t>Modeling a realistic software architecture using a single view is not practical</a:t>
             </a:r>
           </a:p>
           <a:p>
             <a:pPr lvl="1"/>
             <a:r>
-              <a:rPr lang="en-US" sz="1800" dirty="0" smtClean="0"/>
+              <a:rPr lang="en-US" sz="1800" dirty="0"/>
               <a:t>Too complex</a:t>
             </a:r>
           </a:p>
           <a:p>
             <a:pPr lvl="1"/>
             <a:r>
-              <a:rPr lang="en-US" sz="1800" dirty="0" smtClean="0"/>
+              <a:rPr lang="en-US" sz="1800" dirty="0"/>
               <a:t>Different concerns that don</a:t>
             </a:r>
             <a:r>
-              <a:rPr lang="fr-FR" sz="1800" dirty="0" smtClean="0"/>
+              <a:rPr lang="fr-FR" sz="1800" dirty="0"/>
               <a:t>’</a:t>
             </a:r>
             <a:r>
-              <a:rPr lang="en-US" sz="1800" dirty="0" smtClean="0"/>
+              <a:rPr lang="en-US" sz="1800" dirty="0"/>
               <a:t>t belong together – static, dynamic, deployment </a:t>
             </a:r>
           </a:p>
           <a:p>
             <a:r>
-              <a:rPr lang="en-US" sz="2000" dirty="0" smtClean="0"/>
+              <a:rPr lang="en-US" sz="2000" dirty="0"/>
               <a:t>Key challenge is to ensure that all of the different views are consistent</a:t>
             </a:r>
           </a:p>
           <a:p>
             <a:pPr lvl="1"/>
             <a:r>
-              <a:rPr lang="en-US" sz="1800" dirty="0" smtClean="0"/>
+              <a:rPr lang="en-US" sz="1800" dirty="0"/>
               <a:t>Might be hard to find these issues</a:t>
             </a:r>
           </a:p>
           <a:p>
             <a:pPr lvl="2"/>
             <a:r>
-              <a:rPr lang="en-US" sz="1400" b="1" dirty="0" smtClean="0"/>
+              <a:rPr lang="en-US" sz="1400" b="1" dirty="0"/>
               <a:t>Direct</a:t>
             </a:r>
             <a:r>
-              <a:rPr lang="en-US" sz="1400" dirty="0" smtClean="0"/>
+              <a:rPr lang="en-US" sz="1400" dirty="0"/>
               <a:t> – one diagram states two servers, another states three servers</a:t>
             </a:r>
           </a:p>
           <a:p>
             <a:pPr lvl="2"/>
             <a:r>
-              <a:rPr lang="en-US" sz="1400" b="1" dirty="0" smtClean="0"/>
+              <a:rPr lang="en-US" sz="1400" b="1" dirty="0"/>
               <a:t>Indirect</a:t>
             </a:r>
             <a:r>
-              <a:rPr lang="en-US" sz="1400" dirty="0" smtClean="0"/>
+              <a:rPr lang="en-US" sz="1400" dirty="0"/>
               <a:t> – one view is at a higher level than another and the refinement introduced inconsistencies </a:t>
             </a:r>
           </a:p>
           <a:p>
             <a:pPr lvl="2"/>
             <a:r>
-              <a:rPr lang="en-US" sz="1400" b="1" dirty="0" smtClean="0"/>
+              <a:rPr lang="en-US" sz="1400" b="1" dirty="0"/>
               <a:t>Structure </a:t>
             </a:r>
             <a:r>
-              <a:rPr lang="en-US" sz="1400" b="1" dirty="0" err="1" smtClean="0"/>
+              <a:rPr lang="en-US" sz="1400" b="1" dirty="0" err="1"/>
               <a:t>vs</a:t>
             </a:r>
             <a:r>
-              <a:rPr lang="en-US" sz="1400" b="1" dirty="0" smtClean="0"/>
+              <a:rPr lang="en-US" sz="1400" b="1" dirty="0"/>
               <a:t> Dynamic </a:t>
             </a:r>
             <a:r>
-              <a:rPr lang="en-US" sz="1400" dirty="0" smtClean="0"/>
+              <a:rPr lang="en-US" sz="1400" dirty="0"/>
               <a:t>– structures don</a:t>
             </a:r>
             <a:r>
-              <a:rPr lang="fr-FR" sz="1400" dirty="0" smtClean="0"/>
+              <a:rPr lang="fr-FR" sz="1400" dirty="0"/>
               <a:t>’</a:t>
             </a:r>
             <a:r>
-              <a:rPr lang="en-US" sz="1400" dirty="0" smtClean="0"/>
+              <a:rPr lang="en-US" sz="1400" dirty="0"/>
               <a:t>t support dynamic requirements</a:t>
             </a:r>
           </a:p>
           <a:p>
             <a:pPr lvl="2"/>
             <a:r>
-              <a:rPr lang="en-US" sz="1400" b="1" dirty="0" smtClean="0"/>
+              <a:rPr lang="en-US" sz="1400" b="1" dirty="0"/>
               <a:t>Functional </a:t>
             </a:r>
             <a:r>
-              <a:rPr lang="en-US" sz="1400" b="1" dirty="0" err="1" smtClean="0"/>
+              <a:rPr lang="en-US" sz="1400" b="1" dirty="0" err="1"/>
               <a:t>vs</a:t>
             </a:r>
             <a:r>
-              <a:rPr lang="en-US" sz="1400" b="1" dirty="0" smtClean="0"/>
+              <a:rPr lang="en-US" sz="1400" b="1" dirty="0"/>
               <a:t> Non-Functional </a:t>
             </a:r>
             <a:r>
-              <a:rPr lang="en-US" sz="1400" dirty="0" smtClean="0"/>
+              <a:rPr lang="en-US" sz="1400" dirty="0"/>
               <a:t>– The structure does not support the non-functional requirements</a:t>
             </a:r>
           </a:p>
@@ -13963,13 +13555,6 @@
     <a:masterClrMapping/>
   </p:clrMapOvr>
   <p:transition/>
-  <p:timing>
-    <p:tnLst>
-      <p:par>
-        <p:cTn id="1" dur="indefinite" restart="never" nodeType="tmRoot"/>
-      </p:par>
-    </p:tnLst>
-  </p:timing>
 </p:sld>
 </file>
 
@@ -14089,15 +13674,13 @@
               <a:rPr lang="en-US" dirty="0"/>
               <a:t>UML is missing architecture semantics </a:t>
             </a:r>
-            <a:endParaRPr lang="en-US" dirty="0" smtClean="0"/>
           </a:p>
           <a:p>
             <a:pPr lvl="1"/>
             <a:r>
-              <a:rPr lang="en-US" dirty="0" smtClean="0"/>
+              <a:rPr lang="en-US" dirty="0"/>
               <a:t>Lines and Boxes with natural English</a:t>
             </a:r>
-            <a:endParaRPr lang="en-US" dirty="0"/>
           </a:p>
         </p:txBody>
       </p:sp>
@@ -14107,13 +13690,6 @@
     <a:masterClrMapping/>
   </p:clrMapOvr>
   <p:transition/>
-  <p:timing>
-    <p:tnLst>
-      <p:par>
-        <p:cTn id="1" dur="indefinite" restart="never" nodeType="tmRoot"/>
-      </p:par>
-    </p:tnLst>
-  </p:timing>
 </p:sld>
 </file>
 
@@ -14230,13 +13806,6 @@
     <a:masterClrMapping/>
   </p:clrMapOvr>
   <p:transition/>
-  <p:timing>
-    <p:tnLst>
-      <p:par>
-        <p:cTn id="1" dur="indefinite" restart="never" nodeType="tmRoot"/>
-      </p:par>
-    </p:tnLst>
-  </p:timing>
 </p:sld>
 </file>
 
@@ -14351,13 +13920,6 @@
     <a:masterClrMapping/>
   </p:clrMapOvr>
   <p:transition/>
-  <p:timing>
-    <p:tnLst>
-      <p:par>
-        <p:cTn id="1" dur="indefinite" restart="never" nodeType="tmRoot"/>
-      </p:par>
-    </p:tnLst>
-  </p:timing>
 </p:sld>
 </file>
 
@@ -14454,7 +14016,7 @@
           <a:effectLst/>
           <a:extLst>
             <a:ext uri="{AF507438-7753-43e0-B8FC-AC1667EBCBE1}">
-              <a14:hiddenEffects xmlns="" xmlns:a14="http://schemas.microsoft.com/office/drawing/2010/main">
+              <a14:hiddenEffects xmlns:a14="http://schemas.microsoft.com/office/drawing/2010/main" xmlns="">
                 <a:effectLst>
                   <a:outerShdw blurRad="63500" dist="38099" dir="2700000" algn="ctr" rotWithShape="0">
                     <a:schemeClr val="bg2">
@@ -14497,14 +14059,14 @@
           <a:effectLst/>
           <a:extLst>
             <a:ext uri="{909E8E84-426E-40dd-AFC4-6F175D3DCCD1}">
-              <a14:hiddenFill xmlns="" xmlns:a14="http://schemas.microsoft.com/office/drawing/2010/main">
+              <a14:hiddenFill xmlns:a14="http://schemas.microsoft.com/office/drawing/2010/main" xmlns="">
                 <a:solidFill>
                   <a:schemeClr val="accent1"/>
                 </a:solidFill>
               </a14:hiddenFill>
             </a:ext>
             <a:ext uri="{91240B29-F687-4f45-9708-019B960494DF}">
-              <a14:hiddenLine xmlns="" xmlns:a14="http://schemas.microsoft.com/office/drawing/2010/main" w="9525">
+              <a14:hiddenLine xmlns:a14="http://schemas.microsoft.com/office/drawing/2010/main" xmlns="" w="9525">
                 <a:solidFill>
                   <a:schemeClr val="tx1"/>
                 </a:solidFill>
@@ -14514,7 +14076,7 @@
               </a14:hiddenLine>
             </a:ext>
             <a:ext uri="{AF507438-7753-43e0-B8FC-AC1667EBCBE1}">
-              <a14:hiddenEffects xmlns="" xmlns:a14="http://schemas.microsoft.com/office/drawing/2010/main">
+              <a14:hiddenEffects xmlns:a14="http://schemas.microsoft.com/office/drawing/2010/main" xmlns="">
                 <a:effectLst>
                   <a:outerShdw blurRad="63500" dist="38099" dir="2700000" algn="ctr" rotWithShape="0">
                     <a:schemeClr val="bg2">
@@ -14569,7 +14131,7 @@
           <a:effectLst/>
           <a:extLst>
             <a:ext uri="{AF507438-7753-43e0-B8FC-AC1667EBCBE1}">
-              <a14:hiddenEffects xmlns="" xmlns:a14="http://schemas.microsoft.com/office/drawing/2010/main">
+              <a14:hiddenEffects xmlns:a14="http://schemas.microsoft.com/office/drawing/2010/main" xmlns="">
                 <a:effectLst>
                   <a:outerShdw blurRad="63500" dist="38099" dir="2700000" algn="ctr" rotWithShape="0">
                     <a:schemeClr val="bg2">
@@ -14623,7 +14185,7 @@
           <a:effectLst/>
           <a:extLst>
             <a:ext uri="{AF507438-7753-43e0-B8FC-AC1667EBCBE1}">
-              <a14:hiddenEffects xmlns="" xmlns:a14="http://schemas.microsoft.com/office/drawing/2010/main">
+              <a14:hiddenEffects xmlns:a14="http://schemas.microsoft.com/office/drawing/2010/main" xmlns="">
                 <a:effectLst>
                   <a:outerShdw blurRad="63500" dist="38099" dir="2700000" algn="ctr" rotWithShape="0">
                     <a:schemeClr val="bg2">
@@ -14673,7 +14235,7 @@
           <a:effectLst/>
           <a:extLst>
             <a:ext uri="{AF507438-7753-43e0-B8FC-AC1667EBCBE1}">
-              <a14:hiddenEffects xmlns="" xmlns:a14="http://schemas.microsoft.com/office/drawing/2010/main">
+              <a14:hiddenEffects xmlns:a14="http://schemas.microsoft.com/office/drawing/2010/main" xmlns="">
                 <a:effectLst>
                   <a:outerShdw blurRad="63500" dist="38099" dir="2700000" algn="ctr" rotWithShape="0">
                     <a:schemeClr val="bg2">
@@ -14723,7 +14285,7 @@
           <a:effectLst/>
           <a:extLst>
             <a:ext uri="{AF507438-7753-43e0-B8FC-AC1667EBCBE1}">
-              <a14:hiddenEffects xmlns="" xmlns:a14="http://schemas.microsoft.com/office/drawing/2010/main">
+              <a14:hiddenEffects xmlns:a14="http://schemas.microsoft.com/office/drawing/2010/main" xmlns="">
                 <a:effectLst>
                   <a:outerShdw blurRad="63500" dist="38099" dir="2700000" algn="ctr" rotWithShape="0">
                     <a:schemeClr val="bg2">
@@ -14773,7 +14335,7 @@
           <a:effectLst/>
           <a:extLst>
             <a:ext uri="{AF507438-7753-43e0-B8FC-AC1667EBCBE1}">
-              <a14:hiddenEffects xmlns="" xmlns:a14="http://schemas.microsoft.com/office/drawing/2010/main">
+              <a14:hiddenEffects xmlns:a14="http://schemas.microsoft.com/office/drawing/2010/main" xmlns="">
                 <a:effectLst>
                   <a:outerShdw blurRad="63500" dist="38099" dir="2700000" algn="ctr" rotWithShape="0">
                     <a:schemeClr val="bg2">
@@ -14816,14 +14378,14 @@
           <a:effectLst/>
           <a:extLst>
             <a:ext uri="{909E8E84-426E-40dd-AFC4-6F175D3DCCD1}">
-              <a14:hiddenFill xmlns="" xmlns:a14="http://schemas.microsoft.com/office/drawing/2010/main">
+              <a14:hiddenFill xmlns:a14="http://schemas.microsoft.com/office/drawing/2010/main" xmlns="">
                 <a:solidFill>
                   <a:schemeClr val="accent1"/>
                 </a:solidFill>
               </a14:hiddenFill>
             </a:ext>
             <a:ext uri="{91240B29-F687-4f45-9708-019B960494DF}">
-              <a14:hiddenLine xmlns="" xmlns:a14="http://schemas.microsoft.com/office/drawing/2010/main" w="9525">
+              <a14:hiddenLine xmlns:a14="http://schemas.microsoft.com/office/drawing/2010/main" xmlns="" w="9525">
                 <a:solidFill>
                   <a:schemeClr val="tx1"/>
                 </a:solidFill>
@@ -14833,7 +14395,7 @@
               </a14:hiddenLine>
             </a:ext>
             <a:ext uri="{AF507438-7753-43e0-B8FC-AC1667EBCBE1}">
-              <a14:hiddenEffects xmlns="" xmlns:a14="http://schemas.microsoft.com/office/drawing/2010/main">
+              <a14:hiddenEffects xmlns:a14="http://schemas.microsoft.com/office/drawing/2010/main" xmlns="">
                 <a:effectLst>
                   <a:outerShdw blurRad="63500" dist="38099" dir="2700000" algn="ctr" rotWithShape="0">
                     <a:schemeClr val="bg2">
@@ -14881,14 +14443,14 @@
           <a:effectLst/>
           <a:extLst>
             <a:ext uri="{909E8E84-426E-40dd-AFC4-6F175D3DCCD1}">
-              <a14:hiddenFill xmlns="" xmlns:a14="http://schemas.microsoft.com/office/drawing/2010/main">
+              <a14:hiddenFill xmlns:a14="http://schemas.microsoft.com/office/drawing/2010/main" xmlns="">
                 <a:solidFill>
                   <a:schemeClr val="accent1"/>
                 </a:solidFill>
               </a14:hiddenFill>
             </a:ext>
             <a:ext uri="{91240B29-F687-4f45-9708-019B960494DF}">
-              <a14:hiddenLine xmlns="" xmlns:a14="http://schemas.microsoft.com/office/drawing/2010/main" w="9525">
+              <a14:hiddenLine xmlns:a14="http://schemas.microsoft.com/office/drawing/2010/main" xmlns="" w="9525">
                 <a:solidFill>
                   <a:schemeClr val="tx1"/>
                 </a:solidFill>
@@ -14898,7 +14460,7 @@
               </a14:hiddenLine>
             </a:ext>
             <a:ext uri="{AF507438-7753-43e0-B8FC-AC1667EBCBE1}">
-              <a14:hiddenEffects xmlns="" xmlns:a14="http://schemas.microsoft.com/office/drawing/2010/main">
+              <a14:hiddenEffects xmlns:a14="http://schemas.microsoft.com/office/drawing/2010/main" xmlns="">
                 <a:effectLst>
                   <a:outerShdw blurRad="63500" dist="38099" dir="2700000" algn="ctr" rotWithShape="0">
                     <a:schemeClr val="bg2">
@@ -14946,14 +14508,14 @@
           <a:effectLst/>
           <a:extLst>
             <a:ext uri="{909E8E84-426E-40dd-AFC4-6F175D3DCCD1}">
-              <a14:hiddenFill xmlns="" xmlns:a14="http://schemas.microsoft.com/office/drawing/2010/main">
+              <a14:hiddenFill xmlns:a14="http://schemas.microsoft.com/office/drawing/2010/main" xmlns="">
                 <a:solidFill>
                   <a:schemeClr val="accent1"/>
                 </a:solidFill>
               </a14:hiddenFill>
             </a:ext>
             <a:ext uri="{91240B29-F687-4f45-9708-019B960494DF}">
-              <a14:hiddenLine xmlns="" xmlns:a14="http://schemas.microsoft.com/office/drawing/2010/main" w="9525">
+              <a14:hiddenLine xmlns:a14="http://schemas.microsoft.com/office/drawing/2010/main" xmlns="" w="9525">
                 <a:solidFill>
                   <a:schemeClr val="tx1"/>
                 </a:solidFill>
@@ -14963,7 +14525,7 @@
               </a14:hiddenLine>
             </a:ext>
             <a:ext uri="{AF507438-7753-43e0-B8FC-AC1667EBCBE1}">
-              <a14:hiddenEffects xmlns="" xmlns:a14="http://schemas.microsoft.com/office/drawing/2010/main">
+              <a14:hiddenEffects xmlns:a14="http://schemas.microsoft.com/office/drawing/2010/main" xmlns="">
                 <a:effectLst>
                   <a:outerShdw blurRad="63500" dist="38099" dir="2700000" algn="ctr" rotWithShape="0">
                     <a:schemeClr val="bg2">
@@ -15011,14 +14573,14 @@
           <a:effectLst/>
           <a:extLst>
             <a:ext uri="{909E8E84-426E-40dd-AFC4-6F175D3DCCD1}">
-              <a14:hiddenFill xmlns="" xmlns:a14="http://schemas.microsoft.com/office/drawing/2010/main">
+              <a14:hiddenFill xmlns:a14="http://schemas.microsoft.com/office/drawing/2010/main" xmlns="">
                 <a:solidFill>
                   <a:schemeClr val="accent1"/>
                 </a:solidFill>
               </a14:hiddenFill>
             </a:ext>
             <a:ext uri="{91240B29-F687-4f45-9708-019B960494DF}">
-              <a14:hiddenLine xmlns="" xmlns:a14="http://schemas.microsoft.com/office/drawing/2010/main" w="9525">
+              <a14:hiddenLine xmlns:a14="http://schemas.microsoft.com/office/drawing/2010/main" xmlns="" w="9525">
                 <a:solidFill>
                   <a:schemeClr val="tx1"/>
                 </a:solidFill>
@@ -15028,7 +14590,7 @@
               </a14:hiddenLine>
             </a:ext>
             <a:ext uri="{AF507438-7753-43e0-B8FC-AC1667EBCBE1}">
-              <a14:hiddenEffects xmlns="" xmlns:a14="http://schemas.microsoft.com/office/drawing/2010/main">
+              <a14:hiddenEffects xmlns:a14="http://schemas.microsoft.com/office/drawing/2010/main" xmlns="">
                 <a:effectLst>
                   <a:outerShdw blurRad="63500" dist="38099" dir="2700000" algn="ctr" rotWithShape="0">
                     <a:schemeClr val="bg2">
@@ -15081,12 +14643,12 @@
           <a:effectLst/>
           <a:extLst>
             <a:ext uri="{909E8E84-426E-40dd-AFC4-6F175D3DCCD1}">
-              <a14:hiddenFill xmlns="" xmlns:a14="http://schemas.microsoft.com/office/drawing/2010/main">
+              <a14:hiddenFill xmlns:a14="http://schemas.microsoft.com/office/drawing/2010/main" xmlns="">
                 <a:noFill/>
               </a14:hiddenFill>
             </a:ext>
             <a:ext uri="{AF507438-7753-43e0-B8FC-AC1667EBCBE1}">
-              <a14:hiddenEffects xmlns="" xmlns:a14="http://schemas.microsoft.com/office/drawing/2010/main">
+              <a14:hiddenEffects xmlns:a14="http://schemas.microsoft.com/office/drawing/2010/main" xmlns="">
                 <a:effectLst>
                   <a:outerShdw blurRad="63500" dist="38099" dir="2700000" algn="ctr" rotWithShape="0">
                     <a:schemeClr val="bg2">
@@ -15135,12 +14697,12 @@
           <a:effectLst/>
           <a:extLst>
             <a:ext uri="{909E8E84-426E-40dd-AFC4-6F175D3DCCD1}">
-              <a14:hiddenFill xmlns="" xmlns:a14="http://schemas.microsoft.com/office/drawing/2010/main">
+              <a14:hiddenFill xmlns:a14="http://schemas.microsoft.com/office/drawing/2010/main" xmlns="">
                 <a:noFill/>
               </a14:hiddenFill>
             </a:ext>
             <a:ext uri="{AF507438-7753-43e0-B8FC-AC1667EBCBE1}">
-              <a14:hiddenEffects xmlns="" xmlns:a14="http://schemas.microsoft.com/office/drawing/2010/main">
+              <a14:hiddenEffects xmlns:a14="http://schemas.microsoft.com/office/drawing/2010/main" xmlns="">
                 <a:effectLst>
                   <a:outerShdw blurRad="63500" dist="38099" dir="2700000" algn="ctr" rotWithShape="0">
                     <a:schemeClr val="bg2">
@@ -15190,7 +14752,7 @@
           <a:effectLst/>
           <a:extLst>
             <a:ext uri="{AF507438-7753-43e0-B8FC-AC1667EBCBE1}">
-              <a14:hiddenEffects xmlns="" xmlns:a14="http://schemas.microsoft.com/office/drawing/2010/main">
+              <a14:hiddenEffects xmlns:a14="http://schemas.microsoft.com/office/drawing/2010/main" xmlns="">
                 <a:effectLst>
                   <a:outerShdw blurRad="63500" dist="38099" dir="2700000" algn="ctr" rotWithShape="0">
                     <a:schemeClr val="bg2">
@@ -15233,14 +14795,14 @@
           <a:effectLst/>
           <a:extLst>
             <a:ext uri="{909E8E84-426E-40dd-AFC4-6F175D3DCCD1}">
-              <a14:hiddenFill xmlns="" xmlns:a14="http://schemas.microsoft.com/office/drawing/2010/main">
+              <a14:hiddenFill xmlns:a14="http://schemas.microsoft.com/office/drawing/2010/main" xmlns="">
                 <a:solidFill>
                   <a:schemeClr val="accent1"/>
                 </a:solidFill>
               </a14:hiddenFill>
             </a:ext>
             <a:ext uri="{91240B29-F687-4f45-9708-019B960494DF}">
-              <a14:hiddenLine xmlns="" xmlns:a14="http://schemas.microsoft.com/office/drawing/2010/main" w="9525">
+              <a14:hiddenLine xmlns:a14="http://schemas.microsoft.com/office/drawing/2010/main" xmlns="" w="9525">
                 <a:solidFill>
                   <a:schemeClr val="tx1"/>
                 </a:solidFill>
@@ -15250,7 +14812,7 @@
               </a14:hiddenLine>
             </a:ext>
             <a:ext uri="{AF507438-7753-43e0-B8FC-AC1667EBCBE1}">
-              <a14:hiddenEffects xmlns="" xmlns:a14="http://schemas.microsoft.com/office/drawing/2010/main">
+              <a14:hiddenEffects xmlns:a14="http://schemas.microsoft.com/office/drawing/2010/main" xmlns="">
                 <a:effectLst>
                   <a:outerShdw blurRad="63500" dist="38099" dir="2700000" algn="ctr" rotWithShape="0">
                     <a:schemeClr val="bg2">
@@ -15305,7 +14867,7 @@
           <a:effectLst/>
           <a:extLst>
             <a:ext uri="{AF507438-7753-43e0-B8FC-AC1667EBCBE1}">
-              <a14:hiddenEffects xmlns="" xmlns:a14="http://schemas.microsoft.com/office/drawing/2010/main">
+              <a14:hiddenEffects xmlns:a14="http://schemas.microsoft.com/office/drawing/2010/main" xmlns="">
                 <a:effectLst>
                   <a:outerShdw blurRad="63500" dist="38099" dir="2700000" algn="ctr" rotWithShape="0">
                     <a:schemeClr val="bg2">
@@ -15366,7 +14928,7 @@
           <a:effectLst/>
           <a:extLst>
             <a:ext uri="{AF507438-7753-43e0-B8FC-AC1667EBCBE1}">
-              <a14:hiddenEffects xmlns="" xmlns:a14="http://schemas.microsoft.com/office/drawing/2010/main">
+              <a14:hiddenEffects xmlns:a14="http://schemas.microsoft.com/office/drawing/2010/main" xmlns="">
                 <a:effectLst>
                   <a:outerShdw blurRad="63500" dist="38099" dir="2700000" algn="ctr" rotWithShape="0">
                     <a:schemeClr val="bg2">
@@ -15416,7 +14978,7 @@
           <a:effectLst/>
           <a:extLst>
             <a:ext uri="{AF507438-7753-43e0-B8FC-AC1667EBCBE1}">
-              <a14:hiddenEffects xmlns="" xmlns:a14="http://schemas.microsoft.com/office/drawing/2010/main">
+              <a14:hiddenEffects xmlns:a14="http://schemas.microsoft.com/office/drawing/2010/main" xmlns="">
                 <a:effectLst>
                   <a:outerShdw blurRad="63500" dist="38099" dir="2700000" algn="ctr" rotWithShape="0">
                     <a:schemeClr val="bg2">
@@ -15466,7 +15028,7 @@
           <a:effectLst/>
           <a:extLst>
             <a:ext uri="{AF507438-7753-43e0-B8FC-AC1667EBCBE1}">
-              <a14:hiddenEffects xmlns="" xmlns:a14="http://schemas.microsoft.com/office/drawing/2010/main">
+              <a14:hiddenEffects xmlns:a14="http://schemas.microsoft.com/office/drawing/2010/main" xmlns="">
                 <a:effectLst>
                   <a:outerShdw blurRad="63500" dist="38099" dir="2700000" algn="ctr" rotWithShape="0">
                     <a:schemeClr val="bg2">
@@ -15516,7 +15078,7 @@
           <a:effectLst/>
           <a:extLst>
             <a:ext uri="{AF507438-7753-43e0-B8FC-AC1667EBCBE1}">
-              <a14:hiddenEffects xmlns="" xmlns:a14="http://schemas.microsoft.com/office/drawing/2010/main">
+              <a14:hiddenEffects xmlns:a14="http://schemas.microsoft.com/office/drawing/2010/main" xmlns="">
                 <a:effectLst>
                   <a:outerShdw blurRad="63500" dist="38099" dir="2700000" algn="ctr" rotWithShape="0">
                     <a:schemeClr val="bg2">
@@ -15577,7 +15139,7 @@
           <a:effectLst/>
           <a:extLst>
             <a:ext uri="{AF507438-7753-43e0-B8FC-AC1667EBCBE1}">
-              <a14:hiddenEffects xmlns="" xmlns:a14="http://schemas.microsoft.com/office/drawing/2010/main">
+              <a14:hiddenEffects xmlns:a14="http://schemas.microsoft.com/office/drawing/2010/main" xmlns="">
                 <a:effectLst>
                   <a:outerShdw blurRad="63500" dist="38099" dir="2700000" algn="ctr" rotWithShape="0">
                     <a:schemeClr val="bg2">
@@ -15627,7 +15189,7 @@
           <a:effectLst/>
           <a:extLst>
             <a:ext uri="{AF507438-7753-43e0-B8FC-AC1667EBCBE1}">
-              <a14:hiddenEffects xmlns="" xmlns:a14="http://schemas.microsoft.com/office/drawing/2010/main">
+              <a14:hiddenEffects xmlns:a14="http://schemas.microsoft.com/office/drawing/2010/main" xmlns="">
                 <a:effectLst>
                   <a:outerShdw blurRad="63500" dist="38099" dir="2700000" algn="ctr" rotWithShape="0">
                     <a:schemeClr val="bg2">
@@ -15677,7 +15239,7 @@
           <a:effectLst/>
           <a:extLst>
             <a:ext uri="{AF507438-7753-43e0-B8FC-AC1667EBCBE1}">
-              <a14:hiddenEffects xmlns="" xmlns:a14="http://schemas.microsoft.com/office/drawing/2010/main">
+              <a14:hiddenEffects xmlns:a14="http://schemas.microsoft.com/office/drawing/2010/main" xmlns="">
                 <a:effectLst>
                   <a:outerShdw blurRad="63500" dist="38099" dir="2700000" algn="ctr" rotWithShape="0">
                     <a:schemeClr val="bg2">
@@ -15731,7 +15293,7 @@
           <a:effectLst/>
           <a:extLst>
             <a:ext uri="{AF507438-7753-43e0-B8FC-AC1667EBCBE1}">
-              <a14:hiddenEffects xmlns="" xmlns:a14="http://schemas.microsoft.com/office/drawing/2010/main">
+              <a14:hiddenEffects xmlns:a14="http://schemas.microsoft.com/office/drawing/2010/main" xmlns="">
                 <a:effectLst>
                   <a:outerShdw blurRad="63500" dist="38099" dir="2700000" algn="ctr" rotWithShape="0">
                     <a:schemeClr val="bg2">
@@ -15781,7 +15343,7 @@
           <a:effectLst/>
           <a:extLst>
             <a:ext uri="{AF507438-7753-43e0-B8FC-AC1667EBCBE1}">
-              <a14:hiddenEffects xmlns="" xmlns:a14="http://schemas.microsoft.com/office/drawing/2010/main">
+              <a14:hiddenEffects xmlns:a14="http://schemas.microsoft.com/office/drawing/2010/main" xmlns="">
                 <a:effectLst>
                   <a:outerShdw blurRad="63500" dist="38099" dir="2700000" algn="ctr" rotWithShape="0">
                     <a:schemeClr val="bg2">
@@ -15831,7 +15393,7 @@
           <a:effectLst/>
           <a:extLst>
             <a:ext uri="{AF507438-7753-43e0-B8FC-AC1667EBCBE1}">
-              <a14:hiddenEffects xmlns="" xmlns:a14="http://schemas.microsoft.com/office/drawing/2010/main">
+              <a14:hiddenEffects xmlns:a14="http://schemas.microsoft.com/office/drawing/2010/main" xmlns="">
                 <a:effectLst>
                   <a:outerShdw blurRad="63500" dist="38099" dir="2700000" algn="ctr" rotWithShape="0">
                     <a:schemeClr val="bg2">
@@ -15881,7 +15443,7 @@
           <a:effectLst/>
           <a:extLst>
             <a:ext uri="{AF507438-7753-43e0-B8FC-AC1667EBCBE1}">
-              <a14:hiddenEffects xmlns="" xmlns:a14="http://schemas.microsoft.com/office/drawing/2010/main">
+              <a14:hiddenEffects xmlns:a14="http://schemas.microsoft.com/office/drawing/2010/main" xmlns="">
                 <a:effectLst>
                   <a:outerShdw blurRad="63500" dist="38099" dir="2700000" algn="ctr" rotWithShape="0">
                     <a:schemeClr val="bg2">
@@ -15935,7 +15497,7 @@
           <a:effectLst/>
           <a:extLst>
             <a:ext uri="{AF507438-7753-43e0-B8FC-AC1667EBCBE1}">
-              <a14:hiddenEffects xmlns="" xmlns:a14="http://schemas.microsoft.com/office/drawing/2010/main">
+              <a14:hiddenEffects xmlns:a14="http://schemas.microsoft.com/office/drawing/2010/main" xmlns="">
                 <a:effectLst>
                   <a:outerShdw blurRad="63500" dist="38099" dir="2700000" algn="ctr" rotWithShape="0">
                     <a:schemeClr val="bg2">
@@ -15985,7 +15547,7 @@
           <a:effectLst/>
           <a:extLst>
             <a:ext uri="{AF507438-7753-43e0-B8FC-AC1667EBCBE1}">
-              <a14:hiddenEffects xmlns="" xmlns:a14="http://schemas.microsoft.com/office/drawing/2010/main">
+              <a14:hiddenEffects xmlns:a14="http://schemas.microsoft.com/office/drawing/2010/main" xmlns="">
                 <a:effectLst>
                   <a:outerShdw blurRad="63500" dist="38099" dir="2700000" algn="ctr" rotWithShape="0">
                     <a:schemeClr val="bg2">
@@ -16035,7 +15597,7 @@
           <a:effectLst/>
           <a:extLst>
             <a:ext uri="{AF507438-7753-43e0-B8FC-AC1667EBCBE1}">
-              <a14:hiddenEffects xmlns="" xmlns:a14="http://schemas.microsoft.com/office/drawing/2010/main">
+              <a14:hiddenEffects xmlns:a14="http://schemas.microsoft.com/office/drawing/2010/main" xmlns="">
                 <a:effectLst>
                   <a:outerShdw blurRad="63500" dist="38099" dir="2700000" algn="ctr" rotWithShape="0">
                     <a:schemeClr val="bg2">
@@ -16085,7 +15647,7 @@
           <a:effectLst/>
           <a:extLst>
             <a:ext uri="{AF507438-7753-43e0-B8FC-AC1667EBCBE1}">
-              <a14:hiddenEffects xmlns="" xmlns:a14="http://schemas.microsoft.com/office/drawing/2010/main">
+              <a14:hiddenEffects xmlns:a14="http://schemas.microsoft.com/office/drawing/2010/main" xmlns="">
                 <a:effectLst>
                   <a:outerShdw blurRad="63500" dist="38099" dir="2700000" algn="ctr" rotWithShape="0">
                     <a:schemeClr val="bg2">
@@ -16139,7 +15701,7 @@
           <a:effectLst/>
           <a:extLst>
             <a:ext uri="{AF507438-7753-43e0-B8FC-AC1667EBCBE1}">
-              <a14:hiddenEffects xmlns="" xmlns:a14="http://schemas.microsoft.com/office/drawing/2010/main">
+              <a14:hiddenEffects xmlns:a14="http://schemas.microsoft.com/office/drawing/2010/main" xmlns="">
                 <a:effectLst>
                   <a:outerShdw blurRad="63500" dist="38099" dir="2700000" algn="ctr" rotWithShape="0">
                     <a:schemeClr val="bg2">
@@ -16189,7 +15751,7 @@
           <a:effectLst/>
           <a:extLst>
             <a:ext uri="{AF507438-7753-43e0-B8FC-AC1667EBCBE1}">
-              <a14:hiddenEffects xmlns="" xmlns:a14="http://schemas.microsoft.com/office/drawing/2010/main">
+              <a14:hiddenEffects xmlns:a14="http://schemas.microsoft.com/office/drawing/2010/main" xmlns="">
                 <a:effectLst>
                   <a:outerShdw blurRad="63500" dist="38099" dir="2700000" algn="ctr" rotWithShape="0">
                     <a:schemeClr val="bg2">
@@ -16238,12 +15800,12 @@
           <a:effectLst/>
           <a:extLst>
             <a:ext uri="{909E8E84-426E-40dd-AFC4-6F175D3DCCD1}">
-              <a14:hiddenFill xmlns="" xmlns:a14="http://schemas.microsoft.com/office/drawing/2010/main">
+              <a14:hiddenFill xmlns:a14="http://schemas.microsoft.com/office/drawing/2010/main" xmlns="">
                 <a:noFill/>
               </a14:hiddenFill>
             </a:ext>
             <a:ext uri="{AF507438-7753-43e0-B8FC-AC1667EBCBE1}">
-              <a14:hiddenEffects xmlns="" xmlns:a14="http://schemas.microsoft.com/office/drawing/2010/main">
+              <a14:hiddenEffects xmlns:a14="http://schemas.microsoft.com/office/drawing/2010/main" xmlns="">
                 <a:effectLst>
                   <a:outerShdw blurRad="63500" dist="38099" dir="2700000" algn="ctr" rotWithShape="0">
                     <a:schemeClr val="bg2">
@@ -16292,12 +15854,12 @@
           <a:effectLst/>
           <a:extLst>
             <a:ext uri="{909E8E84-426E-40dd-AFC4-6F175D3DCCD1}">
-              <a14:hiddenFill xmlns="" xmlns:a14="http://schemas.microsoft.com/office/drawing/2010/main">
+              <a14:hiddenFill xmlns:a14="http://schemas.microsoft.com/office/drawing/2010/main" xmlns="">
                 <a:noFill/>
               </a14:hiddenFill>
             </a:ext>
             <a:ext uri="{AF507438-7753-43e0-B8FC-AC1667EBCBE1}">
-              <a14:hiddenEffects xmlns="" xmlns:a14="http://schemas.microsoft.com/office/drawing/2010/main">
+              <a14:hiddenEffects xmlns:a14="http://schemas.microsoft.com/office/drawing/2010/main" xmlns="">
                 <a:effectLst>
                   <a:outerShdw blurRad="63500" dist="38099" dir="2700000" algn="ctr" rotWithShape="0">
                     <a:schemeClr val="bg2">
@@ -16345,12 +15907,12 @@
           <a:effectLst/>
           <a:extLst>
             <a:ext uri="{909E8E84-426E-40dd-AFC4-6F175D3DCCD1}">
-              <a14:hiddenFill xmlns="" xmlns:a14="http://schemas.microsoft.com/office/drawing/2010/main">
+              <a14:hiddenFill xmlns:a14="http://schemas.microsoft.com/office/drawing/2010/main" xmlns="">
                 <a:noFill/>
               </a14:hiddenFill>
             </a:ext>
             <a:ext uri="{AF507438-7753-43e0-B8FC-AC1667EBCBE1}">
-              <a14:hiddenEffects xmlns="" xmlns:a14="http://schemas.microsoft.com/office/drawing/2010/main">
+              <a14:hiddenEffects xmlns:a14="http://schemas.microsoft.com/office/drawing/2010/main" xmlns="">
                 <a:effectLst>
                   <a:outerShdw blurRad="63500" dist="38099" dir="2700000" algn="ctr" rotWithShape="0">
                     <a:schemeClr val="bg2">
@@ -16399,12 +15961,12 @@
           <a:effectLst/>
           <a:extLst>
             <a:ext uri="{909E8E84-426E-40dd-AFC4-6F175D3DCCD1}">
-              <a14:hiddenFill xmlns="" xmlns:a14="http://schemas.microsoft.com/office/drawing/2010/main">
+              <a14:hiddenFill xmlns:a14="http://schemas.microsoft.com/office/drawing/2010/main" xmlns="">
                 <a:noFill/>
               </a14:hiddenFill>
             </a:ext>
             <a:ext uri="{AF507438-7753-43e0-B8FC-AC1667EBCBE1}">
-              <a14:hiddenEffects xmlns="" xmlns:a14="http://schemas.microsoft.com/office/drawing/2010/main">
+              <a14:hiddenEffects xmlns:a14="http://schemas.microsoft.com/office/drawing/2010/main" xmlns="">
                 <a:effectLst>
                   <a:outerShdw blurRad="63500" dist="38099" dir="2700000" algn="ctr" rotWithShape="0">
                     <a:schemeClr val="bg2">
@@ -16452,12 +16014,12 @@
           <a:effectLst/>
           <a:extLst>
             <a:ext uri="{909E8E84-426E-40dd-AFC4-6F175D3DCCD1}">
-              <a14:hiddenFill xmlns="" xmlns:a14="http://schemas.microsoft.com/office/drawing/2010/main">
+              <a14:hiddenFill xmlns:a14="http://schemas.microsoft.com/office/drawing/2010/main" xmlns="">
                 <a:noFill/>
               </a14:hiddenFill>
             </a:ext>
             <a:ext uri="{AF507438-7753-43e0-B8FC-AC1667EBCBE1}">
-              <a14:hiddenEffects xmlns="" xmlns:a14="http://schemas.microsoft.com/office/drawing/2010/main">
+              <a14:hiddenEffects xmlns:a14="http://schemas.microsoft.com/office/drawing/2010/main" xmlns="">
                 <a:effectLst>
                   <a:outerShdw blurRad="63500" dist="38099" dir="2700000" algn="ctr" rotWithShape="0">
                     <a:schemeClr val="bg2">
@@ -16505,12 +16067,12 @@
           <a:effectLst/>
           <a:extLst>
             <a:ext uri="{909E8E84-426E-40dd-AFC4-6F175D3DCCD1}">
-              <a14:hiddenFill xmlns="" xmlns:a14="http://schemas.microsoft.com/office/drawing/2010/main">
+              <a14:hiddenFill xmlns:a14="http://schemas.microsoft.com/office/drawing/2010/main" xmlns="">
                 <a:noFill/>
               </a14:hiddenFill>
             </a:ext>
             <a:ext uri="{AF507438-7753-43e0-B8FC-AC1667EBCBE1}">
-              <a14:hiddenEffects xmlns="" xmlns:a14="http://schemas.microsoft.com/office/drawing/2010/main">
+              <a14:hiddenEffects xmlns:a14="http://schemas.microsoft.com/office/drawing/2010/main" xmlns="">
                 <a:effectLst>
                   <a:outerShdw blurRad="63500" dist="38099" dir="2700000" algn="ctr" rotWithShape="0">
                     <a:schemeClr val="bg2">
@@ -16558,12 +16120,12 @@
           <a:effectLst/>
           <a:extLst>
             <a:ext uri="{909E8E84-426E-40dd-AFC4-6F175D3DCCD1}">
-              <a14:hiddenFill xmlns="" xmlns:a14="http://schemas.microsoft.com/office/drawing/2010/main">
+              <a14:hiddenFill xmlns:a14="http://schemas.microsoft.com/office/drawing/2010/main" xmlns="">
                 <a:noFill/>
               </a14:hiddenFill>
             </a:ext>
             <a:ext uri="{AF507438-7753-43e0-B8FC-AC1667EBCBE1}">
-              <a14:hiddenEffects xmlns="" xmlns:a14="http://schemas.microsoft.com/office/drawing/2010/main">
+              <a14:hiddenEffects xmlns:a14="http://schemas.microsoft.com/office/drawing/2010/main" xmlns="">
                 <a:effectLst>
                   <a:outerShdw blurRad="63500" dist="38099" dir="2700000" algn="ctr" rotWithShape="0">
                     <a:schemeClr val="bg2">
@@ -16589,13 +16151,6 @@
     <a:masterClrMapping/>
   </p:clrMapOvr>
   <p:transition/>
-  <p:timing>
-    <p:tnLst>
-      <p:par>
-        <p:cTn id="1" dur="indefinite" restart="never" nodeType="tmRoot"/>
-      </p:par>
-    </p:tnLst>
-  </p:timing>
 </p:sld>
 </file>
 
@@ -16690,14 +16245,14 @@
           <a:effectLst/>
           <a:extLst>
             <a:ext uri="{909E8E84-426E-40dd-AFC4-6F175D3DCCD1}">
-              <a14:hiddenFill xmlns="" xmlns:a14="http://schemas.microsoft.com/office/drawing/2010/main">
+              <a14:hiddenFill xmlns:a14="http://schemas.microsoft.com/office/drawing/2010/main" xmlns="">
                 <a:solidFill>
                   <a:schemeClr val="accent1"/>
                 </a:solidFill>
               </a14:hiddenFill>
             </a:ext>
             <a:ext uri="{91240B29-F687-4f45-9708-019B960494DF}">
-              <a14:hiddenLine xmlns="" xmlns:a14="http://schemas.microsoft.com/office/drawing/2010/main" w="9525">
+              <a14:hiddenLine xmlns:a14="http://schemas.microsoft.com/office/drawing/2010/main" xmlns="" w="9525">
                 <a:solidFill>
                   <a:schemeClr val="tx1"/>
                 </a:solidFill>
@@ -16707,7 +16262,7 @@
               </a14:hiddenLine>
             </a:ext>
             <a:ext uri="{AF507438-7753-43e0-B8FC-AC1667EBCBE1}">
-              <a14:hiddenEffects xmlns="" xmlns:a14="http://schemas.microsoft.com/office/drawing/2010/main">
+              <a14:hiddenEffects xmlns:a14="http://schemas.microsoft.com/office/drawing/2010/main" xmlns="">
                 <a:effectLst>
                   <a:outerShdw blurRad="63500" dist="38099" dir="2700000" algn="ctr" rotWithShape="0">
                     <a:schemeClr val="bg2">
@@ -16761,7 +16316,7 @@
           <a:effectLst/>
           <a:extLst>
             <a:ext uri="{AF507438-7753-43e0-B8FC-AC1667EBCBE1}">
-              <a14:hiddenEffects xmlns="" xmlns:a14="http://schemas.microsoft.com/office/drawing/2010/main">
+              <a14:hiddenEffects xmlns:a14="http://schemas.microsoft.com/office/drawing/2010/main" xmlns="">
                 <a:effectLst>
                   <a:outerShdw blurRad="63500" dist="38099" dir="2700000" algn="ctr" rotWithShape="0">
                     <a:schemeClr val="bg2">
@@ -16804,14 +16359,14 @@
           <a:effectLst/>
           <a:extLst>
             <a:ext uri="{909E8E84-426E-40dd-AFC4-6F175D3DCCD1}">
-              <a14:hiddenFill xmlns="" xmlns:a14="http://schemas.microsoft.com/office/drawing/2010/main">
+              <a14:hiddenFill xmlns:a14="http://schemas.microsoft.com/office/drawing/2010/main" xmlns="">
                 <a:solidFill>
                   <a:schemeClr val="accent1"/>
                 </a:solidFill>
               </a14:hiddenFill>
             </a:ext>
             <a:ext uri="{91240B29-F687-4f45-9708-019B960494DF}">
-              <a14:hiddenLine xmlns="" xmlns:a14="http://schemas.microsoft.com/office/drawing/2010/main" w="9525">
+              <a14:hiddenLine xmlns:a14="http://schemas.microsoft.com/office/drawing/2010/main" xmlns="" w="9525">
                 <a:solidFill>
                   <a:schemeClr val="tx1"/>
                 </a:solidFill>
@@ -16821,7 +16376,7 @@
               </a14:hiddenLine>
             </a:ext>
             <a:ext uri="{AF507438-7753-43e0-B8FC-AC1667EBCBE1}">
-              <a14:hiddenEffects xmlns="" xmlns:a14="http://schemas.microsoft.com/office/drawing/2010/main">
+              <a14:hiddenEffects xmlns:a14="http://schemas.microsoft.com/office/drawing/2010/main" xmlns="">
                 <a:effectLst>
                   <a:outerShdw blurRad="63500" dist="38099" dir="2700000" algn="ctr" rotWithShape="0">
                     <a:schemeClr val="bg2">
@@ -16959,12 +16514,6 @@
             </a:r>
           </a:p>
           <a:p>
-            <a:r>
-              <a:rPr lang="en-US" sz="1200">
-                <a:latin typeface="Courier New" charset="0"/>
-              </a:rPr>
-              <a:t/>
-            </a:r>
             <a:br>
               <a:rPr lang="en-US" sz="1200">
                 <a:latin typeface="Courier New" charset="0"/>
@@ -17087,14 +16636,14 @@
           <a:effectLst/>
           <a:extLst>
             <a:ext uri="{909E8E84-426E-40dd-AFC4-6F175D3DCCD1}">
-              <a14:hiddenFill xmlns="" xmlns:a14="http://schemas.microsoft.com/office/drawing/2010/main">
+              <a14:hiddenFill xmlns:a14="http://schemas.microsoft.com/office/drawing/2010/main" xmlns="">
                 <a:solidFill>
                   <a:schemeClr val="accent1"/>
                 </a:solidFill>
               </a14:hiddenFill>
             </a:ext>
             <a:ext uri="{91240B29-F687-4f45-9708-019B960494DF}">
-              <a14:hiddenLine xmlns="" xmlns:a14="http://schemas.microsoft.com/office/drawing/2010/main" w="9525">
+              <a14:hiddenLine xmlns:a14="http://schemas.microsoft.com/office/drawing/2010/main" xmlns="" w="9525">
                 <a:solidFill>
                   <a:schemeClr val="tx1"/>
                 </a:solidFill>
@@ -17104,7 +16653,7 @@
               </a14:hiddenLine>
             </a:ext>
             <a:ext uri="{AF507438-7753-43e0-B8FC-AC1667EBCBE1}">
-              <a14:hiddenEffects xmlns="" xmlns:a14="http://schemas.microsoft.com/office/drawing/2010/main">
+              <a14:hiddenEffects xmlns:a14="http://schemas.microsoft.com/office/drawing/2010/main" xmlns="">
                 <a:effectLst>
                   <a:outerShdw blurRad="63500" dist="38099" dir="2700000" algn="ctr" rotWithShape="0">
                     <a:schemeClr val="bg2">
@@ -17391,12 +16940,12 @@
           <a:effectLst/>
           <a:extLst>
             <a:ext uri="{909E8E84-426E-40dd-AFC4-6F175D3DCCD1}">
-              <a14:hiddenFill xmlns="" xmlns:a14="http://schemas.microsoft.com/office/drawing/2010/main">
+              <a14:hiddenFill xmlns:a14="http://schemas.microsoft.com/office/drawing/2010/main" xmlns="">
                 <a:noFill/>
               </a14:hiddenFill>
             </a:ext>
             <a:ext uri="{AF507438-7753-43e0-B8FC-AC1667EBCBE1}">
-              <a14:hiddenEffects xmlns="" xmlns:a14="http://schemas.microsoft.com/office/drawing/2010/main">
+              <a14:hiddenEffects xmlns:a14="http://schemas.microsoft.com/office/drawing/2010/main" xmlns="">
                 <a:effectLst>
                   <a:outerShdw blurRad="63500" dist="38099" dir="2700000" algn="ctr" rotWithShape="0">
                     <a:schemeClr val="bg2">
@@ -17422,13 +16971,6 @@
     <a:masterClrMapping/>
   </p:clrMapOvr>
   <p:transition/>
-  <p:timing>
-    <p:tnLst>
-      <p:par>
-        <p:cTn id="1" dur="indefinite" restart="never" nodeType="tmRoot"/>
-      </p:par>
-    </p:tnLst>
-  </p:timing>
 </p:sld>
 </file>
 
@@ -17581,13 +17123,6 @@
     <a:masterClrMapping/>
   </p:clrMapOvr>
   <p:transition/>
-  <p:timing>
-    <p:tnLst>
-      <p:par>
-        <p:cTn id="1" dur="indefinite" restart="never" nodeType="tmRoot"/>
-      </p:par>
-    </p:tnLst>
-  </p:timing>
 </p:sld>
 </file>
 
@@ -17751,13 +17286,6 @@
     <a:masterClrMapping/>
   </p:clrMapOvr>
   <p:transition/>
-  <p:timing>
-    <p:tnLst>
-      <p:par>
-        <p:cTn id="1" dur="indefinite" restart="never" nodeType="tmRoot"/>
-      </p:par>
-    </p:tnLst>
-  </p:timing>
 </p:sld>
 </file>
 
@@ -17955,13 +17483,6 @@
     <a:masterClrMapping/>
   </p:clrMapOvr>
   <p:transition/>
-  <p:timing>
-    <p:tnLst>
-      <p:par>
-        <p:cTn id="1" dur="indefinite" restart="never" nodeType="tmRoot"/>
-      </p:par>
-    </p:tnLst>
-  </p:timing>
 </p:sld>
 </file>
 
@@ -18083,13 +17604,6 @@
     <a:masterClrMapping/>
   </p:clrMapOvr>
   <p:transition/>
-  <p:timing>
-    <p:tnLst>
-      <p:par>
-        <p:cTn id="1" dur="indefinite" restart="never" nodeType="tmRoot"/>
-      </p:par>
-    </p:tnLst>
-  </p:timing>
 </p:sld>
 </file>
 
@@ -18271,13 +17785,6 @@
     <a:masterClrMapping/>
   </p:clrMapOvr>
   <p:transition/>
-  <p:timing>
-    <p:tnLst>
-      <p:par>
-        <p:cTn id="1" dur="indefinite" restart="never" nodeType="tmRoot"/>
-      </p:par>
-    </p:tnLst>
-  </p:timing>
 </p:sld>
 </file>
 
@@ -18420,13 +17927,6 @@
     <a:masterClrMapping/>
   </p:clrMapOvr>
   <p:transition/>
-  <p:timing>
-    <p:tnLst>
-      <p:par>
-        <p:cTn id="1" dur="indefinite" restart="never" nodeType="tmRoot"/>
-      </p:par>
-    </p:tnLst>
-  </p:timing>
 </p:sld>
 </file>
 
@@ -18551,14 +18051,14 @@
           <a:effectLst/>
           <a:extLst>
             <a:ext uri="{909E8E84-426E-40dd-AFC4-6F175D3DCCD1}">
-              <a14:hiddenFill xmlns="" xmlns:a14="http://schemas.microsoft.com/office/drawing/2010/main">
+              <a14:hiddenFill xmlns:a14="http://schemas.microsoft.com/office/drawing/2010/main" xmlns="">
                 <a:solidFill>
                   <a:schemeClr val="accent1"/>
                 </a:solidFill>
               </a14:hiddenFill>
             </a:ext>
             <a:ext uri="{91240B29-F687-4f45-9708-019B960494DF}">
-              <a14:hiddenLine xmlns="" xmlns:a14="http://schemas.microsoft.com/office/drawing/2010/main" w="9525">
+              <a14:hiddenLine xmlns:a14="http://schemas.microsoft.com/office/drawing/2010/main" xmlns="" w="9525">
                 <a:solidFill>
                   <a:schemeClr val="tx1"/>
                 </a:solidFill>
@@ -18568,7 +18068,7 @@
               </a14:hiddenLine>
             </a:ext>
             <a:ext uri="{AF507438-7753-43e0-B8FC-AC1667EBCBE1}">
-              <a14:hiddenEffects xmlns="" xmlns:a14="http://schemas.microsoft.com/office/drawing/2010/main">
+              <a14:hiddenEffects xmlns:a14="http://schemas.microsoft.com/office/drawing/2010/main" xmlns="">
                 <a:effectLst>
                   <a:outerShdw blurRad="63500" dist="38099" dir="2700000" algn="ctr" rotWithShape="0">
                     <a:schemeClr val="bg2">
@@ -18620,13 +18120,6 @@
     <a:masterClrMapping/>
   </p:clrMapOvr>
   <p:transition/>
-  <p:timing>
-    <p:tnLst>
-      <p:par>
-        <p:cTn id="1" dur="indefinite" restart="never" nodeType="tmRoot"/>
-      </p:par>
-    </p:tnLst>
-  </p:timing>
 </p:sld>
 </file>
 
@@ -18712,10 +18205,34 @@
             <a:tbl>
               <a:tblPr/>
               <a:tblGrid>
-                <a:gridCol w="1828800"/>
-                <a:gridCol w="2209800"/>
-                <a:gridCol w="1790700"/>
-                <a:gridCol w="1943100"/>
+                <a:gridCol w="1828800">
+                  <a:extLst>
+                    <a:ext uri="{9D8B030D-6E8A-4147-A177-3AD203B41FA5}">
+                      <a16:colId xmlns:a16="http://schemas.microsoft.com/office/drawing/2014/main" val="20000"/>
+                    </a:ext>
+                  </a:extLst>
+                </a:gridCol>
+                <a:gridCol w="2209800">
+                  <a:extLst>
+                    <a:ext uri="{9D8B030D-6E8A-4147-A177-3AD203B41FA5}">
+                      <a16:colId xmlns:a16="http://schemas.microsoft.com/office/drawing/2014/main" val="20001"/>
+                    </a:ext>
+                  </a:extLst>
+                </a:gridCol>
+                <a:gridCol w="1790700">
+                  <a:extLst>
+                    <a:ext uri="{9D8B030D-6E8A-4147-A177-3AD203B41FA5}">
+                      <a16:colId xmlns:a16="http://schemas.microsoft.com/office/drawing/2014/main" val="20002"/>
+                    </a:ext>
+                  </a:extLst>
+                </a:gridCol>
+                <a:gridCol w="1943100">
+                  <a:extLst>
+                    <a:ext uri="{9D8B030D-6E8A-4147-A177-3AD203B41FA5}">
+                      <a16:colId xmlns:a16="http://schemas.microsoft.com/office/drawing/2014/main" val="20003"/>
+                    </a:ext>
+                  </a:extLst>
+                </a:gridCol>
               </a:tblGrid>
               <a:tr h="822325">
                 <a:tc>
@@ -19058,6 +18575,11 @@
                     <a:noFill/>
                   </a:tcPr>
                 </a:tc>
+                <a:extLst>
+                  <a:ext uri="{0D108BD9-81ED-4DB2-BD59-A6C34878D82A}">
+                    <a16:rowId xmlns:a16="http://schemas.microsoft.com/office/drawing/2014/main" val="10000"/>
+                  </a:ext>
+                </a:extLst>
               </a:tr>
               <a:tr h="823913">
                 <a:tc>
@@ -19400,6 +18922,11 @@
                     <a:noFill/>
                   </a:tcPr>
                 </a:tc>
+                <a:extLst>
+                  <a:ext uri="{0D108BD9-81ED-4DB2-BD59-A6C34878D82A}">
+                    <a16:rowId xmlns:a16="http://schemas.microsoft.com/office/drawing/2014/main" val="10001"/>
+                  </a:ext>
+                </a:extLst>
               </a:tr>
               <a:tr h="822325">
                 <a:tc>
@@ -19742,6 +19269,11 @@
                     <a:noFill/>
                   </a:tcPr>
                 </a:tc>
+                <a:extLst>
+                  <a:ext uri="{0D108BD9-81ED-4DB2-BD59-A6C34878D82A}">
+                    <a16:rowId xmlns:a16="http://schemas.microsoft.com/office/drawing/2014/main" val="10002"/>
+                  </a:ext>
+                </a:extLst>
               </a:tr>
               <a:tr h="823913">
                 <a:tc>
@@ -20084,6 +19616,11 @@
                     <a:noFill/>
                   </a:tcPr>
                 </a:tc>
+                <a:extLst>
+                  <a:ext uri="{0D108BD9-81ED-4DB2-BD59-A6C34878D82A}">
+                    <a16:rowId xmlns:a16="http://schemas.microsoft.com/office/drawing/2014/main" val="10003"/>
+                  </a:ext>
+                </a:extLst>
               </a:tr>
               <a:tr h="822325">
                 <a:tc>
@@ -20426,6 +19963,11 @@
                     <a:noFill/>
                   </a:tcPr>
                 </a:tc>
+                <a:extLst>
+                  <a:ext uri="{0D108BD9-81ED-4DB2-BD59-A6C34878D82A}">
+                    <a16:rowId xmlns:a16="http://schemas.microsoft.com/office/drawing/2014/main" val="10004"/>
+                  </a:ext>
+                </a:extLst>
               </a:tr>
             </a:tbl>
           </a:graphicData>
@@ -20437,13 +19979,6 @@
     <a:masterClrMapping/>
   </p:clrMapOvr>
   <p:transition/>
-  <p:timing>
-    <p:tnLst>
-      <p:par>
-        <p:cTn id="1" dur="indefinite" restart="never" nodeType="tmRoot"/>
-      </p:par>
-    </p:tnLst>
-  </p:timing>
 </p:sld>
 </file>
 
@@ -20556,8 +20091,20 @@
             <a:tbl>
               <a:tblPr/>
               <a:tblGrid>
-                <a:gridCol w="3886200"/>
-                <a:gridCol w="3886200"/>
+                <a:gridCol w="3886200">
+                  <a:extLst>
+                    <a:ext uri="{9D8B030D-6E8A-4147-A177-3AD203B41FA5}">
+                      <a16:colId xmlns:a16="http://schemas.microsoft.com/office/drawing/2014/main" val="20000"/>
+                    </a:ext>
+                  </a:extLst>
+                </a:gridCol>
+                <a:gridCol w="3886200">
+                  <a:extLst>
+                    <a:ext uri="{9D8B030D-6E8A-4147-A177-3AD203B41FA5}">
+                      <a16:colId xmlns:a16="http://schemas.microsoft.com/office/drawing/2014/main" val="20001"/>
+                    </a:ext>
+                  </a:extLst>
+                </a:gridCol>
               </a:tblGrid>
               <a:tr h="457200">
                 <a:tc>
@@ -20734,6 +20281,11 @@
                     </a:solidFill>
                   </a:tcPr>
                 </a:tc>
+                <a:extLst>
+                  <a:ext uri="{0D108BD9-81ED-4DB2-BD59-A6C34878D82A}">
+                    <a16:rowId xmlns:a16="http://schemas.microsoft.com/office/drawing/2014/main" val="10000"/>
+                  </a:ext>
+                </a:extLst>
               </a:tr>
               <a:tr h="509588">
                 <a:tc>
@@ -20906,6 +20458,11 @@
                     <a:noFill/>
                   </a:tcPr>
                 </a:tc>
+                <a:extLst>
+                  <a:ext uri="{0D108BD9-81ED-4DB2-BD59-A6C34878D82A}">
+                    <a16:rowId xmlns:a16="http://schemas.microsoft.com/office/drawing/2014/main" val="10001"/>
+                  </a:ext>
+                </a:extLst>
               </a:tr>
               <a:tr h="512763">
                 <a:tc>
@@ -21078,6 +20635,11 @@
                     <a:noFill/>
                   </a:tcPr>
                 </a:tc>
+                <a:extLst>
+                  <a:ext uri="{0D108BD9-81ED-4DB2-BD59-A6C34878D82A}">
+                    <a16:rowId xmlns:a16="http://schemas.microsoft.com/office/drawing/2014/main" val="10002"/>
+                  </a:ext>
+                </a:extLst>
               </a:tr>
               <a:tr h="511175">
                 <a:tc>
@@ -21250,6 +20812,11 @@
                     <a:noFill/>
                   </a:tcPr>
                 </a:tc>
+                <a:extLst>
+                  <a:ext uri="{0D108BD9-81ED-4DB2-BD59-A6C34878D82A}">
+                    <a16:rowId xmlns:a16="http://schemas.microsoft.com/office/drawing/2014/main" val="10003"/>
+                  </a:ext>
+                </a:extLst>
               </a:tr>
               <a:tr h="512763">
                 <a:tc>
@@ -21478,6 +21045,11 @@
                     <a:noFill/>
                   </a:tcPr>
                 </a:tc>
+                <a:extLst>
+                  <a:ext uri="{0D108BD9-81ED-4DB2-BD59-A6C34878D82A}">
+                    <a16:rowId xmlns:a16="http://schemas.microsoft.com/office/drawing/2014/main" val="10004"/>
+                  </a:ext>
+                </a:extLst>
               </a:tr>
               <a:tr h="509588">
                 <a:tc>
@@ -21650,6 +21222,11 @@
                     <a:noFill/>
                   </a:tcPr>
                 </a:tc>
+                <a:extLst>
+                  <a:ext uri="{0D108BD9-81ED-4DB2-BD59-A6C34878D82A}">
+                    <a16:rowId xmlns:a16="http://schemas.microsoft.com/office/drawing/2014/main" val="10005"/>
+                  </a:ext>
+                </a:extLst>
               </a:tr>
               <a:tr h="512763">
                 <a:tc>
@@ -21822,6 +21399,11 @@
                     <a:noFill/>
                   </a:tcPr>
                 </a:tc>
+                <a:extLst>
+                  <a:ext uri="{0D108BD9-81ED-4DB2-BD59-A6C34878D82A}">
+                    <a16:rowId xmlns:a16="http://schemas.microsoft.com/office/drawing/2014/main" val="10006"/>
+                  </a:ext>
+                </a:extLst>
               </a:tr>
             </a:tbl>
           </a:graphicData>
@@ -21833,13 +21415,6 @@
     <a:masterClrMapping/>
   </p:clrMapOvr>
   <p:transition/>
-  <p:timing>
-    <p:tnLst>
-      <p:par>
-        <p:cTn id="1" dur="indefinite" restart="never" nodeType="tmRoot"/>
-      </p:par>
-    </p:tnLst>
-  </p:timing>
 </p:sld>
 </file>
 
@@ -21948,14 +21523,14 @@
           <a:ln/>
           <a:extLst>
             <a:ext uri="{909E8E84-426E-40dd-AFC4-6F175D3DCCD1}">
-              <a14:hiddenFill xmlns="" xmlns:a14="http://schemas.microsoft.com/office/drawing/2010/main">
+              <a14:hiddenFill xmlns:a14="http://schemas.microsoft.com/office/drawing/2010/main" xmlns="">
                 <a:solidFill>
                   <a:srgbClr val="FFFFFF"/>
                 </a:solidFill>
               </a14:hiddenFill>
             </a:ext>
             <a:ext uri="{91240B29-F687-4f45-9708-019B960494DF}">
-              <a14:hiddenLine xmlns="" xmlns:a14="http://schemas.microsoft.com/office/drawing/2010/main" w="9525">
+              <a14:hiddenLine xmlns:a14="http://schemas.microsoft.com/office/drawing/2010/main" xmlns="" w="9525">
                 <a:solidFill>
                   <a:srgbClr val="000000"/>
                 </a:solidFill>
@@ -21965,7 +21540,7 @@
               </a14:hiddenLine>
             </a:ext>
             <a:ext uri="{AF507438-7753-43e0-B8FC-AC1667EBCBE1}">
-              <a14:hiddenEffects xmlns="" xmlns:a14="http://schemas.microsoft.com/office/drawing/2010/main">
+              <a14:hiddenEffects xmlns:a14="http://schemas.microsoft.com/office/drawing/2010/main" xmlns="">
                 <a:effectLst>
                   <a:outerShdw blurRad="63500" dist="38099" dir="2700000" algn="ctr" rotWithShape="0">
                     <a:srgbClr val="808080">
@@ -22001,14 +21576,14 @@
           <a:effectLst/>
           <a:extLst>
             <a:ext uri="{909E8E84-426E-40dd-AFC4-6F175D3DCCD1}">
-              <a14:hiddenFill xmlns="" xmlns:a14="http://schemas.microsoft.com/office/drawing/2010/main">
+              <a14:hiddenFill xmlns:a14="http://schemas.microsoft.com/office/drawing/2010/main" xmlns="">
                 <a:solidFill>
                   <a:schemeClr val="accent1"/>
                 </a:solidFill>
               </a14:hiddenFill>
             </a:ext>
             <a:ext uri="{91240B29-F687-4f45-9708-019B960494DF}">
-              <a14:hiddenLine xmlns="" xmlns:a14="http://schemas.microsoft.com/office/drawing/2010/main" w="9525">
+              <a14:hiddenLine xmlns:a14="http://schemas.microsoft.com/office/drawing/2010/main" xmlns="" w="9525">
                 <a:solidFill>
                   <a:schemeClr val="tx1"/>
                 </a:solidFill>
@@ -22018,7 +21593,7 @@
               </a14:hiddenLine>
             </a:ext>
             <a:ext uri="{AF507438-7753-43e0-B8FC-AC1667EBCBE1}">
-              <a14:hiddenEffects xmlns="" xmlns:a14="http://schemas.microsoft.com/office/drawing/2010/main">
+              <a14:hiddenEffects xmlns:a14="http://schemas.microsoft.com/office/drawing/2010/main" xmlns="">
                 <a:effectLst>
                   <a:outerShdw blurRad="63500" dist="38099" dir="2700000" algn="ctr" rotWithShape="0">
                     <a:schemeClr val="bg2">
@@ -22055,13 +21630,6 @@
     <a:masterClrMapping/>
   </p:clrMapOvr>
   <p:transition/>
-  <p:timing>
-    <p:tnLst>
-      <p:par>
-        <p:cTn id="1" dur="indefinite" restart="never" nodeType="tmRoot"/>
-      </p:par>
-    </p:tnLst>
-  </p:timing>
 </p:sld>
 </file>
 
@@ -22172,13 +21740,6 @@
     <a:masterClrMapping/>
   </p:clrMapOvr>
   <p:transition/>
-  <p:timing>
-    <p:tnLst>
-      <p:par>
-        <p:cTn id="1" dur="indefinite" restart="never" nodeType="tmRoot"/>
-      </p:par>
-    </p:tnLst>
-  </p:timing>
 </p:sld>
 </file>
 
@@ -22302,13 +21863,6 @@
     <a:masterClrMapping/>
   </p:clrMapOvr>
   <p:transition/>
-  <p:timing>
-    <p:tnLst>
-      <p:par>
-        <p:cTn id="1" dur="indefinite" restart="never" nodeType="tmRoot"/>
-      </p:par>
-    </p:tnLst>
-  </p:timing>
 </p:sld>
 </file>
 
@@ -22458,13 +22012,6 @@
     <a:masterClrMapping/>
   </p:clrMapOvr>
   <p:transition/>
-  <p:timing>
-    <p:tnLst>
-      <p:par>
-        <p:cTn id="1" dur="indefinite" restart="never" nodeType="tmRoot"/>
-      </p:par>
-    </p:tnLst>
-  </p:timing>
 </p:sld>
 </file>
 
@@ -22647,14 +22194,14 @@
           <a:effectLst/>
           <a:extLst>
             <a:ext uri="{909E8E84-426E-40dd-AFC4-6F175D3DCCD1}">
-              <a14:hiddenFill xmlns="" xmlns:a14="http://schemas.microsoft.com/office/drawing/2010/main">
+              <a14:hiddenFill xmlns:a14="http://schemas.microsoft.com/office/drawing/2010/main" xmlns="">
                 <a:solidFill>
                   <a:schemeClr val="accent1"/>
                 </a:solidFill>
               </a14:hiddenFill>
             </a:ext>
             <a:ext uri="{91240B29-F687-4f45-9708-019B960494DF}">
-              <a14:hiddenLine xmlns="" xmlns:a14="http://schemas.microsoft.com/office/drawing/2010/main" w="9525">
+              <a14:hiddenLine xmlns:a14="http://schemas.microsoft.com/office/drawing/2010/main" xmlns="" w="9525">
                 <a:solidFill>
                   <a:schemeClr val="tx1"/>
                 </a:solidFill>
@@ -22664,7 +22211,7 @@
               </a14:hiddenLine>
             </a:ext>
             <a:ext uri="{AF507438-7753-43e0-B8FC-AC1667EBCBE1}">
-              <a14:hiddenEffects xmlns="" xmlns:a14="http://schemas.microsoft.com/office/drawing/2010/main">
+              <a14:hiddenEffects xmlns:a14="http://schemas.microsoft.com/office/drawing/2010/main" xmlns="">
                 <a:effectLst>
                   <a:outerShdw blurRad="63500" dist="38099" dir="2700000" algn="ctr" rotWithShape="0">
                     <a:schemeClr val="bg2">
@@ -22732,14 +22279,14 @@
           <a:effectLst/>
           <a:extLst>
             <a:ext uri="{909E8E84-426E-40dd-AFC4-6F175D3DCCD1}">
-              <a14:hiddenFill xmlns="" xmlns:a14="http://schemas.microsoft.com/office/drawing/2010/main">
+              <a14:hiddenFill xmlns:a14="http://schemas.microsoft.com/office/drawing/2010/main" xmlns="">
                 <a:solidFill>
                   <a:schemeClr val="accent1"/>
                 </a:solidFill>
               </a14:hiddenFill>
             </a:ext>
             <a:ext uri="{91240B29-F687-4f45-9708-019B960494DF}">
-              <a14:hiddenLine xmlns="" xmlns:a14="http://schemas.microsoft.com/office/drawing/2010/main" w="9525">
+              <a14:hiddenLine xmlns:a14="http://schemas.microsoft.com/office/drawing/2010/main" xmlns="" w="9525">
                 <a:solidFill>
                   <a:schemeClr val="tx1"/>
                 </a:solidFill>
@@ -22749,7 +22296,7 @@
               </a14:hiddenLine>
             </a:ext>
             <a:ext uri="{AF507438-7753-43e0-B8FC-AC1667EBCBE1}">
-              <a14:hiddenEffects xmlns="" xmlns:a14="http://schemas.microsoft.com/office/drawing/2010/main">
+              <a14:hiddenEffects xmlns:a14="http://schemas.microsoft.com/office/drawing/2010/main" xmlns="">
                 <a:effectLst>
                   <a:outerShdw blurRad="63500" dist="38099" dir="2700000" algn="ctr" rotWithShape="0">
                     <a:schemeClr val="bg2">
@@ -22801,14 +22348,14 @@
           <a:effectLst/>
           <a:extLst>
             <a:ext uri="{909E8E84-426E-40dd-AFC4-6F175D3DCCD1}">
-              <a14:hiddenFill xmlns="" xmlns:a14="http://schemas.microsoft.com/office/drawing/2010/main">
+              <a14:hiddenFill xmlns:a14="http://schemas.microsoft.com/office/drawing/2010/main" xmlns="">
                 <a:solidFill>
                   <a:schemeClr val="accent1"/>
                 </a:solidFill>
               </a14:hiddenFill>
             </a:ext>
             <a:ext uri="{91240B29-F687-4f45-9708-019B960494DF}">
-              <a14:hiddenLine xmlns="" xmlns:a14="http://schemas.microsoft.com/office/drawing/2010/main" w="9525">
+              <a14:hiddenLine xmlns:a14="http://schemas.microsoft.com/office/drawing/2010/main" xmlns="" w="9525">
                 <a:solidFill>
                   <a:schemeClr val="tx1"/>
                 </a:solidFill>
@@ -22818,7 +22365,7 @@
               </a14:hiddenLine>
             </a:ext>
             <a:ext uri="{AF507438-7753-43e0-B8FC-AC1667EBCBE1}">
-              <a14:hiddenEffects xmlns="" xmlns:a14="http://schemas.microsoft.com/office/drawing/2010/main">
+              <a14:hiddenEffects xmlns:a14="http://schemas.microsoft.com/office/drawing/2010/main" xmlns="">
                 <a:effectLst>
                   <a:outerShdw blurRad="63500" dist="38099" dir="2700000" algn="ctr" rotWithShape="0">
                     <a:schemeClr val="bg2">
@@ -22870,14 +22417,14 @@
           <a:effectLst/>
           <a:extLst>
             <a:ext uri="{909E8E84-426E-40dd-AFC4-6F175D3DCCD1}">
-              <a14:hiddenFill xmlns="" xmlns:a14="http://schemas.microsoft.com/office/drawing/2010/main">
+              <a14:hiddenFill xmlns:a14="http://schemas.microsoft.com/office/drawing/2010/main" xmlns="">
                 <a:solidFill>
                   <a:schemeClr val="accent1"/>
                 </a:solidFill>
               </a14:hiddenFill>
             </a:ext>
             <a:ext uri="{91240B29-F687-4f45-9708-019B960494DF}">
-              <a14:hiddenLine xmlns="" xmlns:a14="http://schemas.microsoft.com/office/drawing/2010/main" w="9525">
+              <a14:hiddenLine xmlns:a14="http://schemas.microsoft.com/office/drawing/2010/main" xmlns="" w="9525">
                 <a:solidFill>
                   <a:schemeClr val="tx1"/>
                 </a:solidFill>
@@ -22887,7 +22434,7 @@
               </a14:hiddenLine>
             </a:ext>
             <a:ext uri="{AF507438-7753-43e0-B8FC-AC1667EBCBE1}">
-              <a14:hiddenEffects xmlns="" xmlns:a14="http://schemas.microsoft.com/office/drawing/2010/main">
+              <a14:hiddenEffects xmlns:a14="http://schemas.microsoft.com/office/drawing/2010/main" xmlns="">
                 <a:effectLst>
                   <a:outerShdw blurRad="63500" dist="38099" dir="2700000" algn="ctr" rotWithShape="0">
                     <a:schemeClr val="bg2">
@@ -22939,14 +22486,14 @@
           <a:effectLst/>
           <a:extLst>
             <a:ext uri="{909E8E84-426E-40dd-AFC4-6F175D3DCCD1}">
-              <a14:hiddenFill xmlns="" xmlns:a14="http://schemas.microsoft.com/office/drawing/2010/main">
+              <a14:hiddenFill xmlns:a14="http://schemas.microsoft.com/office/drawing/2010/main" xmlns="">
                 <a:solidFill>
                   <a:schemeClr val="accent1"/>
                 </a:solidFill>
               </a14:hiddenFill>
             </a:ext>
             <a:ext uri="{91240B29-F687-4f45-9708-019B960494DF}">
-              <a14:hiddenLine xmlns="" xmlns:a14="http://schemas.microsoft.com/office/drawing/2010/main" w="9525">
+              <a14:hiddenLine xmlns:a14="http://schemas.microsoft.com/office/drawing/2010/main" xmlns="" w="9525">
                 <a:solidFill>
                   <a:schemeClr val="tx1"/>
                 </a:solidFill>
@@ -22956,7 +22503,7 @@
               </a14:hiddenLine>
             </a:ext>
             <a:ext uri="{AF507438-7753-43e0-B8FC-AC1667EBCBE1}">
-              <a14:hiddenEffects xmlns="" xmlns:a14="http://schemas.microsoft.com/office/drawing/2010/main">
+              <a14:hiddenEffects xmlns:a14="http://schemas.microsoft.com/office/drawing/2010/main" xmlns="">
                 <a:effectLst>
                   <a:outerShdw blurRad="63500" dist="38099" dir="2700000" algn="ctr" rotWithShape="0">
                     <a:schemeClr val="bg2">
@@ -23008,14 +22555,14 @@
           <a:effectLst/>
           <a:extLst>
             <a:ext uri="{909E8E84-426E-40dd-AFC4-6F175D3DCCD1}">
-              <a14:hiddenFill xmlns="" xmlns:a14="http://schemas.microsoft.com/office/drawing/2010/main">
+              <a14:hiddenFill xmlns:a14="http://schemas.microsoft.com/office/drawing/2010/main" xmlns="">
                 <a:solidFill>
                   <a:schemeClr val="accent1"/>
                 </a:solidFill>
               </a14:hiddenFill>
             </a:ext>
             <a:ext uri="{91240B29-F687-4f45-9708-019B960494DF}">
-              <a14:hiddenLine xmlns="" xmlns:a14="http://schemas.microsoft.com/office/drawing/2010/main" w="9525">
+              <a14:hiddenLine xmlns:a14="http://schemas.microsoft.com/office/drawing/2010/main" xmlns="" w="9525">
                 <a:solidFill>
                   <a:schemeClr val="tx1"/>
                 </a:solidFill>
@@ -23025,7 +22572,7 @@
               </a14:hiddenLine>
             </a:ext>
             <a:ext uri="{AF507438-7753-43e0-B8FC-AC1667EBCBE1}">
-              <a14:hiddenEffects xmlns="" xmlns:a14="http://schemas.microsoft.com/office/drawing/2010/main">
+              <a14:hiddenEffects xmlns:a14="http://schemas.microsoft.com/office/drawing/2010/main" xmlns="">
                 <a:effectLst>
                   <a:outerShdw blurRad="63500" dist="38099" dir="2700000" algn="ctr" rotWithShape="0">
                     <a:schemeClr val="bg2">
@@ -23075,13 +22622,6 @@
     <a:masterClrMapping/>
   </p:clrMapOvr>
   <p:transition/>
-  <p:timing>
-    <p:tnLst>
-      <p:par>
-        <p:cTn id="1" dur="indefinite" restart="never" nodeType="tmRoot"/>
-      </p:par>
-    </p:tnLst>
-  </p:timing>
 </p:sld>
 </file>
 
@@ -23301,13 +22841,6 @@
     <a:masterClrMapping/>
   </p:clrMapOvr>
   <p:transition/>
-  <p:timing>
-    <p:tnLst>
-      <p:par>
-        <p:cTn id="1" dur="indefinite" restart="never" nodeType="tmRoot"/>
-      </p:par>
-    </p:tnLst>
-  </p:timing>
 </p:sld>
 </file>
 
@@ -23414,14 +22947,14 @@
           <a:effectLst/>
           <a:extLst>
             <a:ext uri="{909E8E84-426E-40dd-AFC4-6F175D3DCCD1}">
-              <a14:hiddenFill xmlns="" xmlns:a14="http://schemas.microsoft.com/office/drawing/2010/main">
+              <a14:hiddenFill xmlns:a14="http://schemas.microsoft.com/office/drawing/2010/main" xmlns="">
                 <a:solidFill>
                   <a:schemeClr val="accent1"/>
                 </a:solidFill>
               </a14:hiddenFill>
             </a:ext>
             <a:ext uri="{91240B29-F687-4f45-9708-019B960494DF}">
-              <a14:hiddenLine xmlns="" xmlns:a14="http://schemas.microsoft.com/office/drawing/2010/main" w="9525">
+              <a14:hiddenLine xmlns:a14="http://schemas.microsoft.com/office/drawing/2010/main" xmlns="" w="9525">
                 <a:solidFill>
                   <a:schemeClr val="tx1"/>
                 </a:solidFill>
@@ -23431,7 +22964,7 @@
               </a14:hiddenLine>
             </a:ext>
             <a:ext uri="{AF507438-7753-43e0-B8FC-AC1667EBCBE1}">
-              <a14:hiddenEffects xmlns="" xmlns:a14="http://schemas.microsoft.com/office/drawing/2010/main">
+              <a14:hiddenEffects xmlns:a14="http://schemas.microsoft.com/office/drawing/2010/main" xmlns="">
                 <a:effectLst>
                   <a:outerShdw blurRad="63500" dist="38099" dir="2700000" algn="ctr" rotWithShape="0">
                     <a:schemeClr val="bg2">
@@ -23494,13 +23027,6 @@
     <a:masterClrMapping/>
   </p:clrMapOvr>
   <p:transition/>
-  <p:timing>
-    <p:tnLst>
-      <p:par>
-        <p:cTn id="1" dur="indefinite" restart="never" nodeType="tmRoot"/>
-      </p:par>
-    </p:tnLst>
-  </p:timing>
 </p:sld>
 </file>
 
@@ -23662,13 +23188,6 @@
     <a:masterClrMapping/>
   </p:clrMapOvr>
   <p:transition/>
-  <p:timing>
-    <p:tnLst>
-      <p:par>
-        <p:cTn id="1" dur="indefinite" restart="never" nodeType="tmRoot"/>
-      </p:par>
-    </p:tnLst>
-  </p:timing>
 </p:sld>
 </file>
 
@@ -23820,13 +23339,6 @@
     <a:masterClrMapping/>
   </p:clrMapOvr>
   <p:transition/>
-  <p:timing>
-    <p:tnLst>
-      <p:par>
-        <p:cTn id="1" dur="indefinite" restart="never" nodeType="tmRoot"/>
-      </p:par>
-    </p:tnLst>
-  </p:timing>
 </p:sld>
 </file>
 
@@ -23988,13 +23500,6 @@
     <a:masterClrMapping/>
   </p:clrMapOvr>
   <p:transition/>
-  <p:timing>
-    <p:tnLst>
-      <p:par>
-        <p:cTn id="1" dur="indefinite" restart="never" nodeType="tmRoot"/>
-      </p:par>
-    </p:tnLst>
-  </p:timing>
 </p:sld>
 </file>
 
@@ -24105,13 +23610,6 @@
     <a:masterClrMapping/>
   </p:clrMapOvr>
   <p:transition/>
-  <p:timing>
-    <p:tnLst>
-      <p:par>
-        <p:cTn id="1" dur="indefinite" restart="never" nodeType="tmRoot"/>
-      </p:par>
-    </p:tnLst>
-  </p:timing>
 </p:sld>
 </file>
 
@@ -24233,14 +23731,14 @@
           <a:effectLst/>
           <a:extLst>
             <a:ext uri="{909E8E84-426E-40dd-AFC4-6F175D3DCCD1}">
-              <a14:hiddenFill xmlns="" xmlns:a14="http://schemas.microsoft.com/office/drawing/2010/main">
+              <a14:hiddenFill xmlns:a14="http://schemas.microsoft.com/office/drawing/2010/main" xmlns="">
                 <a:solidFill>
                   <a:schemeClr val="accent1"/>
                 </a:solidFill>
               </a14:hiddenFill>
             </a:ext>
             <a:ext uri="{91240B29-F687-4f45-9708-019B960494DF}">
-              <a14:hiddenLine xmlns="" xmlns:a14="http://schemas.microsoft.com/office/drawing/2010/main" w="9525">
+              <a14:hiddenLine xmlns:a14="http://schemas.microsoft.com/office/drawing/2010/main" xmlns="" w="9525">
                 <a:solidFill>
                   <a:schemeClr val="tx1"/>
                 </a:solidFill>
@@ -24250,7 +23748,7 @@
               </a14:hiddenLine>
             </a:ext>
             <a:ext uri="{AF507438-7753-43e0-B8FC-AC1667EBCBE1}">
-              <a14:hiddenEffects xmlns="" xmlns:a14="http://schemas.microsoft.com/office/drawing/2010/main">
+              <a14:hiddenEffects xmlns:a14="http://schemas.microsoft.com/office/drawing/2010/main" xmlns="">
                 <a:effectLst>
                   <a:outerShdw blurRad="63500" dist="38099" dir="2700000" algn="ctr" rotWithShape="0">
                     <a:schemeClr val="bg2">
@@ -24281,13 +23779,6 @@
     <a:masterClrMapping/>
   </p:clrMapOvr>
   <p:transition/>
-  <p:timing>
-    <p:tnLst>
-      <p:par>
-        <p:cTn id="1" dur="indefinite" restart="never" nodeType="tmRoot"/>
-      </p:par>
-    </p:tnLst>
-  </p:timing>
 </p:sld>
 </file>
 
@@ -24449,13 +23940,6 @@
     <a:masterClrMapping/>
   </p:clrMapOvr>
   <p:transition/>
-  <p:timing>
-    <p:tnLst>
-      <p:par>
-        <p:cTn id="1" dur="indefinite" restart="never" nodeType="tmRoot"/>
-      </p:par>
-    </p:tnLst>
-  </p:timing>
 </p:sld>
 </file>
 
@@ -24783,13 +24267,6 @@
     <a:masterClrMapping/>
   </p:clrMapOvr>
   <p:transition/>
-  <p:timing>
-    <p:tnLst>
-      <p:par>
-        <p:cTn id="1" dur="indefinite" restart="never" nodeType="tmRoot"/>
-      </p:par>
-    </p:tnLst>
-  </p:timing>
 </p:sld>
 </file>
 
@@ -24930,13 +24407,6 @@
     <a:masterClrMapping/>
   </p:clrMapOvr>
   <p:transition/>
-  <p:timing>
-    <p:tnLst>
-      <p:par>
-        <p:cTn id="1" dur="indefinite" restart="never" nodeType="tmRoot"/>
-      </p:par>
-    </p:tnLst>
-  </p:timing>
 </p:sld>
 </file>
 
@@ -24997,10 +24467,9 @@
           <a:lstStyle/>
           <a:p>
             <a:r>
-              <a:rPr lang="en-US" sz="3200" dirty="0" smtClean="0"/>
+              <a:rPr lang="en-US" sz="3200" dirty="0"/>
               <a:t>Using informal lines and boxes to model architecture</a:t>
             </a:r>
-            <a:endParaRPr lang="en-US" sz="3200" dirty="0"/>
           </a:p>
         </p:txBody>
       </p:sp>
@@ -25025,64 +24494,63 @@
           <a:lstStyle/>
           <a:p>
             <a:r>
-              <a:rPr lang="en-US" sz="2000" dirty="0" smtClean="0"/>
+              <a:rPr lang="en-US" sz="2000" dirty="0"/>
               <a:t>In this approach a diagraming tool such as Microsoft Visio or </a:t>
             </a:r>
             <a:r>
-              <a:rPr lang="en-US" sz="2000" dirty="0" err="1" smtClean="0"/>
+              <a:rPr lang="en-US" sz="2000" dirty="0" err="1"/>
               <a:t>Omnigraffle</a:t>
             </a:r>
             <a:r>
-              <a:rPr lang="en-US" sz="2000" dirty="0" smtClean="0"/>
+              <a:rPr lang="en-US" sz="2000" dirty="0"/>
               <a:t> is used to document the architecture views</a:t>
             </a:r>
           </a:p>
           <a:p>
             <a:r>
-              <a:rPr lang="en-US" sz="2000" dirty="0" smtClean="0"/>
+              <a:rPr lang="en-US" sz="2000" dirty="0"/>
               <a:t>Tends to create the “best looking” views given that there is no limitation to the artwork that can be applied to the components and connectors.</a:t>
             </a:r>
           </a:p>
           <a:p>
             <a:r>
-              <a:rPr lang="en-US" sz="2000" dirty="0" smtClean="0"/>
+              <a:rPr lang="en-US" sz="2000" dirty="0"/>
               <a:t>Probably the most popular approach to document architectures</a:t>
             </a:r>
           </a:p>
           <a:p>
             <a:r>
-              <a:rPr lang="en-US" sz="2000" dirty="0" smtClean="0"/>
+              <a:rPr lang="en-US" sz="2000" dirty="0"/>
               <a:t>But there are challenges:</a:t>
             </a:r>
           </a:p>
           <a:p>
             <a:pPr lvl="1"/>
             <a:r>
-              <a:rPr lang="en-US" sz="1800" dirty="0" smtClean="0"/>
+              <a:rPr lang="en-US" sz="1800" dirty="0"/>
               <a:t>There is a lack of rigor over the component and connector vocabulary</a:t>
             </a:r>
           </a:p>
           <a:p>
             <a:pPr lvl="1"/>
             <a:r>
-              <a:rPr lang="en-US" sz="1800" dirty="0" smtClean="0"/>
+              <a:rPr lang="en-US" sz="1800" dirty="0"/>
               <a:t>They tend to be pictures, and difficult to get value over managing the views in a model repository – for example – there is limited opportunity to share metadata between diagrams </a:t>
             </a:r>
           </a:p>
           <a:p>
             <a:pPr lvl="1"/>
             <a:r>
-              <a:rPr lang="en-US" sz="1800" dirty="0" smtClean="0"/>
+              <a:rPr lang="en-US" sz="1800" dirty="0"/>
               <a:t>Hard to deal with versioning and change – “Is this the latest view?”</a:t>
             </a:r>
           </a:p>
           <a:p>
             <a:pPr lvl="1"/>
             <a:r>
-              <a:rPr lang="en-US" sz="1800" dirty="0" smtClean="0"/>
+              <a:rPr lang="en-US" sz="1800" dirty="0"/>
               <a:t>Impossible to detect inconsistencies between models</a:t>
             </a:r>
-            <a:endParaRPr lang="en-US" sz="1800" dirty="0"/>
           </a:p>
         </p:txBody>
       </p:sp>
@@ -25097,13 +24565,6 @@
     <a:masterClrMapping/>
   </p:clrMapOvr>
   <p:transition/>
-  <p:timing>
-    <p:tnLst>
-      <p:par>
-        <p:cTn id="1" dur="indefinite" restart="never" nodeType="tmRoot"/>
-      </p:par>
-    </p:tnLst>
-  </p:timing>
 </p:sld>
 </file>
 
@@ -25169,10 +24630,9 @@
           <a:lstStyle/>
           <a:p>
             <a:r>
-              <a:rPr lang="en-US" sz="3200" dirty="0" smtClean="0"/>
+              <a:rPr lang="en-US" sz="3200" dirty="0"/>
               <a:t>Example: Line and Box Drawing for SOA Architecture</a:t>
             </a:r>
-            <a:endParaRPr lang="en-US" sz="3200" dirty="0"/>
           </a:p>
         </p:txBody>
       </p:sp>
@@ -25212,14 +24672,14 @@
           <a:effectLst/>
           <a:extLst>
             <a:ext uri="{909E8E84-426E-40dd-AFC4-6F175D3DCCD1}">
-              <a14:hiddenFill xmlns="" xmlns:a14="http://schemas.microsoft.com/office/drawing/2010/main">
+              <a14:hiddenFill xmlns:a14="http://schemas.microsoft.com/office/drawing/2010/main" xmlns="">
                 <a:solidFill>
                   <a:schemeClr val="accent1"/>
                 </a:solidFill>
               </a14:hiddenFill>
             </a:ext>
             <a:ext uri="{91240B29-F687-4f45-9708-019B960494DF}">
-              <a14:hiddenLine xmlns="" xmlns:a14="http://schemas.microsoft.com/office/drawing/2010/main" w="9525">
+              <a14:hiddenLine xmlns:a14="http://schemas.microsoft.com/office/drawing/2010/main" xmlns="" w="9525">
                 <a:solidFill>
                   <a:schemeClr val="tx1"/>
                 </a:solidFill>
@@ -25229,7 +24689,7 @@
               </a14:hiddenLine>
             </a:ext>
             <a:ext uri="{AF507438-7753-43e0-B8FC-AC1667EBCBE1}">
-              <a14:hiddenEffects xmlns="" xmlns:a14="http://schemas.microsoft.com/office/drawing/2010/main">
+              <a14:hiddenEffects xmlns:a14="http://schemas.microsoft.com/office/drawing/2010/main" xmlns="">
                 <a:effectLst>
                   <a:outerShdw dist="35921" dir="2700000" algn="ctr" rotWithShape="0">
                     <a:schemeClr val="bg2"/>
@@ -25365,14 +24825,14 @@
           <a:effectLst/>
           <a:extLst>
             <a:ext uri="{909E8E84-426E-40dd-AFC4-6F175D3DCCD1}">
-              <a14:hiddenFill xmlns="" xmlns:a14="http://schemas.microsoft.com/office/drawing/2010/main">
+              <a14:hiddenFill xmlns:a14="http://schemas.microsoft.com/office/drawing/2010/main" xmlns="">
                 <a:solidFill>
                   <a:schemeClr val="accent1"/>
                 </a:solidFill>
               </a14:hiddenFill>
             </a:ext>
             <a:ext uri="{91240B29-F687-4f45-9708-019B960494DF}">
-              <a14:hiddenLine xmlns="" xmlns:a14="http://schemas.microsoft.com/office/drawing/2010/main" w="9525">
+              <a14:hiddenLine xmlns:a14="http://schemas.microsoft.com/office/drawing/2010/main" xmlns="" w="9525">
                 <a:solidFill>
                   <a:schemeClr val="tx1"/>
                 </a:solidFill>
@@ -25382,7 +24842,7 @@
               </a14:hiddenLine>
             </a:ext>
             <a:ext uri="{AF507438-7753-43e0-B8FC-AC1667EBCBE1}">
-              <a14:hiddenEffects xmlns="" xmlns:a14="http://schemas.microsoft.com/office/drawing/2010/main">
+              <a14:hiddenEffects xmlns:a14="http://schemas.microsoft.com/office/drawing/2010/main" xmlns="">
                 <a:effectLst>
                   <a:outerShdw dist="35921" dir="2700000" algn="ctr" rotWithShape="0">
                     <a:schemeClr val="bg2"/>
@@ -25600,14 +25060,14 @@
           <a:effectLst/>
           <a:extLst>
             <a:ext uri="{909E8E84-426E-40dd-AFC4-6F175D3DCCD1}">
-              <a14:hiddenFill xmlns="" xmlns:a14="http://schemas.microsoft.com/office/drawing/2010/main">
+              <a14:hiddenFill xmlns:a14="http://schemas.microsoft.com/office/drawing/2010/main" xmlns="">
                 <a:solidFill>
                   <a:schemeClr val="accent1"/>
                 </a:solidFill>
               </a14:hiddenFill>
             </a:ext>
             <a:ext uri="{91240B29-F687-4f45-9708-019B960494DF}">
-              <a14:hiddenLine xmlns="" xmlns:a14="http://schemas.microsoft.com/office/drawing/2010/main" w="9525">
+              <a14:hiddenLine xmlns:a14="http://schemas.microsoft.com/office/drawing/2010/main" xmlns="" w="9525">
                 <a:solidFill>
                   <a:schemeClr val="tx1"/>
                 </a:solidFill>
@@ -25617,7 +25077,7 @@
               </a14:hiddenLine>
             </a:ext>
             <a:ext uri="{AF507438-7753-43e0-B8FC-AC1667EBCBE1}">
-              <a14:hiddenEffects xmlns="" xmlns:a14="http://schemas.microsoft.com/office/drawing/2010/main">
+              <a14:hiddenEffects xmlns:a14="http://schemas.microsoft.com/office/drawing/2010/main" xmlns="">
                 <a:effectLst>
                   <a:outerShdw dist="35921" dir="2700000" algn="ctr" rotWithShape="0">
                     <a:schemeClr val="bg2"/>
@@ -25707,14 +25167,14 @@
           <a:effectLst/>
           <a:extLst>
             <a:ext uri="{909E8E84-426E-40dd-AFC4-6F175D3DCCD1}">
-              <a14:hiddenFill xmlns="" xmlns:a14="http://schemas.microsoft.com/office/drawing/2010/main">
+              <a14:hiddenFill xmlns:a14="http://schemas.microsoft.com/office/drawing/2010/main" xmlns="">
                 <a:solidFill>
                   <a:schemeClr val="accent1"/>
                 </a:solidFill>
               </a14:hiddenFill>
             </a:ext>
             <a:ext uri="{91240B29-F687-4f45-9708-019B960494DF}">
-              <a14:hiddenLine xmlns="" xmlns:a14="http://schemas.microsoft.com/office/drawing/2010/main" w="9525">
+              <a14:hiddenLine xmlns:a14="http://schemas.microsoft.com/office/drawing/2010/main" xmlns="" w="9525">
                 <a:solidFill>
                   <a:schemeClr val="tx1"/>
                 </a:solidFill>
@@ -25724,7 +25184,7 @@
               </a14:hiddenLine>
             </a:ext>
             <a:ext uri="{AF507438-7753-43e0-B8FC-AC1667EBCBE1}">
-              <a14:hiddenEffects xmlns="" xmlns:a14="http://schemas.microsoft.com/office/drawing/2010/main">
+              <a14:hiddenEffects xmlns:a14="http://schemas.microsoft.com/office/drawing/2010/main" xmlns="">
                 <a:effectLst>
                   <a:outerShdw dist="35921" dir="2700000" algn="ctr" rotWithShape="0">
                     <a:schemeClr val="bg2"/>
@@ -25746,13 +25206,6 @@
     <a:masterClrMapping/>
   </p:clrMapOvr>
   <p:transition/>
-  <p:timing>
-    <p:tnLst>
-      <p:par>
-        <p:cTn id="1" dur="indefinite" restart="never" nodeType="tmRoot"/>
-      </p:par>
-    </p:tnLst>
-  </p:timing>
 </p:sld>
 </file>
 
@@ -25813,10 +25266,9 @@
           <a:lstStyle/>
           <a:p>
             <a:r>
-              <a:rPr lang="en-US" sz="3200" dirty="0" smtClean="0"/>
+              <a:rPr lang="en-US" sz="3200" dirty="0"/>
               <a:t>Comparing the approaches</a:t>
             </a:r>
-            <a:endParaRPr lang="en-US" sz="3200" dirty="0"/>
           </a:p>
         </p:txBody>
       </p:sp>
@@ -25845,9 +25297,27 @@
                 <a:tableStyleId>{5C22544A-7EE6-4342-B048-85BDC9FD1C3A}</a:tableStyleId>
               </a:tblPr>
               <a:tblGrid>
-                <a:gridCol w="1521667"/>
-                <a:gridCol w="2821733"/>
-                <a:gridCol w="3505200"/>
+                <a:gridCol w="1521667">
+                  <a:extLst>
+                    <a:ext uri="{9D8B030D-6E8A-4147-A177-3AD203B41FA5}">
+                      <a16:colId xmlns:a16="http://schemas.microsoft.com/office/drawing/2014/main" val="20000"/>
+                    </a:ext>
+                  </a:extLst>
+                </a:gridCol>
+                <a:gridCol w="2821733">
+                  <a:extLst>
+                    <a:ext uri="{9D8B030D-6E8A-4147-A177-3AD203B41FA5}">
+                      <a16:colId xmlns:a16="http://schemas.microsoft.com/office/drawing/2014/main" val="20001"/>
+                    </a:ext>
+                  </a:extLst>
+                </a:gridCol>
+                <a:gridCol w="3505200">
+                  <a:extLst>
+                    <a:ext uri="{9D8B030D-6E8A-4147-A177-3AD203B41FA5}">
+                      <a16:colId xmlns:a16="http://schemas.microsoft.com/office/drawing/2014/main" val="20002"/>
+                    </a:ext>
+                  </a:extLst>
+                </a:gridCol>
               </a:tblGrid>
               <a:tr h="457200">
                 <a:tc>
@@ -25856,18 +25326,13 @@
                     <a:lstStyle/>
                     <a:p>
                       <a:r>
-                        <a:rPr lang="en-US" dirty="0" smtClean="0">
+                        <a:rPr lang="en-US" dirty="0">
                           <a:solidFill>
                             <a:schemeClr val="tx1"/>
                           </a:solidFill>
                         </a:rPr>
                         <a:t>Approach</a:t>
                       </a:r>
-                      <a:endParaRPr lang="en-US" dirty="0">
-                        <a:solidFill>
-                          <a:schemeClr val="tx1"/>
-                        </a:solidFill>
-                      </a:endParaRPr>
                     </a:p>
                   </a:txBody>
                   <a:tcPr/>
@@ -25878,18 +25343,13 @@
                     <a:lstStyle/>
                     <a:p>
                       <a:r>
-                        <a:rPr lang="en-US" dirty="0" smtClean="0">
+                        <a:rPr lang="en-US" dirty="0">
                           <a:solidFill>
                             <a:schemeClr val="tx1"/>
                           </a:solidFill>
                         </a:rPr>
                         <a:t>Pros</a:t>
                       </a:r>
-                      <a:endParaRPr lang="en-US" dirty="0">
-                        <a:solidFill>
-                          <a:schemeClr val="tx1"/>
-                        </a:solidFill>
-                      </a:endParaRPr>
                     </a:p>
                   </a:txBody>
                   <a:tcPr/>
@@ -25900,22 +25360,22 @@
                     <a:lstStyle/>
                     <a:p>
                       <a:r>
-                        <a:rPr lang="en-US" dirty="0" smtClean="0">
+                        <a:rPr lang="en-US" dirty="0">
                           <a:solidFill>
                             <a:schemeClr val="tx1"/>
                           </a:solidFill>
                         </a:rPr>
                         <a:t>Cons</a:t>
                       </a:r>
-                      <a:endParaRPr lang="en-US" dirty="0">
-                        <a:solidFill>
-                          <a:schemeClr val="tx1"/>
-                        </a:solidFill>
-                      </a:endParaRPr>
                     </a:p>
                   </a:txBody>
                   <a:tcPr/>
                 </a:tc>
+                <a:extLst>
+                  <a:ext uri="{0D108BD9-81ED-4DB2-BD59-A6C34878D82A}">
+                    <a16:rowId xmlns:a16="http://schemas.microsoft.com/office/drawing/2014/main" val="10000"/>
+                  </a:ext>
+                </a:extLst>
               </a:tr>
               <a:tr h="838421">
                 <a:tc>
@@ -25924,18 +25384,13 @@
                     <a:lstStyle/>
                     <a:p>
                       <a:r>
-                        <a:rPr lang="en-US" dirty="0" smtClean="0">
+                        <a:rPr lang="en-US" dirty="0">
                           <a:solidFill>
                             <a:schemeClr val="tx1"/>
                           </a:solidFill>
                         </a:rPr>
                         <a:t>ADL</a:t>
                       </a:r>
-                      <a:endParaRPr lang="en-US" dirty="0">
-                        <a:solidFill>
-                          <a:schemeClr val="tx1"/>
-                        </a:solidFill>
-                      </a:endParaRPr>
                     </a:p>
                   </a:txBody>
                   <a:tcPr/>
@@ -25950,7 +25405,7 @@
                         <a:buChar char="•"/>
                       </a:pPr>
                       <a:r>
-                        <a:rPr lang="en-US" sz="1200" dirty="0" smtClean="0">
+                        <a:rPr lang="en-US" sz="1200" dirty="0">
                           <a:solidFill>
                             <a:schemeClr val="tx1"/>
                           </a:solidFill>
@@ -25958,7 +25413,7 @@
                         <a:t>Most formal</a:t>
                       </a:r>
                       <a:r>
-                        <a:rPr lang="en-US" sz="1200" baseline="0" dirty="0" smtClean="0">
+                        <a:rPr lang="en-US" sz="1200" baseline="0" dirty="0">
                           <a:solidFill>
                             <a:schemeClr val="tx1"/>
                           </a:solidFill>
@@ -25972,7 +25427,7 @@
                         <a:buChar char="•"/>
                       </a:pPr>
                       <a:r>
-                        <a:rPr lang="en-US" sz="1200" dirty="0" smtClean="0">
+                        <a:rPr lang="en-US" sz="1200" dirty="0">
                           <a:solidFill>
                             <a:schemeClr val="tx1"/>
                           </a:solidFill>
@@ -25980,7 +25435,7 @@
                         <a:t>Able</a:t>
                       </a:r>
                       <a:r>
-                        <a:rPr lang="en-US" sz="1200" baseline="0" dirty="0" smtClean="0">
+                        <a:rPr lang="en-US" sz="1200" baseline="0" dirty="0">
                           <a:solidFill>
                             <a:schemeClr val="tx1"/>
                           </a:solidFill>
@@ -25988,18 +25443,13 @@
                         <a:t> to precisely define architecture components, connectors and constraints</a:t>
                       </a:r>
                       <a:r>
-                        <a:rPr lang="en-US" sz="1200" dirty="0" smtClean="0">
+                        <a:rPr lang="en-US" sz="1200" dirty="0">
                           <a:solidFill>
                             <a:schemeClr val="tx1"/>
                           </a:solidFill>
                         </a:rPr>
                         <a:t> </a:t>
                       </a:r>
-                      <a:endParaRPr lang="en-US" sz="1200" dirty="0">
-                        <a:solidFill>
-                          <a:schemeClr val="tx1"/>
-                        </a:solidFill>
-                      </a:endParaRPr>
                     </a:p>
                   </a:txBody>
                   <a:tcPr/>
@@ -26014,7 +25464,7 @@
                         <a:buChar char="•"/>
                       </a:pPr>
                       <a:r>
-                        <a:rPr lang="en-US" sz="1200" dirty="0" smtClean="0">
+                        <a:rPr lang="en-US" sz="1200" dirty="0">
                           <a:solidFill>
                             <a:schemeClr val="tx1"/>
                           </a:solidFill>
@@ -26028,7 +25478,7 @@
                         <a:buChar char="•"/>
                       </a:pPr>
                       <a:r>
-                        <a:rPr lang="en-US" sz="1200" dirty="0" smtClean="0">
+                        <a:rPr lang="en-US" sz="1200" dirty="0">
                           <a:solidFill>
                             <a:schemeClr val="tx1"/>
                           </a:solidFill>
@@ -26036,14 +25486,14 @@
                         <a:t>Too complex for use outside of the academic</a:t>
                       </a:r>
                       <a:r>
-                        <a:rPr lang="en-US" sz="1200" baseline="0" dirty="0" smtClean="0">
+                        <a:rPr lang="en-US" sz="1200" baseline="0" dirty="0">
                           <a:solidFill>
                             <a:schemeClr val="tx1"/>
                           </a:solidFill>
                         </a:rPr>
                         <a:t> community</a:t>
                       </a:r>
-                      <a:endParaRPr lang="en-US" sz="1200" dirty="0" smtClean="0">
+                      <a:endParaRPr lang="en-US" sz="1200" dirty="0">
                         <a:solidFill>
                           <a:schemeClr val="tx1"/>
                         </a:solidFill>
@@ -26055,7 +25505,7 @@
                         <a:buChar char="•"/>
                       </a:pPr>
                       <a:r>
-                        <a:rPr lang="en-US" sz="1200" dirty="0" smtClean="0">
+                        <a:rPr lang="en-US" sz="1200" dirty="0">
                           <a:solidFill>
                             <a:schemeClr val="tx1"/>
                           </a:solidFill>
@@ -26063,7 +25513,7 @@
                         <a:t>No</a:t>
                       </a:r>
                       <a:r>
-                        <a:rPr lang="en-US" sz="1200" baseline="0" dirty="0" smtClean="0">
+                        <a:rPr lang="en-US" sz="1200" baseline="0" dirty="0">
                           <a:solidFill>
                             <a:schemeClr val="tx1"/>
                           </a:solidFill>
@@ -26077,7 +25527,7 @@
                         <a:buChar char="•"/>
                       </a:pPr>
                       <a:r>
-                        <a:rPr lang="en-US" sz="1200" baseline="0" dirty="0" smtClean="0">
+                        <a:rPr lang="en-US" sz="1200" baseline="0" dirty="0">
                           <a:solidFill>
                             <a:schemeClr val="tx1"/>
                           </a:solidFill>
@@ -26093,6 +25543,11 @@
                   </a:txBody>
                   <a:tcPr/>
                 </a:tc>
+                <a:extLst>
+                  <a:ext uri="{0D108BD9-81ED-4DB2-BD59-A6C34878D82A}">
+                    <a16:rowId xmlns:a16="http://schemas.microsoft.com/office/drawing/2014/main" val="10001"/>
+                  </a:ext>
+                </a:extLst>
               </a:tr>
               <a:tr h="838421">
                 <a:tc>
@@ -26101,18 +25556,13 @@
                     <a:lstStyle/>
                     <a:p>
                       <a:r>
-                        <a:rPr lang="en-US" dirty="0" smtClean="0">
+                        <a:rPr lang="en-US" dirty="0">
                           <a:solidFill>
                             <a:schemeClr val="tx1"/>
                           </a:solidFill>
                         </a:rPr>
                         <a:t>UML</a:t>
                       </a:r>
-                      <a:endParaRPr lang="en-US" dirty="0">
-                        <a:solidFill>
-                          <a:schemeClr val="tx1"/>
-                        </a:solidFill>
-                      </a:endParaRPr>
                     </a:p>
                   </a:txBody>
                   <a:tcPr/>
@@ -26127,7 +25577,7 @@
                         <a:buChar char="•"/>
                       </a:pPr>
                       <a:r>
-                        <a:rPr lang="en-US" sz="1200" dirty="0" smtClean="0">
+                        <a:rPr lang="en-US" sz="1200" dirty="0">
                           <a:solidFill>
                             <a:schemeClr val="tx1"/>
                           </a:solidFill>
@@ -26135,7 +25585,7 @@
                         <a:t>Supports the basic constructs</a:t>
                       </a:r>
                       <a:r>
-                        <a:rPr lang="en-US" sz="1200" baseline="0" dirty="0" smtClean="0">
+                        <a:rPr lang="en-US" sz="1200" baseline="0" dirty="0">
                           <a:solidFill>
                             <a:schemeClr val="tx1"/>
                           </a:solidFill>
@@ -26149,7 +25599,7 @@
                         <a:buChar char="•"/>
                       </a:pPr>
                       <a:r>
-                        <a:rPr lang="en-US" sz="1200" baseline="0" dirty="0" smtClean="0">
+                        <a:rPr lang="en-US" sz="1200" baseline="0" dirty="0">
                           <a:solidFill>
                             <a:schemeClr val="tx1"/>
                           </a:solidFill>
@@ -26163,7 +25613,7 @@
                         <a:buChar char="•"/>
                       </a:pPr>
                       <a:r>
-                        <a:rPr lang="en-US" sz="1200" baseline="0" dirty="0" smtClean="0">
+                        <a:rPr lang="en-US" sz="1200" baseline="0" dirty="0">
                           <a:solidFill>
                             <a:schemeClr val="tx1"/>
                           </a:solidFill>
@@ -26189,7 +25639,7 @@
                         <a:buChar char="•"/>
                       </a:pPr>
                       <a:r>
-                        <a:rPr lang="en-US" sz="1200" dirty="0" smtClean="0">
+                        <a:rPr lang="en-US" sz="1200" dirty="0">
                           <a:solidFill>
                             <a:schemeClr val="tx1"/>
                           </a:solidFill>
@@ -26203,7 +25653,7 @@
                         <a:buChar char="•"/>
                       </a:pPr>
                       <a:r>
-                        <a:rPr lang="en-US" sz="1200" dirty="0" smtClean="0">
+                        <a:rPr lang="en-US" sz="1200" dirty="0">
                           <a:solidFill>
                             <a:schemeClr val="tx1"/>
                           </a:solidFill>
@@ -26211,7 +25661,7 @@
                         <a:t>Quasi-formalism</a:t>
                       </a:r>
                       <a:r>
-                        <a:rPr lang="en-US" sz="1200" baseline="0" dirty="0" smtClean="0">
+                        <a:rPr lang="en-US" sz="1200" baseline="0" dirty="0">
                           <a:solidFill>
                             <a:schemeClr val="tx1"/>
                           </a:solidFill>
@@ -26225,7 +25675,7 @@
                         <a:buChar char="•"/>
                       </a:pPr>
                       <a:r>
-                        <a:rPr lang="en-US" sz="1200" baseline="0" dirty="0" smtClean="0">
+                        <a:rPr lang="en-US" sz="1200" baseline="0" dirty="0">
                           <a:solidFill>
                             <a:schemeClr val="tx1"/>
                           </a:solidFill>
@@ -26241,6 +25691,11 @@
                   </a:txBody>
                   <a:tcPr/>
                 </a:tc>
+                <a:extLst>
+                  <a:ext uri="{0D108BD9-81ED-4DB2-BD59-A6C34878D82A}">
+                    <a16:rowId xmlns:a16="http://schemas.microsoft.com/office/drawing/2014/main" val="10002"/>
+                  </a:ext>
+                </a:extLst>
               </a:tr>
               <a:tr h="1447137">
                 <a:tc>
@@ -26249,18 +25704,13 @@
                     <a:lstStyle/>
                     <a:p>
                       <a:r>
-                        <a:rPr lang="en-US" dirty="0" smtClean="0">
+                        <a:rPr lang="en-US" dirty="0">
                           <a:solidFill>
                             <a:schemeClr val="tx1"/>
                           </a:solidFill>
                         </a:rPr>
                         <a:t>Lines and Boxes</a:t>
                       </a:r>
-                      <a:endParaRPr lang="en-US" dirty="0">
-                        <a:solidFill>
-                          <a:schemeClr val="tx1"/>
-                        </a:solidFill>
-                      </a:endParaRPr>
                     </a:p>
                   </a:txBody>
                   <a:tcPr/>
@@ -26275,7 +25725,7 @@
                         <a:buChar char="•"/>
                       </a:pPr>
                       <a:r>
-                        <a:rPr lang="en-US" sz="1200" dirty="0" smtClean="0">
+                        <a:rPr lang="en-US" sz="1200" dirty="0">
                           <a:solidFill>
                             <a:schemeClr val="tx1"/>
                           </a:solidFill>
@@ -26289,7 +25739,7 @@
                         <a:buChar char="•"/>
                       </a:pPr>
                       <a:r>
-                        <a:rPr lang="en-US" sz="1200" dirty="0" smtClean="0">
+                        <a:rPr lang="en-US" sz="1200" dirty="0">
                           <a:solidFill>
                             <a:schemeClr val="tx1"/>
                           </a:solidFill>
@@ -26297,7 +25747,7 @@
                         <a:t>Easiest</a:t>
                       </a:r>
                       <a:r>
-                        <a:rPr lang="en-US" sz="1200" baseline="0" dirty="0" smtClean="0">
+                        <a:rPr lang="en-US" sz="1200" baseline="0" dirty="0">
                           <a:solidFill>
                             <a:schemeClr val="tx1"/>
                           </a:solidFill>
@@ -26311,7 +25761,7 @@
                         <a:buChar char="•"/>
                       </a:pPr>
                       <a:r>
-                        <a:rPr lang="en-US" sz="1200" baseline="0" dirty="0" smtClean="0">
+                        <a:rPr lang="en-US" sz="1200" baseline="0" dirty="0">
                           <a:solidFill>
                             <a:schemeClr val="tx1"/>
                           </a:solidFill>
@@ -26343,7 +25793,7 @@
                         <a:buChar char="•"/>
                       </a:pPr>
                       <a:r>
-                        <a:rPr lang="en-US" sz="1200" dirty="0" smtClean="0">
+                        <a:rPr lang="en-US" sz="1200" dirty="0">
                           <a:solidFill>
                             <a:schemeClr val="tx1"/>
                           </a:solidFill>
@@ -26357,7 +25807,7 @@
                         <a:buChar char="•"/>
                       </a:pPr>
                       <a:r>
-                        <a:rPr lang="en-US" sz="1200" dirty="0" smtClean="0">
+                        <a:rPr lang="en-US" sz="1200" dirty="0">
                           <a:solidFill>
                             <a:schemeClr val="tx1"/>
                           </a:solidFill>
@@ -26365,7 +25815,7 @@
                         <a:t>Typically</a:t>
                       </a:r>
                       <a:r>
-                        <a:rPr lang="en-US" sz="1200" baseline="0" dirty="0" smtClean="0">
+                        <a:rPr lang="en-US" sz="1200" baseline="0" dirty="0">
                           <a:solidFill>
                             <a:schemeClr val="tx1"/>
                           </a:solidFill>
@@ -26379,7 +25829,7 @@
                         <a:buChar char="•"/>
                       </a:pPr>
                       <a:r>
-                        <a:rPr lang="en-US" sz="1200" baseline="0" dirty="0" smtClean="0">
+                        <a:rPr lang="en-US" sz="1200" baseline="0" dirty="0">
                           <a:solidFill>
                             <a:schemeClr val="tx1"/>
                           </a:solidFill>
@@ -26395,6 +25845,11 @@
                   </a:txBody>
                   <a:tcPr/>
                 </a:tc>
+                <a:extLst>
+                  <a:ext uri="{0D108BD9-81ED-4DB2-BD59-A6C34878D82A}">
+                    <a16:rowId xmlns:a16="http://schemas.microsoft.com/office/drawing/2014/main" val="10003"/>
+                  </a:ext>
+                </a:extLst>
               </a:tr>
             </a:tbl>
           </a:graphicData>
@@ -26411,13 +25866,6 @@
     <a:masterClrMapping/>
   </p:clrMapOvr>
   <p:transition/>
-  <p:timing>
-    <p:tnLst>
-      <p:par>
-        <p:cTn id="1" dur="indefinite" restart="never" nodeType="tmRoot"/>
-      </p:par>
-    </p:tnLst>
-  </p:timing>
 </p:sld>
 </file>
 
@@ -26486,10 +25934,9 @@
           <a:p>
             <a:pPr algn="ctr"/>
             <a:r>
-              <a:rPr lang="en-US" sz="3200" b="1" dirty="0" smtClean="0"/>
+              <a:rPr lang="en-US" sz="3200" b="1" dirty="0"/>
               <a:t>And now a shameless plug into some interesting research on architecture recovery and architecture style repair</a:t>
             </a:r>
-            <a:endParaRPr lang="en-US" sz="3200" b="1" dirty="0"/>
           </a:p>
         </p:txBody>
       </p:sp>
@@ -26615,13 +26062,6 @@
     <a:masterClrMapping/>
   </p:clrMapOvr>
   <p:transition/>
-  <p:timing>
-    <p:tnLst>
-      <p:par>
-        <p:cTn id="1" dur="indefinite" restart="never" nodeType="tmRoot"/>
-      </p:par>
-    </p:tnLst>
-  </p:timing>
 </p:sld>
 </file>
 
@@ -26751,13 +26191,6 @@
     <a:masterClrMapping/>
   </p:clrMapOvr>
   <p:transition/>
-  <p:timing>
-    <p:tnLst>
-      <p:par>
-        <p:cTn id="1" dur="indefinite" restart="never" nodeType="tmRoot"/>
-      </p:par>
-    </p:tnLst>
-  </p:timing>
 </p:sld>
 </file>
 
@@ -26950,13 +26383,6 @@
     <a:masterClrMapping/>
   </p:clrMapOvr>
   <p:transition/>
-  <p:timing>
-    <p:tnLst>
-      <p:par>
-        <p:cTn id="1" dur="indefinite" restart="never" nodeType="tmRoot"/>
-      </p:par>
-    </p:tnLst>
-  </p:timing>
 </p:sld>
 </file>
 
@@ -27078,14 +26504,14 @@
           <a:effectLst/>
           <a:extLst>
             <a:ext uri="{909E8E84-426E-40dd-AFC4-6F175D3DCCD1}">
-              <a14:hiddenFill xmlns="" xmlns:a14="http://schemas.microsoft.com/office/drawing/2010/main">
+              <a14:hiddenFill xmlns:a14="http://schemas.microsoft.com/office/drawing/2010/main" xmlns="">
                 <a:solidFill>
                   <a:schemeClr val="accent1"/>
                 </a:solidFill>
               </a14:hiddenFill>
             </a:ext>
             <a:ext uri="{91240B29-F687-4f45-9708-019B960494DF}">
-              <a14:hiddenLine xmlns="" xmlns:a14="http://schemas.microsoft.com/office/drawing/2010/main" w="9525">
+              <a14:hiddenLine xmlns:a14="http://schemas.microsoft.com/office/drawing/2010/main" xmlns="" w="9525">
                 <a:solidFill>
                   <a:schemeClr val="tx1"/>
                 </a:solidFill>
@@ -27095,7 +26521,7 @@
               </a14:hiddenLine>
             </a:ext>
             <a:ext uri="{AF507438-7753-43e0-B8FC-AC1667EBCBE1}">
-              <a14:hiddenEffects xmlns="" xmlns:a14="http://schemas.microsoft.com/office/drawing/2010/main">
+              <a14:hiddenEffects xmlns:a14="http://schemas.microsoft.com/office/drawing/2010/main" xmlns="">
                 <a:effectLst>
                   <a:outerShdw blurRad="63500" dist="38099" dir="2700000" algn="ctr" rotWithShape="0">
                     <a:schemeClr val="bg2">
@@ -27143,14 +26569,14 @@
           <a:effectLst/>
           <a:extLst>
             <a:ext uri="{909E8E84-426E-40dd-AFC4-6F175D3DCCD1}">
-              <a14:hiddenFill xmlns="" xmlns:a14="http://schemas.microsoft.com/office/drawing/2010/main">
+              <a14:hiddenFill xmlns:a14="http://schemas.microsoft.com/office/drawing/2010/main" xmlns="">
                 <a:solidFill>
                   <a:schemeClr val="accent1"/>
                 </a:solidFill>
               </a14:hiddenFill>
             </a:ext>
             <a:ext uri="{91240B29-F687-4f45-9708-019B960494DF}">
-              <a14:hiddenLine xmlns="" xmlns:a14="http://schemas.microsoft.com/office/drawing/2010/main" w="9525">
+              <a14:hiddenLine xmlns:a14="http://schemas.microsoft.com/office/drawing/2010/main" xmlns="" w="9525">
                 <a:solidFill>
                   <a:schemeClr val="tx1"/>
                 </a:solidFill>
@@ -27160,7 +26586,7 @@
               </a14:hiddenLine>
             </a:ext>
             <a:ext uri="{AF507438-7753-43e0-B8FC-AC1667EBCBE1}">
-              <a14:hiddenEffects xmlns="" xmlns:a14="http://schemas.microsoft.com/office/drawing/2010/main">
+              <a14:hiddenEffects xmlns:a14="http://schemas.microsoft.com/office/drawing/2010/main" xmlns="">
                 <a:effectLst>
                   <a:outerShdw blurRad="63500" dist="38099" dir="2700000" algn="ctr" rotWithShape="0">
                     <a:schemeClr val="bg2">
@@ -27213,12 +26639,12 @@
           <a:effectLst/>
           <a:extLst>
             <a:ext uri="{909E8E84-426E-40dd-AFC4-6F175D3DCCD1}">
-              <a14:hiddenFill xmlns="" xmlns:a14="http://schemas.microsoft.com/office/drawing/2010/main">
+              <a14:hiddenFill xmlns:a14="http://schemas.microsoft.com/office/drawing/2010/main" xmlns="">
                 <a:noFill/>
               </a14:hiddenFill>
             </a:ext>
             <a:ext uri="{AF507438-7753-43e0-B8FC-AC1667EBCBE1}">
-              <a14:hiddenEffects xmlns="" xmlns:a14="http://schemas.microsoft.com/office/drawing/2010/main">
+              <a14:hiddenEffects xmlns:a14="http://schemas.microsoft.com/office/drawing/2010/main" xmlns="">
                 <a:effectLst>
                   <a:outerShdw blurRad="63500" dist="38099" dir="2700000" algn="ctr" rotWithShape="0">
                     <a:schemeClr val="bg2">
@@ -27276,13 +26702,6 @@
     <a:masterClrMapping/>
   </p:clrMapOvr>
   <p:transition/>
-  <p:timing>
-    <p:tnLst>
-      <p:par>
-        <p:cTn id="1" dur="indefinite" restart="never" nodeType="tmRoot"/>
-      </p:par>
-    </p:tnLst>
-  </p:timing>
 </p:sld>
 </file>
 
@@ -27381,14 +26800,14 @@
           <a:ln/>
           <a:extLst>
             <a:ext uri="{909E8E84-426E-40dd-AFC4-6F175D3DCCD1}">
-              <a14:hiddenFill xmlns="" xmlns:a14="http://schemas.microsoft.com/office/drawing/2010/main">
+              <a14:hiddenFill xmlns:a14="http://schemas.microsoft.com/office/drawing/2010/main" xmlns="">
                 <a:solidFill>
                   <a:srgbClr val="FFFFFF"/>
                 </a:solidFill>
               </a14:hiddenFill>
             </a:ext>
             <a:ext uri="{91240B29-F687-4f45-9708-019B960494DF}">
-              <a14:hiddenLine xmlns="" xmlns:a14="http://schemas.microsoft.com/office/drawing/2010/main" w="9525">
+              <a14:hiddenLine xmlns:a14="http://schemas.microsoft.com/office/drawing/2010/main" xmlns="" w="9525">
                 <a:solidFill>
                   <a:srgbClr val="000000"/>
                 </a:solidFill>
@@ -27398,7 +26817,7 @@
               </a14:hiddenLine>
             </a:ext>
             <a:ext uri="{AF507438-7753-43e0-B8FC-AC1667EBCBE1}">
-              <a14:hiddenEffects xmlns="" xmlns:a14="http://schemas.microsoft.com/office/drawing/2010/main">
+              <a14:hiddenEffects xmlns:a14="http://schemas.microsoft.com/office/drawing/2010/main" xmlns="">
                 <a:effectLst>
                   <a:outerShdw blurRad="63500" dist="38099" dir="2700000" algn="ctr" rotWithShape="0">
                     <a:srgbClr val="808080">
@@ -27434,14 +26853,14 @@
           <a:effectLst/>
           <a:extLst>
             <a:ext uri="{909E8E84-426E-40dd-AFC4-6F175D3DCCD1}">
-              <a14:hiddenFill xmlns="" xmlns:a14="http://schemas.microsoft.com/office/drawing/2010/main">
+              <a14:hiddenFill xmlns:a14="http://schemas.microsoft.com/office/drawing/2010/main" xmlns="">
                 <a:solidFill>
                   <a:schemeClr val="accent1"/>
                 </a:solidFill>
               </a14:hiddenFill>
             </a:ext>
             <a:ext uri="{91240B29-F687-4f45-9708-019B960494DF}">
-              <a14:hiddenLine xmlns="" xmlns:a14="http://schemas.microsoft.com/office/drawing/2010/main" w="9525">
+              <a14:hiddenLine xmlns:a14="http://schemas.microsoft.com/office/drawing/2010/main" xmlns="" w="9525">
                 <a:solidFill>
                   <a:schemeClr val="tx1"/>
                 </a:solidFill>
@@ -27451,7 +26870,7 @@
               </a14:hiddenLine>
             </a:ext>
             <a:ext uri="{AF507438-7753-43e0-B8FC-AC1667EBCBE1}">
-              <a14:hiddenEffects xmlns="" xmlns:a14="http://schemas.microsoft.com/office/drawing/2010/main">
+              <a14:hiddenEffects xmlns:a14="http://schemas.microsoft.com/office/drawing/2010/main" xmlns="">
                 <a:effectLst>
                   <a:outerShdw blurRad="63500" dist="38099" dir="2700000" algn="ctr" rotWithShape="0">
                     <a:schemeClr val="bg2">
@@ -27505,12 +26924,12 @@
           <a:effectLst/>
           <a:extLst>
             <a:ext uri="{909E8E84-426E-40dd-AFC4-6F175D3DCCD1}">
-              <a14:hiddenFill xmlns="" xmlns:a14="http://schemas.microsoft.com/office/drawing/2010/main">
+              <a14:hiddenFill xmlns:a14="http://schemas.microsoft.com/office/drawing/2010/main" xmlns="">
                 <a:noFill/>
               </a14:hiddenFill>
             </a:ext>
             <a:ext uri="{AF507438-7753-43e0-B8FC-AC1667EBCBE1}">
-              <a14:hiddenEffects xmlns="" xmlns:a14="http://schemas.microsoft.com/office/drawing/2010/main">
+              <a14:hiddenEffects xmlns:a14="http://schemas.microsoft.com/office/drawing/2010/main" xmlns="">
                 <a:effectLst>
                   <a:outerShdw blurRad="63500" dist="38099" dir="2700000" algn="ctr" rotWithShape="0">
                     <a:schemeClr val="bg2">
@@ -27558,12 +26977,12 @@
           <a:effectLst/>
           <a:extLst>
             <a:ext uri="{909E8E84-426E-40dd-AFC4-6F175D3DCCD1}">
-              <a14:hiddenFill xmlns="" xmlns:a14="http://schemas.microsoft.com/office/drawing/2010/main">
+              <a14:hiddenFill xmlns:a14="http://schemas.microsoft.com/office/drawing/2010/main" xmlns="">
                 <a:noFill/>
               </a14:hiddenFill>
             </a:ext>
             <a:ext uri="{AF507438-7753-43e0-B8FC-AC1667EBCBE1}">
-              <a14:hiddenEffects xmlns="" xmlns:a14="http://schemas.microsoft.com/office/drawing/2010/main">
+              <a14:hiddenEffects xmlns:a14="http://schemas.microsoft.com/office/drawing/2010/main" xmlns="">
                 <a:effectLst>
                   <a:outerShdw blurRad="63500" dist="38099" dir="2700000" algn="ctr" rotWithShape="0">
                     <a:schemeClr val="bg2">
@@ -27611,12 +27030,12 @@
           <a:effectLst/>
           <a:extLst>
             <a:ext uri="{909E8E84-426E-40dd-AFC4-6F175D3DCCD1}">
-              <a14:hiddenFill xmlns="" xmlns:a14="http://schemas.microsoft.com/office/drawing/2010/main">
+              <a14:hiddenFill xmlns:a14="http://schemas.microsoft.com/office/drawing/2010/main" xmlns="">
                 <a:noFill/>
               </a14:hiddenFill>
             </a:ext>
             <a:ext uri="{AF507438-7753-43e0-B8FC-AC1667EBCBE1}">
-              <a14:hiddenEffects xmlns="" xmlns:a14="http://schemas.microsoft.com/office/drawing/2010/main">
+              <a14:hiddenEffects xmlns:a14="http://schemas.microsoft.com/office/drawing/2010/main" xmlns="">
                 <a:effectLst>
                   <a:outerShdw blurRad="63500" dist="38099" dir="2700000" algn="ctr" rotWithShape="0">
                     <a:schemeClr val="bg2">
@@ -27659,14 +27078,14 @@
           <a:effectLst/>
           <a:extLst>
             <a:ext uri="{909E8E84-426E-40dd-AFC4-6F175D3DCCD1}">
-              <a14:hiddenFill xmlns="" xmlns:a14="http://schemas.microsoft.com/office/drawing/2010/main">
+              <a14:hiddenFill xmlns:a14="http://schemas.microsoft.com/office/drawing/2010/main" xmlns="">
                 <a:solidFill>
                   <a:schemeClr val="accent1"/>
                 </a:solidFill>
               </a14:hiddenFill>
             </a:ext>
             <a:ext uri="{91240B29-F687-4f45-9708-019B960494DF}">
-              <a14:hiddenLine xmlns="" xmlns:a14="http://schemas.microsoft.com/office/drawing/2010/main" w="9525">
+              <a14:hiddenLine xmlns:a14="http://schemas.microsoft.com/office/drawing/2010/main" xmlns="" w="9525">
                 <a:solidFill>
                   <a:schemeClr val="tx1"/>
                 </a:solidFill>
@@ -27676,7 +27095,7 @@
               </a14:hiddenLine>
             </a:ext>
             <a:ext uri="{AF507438-7753-43e0-B8FC-AC1667EBCBE1}">
-              <a14:hiddenEffects xmlns="" xmlns:a14="http://schemas.microsoft.com/office/drawing/2010/main">
+              <a14:hiddenEffects xmlns:a14="http://schemas.microsoft.com/office/drawing/2010/main" xmlns="">
                 <a:effectLst>
                   <a:outerShdw blurRad="63500" dist="38099" dir="2700000" algn="ctr" rotWithShape="0">
                     <a:schemeClr val="bg2">
@@ -27736,14 +27155,14 @@
           <a:effectLst/>
           <a:extLst>
             <a:ext uri="{909E8E84-426E-40dd-AFC4-6F175D3DCCD1}">
-              <a14:hiddenFill xmlns="" xmlns:a14="http://schemas.microsoft.com/office/drawing/2010/main">
+              <a14:hiddenFill xmlns:a14="http://schemas.microsoft.com/office/drawing/2010/main" xmlns="">
                 <a:solidFill>
                   <a:schemeClr val="accent1"/>
                 </a:solidFill>
               </a14:hiddenFill>
             </a:ext>
             <a:ext uri="{91240B29-F687-4f45-9708-019B960494DF}">
-              <a14:hiddenLine xmlns="" xmlns:a14="http://schemas.microsoft.com/office/drawing/2010/main" w="9525">
+              <a14:hiddenLine xmlns:a14="http://schemas.microsoft.com/office/drawing/2010/main" xmlns="" w="9525">
                 <a:solidFill>
                   <a:schemeClr val="tx1"/>
                 </a:solidFill>
@@ -27753,7 +27172,7 @@
               </a14:hiddenLine>
             </a:ext>
             <a:ext uri="{AF507438-7753-43e0-B8FC-AC1667EBCBE1}">
-              <a14:hiddenEffects xmlns="" xmlns:a14="http://schemas.microsoft.com/office/drawing/2010/main">
+              <a14:hiddenEffects xmlns:a14="http://schemas.microsoft.com/office/drawing/2010/main" xmlns="">
                 <a:effectLst>
                   <a:outerShdw blurRad="63500" dist="38099" dir="2700000" algn="ctr" rotWithShape="0">
                     <a:schemeClr val="bg2">
@@ -27796,13 +27215,6 @@
     <a:masterClrMapping/>
   </p:clrMapOvr>
   <p:transition/>
-  <p:timing>
-    <p:tnLst>
-      <p:par>
-        <p:cTn id="1" dur="indefinite" restart="never" nodeType="tmRoot"/>
-      </p:par>
-    </p:tnLst>
-  </p:timing>
 </p:sld>
 </file>
 
@@ -27912,13 +27324,6 @@
     <a:masterClrMapping/>
   </p:clrMapOvr>
   <p:transition/>
-  <p:timing>
-    <p:tnLst>
-      <p:par>
-        <p:cTn id="1" dur="indefinite" restart="never" nodeType="tmRoot"/>
-      </p:par>
-    </p:tnLst>
-  </p:timing>
 </p:sld>
 </file>
 
@@ -28017,14 +27422,14 @@
           <a:ln/>
           <a:extLst>
             <a:ext uri="{909E8E84-426E-40dd-AFC4-6F175D3DCCD1}">
-              <a14:hiddenFill xmlns="" xmlns:a14="http://schemas.microsoft.com/office/drawing/2010/main">
+              <a14:hiddenFill xmlns:a14="http://schemas.microsoft.com/office/drawing/2010/main" xmlns="">
                 <a:solidFill>
                   <a:srgbClr val="FFFFFF"/>
                 </a:solidFill>
               </a14:hiddenFill>
             </a:ext>
             <a:ext uri="{91240B29-F687-4f45-9708-019B960494DF}">
-              <a14:hiddenLine xmlns="" xmlns:a14="http://schemas.microsoft.com/office/drawing/2010/main" w="9525">
+              <a14:hiddenLine xmlns:a14="http://schemas.microsoft.com/office/drawing/2010/main" xmlns="" w="9525">
                 <a:solidFill>
                   <a:srgbClr val="000000"/>
                 </a:solidFill>
@@ -28034,7 +27439,7 @@
               </a14:hiddenLine>
             </a:ext>
             <a:ext uri="{AF507438-7753-43e0-B8FC-AC1667EBCBE1}">
-              <a14:hiddenEffects xmlns="" xmlns:a14="http://schemas.microsoft.com/office/drawing/2010/main">
+              <a14:hiddenEffects xmlns:a14="http://schemas.microsoft.com/office/drawing/2010/main" xmlns="">
                 <a:effectLst>
                   <a:outerShdw blurRad="63500" dist="38099" dir="2700000" algn="ctr" rotWithShape="0">
                     <a:srgbClr val="808080">
@@ -28070,14 +27475,14 @@
           <a:effectLst/>
           <a:extLst>
             <a:ext uri="{909E8E84-426E-40dd-AFC4-6F175D3DCCD1}">
-              <a14:hiddenFill xmlns="" xmlns:a14="http://schemas.microsoft.com/office/drawing/2010/main">
+              <a14:hiddenFill xmlns:a14="http://schemas.microsoft.com/office/drawing/2010/main" xmlns="">
                 <a:solidFill>
                   <a:schemeClr val="accent1"/>
                 </a:solidFill>
               </a14:hiddenFill>
             </a:ext>
             <a:ext uri="{91240B29-F687-4f45-9708-019B960494DF}">
-              <a14:hiddenLine xmlns="" xmlns:a14="http://schemas.microsoft.com/office/drawing/2010/main" w="9525">
+              <a14:hiddenLine xmlns:a14="http://schemas.microsoft.com/office/drawing/2010/main" xmlns="" w="9525">
                 <a:solidFill>
                   <a:schemeClr val="tx1"/>
                 </a:solidFill>
@@ -28087,7 +27492,7 @@
               </a14:hiddenLine>
             </a:ext>
             <a:ext uri="{AF507438-7753-43e0-B8FC-AC1667EBCBE1}">
-              <a14:hiddenEffects xmlns="" xmlns:a14="http://schemas.microsoft.com/office/drawing/2010/main">
+              <a14:hiddenEffects xmlns:a14="http://schemas.microsoft.com/office/drawing/2010/main" xmlns="">
                 <a:effectLst>
                   <a:outerShdw blurRad="63500" dist="38099" dir="2700000" algn="ctr" rotWithShape="0">
                     <a:schemeClr val="bg2">
@@ -28125,13 +27530,6 @@
     <a:masterClrMapping/>
   </p:clrMapOvr>
   <p:transition/>
-  <p:timing>
-    <p:tnLst>
-      <p:par>
-        <p:cTn id="1" dur="indefinite" restart="never" nodeType="tmRoot"/>
-      </p:par>
-    </p:tnLst>
-  </p:timing>
 </p:sld>
 </file>
 
@@ -28221,14 +27619,14 @@
           <a:effectLst/>
           <a:extLst>
             <a:ext uri="{909E8E84-426E-40dd-AFC4-6F175D3DCCD1}">
-              <a14:hiddenFill xmlns="" xmlns:a14="http://schemas.microsoft.com/office/drawing/2010/main">
+              <a14:hiddenFill xmlns:a14="http://schemas.microsoft.com/office/drawing/2010/main" xmlns="">
                 <a:solidFill>
                   <a:schemeClr val="accent1"/>
                 </a:solidFill>
               </a14:hiddenFill>
             </a:ext>
             <a:ext uri="{91240B29-F687-4f45-9708-019B960494DF}">
-              <a14:hiddenLine xmlns="" xmlns:a14="http://schemas.microsoft.com/office/drawing/2010/main" w="9525">
+              <a14:hiddenLine xmlns:a14="http://schemas.microsoft.com/office/drawing/2010/main" xmlns="" w="9525">
                 <a:solidFill>
                   <a:schemeClr val="tx1"/>
                 </a:solidFill>
@@ -28238,7 +27636,7 @@
               </a14:hiddenLine>
             </a:ext>
             <a:ext uri="{AF507438-7753-43e0-B8FC-AC1667EBCBE1}">
-              <a14:hiddenEffects xmlns="" xmlns:a14="http://schemas.microsoft.com/office/drawing/2010/main">
+              <a14:hiddenEffects xmlns:a14="http://schemas.microsoft.com/office/drawing/2010/main" xmlns="">
                 <a:effectLst>
                   <a:outerShdw blurRad="63500" dist="38099" dir="2700000" algn="ctr" rotWithShape="0">
                     <a:schemeClr val="bg2">
@@ -28335,14 +27733,14 @@
           <a:ln/>
           <a:extLst>
             <a:ext uri="{909E8E84-426E-40dd-AFC4-6F175D3DCCD1}">
-              <a14:hiddenFill xmlns="" xmlns:a14="http://schemas.microsoft.com/office/drawing/2010/main">
+              <a14:hiddenFill xmlns:a14="http://schemas.microsoft.com/office/drawing/2010/main" xmlns="">
                 <a:solidFill>
                   <a:srgbClr val="FFFFFF"/>
                 </a:solidFill>
               </a14:hiddenFill>
             </a:ext>
             <a:ext uri="{91240B29-F687-4f45-9708-019B960494DF}">
-              <a14:hiddenLine xmlns="" xmlns:a14="http://schemas.microsoft.com/office/drawing/2010/main" w="9525">
+              <a14:hiddenLine xmlns:a14="http://schemas.microsoft.com/office/drawing/2010/main" xmlns="" w="9525">
                 <a:solidFill>
                   <a:srgbClr val="000000"/>
                 </a:solidFill>
@@ -28352,7 +27750,7 @@
               </a14:hiddenLine>
             </a:ext>
             <a:ext uri="{AF507438-7753-43e0-B8FC-AC1667EBCBE1}">
-              <a14:hiddenEffects xmlns="" xmlns:a14="http://schemas.microsoft.com/office/drawing/2010/main">
+              <a14:hiddenEffects xmlns:a14="http://schemas.microsoft.com/office/drawing/2010/main" xmlns="">
                 <a:effectLst>
                   <a:outerShdw blurRad="63500" dist="38099" dir="2700000" algn="ctr" rotWithShape="0">
                     <a:srgbClr val="808080">
@@ -28371,13 +27769,6 @@
     <a:masterClrMapping/>
   </p:clrMapOvr>
   <p:transition/>
-  <p:timing>
-    <p:tnLst>
-      <p:par>
-        <p:cTn id="1" dur="indefinite" restart="never" nodeType="tmRoot"/>
-      </p:par>
-    </p:tnLst>
-  </p:timing>
 </p:sld>
 </file>
 
@@ -28519,14 +27910,14 @@
           <a:effectLst/>
           <a:extLst>
             <a:ext uri="{909E8E84-426E-40dd-AFC4-6F175D3DCCD1}">
-              <a14:hiddenFill xmlns="" xmlns:a14="http://schemas.microsoft.com/office/drawing/2010/main">
+              <a14:hiddenFill xmlns:a14="http://schemas.microsoft.com/office/drawing/2010/main" xmlns="">
                 <a:solidFill>
                   <a:schemeClr val="accent1"/>
                 </a:solidFill>
               </a14:hiddenFill>
             </a:ext>
             <a:ext uri="{91240B29-F687-4f45-9708-019B960494DF}">
-              <a14:hiddenLine xmlns="" xmlns:a14="http://schemas.microsoft.com/office/drawing/2010/main" w="9525">
+              <a14:hiddenLine xmlns:a14="http://schemas.microsoft.com/office/drawing/2010/main" xmlns="" w="9525">
                 <a:solidFill>
                   <a:schemeClr val="tx1"/>
                 </a:solidFill>
@@ -28536,7 +27927,7 @@
               </a14:hiddenLine>
             </a:ext>
             <a:ext uri="{AF507438-7753-43e0-B8FC-AC1667EBCBE1}">
-              <a14:hiddenEffects xmlns="" xmlns:a14="http://schemas.microsoft.com/office/drawing/2010/main">
+              <a14:hiddenEffects xmlns:a14="http://schemas.microsoft.com/office/drawing/2010/main" xmlns="">
                 <a:effectLst>
                   <a:outerShdw blurRad="63500" dist="38099" dir="2700000" algn="ctr" rotWithShape="0">
                     <a:schemeClr val="bg2">
@@ -28592,14 +27983,14 @@
           <a:effectLst/>
           <a:extLst>
             <a:ext uri="{909E8E84-426E-40dd-AFC4-6F175D3DCCD1}">
-              <a14:hiddenFill xmlns="" xmlns:a14="http://schemas.microsoft.com/office/drawing/2010/main">
+              <a14:hiddenFill xmlns:a14="http://schemas.microsoft.com/office/drawing/2010/main" xmlns="">
                 <a:solidFill>
                   <a:schemeClr val="accent1"/>
                 </a:solidFill>
               </a14:hiddenFill>
             </a:ext>
             <a:ext uri="{91240B29-F687-4f45-9708-019B960494DF}">
-              <a14:hiddenLine xmlns="" xmlns:a14="http://schemas.microsoft.com/office/drawing/2010/main" w="9525">
+              <a14:hiddenLine xmlns:a14="http://schemas.microsoft.com/office/drawing/2010/main" xmlns="" w="9525">
                 <a:solidFill>
                   <a:schemeClr val="tx1"/>
                 </a:solidFill>
@@ -28609,7 +28000,7 @@
               </a14:hiddenLine>
             </a:ext>
             <a:ext uri="{AF507438-7753-43e0-B8FC-AC1667EBCBE1}">
-              <a14:hiddenEffects xmlns="" xmlns:a14="http://schemas.microsoft.com/office/drawing/2010/main">
+              <a14:hiddenEffects xmlns:a14="http://schemas.microsoft.com/office/drawing/2010/main" xmlns="">
                 <a:effectLst>
                   <a:outerShdw blurRad="63500" dist="38099" dir="2700000" algn="ctr" rotWithShape="0">
                     <a:schemeClr val="bg2">
@@ -28648,13 +28039,6 @@
     <a:masterClrMapping/>
   </p:clrMapOvr>
   <p:transition/>
-  <p:timing>
-    <p:tnLst>
-      <p:par>
-        <p:cTn id="1" dur="indefinite" restart="never" nodeType="tmRoot"/>
-      </p:par>
-    </p:tnLst>
-  </p:timing>
 </p:sld>
 </file>
 
@@ -28759,13 +28143,6 @@
     <a:masterClrMapping/>
   </p:clrMapOvr>
   <p:transition/>
-  <p:timing>
-    <p:tnLst>
-      <p:par>
-        <p:cTn id="1" dur="indefinite" restart="never" nodeType="tmRoot"/>
-      </p:par>
-    </p:tnLst>
-  </p:timing>
 </p:sld>
 </file>
 
@@ -28870,13 +28247,6 @@
     <a:masterClrMapping/>
   </p:clrMapOvr>
   <p:transition/>
-  <p:timing>
-    <p:tnLst>
-      <p:par>
-        <p:cTn id="1" dur="indefinite" restart="never" nodeType="tmRoot"/>
-      </p:par>
-    </p:tnLst>
-  </p:timing>
 </p:sld>
 </file>
 
@@ -29146,21 +28516,13 @@
             </a:r>
             <a:r>
               <a:rPr lang="en-US" sz="1600" dirty="0"/>
-              <a:t>, Proceedings of the 2004 Genetic and Evolutionary Computational Conference (GECCO), June 2004</a:t>
-            </a:r>
-            <a:r>
-              <a:rPr lang="en-US" sz="1600" dirty="0" smtClean="0"/>
-              <a:t>.</a:t>
-            </a:r>
-          </a:p>
-          <a:p>
-            <a:r>
-              <a:rPr lang="en-US" sz="1600" dirty="0" smtClean="0"/>
-              <a:t>R. Taylor, N</a:t>
-            </a:r>
+              <a:t>, Proceedings of the 2004 Genetic and Evolutionary Computational Conference (GECCO), June 2004.</a:t>
+            </a:r>
+          </a:p>
+          <a:p>
             <a:r>
               <a:rPr lang="en-US" sz="1600" dirty="0"/>
-              <a:t>. </a:t>
+              <a:t>R. Taylor, N. </a:t>
             </a:r>
             <a:r>
               <a:rPr lang="en-US" sz="1600" dirty="0" err="1"/>
@@ -29171,14 +28533,13 @@
               <a:t> and E. M. </a:t>
             </a:r>
             <a:r>
-              <a:rPr lang="en-US" sz="1600" dirty="0" err="1" smtClean="0"/>
+              <a:rPr lang="en-US" sz="1600" dirty="0" err="1"/>
               <a:t>Dashofy</a:t>
             </a:r>
             <a:r>
-              <a:rPr lang="en-US" sz="1600" dirty="0" smtClean="0"/>
+              <a:rPr lang="en-US" sz="1600" dirty="0"/>
               <a:t>, “Software Architecture: Foundations, Theory and Practice”, Wiley, January 2009.</a:t>
             </a:r>
-            <a:endParaRPr lang="en-US" sz="1600" dirty="0"/>
           </a:p>
           <a:p>
             <a:endParaRPr lang="en-US" sz="1600" dirty="0"/>
@@ -29197,13 +28558,6 @@
     <a:masterClrMapping/>
   </p:clrMapOvr>
   <p:transition/>
-  <p:timing>
-    <p:tnLst>
-      <p:par>
-        <p:cTn id="1" dur="indefinite" restart="never" nodeType="tmRoot"/>
-      </p:par>
-    </p:tnLst>
-  </p:timing>
 </p:sld>
 </file>
 
@@ -29392,13 +28746,6 @@
     <a:masterClrMapping/>
   </p:clrMapOvr>
   <p:transition/>
-  <p:timing>
-    <p:tnLst>
-      <p:par>
-        <p:cTn id="1" dur="indefinite" restart="never" nodeType="tmRoot"/>
-      </p:par>
-    </p:tnLst>
-  </p:timing>
 </p:sld>
 </file>
 
@@ -29507,13 +28854,6 @@
     <a:masterClrMapping/>
   </p:clrMapOvr>
   <p:transition/>
-  <p:timing>
-    <p:tnLst>
-      <p:par>
-        <p:cTn id="1" dur="indefinite" restart="never" nodeType="tmRoot"/>
-      </p:par>
-    </p:tnLst>
-  </p:timing>
 </p:sld>
 </file>
 
@@ -29574,10 +28914,9 @@
           <a:lstStyle/>
           <a:p>
             <a:r>
-              <a:rPr lang="en-US" dirty="0" smtClean="0"/>
+              <a:rPr lang="en-US" dirty="0"/>
               <a:t>So what are software architecture models?</a:t>
             </a:r>
-            <a:endParaRPr lang="en-US" dirty="0"/>
           </a:p>
         </p:txBody>
       </p:sp>
@@ -29597,29 +28936,29 @@
           <a:lstStyle/>
           <a:p>
             <a:r>
-              <a:rPr lang="en-US" dirty="0" smtClean="0"/>
+              <a:rPr lang="en-US" dirty="0"/>
               <a:t>Architecture models capture the foundational design decisions about a system. </a:t>
             </a:r>
           </a:p>
           <a:p>
             <a:pPr lvl="1"/>
             <a:r>
-              <a:rPr lang="en-US" dirty="0" smtClean="0"/>
+              <a:rPr lang="en-US" dirty="0"/>
               <a:t>An architecture model is an </a:t>
             </a:r>
             <a:r>
-              <a:rPr lang="en-US" b="1" dirty="0" smtClean="0"/>
+              <a:rPr lang="en-US" b="1" dirty="0"/>
               <a:t>artifact</a:t>
             </a:r>
             <a:r>
-              <a:rPr lang="en-US" dirty="0" smtClean="0"/>
+              <a:rPr lang="en-US" dirty="0"/>
               <a:t> that captures these decisions</a:t>
             </a:r>
           </a:p>
           <a:p>
             <a:pPr lvl="1"/>
             <a:r>
-              <a:rPr lang="en-US" dirty="0" smtClean="0"/>
+              <a:rPr lang="en-US" dirty="0"/>
               <a:t>These models serve as documentation that can be consumed by various stakeholders </a:t>
             </a:r>
           </a:p>
@@ -29640,13 +28979,6 @@
     <a:masterClrMapping/>
   </p:clrMapOvr>
   <p:transition/>
-  <p:timing>
-    <p:tnLst>
-      <p:par>
-        <p:cTn id="1" dur="indefinite" restart="never" nodeType="tmRoot"/>
-      </p:par>
-    </p:tnLst>
-  </p:timing>
 </p:sld>
 </file>
 
@@ -29707,10 +29039,9 @@
           <a:lstStyle/>
           <a:p>
             <a:r>
-              <a:rPr lang="en-US" dirty="0" smtClean="0"/>
+              <a:rPr lang="en-US" dirty="0"/>
               <a:t>Modeling choices are important!</a:t>
             </a:r>
-            <a:endParaRPr lang="en-US" dirty="0"/>
           </a:p>
         </p:txBody>
       </p:sp>
@@ -29735,62 +29066,62 @@
           <a:lstStyle/>
           <a:p>
             <a:r>
-              <a:rPr lang="en-US" sz="2400" dirty="0" smtClean="0"/>
+              <a:rPr lang="en-US" sz="2400" dirty="0"/>
               <a:t>The choice of what to model is important! </a:t>
             </a:r>
           </a:p>
           <a:p>
             <a:pPr lvl="1"/>
             <a:r>
-              <a:rPr lang="en-US" sz="2000" dirty="0" smtClean="0"/>
+              <a:rPr lang="en-US" sz="2000" dirty="0"/>
               <a:t>This activity takes time and costs money so picking what to model becomes a critical activity</a:t>
             </a:r>
           </a:p>
           <a:p>
             <a:r>
-              <a:rPr lang="en-US" sz="2400" dirty="0" smtClean="0"/>
+              <a:rPr lang="en-US" sz="2400" dirty="0"/>
               <a:t>The choice of how detailed your models are are important!</a:t>
             </a:r>
           </a:p>
           <a:p>
             <a:pPr lvl="1"/>
             <a:r>
-              <a:rPr lang="en-US" sz="2000" dirty="0" smtClean="0"/>
+              <a:rPr lang="en-US" sz="2000" dirty="0"/>
               <a:t>What stakeholders are you trying to influence?</a:t>
             </a:r>
           </a:p>
           <a:p>
             <a:pPr lvl="1"/>
             <a:r>
-              <a:rPr lang="en-US" sz="2000" dirty="0" smtClean="0"/>
+              <a:rPr lang="en-US" sz="2000" dirty="0"/>
               <a:t>How much detail is needed to describe the architecture to the stakeholders?</a:t>
             </a:r>
           </a:p>
           <a:p>
             <a:pPr lvl="1"/>
             <a:r>
-              <a:rPr lang="en-US" sz="2000" dirty="0" smtClean="0"/>
+              <a:rPr lang="en-US" sz="2000" dirty="0"/>
               <a:t>Does the model describe the design, or is the model intended </a:t>
             </a:r>
             <a:r>
-              <a:rPr lang="en-US" sz="2000" smtClean="0"/>
+              <a:rPr lang="en-US" sz="2000"/>
               <a:t>to influence </a:t>
             </a:r>
             <a:r>
-              <a:rPr lang="en-US" sz="2000" dirty="0" smtClean="0"/>
+              <a:rPr lang="en-US" sz="2000" dirty="0"/>
               <a:t>a decision?</a:t>
             </a:r>
           </a:p>
           <a:p>
             <a:r>
-              <a:rPr lang="en-US" sz="2400" dirty="0" smtClean="0"/>
+              <a:rPr lang="en-US" sz="2400" dirty="0"/>
               <a:t>The choice of what notation is used to document your architecture is important!</a:t>
             </a:r>
           </a:p>
           <a:p>
             <a:pPr lvl="1"/>
             <a:r>
-              <a:rPr lang="en-US" sz="2000" dirty="0" smtClean="0"/>
+              <a:rPr lang="en-US" sz="2000" dirty="0"/>
               <a:t>Should you use formal, or semi-formal notations  </a:t>
             </a:r>
           </a:p>
@@ -29811,13 +29142,6 @@
     <a:masterClrMapping/>
   </p:clrMapOvr>
   <p:transition/>
-  <p:timing>
-    <p:tnLst>
-      <p:par>
-        <p:cTn id="1" dur="indefinite" restart="never" nodeType="tmRoot"/>
-      </p:par>
-    </p:tnLst>
-  </p:timing>
 </p:sld>
 </file>
 
@@ -30067,7 +29391,7 @@
         <a:effectLst/>
         <a:extLst>
           <a:ext uri="{AF507438-7753-43e0-B8FC-AC1667EBCBE1}">
-            <a14:hiddenEffects xmlns="" xmlns:a14="http://schemas.microsoft.com/office/drawing/2010/main">
+            <a14:hiddenEffects xmlns:a14="http://schemas.microsoft.com/office/drawing/2010/main" xmlns="">
               <a:effectLst>
                 <a:outerShdw blurRad="63500" dist="38099" dir="2700000" algn="ctr" rotWithShape="0">
                   <a:schemeClr val="bg2">
@@ -30143,7 +29467,7 @@
         <a:effectLst/>
         <a:extLst>
           <a:ext uri="{AF507438-7753-43e0-B8FC-AC1667EBCBE1}">
-            <a14:hiddenEffects xmlns="" xmlns:a14="http://schemas.microsoft.com/office/drawing/2010/main">
+            <a14:hiddenEffects xmlns:a14="http://schemas.microsoft.com/office/drawing/2010/main" xmlns="">
               <a:effectLst>
                 <a:outerShdw blurRad="63500" dist="38099" dir="2700000" algn="ctr" rotWithShape="0">
                   <a:schemeClr val="bg2">
